--- a/slide-decks/dapr-agents-basics.pptx
+++ b/slide-decks/dapr-agents-basics.pptx
@@ -5,7 +5,7 @@
     <p:sldMasterId id="2147483660" r:id="rId1"/>
   </p:sldMasterIdLst>
   <p:notesMasterIdLst>
-    <p:notesMasterId r:id="rId15"/>
+    <p:notesMasterId r:id="rId14"/>
   </p:notesMasterIdLst>
   <p:sldIdLst>
     <p:sldId id="264" r:id="rId2"/>
@@ -14,13 +14,12 @@
     <p:sldId id="258" r:id="rId5"/>
     <p:sldId id="259" r:id="rId6"/>
     <p:sldId id="260" r:id="rId7"/>
-    <p:sldId id="261" r:id="rId8"/>
-    <p:sldId id="262" r:id="rId9"/>
-    <p:sldId id="265" r:id="rId10"/>
-    <p:sldId id="266" r:id="rId11"/>
-    <p:sldId id="267" r:id="rId12"/>
-    <p:sldId id="268" r:id="rId13"/>
-    <p:sldId id="270" r:id="rId14"/>
+    <p:sldId id="262" r:id="rId8"/>
+    <p:sldId id="265" r:id="rId9"/>
+    <p:sldId id="266" r:id="rId10"/>
+    <p:sldId id="267" r:id="rId11"/>
+    <p:sldId id="268" r:id="rId12"/>
+    <p:sldId id="270" r:id="rId13"/>
   </p:sldIdLst>
   <p:sldSz cx="12192000" cy="6858000"/>
   <p:notesSz cx="6858000" cy="9144000"/>
@@ -2407,753 +2406,6 @@
 </dgm:colorsDef>
 </file>
 
-<file path=ppt/diagrams/colors4.xml><?xml version="1.0" encoding="utf-8"?>
-<dgm:colorsDef xmlns:dgm="http://schemas.openxmlformats.org/drawingml/2006/diagram" xmlns:a="http://schemas.openxmlformats.org/drawingml/2006/main" uniqueId="urn:microsoft.com/office/officeart/2005/8/colors/accent5_2">
-  <dgm:title val=""/>
-  <dgm:desc val=""/>
-  <dgm:catLst>
-    <dgm:cat type="accent5" pri="11200"/>
-  </dgm:catLst>
-  <dgm:styleLbl name="node0">
-    <dgm:fillClrLst meth="repeat">
-      <a:schemeClr val="accent5"/>
-    </dgm:fillClrLst>
-    <dgm:linClrLst meth="repeat">
-      <a:schemeClr val="lt1"/>
-    </dgm:linClrLst>
-    <dgm:effectClrLst/>
-    <dgm:txLinClrLst/>
-    <dgm:txFillClrLst/>
-    <dgm:txEffectClrLst/>
-  </dgm:styleLbl>
-  <dgm:styleLbl name="node1">
-    <dgm:fillClrLst meth="repeat">
-      <a:schemeClr val="accent5"/>
-    </dgm:fillClrLst>
-    <dgm:linClrLst meth="repeat">
-      <a:schemeClr val="lt1"/>
-    </dgm:linClrLst>
-    <dgm:effectClrLst/>
-    <dgm:txLinClrLst/>
-    <dgm:txFillClrLst/>
-    <dgm:txEffectClrLst/>
-  </dgm:styleLbl>
-  <dgm:styleLbl name="alignNode1">
-    <dgm:fillClrLst meth="repeat">
-      <a:schemeClr val="accent5"/>
-    </dgm:fillClrLst>
-    <dgm:linClrLst meth="repeat">
-      <a:schemeClr val="accent5"/>
-    </dgm:linClrLst>
-    <dgm:effectClrLst/>
-    <dgm:txLinClrLst/>
-    <dgm:txFillClrLst/>
-    <dgm:txEffectClrLst/>
-  </dgm:styleLbl>
-  <dgm:styleLbl name="lnNode1">
-    <dgm:fillClrLst meth="repeat">
-      <a:schemeClr val="accent5"/>
-    </dgm:fillClrLst>
-    <dgm:linClrLst meth="repeat">
-      <a:schemeClr val="lt1"/>
-    </dgm:linClrLst>
-    <dgm:effectClrLst/>
-    <dgm:txLinClrLst/>
-    <dgm:txFillClrLst/>
-    <dgm:txEffectClrLst/>
-  </dgm:styleLbl>
-  <dgm:styleLbl name="vennNode1">
-    <dgm:fillClrLst meth="repeat">
-      <a:schemeClr val="accent5">
-        <a:alpha val="50000"/>
-      </a:schemeClr>
-    </dgm:fillClrLst>
-    <dgm:linClrLst meth="repeat">
-      <a:schemeClr val="lt1"/>
-    </dgm:linClrLst>
-    <dgm:effectClrLst/>
-    <dgm:txLinClrLst/>
-    <dgm:txFillClrLst/>
-    <dgm:txEffectClrLst/>
-  </dgm:styleLbl>
-  <dgm:styleLbl name="node2">
-    <dgm:fillClrLst meth="repeat">
-      <a:schemeClr val="accent5"/>
-    </dgm:fillClrLst>
-    <dgm:linClrLst meth="repeat">
-      <a:schemeClr val="lt1"/>
-    </dgm:linClrLst>
-    <dgm:effectClrLst/>
-    <dgm:txLinClrLst/>
-    <dgm:txFillClrLst/>
-    <dgm:txEffectClrLst/>
-  </dgm:styleLbl>
-  <dgm:styleLbl name="node3">
-    <dgm:fillClrLst meth="repeat">
-      <a:schemeClr val="accent5"/>
-    </dgm:fillClrLst>
-    <dgm:linClrLst meth="repeat">
-      <a:schemeClr val="lt1"/>
-    </dgm:linClrLst>
-    <dgm:effectClrLst/>
-    <dgm:txLinClrLst/>
-    <dgm:txFillClrLst/>
-    <dgm:txEffectClrLst/>
-  </dgm:styleLbl>
-  <dgm:styleLbl name="node4">
-    <dgm:fillClrLst meth="repeat">
-      <a:schemeClr val="accent5"/>
-    </dgm:fillClrLst>
-    <dgm:linClrLst meth="repeat">
-      <a:schemeClr val="lt1"/>
-    </dgm:linClrLst>
-    <dgm:effectClrLst/>
-    <dgm:txLinClrLst/>
-    <dgm:txFillClrLst/>
-    <dgm:txEffectClrLst/>
-  </dgm:styleLbl>
-  <dgm:styleLbl name="fgImgPlace1">
-    <dgm:fillClrLst meth="repeat">
-      <a:schemeClr val="accent5">
-        <a:tint val="50000"/>
-      </a:schemeClr>
-    </dgm:fillClrLst>
-    <dgm:linClrLst meth="repeat">
-      <a:schemeClr val="lt1"/>
-    </dgm:linClrLst>
-    <dgm:effectClrLst/>
-    <dgm:txLinClrLst/>
-    <dgm:txFillClrLst meth="repeat">
-      <a:schemeClr val="lt1"/>
-    </dgm:txFillClrLst>
-    <dgm:txEffectClrLst/>
-  </dgm:styleLbl>
-  <dgm:styleLbl name="alignImgPlace1">
-    <dgm:fillClrLst meth="repeat">
-      <a:schemeClr val="accent5">
-        <a:tint val="50000"/>
-      </a:schemeClr>
-    </dgm:fillClrLst>
-    <dgm:linClrLst meth="repeat">
-      <a:schemeClr val="lt1"/>
-    </dgm:linClrLst>
-    <dgm:effectClrLst/>
-    <dgm:txLinClrLst/>
-    <dgm:txFillClrLst meth="repeat">
-      <a:schemeClr val="lt1"/>
-    </dgm:txFillClrLst>
-    <dgm:txEffectClrLst/>
-  </dgm:styleLbl>
-  <dgm:styleLbl name="bgImgPlace1">
-    <dgm:fillClrLst meth="repeat">
-      <a:schemeClr val="accent5">
-        <a:tint val="50000"/>
-      </a:schemeClr>
-    </dgm:fillClrLst>
-    <dgm:linClrLst meth="repeat">
-      <a:schemeClr val="lt1"/>
-    </dgm:linClrLst>
-    <dgm:effectClrLst/>
-    <dgm:txLinClrLst/>
-    <dgm:txFillClrLst meth="repeat">
-      <a:schemeClr val="lt1"/>
-    </dgm:txFillClrLst>
-    <dgm:txEffectClrLst/>
-  </dgm:styleLbl>
-  <dgm:styleLbl name="sibTrans2D1">
-    <dgm:fillClrLst meth="repeat">
-      <a:schemeClr val="accent5">
-        <a:tint val="60000"/>
-      </a:schemeClr>
-    </dgm:fillClrLst>
-    <dgm:linClrLst meth="repeat">
-      <a:schemeClr val="accent5">
-        <a:tint val="60000"/>
-      </a:schemeClr>
-    </dgm:linClrLst>
-    <dgm:effectClrLst/>
-    <dgm:txLinClrLst/>
-    <dgm:txFillClrLst/>
-    <dgm:txEffectClrLst/>
-  </dgm:styleLbl>
-  <dgm:styleLbl name="fgSibTrans2D1">
-    <dgm:fillClrLst meth="repeat">
-      <a:schemeClr val="accent5">
-        <a:tint val="60000"/>
-      </a:schemeClr>
-    </dgm:fillClrLst>
-    <dgm:linClrLst meth="repeat">
-      <a:schemeClr val="accent5">
-        <a:tint val="60000"/>
-      </a:schemeClr>
-    </dgm:linClrLst>
-    <dgm:effectClrLst/>
-    <dgm:txLinClrLst/>
-    <dgm:txFillClrLst/>
-    <dgm:txEffectClrLst/>
-  </dgm:styleLbl>
-  <dgm:styleLbl name="bgSibTrans2D1">
-    <dgm:fillClrLst meth="repeat">
-      <a:schemeClr val="accent5">
-        <a:tint val="60000"/>
-      </a:schemeClr>
-    </dgm:fillClrLst>
-    <dgm:linClrLst meth="repeat">
-      <a:schemeClr val="accent5">
-        <a:tint val="60000"/>
-      </a:schemeClr>
-    </dgm:linClrLst>
-    <dgm:effectClrLst/>
-    <dgm:txLinClrLst/>
-    <dgm:txFillClrLst/>
-    <dgm:txEffectClrLst/>
-  </dgm:styleLbl>
-  <dgm:styleLbl name="sibTrans1D1">
-    <dgm:fillClrLst meth="repeat">
-      <a:schemeClr val="accent5"/>
-    </dgm:fillClrLst>
-    <dgm:linClrLst meth="repeat">
-      <a:schemeClr val="accent5"/>
-    </dgm:linClrLst>
-    <dgm:effectClrLst/>
-    <dgm:txLinClrLst/>
-    <dgm:txFillClrLst meth="repeat">
-      <a:schemeClr val="tx1"/>
-    </dgm:txFillClrLst>
-    <dgm:txEffectClrLst/>
-  </dgm:styleLbl>
-  <dgm:styleLbl name="callout">
-    <dgm:fillClrLst meth="repeat">
-      <a:schemeClr val="accent5"/>
-    </dgm:fillClrLst>
-    <dgm:linClrLst meth="repeat">
-      <a:schemeClr val="accent5">
-        <a:tint val="50000"/>
-      </a:schemeClr>
-    </dgm:linClrLst>
-    <dgm:effectClrLst/>
-    <dgm:txLinClrLst/>
-    <dgm:txFillClrLst meth="repeat">
-      <a:schemeClr val="tx1"/>
-    </dgm:txFillClrLst>
-    <dgm:txEffectClrLst/>
-  </dgm:styleLbl>
-  <dgm:styleLbl name="asst0">
-    <dgm:fillClrLst meth="repeat">
-      <a:schemeClr val="accent5"/>
-    </dgm:fillClrLst>
-    <dgm:linClrLst meth="repeat">
-      <a:schemeClr val="lt1"/>
-    </dgm:linClrLst>
-    <dgm:effectClrLst/>
-    <dgm:txLinClrLst/>
-    <dgm:txFillClrLst/>
-    <dgm:txEffectClrLst/>
-  </dgm:styleLbl>
-  <dgm:styleLbl name="asst1">
-    <dgm:fillClrLst meth="repeat">
-      <a:schemeClr val="accent5"/>
-    </dgm:fillClrLst>
-    <dgm:linClrLst meth="repeat">
-      <a:schemeClr val="lt1"/>
-    </dgm:linClrLst>
-    <dgm:effectClrLst/>
-    <dgm:txLinClrLst/>
-    <dgm:txFillClrLst/>
-    <dgm:txEffectClrLst/>
-  </dgm:styleLbl>
-  <dgm:styleLbl name="asst2">
-    <dgm:fillClrLst meth="repeat">
-      <a:schemeClr val="accent5"/>
-    </dgm:fillClrLst>
-    <dgm:linClrLst meth="repeat">
-      <a:schemeClr val="lt1"/>
-    </dgm:linClrLst>
-    <dgm:effectClrLst/>
-    <dgm:txLinClrLst/>
-    <dgm:txFillClrLst/>
-    <dgm:txEffectClrLst/>
-  </dgm:styleLbl>
-  <dgm:styleLbl name="asst3">
-    <dgm:fillClrLst meth="repeat">
-      <a:schemeClr val="accent5"/>
-    </dgm:fillClrLst>
-    <dgm:linClrLst meth="repeat">
-      <a:schemeClr val="lt1"/>
-    </dgm:linClrLst>
-    <dgm:effectClrLst/>
-    <dgm:txLinClrLst/>
-    <dgm:txFillClrLst/>
-    <dgm:txEffectClrLst/>
-  </dgm:styleLbl>
-  <dgm:styleLbl name="asst4">
-    <dgm:fillClrLst meth="repeat">
-      <a:schemeClr val="accent5"/>
-    </dgm:fillClrLst>
-    <dgm:linClrLst meth="repeat">
-      <a:schemeClr val="lt1"/>
-    </dgm:linClrLst>
-    <dgm:effectClrLst/>
-    <dgm:txLinClrLst/>
-    <dgm:txFillClrLst/>
-    <dgm:txEffectClrLst/>
-  </dgm:styleLbl>
-  <dgm:styleLbl name="parChTrans2D1">
-    <dgm:fillClrLst meth="repeat">
-      <a:schemeClr val="accent5">
-        <a:tint val="60000"/>
-      </a:schemeClr>
-    </dgm:fillClrLst>
-    <dgm:linClrLst meth="repeat">
-      <a:schemeClr val="accent5">
-        <a:tint val="60000"/>
-      </a:schemeClr>
-    </dgm:linClrLst>
-    <dgm:effectClrLst/>
-    <dgm:txLinClrLst/>
-    <dgm:txFillClrLst meth="repeat">
-      <a:schemeClr val="lt1"/>
-    </dgm:txFillClrLst>
-    <dgm:txEffectClrLst/>
-  </dgm:styleLbl>
-  <dgm:styleLbl name="parChTrans2D2">
-    <dgm:fillClrLst meth="repeat">
-      <a:schemeClr val="accent5"/>
-    </dgm:fillClrLst>
-    <dgm:linClrLst meth="repeat">
-      <a:schemeClr val="accent5"/>
-    </dgm:linClrLst>
-    <dgm:effectClrLst/>
-    <dgm:txLinClrLst/>
-    <dgm:txFillClrLst meth="repeat">
-      <a:schemeClr val="lt1"/>
-    </dgm:txFillClrLst>
-    <dgm:txEffectClrLst/>
-  </dgm:styleLbl>
-  <dgm:styleLbl name="parChTrans2D3">
-    <dgm:fillClrLst meth="repeat">
-      <a:schemeClr val="accent5"/>
-    </dgm:fillClrLst>
-    <dgm:linClrLst meth="repeat">
-      <a:schemeClr val="accent5"/>
-    </dgm:linClrLst>
-    <dgm:effectClrLst/>
-    <dgm:txLinClrLst/>
-    <dgm:txFillClrLst meth="repeat">
-      <a:schemeClr val="lt1"/>
-    </dgm:txFillClrLst>
-    <dgm:txEffectClrLst/>
-  </dgm:styleLbl>
-  <dgm:styleLbl name="parChTrans2D4">
-    <dgm:fillClrLst meth="repeat">
-      <a:schemeClr val="accent5"/>
-    </dgm:fillClrLst>
-    <dgm:linClrLst meth="repeat">
-      <a:schemeClr val="accent5"/>
-    </dgm:linClrLst>
-    <dgm:effectClrLst/>
-    <dgm:txLinClrLst/>
-    <dgm:txFillClrLst meth="repeat">
-      <a:schemeClr val="lt1"/>
-    </dgm:txFillClrLst>
-    <dgm:txEffectClrLst/>
-  </dgm:styleLbl>
-  <dgm:styleLbl name="parChTrans1D1">
-    <dgm:fillClrLst meth="repeat">
-      <a:schemeClr val="accent5"/>
-    </dgm:fillClrLst>
-    <dgm:linClrLst meth="repeat">
-      <a:schemeClr val="accent5">
-        <a:shade val="60000"/>
-      </a:schemeClr>
-    </dgm:linClrLst>
-    <dgm:effectClrLst/>
-    <dgm:txLinClrLst/>
-    <dgm:txFillClrLst meth="repeat">
-      <a:schemeClr val="tx1"/>
-    </dgm:txFillClrLst>
-    <dgm:txEffectClrLst/>
-  </dgm:styleLbl>
-  <dgm:styleLbl name="parChTrans1D2">
-    <dgm:fillClrLst meth="repeat">
-      <a:schemeClr val="accent5"/>
-    </dgm:fillClrLst>
-    <dgm:linClrLst meth="repeat">
-      <a:schemeClr val="accent5">
-        <a:shade val="60000"/>
-      </a:schemeClr>
-    </dgm:linClrLst>
-    <dgm:effectClrLst/>
-    <dgm:txLinClrLst/>
-    <dgm:txFillClrLst meth="repeat">
-      <a:schemeClr val="tx1"/>
-    </dgm:txFillClrLst>
-    <dgm:txEffectClrLst/>
-  </dgm:styleLbl>
-  <dgm:styleLbl name="parChTrans1D3">
-    <dgm:fillClrLst meth="repeat">
-      <a:schemeClr val="accent5"/>
-    </dgm:fillClrLst>
-    <dgm:linClrLst meth="repeat">
-      <a:schemeClr val="accent5">
-        <a:shade val="80000"/>
-      </a:schemeClr>
-    </dgm:linClrLst>
-    <dgm:effectClrLst/>
-    <dgm:txLinClrLst/>
-    <dgm:txFillClrLst meth="repeat">
-      <a:schemeClr val="tx1"/>
-    </dgm:txFillClrLst>
-    <dgm:txEffectClrLst/>
-  </dgm:styleLbl>
-  <dgm:styleLbl name="parChTrans1D4">
-    <dgm:fillClrLst meth="repeat">
-      <a:schemeClr val="accent5"/>
-    </dgm:fillClrLst>
-    <dgm:linClrLst meth="repeat">
-      <a:schemeClr val="accent5">
-        <a:shade val="80000"/>
-      </a:schemeClr>
-    </dgm:linClrLst>
-    <dgm:effectClrLst/>
-    <dgm:txLinClrLst/>
-    <dgm:txFillClrLst meth="repeat">
-      <a:schemeClr val="tx1"/>
-    </dgm:txFillClrLst>
-    <dgm:txEffectClrLst/>
-  </dgm:styleLbl>
-  <dgm:styleLbl name="fgAcc1">
-    <dgm:fillClrLst meth="repeat">
-      <a:schemeClr val="lt1">
-        <a:alpha val="90000"/>
-      </a:schemeClr>
-    </dgm:fillClrLst>
-    <dgm:linClrLst meth="repeat">
-      <a:schemeClr val="accent5"/>
-    </dgm:linClrLst>
-    <dgm:effectClrLst/>
-    <dgm:txLinClrLst/>
-    <dgm:txFillClrLst meth="repeat">
-      <a:schemeClr val="dk1"/>
-    </dgm:txFillClrLst>
-    <dgm:txEffectClrLst/>
-  </dgm:styleLbl>
-  <dgm:styleLbl name="conFgAcc1">
-    <dgm:fillClrLst meth="repeat">
-      <a:schemeClr val="lt1">
-        <a:alpha val="90000"/>
-      </a:schemeClr>
-    </dgm:fillClrLst>
-    <dgm:linClrLst meth="repeat">
-      <a:schemeClr val="accent5"/>
-    </dgm:linClrLst>
-    <dgm:effectClrLst/>
-    <dgm:txLinClrLst/>
-    <dgm:txFillClrLst meth="repeat">
-      <a:schemeClr val="dk1"/>
-    </dgm:txFillClrLst>
-    <dgm:txEffectClrLst/>
-  </dgm:styleLbl>
-  <dgm:styleLbl name="alignAcc1">
-    <dgm:fillClrLst meth="repeat">
-      <a:schemeClr val="lt1">
-        <a:alpha val="90000"/>
-      </a:schemeClr>
-    </dgm:fillClrLst>
-    <dgm:linClrLst meth="repeat">
-      <a:schemeClr val="accent5"/>
-    </dgm:linClrLst>
-    <dgm:effectClrLst/>
-    <dgm:txLinClrLst/>
-    <dgm:txFillClrLst meth="repeat">
-      <a:schemeClr val="dk1"/>
-    </dgm:txFillClrLst>
-    <dgm:txEffectClrLst/>
-  </dgm:styleLbl>
-  <dgm:styleLbl name="trAlignAcc1">
-    <dgm:fillClrLst meth="repeat">
-      <a:schemeClr val="lt1">
-        <a:alpha val="40000"/>
-      </a:schemeClr>
-    </dgm:fillClrLst>
-    <dgm:linClrLst meth="repeat">
-      <a:schemeClr val="accent5"/>
-    </dgm:linClrLst>
-    <dgm:effectClrLst/>
-    <dgm:txLinClrLst/>
-    <dgm:txFillClrLst meth="repeat">
-      <a:schemeClr val="dk1"/>
-    </dgm:txFillClrLst>
-    <dgm:txEffectClrLst/>
-  </dgm:styleLbl>
-  <dgm:styleLbl name="bgAcc1">
-    <dgm:fillClrLst meth="repeat">
-      <a:schemeClr val="lt1">
-        <a:alpha val="90000"/>
-      </a:schemeClr>
-    </dgm:fillClrLst>
-    <dgm:linClrLst meth="repeat">
-      <a:schemeClr val="accent5"/>
-    </dgm:linClrLst>
-    <dgm:effectClrLst/>
-    <dgm:txLinClrLst/>
-    <dgm:txFillClrLst meth="repeat">
-      <a:schemeClr val="dk1"/>
-    </dgm:txFillClrLst>
-    <dgm:txEffectClrLst/>
-  </dgm:styleLbl>
-  <dgm:styleLbl name="solidFgAcc1">
-    <dgm:fillClrLst meth="repeat">
-      <a:schemeClr val="lt1"/>
-    </dgm:fillClrLst>
-    <dgm:linClrLst meth="repeat">
-      <a:schemeClr val="accent5"/>
-    </dgm:linClrLst>
-    <dgm:effectClrLst/>
-    <dgm:txLinClrLst/>
-    <dgm:txFillClrLst meth="repeat">
-      <a:schemeClr val="dk1"/>
-    </dgm:txFillClrLst>
-    <dgm:txEffectClrLst/>
-  </dgm:styleLbl>
-  <dgm:styleLbl name="solidAlignAcc1">
-    <dgm:fillClrLst meth="repeat">
-      <a:schemeClr val="lt1"/>
-    </dgm:fillClrLst>
-    <dgm:linClrLst meth="repeat">
-      <a:schemeClr val="accent5"/>
-    </dgm:linClrLst>
-    <dgm:effectClrLst/>
-    <dgm:txLinClrLst/>
-    <dgm:txFillClrLst meth="repeat">
-      <a:schemeClr val="dk1"/>
-    </dgm:txFillClrLst>
-    <dgm:txEffectClrLst/>
-  </dgm:styleLbl>
-  <dgm:styleLbl name="solidBgAcc1">
-    <dgm:fillClrLst meth="repeat">
-      <a:schemeClr val="lt1"/>
-    </dgm:fillClrLst>
-    <dgm:linClrLst meth="repeat">
-      <a:schemeClr val="accent5"/>
-    </dgm:linClrLst>
-    <dgm:effectClrLst/>
-    <dgm:txLinClrLst/>
-    <dgm:txFillClrLst meth="repeat">
-      <a:schemeClr val="dk1"/>
-    </dgm:txFillClrLst>
-    <dgm:txEffectClrLst/>
-  </dgm:styleLbl>
-  <dgm:styleLbl name="fgAccFollowNode1">
-    <dgm:fillClrLst meth="repeat">
-      <a:schemeClr val="accent5">
-        <a:alpha val="90000"/>
-        <a:tint val="40000"/>
-      </a:schemeClr>
-    </dgm:fillClrLst>
-    <dgm:linClrLst meth="repeat">
-      <a:schemeClr val="accent5">
-        <a:alpha val="90000"/>
-        <a:tint val="40000"/>
-      </a:schemeClr>
-    </dgm:linClrLst>
-    <dgm:effectClrLst/>
-    <dgm:txLinClrLst/>
-    <dgm:txFillClrLst meth="repeat">
-      <a:schemeClr val="dk1"/>
-    </dgm:txFillClrLst>
-    <dgm:txEffectClrLst/>
-  </dgm:styleLbl>
-  <dgm:styleLbl name="alignAccFollowNode1">
-    <dgm:fillClrLst meth="repeat">
-      <a:schemeClr val="accent5">
-        <a:alpha val="90000"/>
-        <a:tint val="40000"/>
-      </a:schemeClr>
-    </dgm:fillClrLst>
-    <dgm:linClrLst meth="repeat">
-      <a:schemeClr val="accent5">
-        <a:alpha val="90000"/>
-        <a:tint val="40000"/>
-      </a:schemeClr>
-    </dgm:linClrLst>
-    <dgm:effectClrLst/>
-    <dgm:txLinClrLst/>
-    <dgm:txFillClrLst meth="repeat">
-      <a:schemeClr val="dk1"/>
-    </dgm:txFillClrLst>
-    <dgm:txEffectClrLst/>
-  </dgm:styleLbl>
-  <dgm:styleLbl name="bgAccFollowNode1">
-    <dgm:fillClrLst meth="repeat">
-      <a:schemeClr val="accent5">
-        <a:alpha val="90000"/>
-        <a:tint val="40000"/>
-      </a:schemeClr>
-    </dgm:fillClrLst>
-    <dgm:linClrLst meth="repeat">
-      <a:schemeClr val="accent5">
-        <a:alpha val="90000"/>
-        <a:tint val="40000"/>
-      </a:schemeClr>
-    </dgm:linClrLst>
-    <dgm:effectClrLst/>
-    <dgm:txLinClrLst/>
-    <dgm:txFillClrLst meth="repeat">
-      <a:schemeClr val="dk1"/>
-    </dgm:txFillClrLst>
-    <dgm:txEffectClrLst/>
-  </dgm:styleLbl>
-  <dgm:styleLbl name="fgAcc0">
-    <dgm:fillClrLst meth="repeat">
-      <a:schemeClr val="lt1">
-        <a:alpha val="90000"/>
-      </a:schemeClr>
-    </dgm:fillClrLst>
-    <dgm:linClrLst meth="repeat">
-      <a:schemeClr val="accent5"/>
-    </dgm:linClrLst>
-    <dgm:effectClrLst/>
-    <dgm:txLinClrLst/>
-    <dgm:txFillClrLst meth="repeat">
-      <a:schemeClr val="dk1"/>
-    </dgm:txFillClrLst>
-    <dgm:txEffectClrLst/>
-  </dgm:styleLbl>
-  <dgm:styleLbl name="fgAcc2">
-    <dgm:fillClrLst meth="repeat">
-      <a:schemeClr val="lt1">
-        <a:alpha val="90000"/>
-      </a:schemeClr>
-    </dgm:fillClrLst>
-    <dgm:linClrLst meth="repeat">
-      <a:schemeClr val="accent5"/>
-    </dgm:linClrLst>
-    <dgm:effectClrLst/>
-    <dgm:txLinClrLst/>
-    <dgm:txFillClrLst meth="repeat">
-      <a:schemeClr val="dk1"/>
-    </dgm:txFillClrLst>
-    <dgm:txEffectClrLst/>
-  </dgm:styleLbl>
-  <dgm:styleLbl name="fgAcc3">
-    <dgm:fillClrLst meth="repeat">
-      <a:schemeClr val="lt1">
-        <a:alpha val="90000"/>
-      </a:schemeClr>
-    </dgm:fillClrLst>
-    <dgm:linClrLst meth="repeat">
-      <a:schemeClr val="accent5"/>
-    </dgm:linClrLst>
-    <dgm:effectClrLst/>
-    <dgm:txLinClrLst/>
-    <dgm:txFillClrLst meth="repeat">
-      <a:schemeClr val="dk1"/>
-    </dgm:txFillClrLst>
-    <dgm:txEffectClrLst/>
-  </dgm:styleLbl>
-  <dgm:styleLbl name="fgAcc4">
-    <dgm:fillClrLst meth="repeat">
-      <a:schemeClr val="lt1">
-        <a:alpha val="90000"/>
-      </a:schemeClr>
-    </dgm:fillClrLst>
-    <dgm:linClrLst meth="repeat">
-      <a:schemeClr val="accent5"/>
-    </dgm:linClrLst>
-    <dgm:effectClrLst/>
-    <dgm:txLinClrLst/>
-    <dgm:txFillClrLst meth="repeat">
-      <a:schemeClr val="dk1"/>
-    </dgm:txFillClrLst>
-    <dgm:txEffectClrLst/>
-  </dgm:styleLbl>
-  <dgm:styleLbl name="bgShp">
-    <dgm:fillClrLst meth="repeat">
-      <a:schemeClr val="accent5">
-        <a:tint val="40000"/>
-      </a:schemeClr>
-    </dgm:fillClrLst>
-    <dgm:linClrLst meth="repeat">
-      <a:schemeClr val="accent5"/>
-    </dgm:linClrLst>
-    <dgm:effectClrLst/>
-    <dgm:txLinClrLst/>
-    <dgm:txFillClrLst meth="repeat">
-      <a:schemeClr val="dk1"/>
-    </dgm:txFillClrLst>
-    <dgm:txEffectClrLst/>
-  </dgm:styleLbl>
-  <dgm:styleLbl name="dkBgShp">
-    <dgm:fillClrLst meth="repeat">
-      <a:schemeClr val="accent5">
-        <a:shade val="80000"/>
-      </a:schemeClr>
-    </dgm:fillClrLst>
-    <dgm:linClrLst meth="repeat">
-      <a:schemeClr val="accent5"/>
-    </dgm:linClrLst>
-    <dgm:effectClrLst/>
-    <dgm:txLinClrLst/>
-    <dgm:txFillClrLst meth="repeat">
-      <a:schemeClr val="lt1"/>
-    </dgm:txFillClrLst>
-    <dgm:txEffectClrLst/>
-  </dgm:styleLbl>
-  <dgm:styleLbl name="trBgShp">
-    <dgm:fillClrLst meth="repeat">
-      <a:schemeClr val="accent5">
-        <a:tint val="50000"/>
-        <a:alpha val="40000"/>
-      </a:schemeClr>
-    </dgm:fillClrLst>
-    <dgm:linClrLst meth="repeat">
-      <a:schemeClr val="accent5"/>
-    </dgm:linClrLst>
-    <dgm:effectClrLst/>
-    <dgm:txLinClrLst/>
-    <dgm:txFillClrLst meth="repeat">
-      <a:schemeClr val="lt1"/>
-    </dgm:txFillClrLst>
-    <dgm:txEffectClrLst/>
-  </dgm:styleLbl>
-  <dgm:styleLbl name="fgShp">
-    <dgm:fillClrLst meth="repeat">
-      <a:schemeClr val="accent5">
-        <a:tint val="60000"/>
-      </a:schemeClr>
-    </dgm:fillClrLst>
-    <dgm:linClrLst meth="repeat">
-      <a:schemeClr val="lt1"/>
-    </dgm:linClrLst>
-    <dgm:effectClrLst/>
-    <dgm:txLinClrLst/>
-    <dgm:txFillClrLst meth="repeat">
-      <a:schemeClr val="dk1"/>
-    </dgm:txFillClrLst>
-    <dgm:txEffectClrLst/>
-  </dgm:styleLbl>
-  <dgm:styleLbl name="revTx">
-    <dgm:fillClrLst meth="repeat">
-      <a:schemeClr val="lt1">
-        <a:alpha val="0"/>
-      </a:schemeClr>
-    </dgm:fillClrLst>
-    <dgm:linClrLst meth="repeat">
-      <a:schemeClr val="dk1">
-        <a:alpha val="0"/>
-      </a:schemeClr>
-    </dgm:linClrLst>
-    <dgm:effectClrLst/>
-    <dgm:txLinClrLst/>
-    <dgm:txFillClrLst meth="repeat">
-      <a:schemeClr val="tx1"/>
-    </dgm:txFillClrLst>
-    <dgm:txEffectClrLst/>
-  </dgm:styleLbl>
-</dgm:colorsDef>
-</file>
-
 <file path=ppt/diagrams/data1.xml><?xml version="1.0" encoding="utf-8"?>
 <dgm:dataModel xmlns:dgm="http://schemas.openxmlformats.org/drawingml/2006/diagram" xmlns:a="http://schemas.openxmlformats.org/drawingml/2006/main">
   <dgm:ptLst>
@@ -3978,7 +3230,7 @@
   <dgm:whole/>
   <dgm:extLst>
     <a:ext uri="http://schemas.microsoft.com/office/drawing/2008/diagram">
-      <dsp:dataModelExt xmlns:dsp="http://schemas.microsoft.com/office/drawing/2008/diagram" relId="rId6" minVer="http://schemas.openxmlformats.org/drawingml/2006/diagram"/>
+      <dsp:dataModelExt xmlns:dsp="http://schemas.microsoft.com/office/drawing/2008/diagram" relId="rId7" minVer="http://schemas.openxmlformats.org/drawingml/2006/diagram"/>
     </a:ext>
     <a:ext uri="{C62137D5-CB1D-491B-B009-E17868A290BF}">
       <dgm14:recolorImg xmlns:dgm14="http://schemas.microsoft.com/office/drawing/2010/diagram" val="1"/>
@@ -4225,204 +3477,13 @@
   <dgm:whole/>
   <dgm:extLst>
     <a:ext uri="http://schemas.microsoft.com/office/drawing/2008/diagram">
-      <dsp:dataModelExt xmlns:dsp="http://schemas.microsoft.com/office/drawing/2008/diagram" relId="rId6" minVer="http://schemas.openxmlformats.org/drawingml/2006/diagram"/>
+      <dsp:dataModelExt xmlns:dsp="http://schemas.microsoft.com/office/drawing/2008/diagram" relId="rId7" minVer="http://schemas.openxmlformats.org/drawingml/2006/diagram"/>
     </a:ext>
   </dgm:extLst>
 </dgm:dataModel>
 </file>
 
 <file path=ppt/diagrams/data3.xml><?xml version="1.0" encoding="utf-8"?>
-<dgm:dataModel xmlns:dgm="http://schemas.openxmlformats.org/drawingml/2006/diagram" xmlns:a="http://schemas.openxmlformats.org/drawingml/2006/main">
-  <dgm:ptLst>
-    <dgm:pt modelId="{7478FFAF-F460-4141-B34E-0D2D665F76A5}" type="doc">
-      <dgm:prSet loTypeId="urn:microsoft.com/office/officeart/2005/8/layout/vList2" loCatId="list" qsTypeId="urn:microsoft.com/office/officeart/2005/8/quickstyle/simple1" qsCatId="simple" csTypeId="urn:microsoft.com/office/officeart/2005/8/colors/accent5_2" csCatId="accent5" phldr="1"/>
-      <dgm:spPr/>
-      <dgm:t>
-        <a:bodyPr/>
-        <a:lstStyle/>
-        <a:p>
-          <a:endParaRPr lang="en-AU"/>
-        </a:p>
-      </dgm:t>
-    </dgm:pt>
-    <dgm:pt modelId="{BC4DA6F6-732A-40CB-BB83-D6229F875809}">
-      <dgm:prSet phldrT="[Text]"/>
-      <dgm:spPr/>
-      <dgm:t>
-        <a:bodyPr/>
-        <a:lstStyle/>
-        <a:p>
-          <a:r>
-            <a:rPr lang="en-AU" dirty="0"/>
-            <a:t>LLM-Powered Agents</a:t>
-          </a:r>
-        </a:p>
-      </dgm:t>
-    </dgm:pt>
-    <dgm:pt modelId="{844A3015-2067-4F6E-9D9B-E078472C556E}" type="parTrans" cxnId="{CBFB6504-54D0-4872-8706-F8C6F4A192B3}">
-      <dgm:prSet/>
-      <dgm:spPr/>
-      <dgm:t>
-        <a:bodyPr/>
-        <a:lstStyle/>
-        <a:p>
-          <a:endParaRPr lang="en-AU"/>
-        </a:p>
-      </dgm:t>
-    </dgm:pt>
-    <dgm:pt modelId="{EE5FACF8-85C9-41A2-810E-9004C1AF4110}" type="sibTrans" cxnId="{CBFB6504-54D0-4872-8706-F8C6F4A192B3}">
-      <dgm:prSet/>
-      <dgm:spPr/>
-      <dgm:t>
-        <a:bodyPr/>
-        <a:lstStyle/>
-        <a:p>
-          <a:endParaRPr lang="en-AU"/>
-        </a:p>
-      </dgm:t>
-    </dgm:pt>
-    <dgm:pt modelId="{03A8FCDB-9AE0-453C-A801-F48A34969198}">
-      <dgm:prSet phldrT="[Text]"/>
-      <dgm:spPr/>
-      <dgm:t>
-        <a:bodyPr/>
-        <a:lstStyle/>
-        <a:p>
-          <a:r>
-            <a:rPr lang="en-AU" dirty="0"/>
-            <a:t>Adaptive Task Handling</a:t>
-          </a:r>
-        </a:p>
-      </dgm:t>
-    </dgm:pt>
-    <dgm:pt modelId="{6C51D17E-5875-4A46-9A22-F1C8B705FD08}" type="parTrans" cxnId="{E295710E-3BF5-46AB-A2CC-1E45469FE023}">
-      <dgm:prSet/>
-      <dgm:spPr/>
-      <dgm:t>
-        <a:bodyPr/>
-        <a:lstStyle/>
-        <a:p>
-          <a:endParaRPr lang="en-AU"/>
-        </a:p>
-      </dgm:t>
-    </dgm:pt>
-    <dgm:pt modelId="{18BAEAE7-0E70-4BC9-AB08-C939E51B8A3C}" type="sibTrans" cxnId="{E295710E-3BF5-46AB-A2CC-1E45469FE023}">
-      <dgm:prSet/>
-      <dgm:spPr/>
-      <dgm:t>
-        <a:bodyPr/>
-        <a:lstStyle/>
-        <a:p>
-          <a:endParaRPr lang="en-AU"/>
-        </a:p>
-      </dgm:t>
-    </dgm:pt>
-    <dgm:pt modelId="{85B78BAE-D34D-40A9-BD74-97FA79082D8B}">
-      <dgm:prSet phldrT="[Text]"/>
-      <dgm:spPr/>
-      <dgm:t>
-        <a:bodyPr/>
-        <a:lstStyle/>
-        <a:p>
-          <a:r>
-            <a:rPr lang="en-AU" dirty="0"/>
-            <a:t>Seamless Integration</a:t>
-          </a:r>
-        </a:p>
-      </dgm:t>
-    </dgm:pt>
-    <dgm:pt modelId="{0A78A0EC-BFEB-42D6-9F56-11B6BD57AC44}" type="parTrans" cxnId="{E57D05E3-07D6-4B48-B7CE-A5BABA5DCD56}">
-      <dgm:prSet/>
-      <dgm:spPr/>
-      <dgm:t>
-        <a:bodyPr/>
-        <a:lstStyle/>
-        <a:p>
-          <a:endParaRPr lang="en-AU"/>
-        </a:p>
-      </dgm:t>
-    </dgm:pt>
-    <dgm:pt modelId="{91B9C91E-9EF5-4566-AFE7-A95F20587008}" type="sibTrans" cxnId="{E57D05E3-07D6-4B48-B7CE-A5BABA5DCD56}">
-      <dgm:prSet/>
-      <dgm:spPr/>
-      <dgm:t>
-        <a:bodyPr/>
-        <a:lstStyle/>
-        <a:p>
-          <a:endParaRPr lang="en-AU"/>
-        </a:p>
-      </dgm:t>
-    </dgm:pt>
-    <dgm:pt modelId="{2EE95999-4417-4452-B9BC-49D9306D0E47}" type="pres">
-      <dgm:prSet presAssocID="{7478FFAF-F460-4141-B34E-0D2D665F76A5}" presName="linear" presStyleCnt="0">
-        <dgm:presLayoutVars>
-          <dgm:animLvl val="lvl"/>
-          <dgm:resizeHandles val="exact"/>
-        </dgm:presLayoutVars>
-      </dgm:prSet>
-      <dgm:spPr/>
-    </dgm:pt>
-    <dgm:pt modelId="{E5F23DE3-A08F-4945-852B-9E6B8C45350D}" type="pres">
-      <dgm:prSet presAssocID="{BC4DA6F6-732A-40CB-BB83-D6229F875809}" presName="parentText" presStyleLbl="node1" presStyleIdx="0" presStyleCnt="3">
-        <dgm:presLayoutVars>
-          <dgm:chMax val="0"/>
-          <dgm:bulletEnabled val="1"/>
-        </dgm:presLayoutVars>
-      </dgm:prSet>
-      <dgm:spPr/>
-    </dgm:pt>
-    <dgm:pt modelId="{BE7B47AE-E24F-4A88-AB5A-D3217A4AB2C8}" type="pres">
-      <dgm:prSet presAssocID="{EE5FACF8-85C9-41A2-810E-9004C1AF4110}" presName="spacer" presStyleCnt="0"/>
-      <dgm:spPr/>
-    </dgm:pt>
-    <dgm:pt modelId="{4BC712CD-74E7-41FC-90DA-C8A15FBA05E6}" type="pres">
-      <dgm:prSet presAssocID="{03A8FCDB-9AE0-453C-A801-F48A34969198}" presName="parentText" presStyleLbl="node1" presStyleIdx="1" presStyleCnt="3">
-        <dgm:presLayoutVars>
-          <dgm:chMax val="0"/>
-          <dgm:bulletEnabled val="1"/>
-        </dgm:presLayoutVars>
-      </dgm:prSet>
-      <dgm:spPr/>
-    </dgm:pt>
-    <dgm:pt modelId="{402BC9F6-A9D9-4BE5-B0DC-5E7A40BD8116}" type="pres">
-      <dgm:prSet presAssocID="{18BAEAE7-0E70-4BC9-AB08-C939E51B8A3C}" presName="spacer" presStyleCnt="0"/>
-      <dgm:spPr/>
-    </dgm:pt>
-    <dgm:pt modelId="{DD3B4117-E1D2-44F8-9A76-E715197AC903}" type="pres">
-      <dgm:prSet presAssocID="{85B78BAE-D34D-40A9-BD74-97FA79082D8B}" presName="parentText" presStyleLbl="node1" presStyleIdx="2" presStyleCnt="3">
-        <dgm:presLayoutVars>
-          <dgm:chMax val="0"/>
-          <dgm:bulletEnabled val="1"/>
-        </dgm:presLayoutVars>
-      </dgm:prSet>
-      <dgm:spPr/>
-    </dgm:pt>
-  </dgm:ptLst>
-  <dgm:cxnLst>
-    <dgm:cxn modelId="{CBFB6504-54D0-4872-8706-F8C6F4A192B3}" srcId="{7478FFAF-F460-4141-B34E-0D2D665F76A5}" destId="{BC4DA6F6-732A-40CB-BB83-D6229F875809}" srcOrd="0" destOrd="0" parTransId="{844A3015-2067-4F6E-9D9B-E078472C556E}" sibTransId="{EE5FACF8-85C9-41A2-810E-9004C1AF4110}"/>
-    <dgm:cxn modelId="{E295710E-3BF5-46AB-A2CC-1E45469FE023}" srcId="{7478FFAF-F460-4141-B34E-0D2D665F76A5}" destId="{03A8FCDB-9AE0-453C-A801-F48A34969198}" srcOrd="1" destOrd="0" parTransId="{6C51D17E-5875-4A46-9A22-F1C8B705FD08}" sibTransId="{18BAEAE7-0E70-4BC9-AB08-C939E51B8A3C}"/>
-    <dgm:cxn modelId="{B8D57A80-A607-46A7-A330-1BFF4A661A0B}" type="presOf" srcId="{BC4DA6F6-732A-40CB-BB83-D6229F875809}" destId="{E5F23DE3-A08F-4945-852B-9E6B8C45350D}" srcOrd="0" destOrd="0" presId="urn:microsoft.com/office/officeart/2005/8/layout/vList2"/>
-    <dgm:cxn modelId="{7F41B08F-39A9-432F-B2B7-969DB76FE32E}" type="presOf" srcId="{03A8FCDB-9AE0-453C-A801-F48A34969198}" destId="{4BC712CD-74E7-41FC-90DA-C8A15FBA05E6}" srcOrd="0" destOrd="0" presId="urn:microsoft.com/office/officeart/2005/8/layout/vList2"/>
-    <dgm:cxn modelId="{17BE2EB6-0345-44D7-A696-44290FE59D01}" type="presOf" srcId="{7478FFAF-F460-4141-B34E-0D2D665F76A5}" destId="{2EE95999-4417-4452-B9BC-49D9306D0E47}" srcOrd="0" destOrd="0" presId="urn:microsoft.com/office/officeart/2005/8/layout/vList2"/>
-    <dgm:cxn modelId="{E57D05E3-07D6-4B48-B7CE-A5BABA5DCD56}" srcId="{7478FFAF-F460-4141-B34E-0D2D665F76A5}" destId="{85B78BAE-D34D-40A9-BD74-97FA79082D8B}" srcOrd="2" destOrd="0" parTransId="{0A78A0EC-BFEB-42D6-9F56-11B6BD57AC44}" sibTransId="{91B9C91E-9EF5-4566-AFE7-A95F20587008}"/>
-    <dgm:cxn modelId="{C0B999FB-6257-4795-990D-BAEF69E30697}" type="presOf" srcId="{85B78BAE-D34D-40A9-BD74-97FA79082D8B}" destId="{DD3B4117-E1D2-44F8-9A76-E715197AC903}" srcOrd="0" destOrd="0" presId="urn:microsoft.com/office/officeart/2005/8/layout/vList2"/>
-    <dgm:cxn modelId="{E169E8D3-F23B-45E5-8FB6-E4D8CFCE1A87}" type="presParOf" srcId="{2EE95999-4417-4452-B9BC-49D9306D0E47}" destId="{E5F23DE3-A08F-4945-852B-9E6B8C45350D}" srcOrd="0" destOrd="0" presId="urn:microsoft.com/office/officeart/2005/8/layout/vList2"/>
-    <dgm:cxn modelId="{C63A0FCC-D082-4A78-BE61-2955A711E7E0}" type="presParOf" srcId="{2EE95999-4417-4452-B9BC-49D9306D0E47}" destId="{BE7B47AE-E24F-4A88-AB5A-D3217A4AB2C8}" srcOrd="1" destOrd="0" presId="urn:microsoft.com/office/officeart/2005/8/layout/vList2"/>
-    <dgm:cxn modelId="{BD7598CB-FA0E-40CF-B31D-E51403C5F017}" type="presParOf" srcId="{2EE95999-4417-4452-B9BC-49D9306D0E47}" destId="{4BC712CD-74E7-41FC-90DA-C8A15FBA05E6}" srcOrd="2" destOrd="0" presId="urn:microsoft.com/office/officeart/2005/8/layout/vList2"/>
-    <dgm:cxn modelId="{0A1CEBD1-EAF8-4948-90B8-DB92DBD3CF4B}" type="presParOf" srcId="{2EE95999-4417-4452-B9BC-49D9306D0E47}" destId="{402BC9F6-A9D9-4BE5-B0DC-5E7A40BD8116}" srcOrd="3" destOrd="0" presId="urn:microsoft.com/office/officeart/2005/8/layout/vList2"/>
-    <dgm:cxn modelId="{B6C83DF8-D855-48A2-88E7-EA2AEDD2BD78}" type="presParOf" srcId="{2EE95999-4417-4452-B9BC-49D9306D0E47}" destId="{DD3B4117-E1D2-44F8-9A76-E715197AC903}" srcOrd="4" destOrd="0" presId="urn:microsoft.com/office/officeart/2005/8/layout/vList2"/>
-  </dgm:cxnLst>
-  <dgm:bg/>
-  <dgm:whole/>
-  <dgm:extLst>
-    <a:ext uri="http://schemas.microsoft.com/office/drawing/2008/diagram">
-      <dsp:dataModelExt xmlns:dsp="http://schemas.microsoft.com/office/drawing/2008/diagram" relId="rId7" minVer="http://schemas.openxmlformats.org/drawingml/2006/diagram"/>
-    </a:ext>
-  </dgm:extLst>
-</dgm:dataModel>
-</file>
-
-<file path=ppt/diagrams/data4.xml><?xml version="1.0" encoding="utf-8"?>
 <dgm:dataModel xmlns:dgm="http://schemas.openxmlformats.org/drawingml/2006/diagram" xmlns:a="http://schemas.openxmlformats.org/drawingml/2006/main">
   <dgm:ptLst>
     <dgm:pt modelId="{1F600C53-3799-418D-9ECA-2758FBD39BFF}" type="doc">
@@ -4660,7 +3721,7 @@
   <dgm:whole/>
   <dgm:extLst>
     <a:ext uri="http://schemas.microsoft.com/office/drawing/2008/diagram">
-      <dsp:dataModelExt xmlns:dsp="http://schemas.microsoft.com/office/drawing/2008/diagram" relId="rId6" minVer="http://schemas.openxmlformats.org/drawingml/2006/diagram"/>
+      <dsp:dataModelExt xmlns:dsp="http://schemas.microsoft.com/office/drawing/2008/diagram" relId="rId7" minVer="http://schemas.openxmlformats.org/drawingml/2006/diagram"/>
     </a:ext>
   </dgm:extLst>
 </dgm:dataModel>
@@ -6826,252 +5887,6 @@
       <dsp:cNvGrpSpPr/>
     </dsp:nvGrpSpPr>
     <dsp:grpSpPr/>
-    <dsp:sp modelId="{E5F23DE3-A08F-4945-852B-9E6B8C45350D}">
-      <dsp:nvSpPr>
-        <dsp:cNvPr id="0" name=""/>
-        <dsp:cNvSpPr/>
-      </dsp:nvSpPr>
-      <dsp:spPr>
-        <a:xfrm>
-          <a:off x="0" y="20754"/>
-          <a:ext cx="7747246" cy="1127295"/>
-        </a:xfrm>
-        <a:prstGeom prst="roundRect">
-          <a:avLst/>
-        </a:prstGeom>
-        <a:solidFill>
-          <a:schemeClr val="accent5">
-            <a:hueOff val="0"/>
-            <a:satOff val="0"/>
-            <a:lumOff val="0"/>
-            <a:alphaOff val="0"/>
-          </a:schemeClr>
-        </a:solidFill>
-        <a:ln w="12700" cap="flat" cmpd="sng" algn="ctr">
-          <a:solidFill>
-            <a:schemeClr val="lt1">
-              <a:hueOff val="0"/>
-              <a:satOff val="0"/>
-              <a:lumOff val="0"/>
-              <a:alphaOff val="0"/>
-            </a:schemeClr>
-          </a:solidFill>
-          <a:prstDash val="solid"/>
-          <a:miter lim="800000"/>
-        </a:ln>
-        <a:effectLst/>
-      </dsp:spPr>
-      <dsp:style>
-        <a:lnRef idx="2">
-          <a:scrgbClr r="0" g="0" b="0"/>
-        </a:lnRef>
-        <a:fillRef idx="1">
-          <a:scrgbClr r="0" g="0" b="0"/>
-        </a:fillRef>
-        <a:effectRef idx="0">
-          <a:scrgbClr r="0" g="0" b="0"/>
-        </a:effectRef>
-        <a:fontRef idx="minor">
-          <a:schemeClr val="lt1"/>
-        </a:fontRef>
-      </dsp:style>
-      <dsp:txBody>
-        <a:bodyPr spcFirstLastPara="0" vert="horz" wrap="square" lIns="179070" tIns="179070" rIns="179070" bIns="179070" numCol="1" spcCol="1270" anchor="ctr" anchorCtr="0">
-          <a:noAutofit/>
-        </a:bodyPr>
-        <a:lstStyle/>
-        <a:p>
-          <a:pPr marL="0" lvl="0" indent="0" algn="l" defTabSz="2089150">
-            <a:lnSpc>
-              <a:spcPct val="90000"/>
-            </a:lnSpc>
-            <a:spcBef>
-              <a:spcPct val="0"/>
-            </a:spcBef>
-            <a:spcAft>
-              <a:spcPct val="35000"/>
-            </a:spcAft>
-            <a:buNone/>
-          </a:pPr>
-          <a:r>
-            <a:rPr lang="en-AU" sz="4700" kern="1200" dirty="0"/>
-            <a:t>LLM-Powered Agents</a:t>
-          </a:r>
-        </a:p>
-      </dsp:txBody>
-      <dsp:txXfrm>
-        <a:off x="55030" y="75784"/>
-        <a:ext cx="7637186" cy="1017235"/>
-      </dsp:txXfrm>
-    </dsp:sp>
-    <dsp:sp modelId="{4BC712CD-74E7-41FC-90DA-C8A15FBA05E6}">
-      <dsp:nvSpPr>
-        <dsp:cNvPr id="0" name=""/>
-        <dsp:cNvSpPr/>
-      </dsp:nvSpPr>
-      <dsp:spPr>
-        <a:xfrm>
-          <a:off x="0" y="1283409"/>
-          <a:ext cx="7747246" cy="1127295"/>
-        </a:xfrm>
-        <a:prstGeom prst="roundRect">
-          <a:avLst/>
-        </a:prstGeom>
-        <a:solidFill>
-          <a:schemeClr val="accent5">
-            <a:hueOff val="0"/>
-            <a:satOff val="0"/>
-            <a:lumOff val="0"/>
-            <a:alphaOff val="0"/>
-          </a:schemeClr>
-        </a:solidFill>
-        <a:ln w="12700" cap="flat" cmpd="sng" algn="ctr">
-          <a:solidFill>
-            <a:schemeClr val="lt1">
-              <a:hueOff val="0"/>
-              <a:satOff val="0"/>
-              <a:lumOff val="0"/>
-              <a:alphaOff val="0"/>
-            </a:schemeClr>
-          </a:solidFill>
-          <a:prstDash val="solid"/>
-          <a:miter lim="800000"/>
-        </a:ln>
-        <a:effectLst/>
-      </dsp:spPr>
-      <dsp:style>
-        <a:lnRef idx="2">
-          <a:scrgbClr r="0" g="0" b="0"/>
-        </a:lnRef>
-        <a:fillRef idx="1">
-          <a:scrgbClr r="0" g="0" b="0"/>
-        </a:fillRef>
-        <a:effectRef idx="0">
-          <a:scrgbClr r="0" g="0" b="0"/>
-        </a:effectRef>
-        <a:fontRef idx="minor">
-          <a:schemeClr val="lt1"/>
-        </a:fontRef>
-      </dsp:style>
-      <dsp:txBody>
-        <a:bodyPr spcFirstLastPara="0" vert="horz" wrap="square" lIns="179070" tIns="179070" rIns="179070" bIns="179070" numCol="1" spcCol="1270" anchor="ctr" anchorCtr="0">
-          <a:noAutofit/>
-        </a:bodyPr>
-        <a:lstStyle/>
-        <a:p>
-          <a:pPr marL="0" lvl="0" indent="0" algn="l" defTabSz="2089150">
-            <a:lnSpc>
-              <a:spcPct val="90000"/>
-            </a:lnSpc>
-            <a:spcBef>
-              <a:spcPct val="0"/>
-            </a:spcBef>
-            <a:spcAft>
-              <a:spcPct val="35000"/>
-            </a:spcAft>
-            <a:buNone/>
-          </a:pPr>
-          <a:r>
-            <a:rPr lang="en-AU" sz="4700" kern="1200" dirty="0"/>
-            <a:t>Adaptive Task Handling</a:t>
-          </a:r>
-        </a:p>
-      </dsp:txBody>
-      <dsp:txXfrm>
-        <a:off x="55030" y="1338439"/>
-        <a:ext cx="7637186" cy="1017235"/>
-      </dsp:txXfrm>
-    </dsp:sp>
-    <dsp:sp modelId="{DD3B4117-E1D2-44F8-9A76-E715197AC903}">
-      <dsp:nvSpPr>
-        <dsp:cNvPr id="0" name=""/>
-        <dsp:cNvSpPr/>
-      </dsp:nvSpPr>
-      <dsp:spPr>
-        <a:xfrm>
-          <a:off x="0" y="2546063"/>
-          <a:ext cx="7747246" cy="1127295"/>
-        </a:xfrm>
-        <a:prstGeom prst="roundRect">
-          <a:avLst/>
-        </a:prstGeom>
-        <a:solidFill>
-          <a:schemeClr val="accent5">
-            <a:hueOff val="0"/>
-            <a:satOff val="0"/>
-            <a:lumOff val="0"/>
-            <a:alphaOff val="0"/>
-          </a:schemeClr>
-        </a:solidFill>
-        <a:ln w="12700" cap="flat" cmpd="sng" algn="ctr">
-          <a:solidFill>
-            <a:schemeClr val="lt1">
-              <a:hueOff val="0"/>
-              <a:satOff val="0"/>
-              <a:lumOff val="0"/>
-              <a:alphaOff val="0"/>
-            </a:schemeClr>
-          </a:solidFill>
-          <a:prstDash val="solid"/>
-          <a:miter lim="800000"/>
-        </a:ln>
-        <a:effectLst/>
-      </dsp:spPr>
-      <dsp:style>
-        <a:lnRef idx="2">
-          <a:scrgbClr r="0" g="0" b="0"/>
-        </a:lnRef>
-        <a:fillRef idx="1">
-          <a:scrgbClr r="0" g="0" b="0"/>
-        </a:fillRef>
-        <a:effectRef idx="0">
-          <a:scrgbClr r="0" g="0" b="0"/>
-        </a:effectRef>
-        <a:fontRef idx="minor">
-          <a:schemeClr val="lt1"/>
-        </a:fontRef>
-      </dsp:style>
-      <dsp:txBody>
-        <a:bodyPr spcFirstLastPara="0" vert="horz" wrap="square" lIns="179070" tIns="179070" rIns="179070" bIns="179070" numCol="1" spcCol="1270" anchor="ctr" anchorCtr="0">
-          <a:noAutofit/>
-        </a:bodyPr>
-        <a:lstStyle/>
-        <a:p>
-          <a:pPr marL="0" lvl="0" indent="0" algn="l" defTabSz="2089150">
-            <a:lnSpc>
-              <a:spcPct val="90000"/>
-            </a:lnSpc>
-            <a:spcBef>
-              <a:spcPct val="0"/>
-            </a:spcBef>
-            <a:spcAft>
-              <a:spcPct val="35000"/>
-            </a:spcAft>
-            <a:buNone/>
-          </a:pPr>
-          <a:r>
-            <a:rPr lang="en-AU" sz="4700" kern="1200" dirty="0"/>
-            <a:t>Seamless Integration</a:t>
-          </a:r>
-        </a:p>
-      </dsp:txBody>
-      <dsp:txXfrm>
-        <a:off x="55030" y="2601093"/>
-        <a:ext cx="7637186" cy="1017235"/>
-      </dsp:txXfrm>
-    </dsp:sp>
-  </dsp:spTree>
-</dsp:drawing>
-</file>
-
-<file path=ppt/diagrams/drawing4.xml><?xml version="1.0" encoding="utf-8"?>
-<dsp:drawing xmlns:dgm="http://schemas.openxmlformats.org/drawingml/2006/diagram" xmlns:dsp="http://schemas.microsoft.com/office/drawing/2008/diagram" xmlns:a="http://schemas.openxmlformats.org/drawingml/2006/main">
-  <dsp:spTree>
-    <dsp:nvGrpSpPr>
-      <dsp:cNvPr id="0" name=""/>
-      <dsp:cNvGrpSpPr/>
-    </dsp:nvGrpSpPr>
-    <dsp:grpSpPr/>
     <dsp:sp modelId="{0DF9466A-3380-42E8-9DCB-CBB093827299}">
       <dsp:nvSpPr>
         <dsp:cNvPr id="0" name=""/>
@@ -7893,173 +6708,6 @@
 </dgm:layoutDef>
 </file>
 
-<file path=ppt/diagrams/layout4.xml><?xml version="1.0" encoding="utf-8"?>
-<dgm:layoutDef xmlns:dgm="http://schemas.openxmlformats.org/drawingml/2006/diagram" xmlns:a="http://schemas.openxmlformats.org/drawingml/2006/main" uniqueId="urn:microsoft.com/office/officeart/2005/8/layout/vList2">
-  <dgm:title val=""/>
-  <dgm:desc val=""/>
-  <dgm:catLst>
-    <dgm:cat type="list" pri="3000"/>
-    <dgm:cat type="convert" pri="1000"/>
-  </dgm:catLst>
-  <dgm:sampData>
-    <dgm:dataModel>
-      <dgm:ptLst>
-        <dgm:pt modelId="0" type="doc"/>
-        <dgm:pt modelId="1">
-          <dgm:prSet phldr="1"/>
-        </dgm:pt>
-        <dgm:pt modelId="11">
-          <dgm:prSet phldr="1"/>
-        </dgm:pt>
-        <dgm:pt modelId="2">
-          <dgm:prSet phldr="1"/>
-        </dgm:pt>
-        <dgm:pt modelId="21">
-          <dgm:prSet phldr="1"/>
-        </dgm:pt>
-      </dgm:ptLst>
-      <dgm:cxnLst>
-        <dgm:cxn modelId="4" srcId="0" destId="1" srcOrd="0" destOrd="0"/>
-        <dgm:cxn modelId="5" srcId="0" destId="2" srcOrd="1" destOrd="0"/>
-        <dgm:cxn modelId="12" srcId="1" destId="11" srcOrd="0" destOrd="0"/>
-        <dgm:cxn modelId="23" srcId="2" destId="21" srcOrd="0" destOrd="0"/>
-      </dgm:cxnLst>
-      <dgm:bg/>
-      <dgm:whole/>
-    </dgm:dataModel>
-  </dgm:sampData>
-  <dgm:styleData>
-    <dgm:dataModel>
-      <dgm:ptLst>
-        <dgm:pt modelId="0" type="doc"/>
-        <dgm:pt modelId="1"/>
-        <dgm:pt modelId="2"/>
-      </dgm:ptLst>
-      <dgm:cxnLst>
-        <dgm:cxn modelId="3" srcId="0" destId="1" srcOrd="0" destOrd="0"/>
-        <dgm:cxn modelId="4" srcId="0" destId="2" srcOrd="1" destOrd="0"/>
-      </dgm:cxnLst>
-      <dgm:bg/>
-      <dgm:whole/>
-    </dgm:dataModel>
-  </dgm:styleData>
-  <dgm:clrData>
-    <dgm:dataModel>
-      <dgm:ptLst>
-        <dgm:pt modelId="0" type="doc"/>
-        <dgm:pt modelId="1"/>
-        <dgm:pt modelId="2"/>
-        <dgm:pt modelId="3"/>
-        <dgm:pt modelId="4"/>
-      </dgm:ptLst>
-      <dgm:cxnLst>
-        <dgm:cxn modelId="5" srcId="0" destId="1" srcOrd="0" destOrd="0"/>
-        <dgm:cxn modelId="6" srcId="0" destId="2" srcOrd="1" destOrd="0"/>
-        <dgm:cxn modelId="7" srcId="0" destId="3" srcOrd="2" destOrd="0"/>
-        <dgm:cxn modelId="8" srcId="0" destId="4" srcOrd="3" destOrd="0"/>
-      </dgm:cxnLst>
-      <dgm:bg/>
-      <dgm:whole/>
-    </dgm:dataModel>
-  </dgm:clrData>
-  <dgm:layoutNode name="linear">
-    <dgm:varLst>
-      <dgm:animLvl val="lvl"/>
-      <dgm:resizeHandles val="exact"/>
-    </dgm:varLst>
-    <dgm:alg type="lin">
-      <dgm:param type="linDir" val="fromT"/>
-      <dgm:param type="vertAlign" val="mid"/>
-    </dgm:alg>
-    <dgm:shape xmlns:r="http://schemas.openxmlformats.org/officeDocument/2006/relationships" r:blip="">
-      <dgm:adjLst/>
-    </dgm:shape>
-    <dgm:presOf/>
-    <dgm:constrLst>
-      <dgm:constr type="w" for="ch" forName="parentText" refType="w"/>
-      <dgm:constr type="h" for="ch" forName="parentText" refType="primFontSz" refFor="ch" refForName="parentText" fact="0.52"/>
-      <dgm:constr type="w" for="ch" forName="childText" refType="w"/>
-      <dgm:constr type="h" for="ch" forName="childText" refType="primFontSz" refFor="ch" refForName="parentText" fact="0.46"/>
-      <dgm:constr type="h" for="ch" forName="parentText" op="equ"/>
-      <dgm:constr type="primFontSz" for="ch" forName="parentText" op="equ" val="65"/>
-      <dgm:constr type="primFontSz" for="ch" forName="childText" refType="primFontSz" refFor="ch" refForName="parentText" op="equ"/>
-      <dgm:constr type="h" for="ch" forName="spacer" refType="primFontSz" refFor="ch" refForName="parentText" fact="0.08"/>
-    </dgm:constrLst>
-    <dgm:ruleLst>
-      <dgm:rule type="primFontSz" for="ch" forName="parentText" val="5" fact="NaN" max="NaN"/>
-    </dgm:ruleLst>
-    <dgm:forEach name="Name0" axis="ch" ptType="node">
-      <dgm:layoutNode name="parentText" styleLbl="node1">
-        <dgm:varLst>
-          <dgm:chMax val="0"/>
-          <dgm:bulletEnabled val="1"/>
-        </dgm:varLst>
-        <dgm:alg type="tx">
-          <dgm:param type="parTxLTRAlign" val="l"/>
-          <dgm:param type="parTxRTLAlign" val="r"/>
-        </dgm:alg>
-        <dgm:shape xmlns:r="http://schemas.openxmlformats.org/officeDocument/2006/relationships" type="roundRect" r:blip="">
-          <dgm:adjLst/>
-        </dgm:shape>
-        <dgm:presOf axis="self"/>
-        <dgm:constrLst>
-          <dgm:constr type="tMarg" refType="primFontSz" fact="0.3"/>
-          <dgm:constr type="bMarg" refType="primFontSz" fact="0.3"/>
-          <dgm:constr type="lMarg" refType="primFontSz" fact="0.3"/>
-          <dgm:constr type="rMarg" refType="primFontSz" fact="0.3"/>
-        </dgm:constrLst>
-        <dgm:ruleLst>
-          <dgm:rule type="h" val="INF" fact="NaN" max="NaN"/>
-        </dgm:ruleLst>
-      </dgm:layoutNode>
-      <dgm:choose name="Name1">
-        <dgm:if name="Name2" axis="ch" ptType="node" func="cnt" op="gte" val="1">
-          <dgm:layoutNode name="childText" styleLbl="revTx">
-            <dgm:varLst>
-              <dgm:bulletEnabled val="1"/>
-            </dgm:varLst>
-            <dgm:alg type="tx">
-              <dgm:param type="stBulletLvl" val="1"/>
-              <dgm:param type="lnSpAfChP" val="20"/>
-            </dgm:alg>
-            <dgm:shape xmlns:r="http://schemas.openxmlformats.org/officeDocument/2006/relationships" type="rect" r:blip="">
-              <dgm:adjLst/>
-            </dgm:shape>
-            <dgm:presOf axis="des" ptType="node"/>
-            <dgm:constrLst>
-              <dgm:constr type="tMarg" refType="primFontSz" fact="0.1"/>
-              <dgm:constr type="bMarg" refType="primFontSz" fact="0.1"/>
-              <dgm:constr type="lMarg" refType="w" fact="0.09"/>
-            </dgm:constrLst>
-            <dgm:ruleLst>
-              <dgm:rule type="h" val="INF" fact="NaN" max="NaN"/>
-            </dgm:ruleLst>
-          </dgm:layoutNode>
-        </dgm:if>
-        <dgm:else name="Name3">
-          <dgm:choose name="Name4">
-            <dgm:if name="Name5" axis="par ch" ptType="doc node" func="cnt" op="gte" val="2">
-              <dgm:forEach name="Name6" axis="followSib" ptType="sibTrans" cnt="1">
-                <dgm:layoutNode name="spacer">
-                  <dgm:alg type="sp"/>
-                  <dgm:shape xmlns:r="http://schemas.openxmlformats.org/officeDocument/2006/relationships" r:blip="">
-                    <dgm:adjLst/>
-                  </dgm:shape>
-                  <dgm:presOf/>
-                  <dgm:constrLst/>
-                  <dgm:ruleLst/>
-                </dgm:layoutNode>
-              </dgm:forEach>
-            </dgm:if>
-            <dgm:else name="Name7"/>
-          </dgm:choose>
-        </dgm:else>
-      </dgm:choose>
-    </dgm:forEach>
-  </dgm:layoutNode>
-</dgm:layoutDef>
-</file>
-
 <file path=ppt/diagrams/quickStyle1.xml><?xml version="1.0" encoding="utf-8"?>
 <dgm:styleDef xmlns:dgm="http://schemas.openxmlformats.org/drawingml/2006/diagram" xmlns:a="http://schemas.openxmlformats.org/drawingml/2006/main" uniqueId="urn:microsoft.com/office/officeart/2005/8/quickstyle/simple1">
   <dgm:title val=""/>
@@ -10129,1040 +8777,6 @@
 </file>
 
 <file path=ppt/diagrams/quickStyle3.xml><?xml version="1.0" encoding="utf-8"?>
-<dgm:styleDef xmlns:dgm="http://schemas.openxmlformats.org/drawingml/2006/diagram" xmlns:a="http://schemas.openxmlformats.org/drawingml/2006/main" uniqueId="urn:microsoft.com/office/officeart/2005/8/quickstyle/simple1">
-  <dgm:title val=""/>
-  <dgm:desc val=""/>
-  <dgm:catLst>
-    <dgm:cat type="simple" pri="10100"/>
-  </dgm:catLst>
-  <dgm:scene3d>
-    <a:camera prst="orthographicFront"/>
-    <a:lightRig rig="threePt" dir="t"/>
-  </dgm:scene3d>
-  <dgm:styleLbl name="node0">
-    <dgm:scene3d>
-      <a:camera prst="orthographicFront"/>
-      <a:lightRig rig="threePt" dir="t"/>
-    </dgm:scene3d>
-    <dgm:sp3d/>
-    <dgm:txPr/>
-    <dgm:style>
-      <a:lnRef idx="2">
-        <a:scrgbClr r="0" g="0" b="0"/>
-      </a:lnRef>
-      <a:fillRef idx="1">
-        <a:scrgbClr r="0" g="0" b="0"/>
-      </a:fillRef>
-      <a:effectRef idx="0">
-        <a:scrgbClr r="0" g="0" b="0"/>
-      </a:effectRef>
-      <a:fontRef idx="minor">
-        <a:schemeClr val="lt1"/>
-      </a:fontRef>
-    </dgm:style>
-  </dgm:styleLbl>
-  <dgm:styleLbl name="lnNode1">
-    <dgm:scene3d>
-      <a:camera prst="orthographicFront"/>
-      <a:lightRig rig="threePt" dir="t"/>
-    </dgm:scene3d>
-    <dgm:sp3d/>
-    <dgm:txPr/>
-    <dgm:style>
-      <a:lnRef idx="2">
-        <a:scrgbClr r="0" g="0" b="0"/>
-      </a:lnRef>
-      <a:fillRef idx="1">
-        <a:scrgbClr r="0" g="0" b="0"/>
-      </a:fillRef>
-      <a:effectRef idx="0">
-        <a:scrgbClr r="0" g="0" b="0"/>
-      </a:effectRef>
-      <a:fontRef idx="minor">
-        <a:schemeClr val="lt1"/>
-      </a:fontRef>
-    </dgm:style>
-  </dgm:styleLbl>
-  <dgm:styleLbl name="vennNode1">
-    <dgm:scene3d>
-      <a:camera prst="orthographicFront"/>
-      <a:lightRig rig="threePt" dir="t"/>
-    </dgm:scene3d>
-    <dgm:sp3d/>
-    <dgm:txPr/>
-    <dgm:style>
-      <a:lnRef idx="2">
-        <a:scrgbClr r="0" g="0" b="0"/>
-      </a:lnRef>
-      <a:fillRef idx="1">
-        <a:scrgbClr r="0" g="0" b="0"/>
-      </a:fillRef>
-      <a:effectRef idx="0">
-        <a:scrgbClr r="0" g="0" b="0"/>
-      </a:effectRef>
-      <a:fontRef idx="minor">
-        <a:schemeClr val="tx1"/>
-      </a:fontRef>
-    </dgm:style>
-  </dgm:styleLbl>
-  <dgm:styleLbl name="alignNode1">
-    <dgm:scene3d>
-      <a:camera prst="orthographicFront"/>
-      <a:lightRig rig="threePt" dir="t"/>
-    </dgm:scene3d>
-    <dgm:sp3d/>
-    <dgm:txPr/>
-    <dgm:style>
-      <a:lnRef idx="2">
-        <a:scrgbClr r="0" g="0" b="0"/>
-      </a:lnRef>
-      <a:fillRef idx="1">
-        <a:scrgbClr r="0" g="0" b="0"/>
-      </a:fillRef>
-      <a:effectRef idx="0">
-        <a:scrgbClr r="0" g="0" b="0"/>
-      </a:effectRef>
-      <a:fontRef idx="minor">
-        <a:schemeClr val="lt1"/>
-      </a:fontRef>
-    </dgm:style>
-  </dgm:styleLbl>
-  <dgm:styleLbl name="node1">
-    <dgm:scene3d>
-      <a:camera prst="orthographicFront"/>
-      <a:lightRig rig="threePt" dir="t"/>
-    </dgm:scene3d>
-    <dgm:sp3d/>
-    <dgm:txPr/>
-    <dgm:style>
-      <a:lnRef idx="2">
-        <a:scrgbClr r="0" g="0" b="0"/>
-      </a:lnRef>
-      <a:fillRef idx="1">
-        <a:scrgbClr r="0" g="0" b="0"/>
-      </a:fillRef>
-      <a:effectRef idx="0">
-        <a:scrgbClr r="0" g="0" b="0"/>
-      </a:effectRef>
-      <a:fontRef idx="minor">
-        <a:schemeClr val="lt1"/>
-      </a:fontRef>
-    </dgm:style>
-  </dgm:styleLbl>
-  <dgm:styleLbl name="node2">
-    <dgm:scene3d>
-      <a:camera prst="orthographicFront"/>
-      <a:lightRig rig="threePt" dir="t"/>
-    </dgm:scene3d>
-    <dgm:sp3d/>
-    <dgm:txPr/>
-    <dgm:style>
-      <a:lnRef idx="2">
-        <a:scrgbClr r="0" g="0" b="0"/>
-      </a:lnRef>
-      <a:fillRef idx="1">
-        <a:scrgbClr r="0" g="0" b="0"/>
-      </a:fillRef>
-      <a:effectRef idx="0">
-        <a:scrgbClr r="0" g="0" b="0"/>
-      </a:effectRef>
-      <a:fontRef idx="minor">
-        <a:schemeClr val="lt1"/>
-      </a:fontRef>
-    </dgm:style>
-  </dgm:styleLbl>
-  <dgm:styleLbl name="node3">
-    <dgm:scene3d>
-      <a:camera prst="orthographicFront"/>
-      <a:lightRig rig="threePt" dir="t"/>
-    </dgm:scene3d>
-    <dgm:sp3d/>
-    <dgm:txPr/>
-    <dgm:style>
-      <a:lnRef idx="2">
-        <a:scrgbClr r="0" g="0" b="0"/>
-      </a:lnRef>
-      <a:fillRef idx="1">
-        <a:scrgbClr r="0" g="0" b="0"/>
-      </a:fillRef>
-      <a:effectRef idx="0">
-        <a:scrgbClr r="0" g="0" b="0"/>
-      </a:effectRef>
-      <a:fontRef idx="minor">
-        <a:schemeClr val="lt1"/>
-      </a:fontRef>
-    </dgm:style>
-  </dgm:styleLbl>
-  <dgm:styleLbl name="node4">
-    <dgm:scene3d>
-      <a:camera prst="orthographicFront"/>
-      <a:lightRig rig="threePt" dir="t"/>
-    </dgm:scene3d>
-    <dgm:sp3d/>
-    <dgm:txPr/>
-    <dgm:style>
-      <a:lnRef idx="2">
-        <a:scrgbClr r="0" g="0" b="0"/>
-      </a:lnRef>
-      <a:fillRef idx="1">
-        <a:scrgbClr r="0" g="0" b="0"/>
-      </a:fillRef>
-      <a:effectRef idx="0">
-        <a:scrgbClr r="0" g="0" b="0"/>
-      </a:effectRef>
-      <a:fontRef idx="minor">
-        <a:schemeClr val="lt1"/>
-      </a:fontRef>
-    </dgm:style>
-  </dgm:styleLbl>
-  <dgm:styleLbl name="fgImgPlace1">
-    <dgm:scene3d>
-      <a:camera prst="orthographicFront"/>
-      <a:lightRig rig="threePt" dir="t"/>
-    </dgm:scene3d>
-    <dgm:sp3d/>
-    <dgm:txPr/>
-    <dgm:style>
-      <a:lnRef idx="2">
-        <a:scrgbClr r="0" g="0" b="0"/>
-      </a:lnRef>
-      <a:fillRef idx="1">
-        <a:scrgbClr r="0" g="0" b="0"/>
-      </a:fillRef>
-      <a:effectRef idx="0">
-        <a:scrgbClr r="0" g="0" b="0"/>
-      </a:effectRef>
-      <a:fontRef idx="minor"/>
-    </dgm:style>
-  </dgm:styleLbl>
-  <dgm:styleLbl name="alignImgPlace1">
-    <dgm:scene3d>
-      <a:camera prst="orthographicFront"/>
-      <a:lightRig rig="threePt" dir="t"/>
-    </dgm:scene3d>
-    <dgm:sp3d/>
-    <dgm:txPr/>
-    <dgm:style>
-      <a:lnRef idx="2">
-        <a:scrgbClr r="0" g="0" b="0"/>
-      </a:lnRef>
-      <a:fillRef idx="1">
-        <a:scrgbClr r="0" g="0" b="0"/>
-      </a:fillRef>
-      <a:effectRef idx="0">
-        <a:scrgbClr r="0" g="0" b="0"/>
-      </a:effectRef>
-      <a:fontRef idx="minor"/>
-    </dgm:style>
-  </dgm:styleLbl>
-  <dgm:styleLbl name="bgImgPlace1">
-    <dgm:scene3d>
-      <a:camera prst="orthographicFront"/>
-      <a:lightRig rig="threePt" dir="t"/>
-    </dgm:scene3d>
-    <dgm:sp3d/>
-    <dgm:txPr/>
-    <dgm:style>
-      <a:lnRef idx="2">
-        <a:scrgbClr r="0" g="0" b="0"/>
-      </a:lnRef>
-      <a:fillRef idx="1">
-        <a:scrgbClr r="0" g="0" b="0"/>
-      </a:fillRef>
-      <a:effectRef idx="0">
-        <a:scrgbClr r="0" g="0" b="0"/>
-      </a:effectRef>
-      <a:fontRef idx="minor"/>
-    </dgm:style>
-  </dgm:styleLbl>
-  <dgm:styleLbl name="sibTrans2D1">
-    <dgm:scene3d>
-      <a:camera prst="orthographicFront"/>
-      <a:lightRig rig="threePt" dir="t"/>
-    </dgm:scene3d>
-    <dgm:sp3d/>
-    <dgm:txPr/>
-    <dgm:style>
-      <a:lnRef idx="0">
-        <a:scrgbClr r="0" g="0" b="0"/>
-      </a:lnRef>
-      <a:fillRef idx="1">
-        <a:scrgbClr r="0" g="0" b="0"/>
-      </a:fillRef>
-      <a:effectRef idx="0">
-        <a:scrgbClr r="0" g="0" b="0"/>
-      </a:effectRef>
-      <a:fontRef idx="minor">
-        <a:schemeClr val="lt1"/>
-      </a:fontRef>
-    </dgm:style>
-  </dgm:styleLbl>
-  <dgm:styleLbl name="fgSibTrans2D1">
-    <dgm:scene3d>
-      <a:camera prst="orthographicFront"/>
-      <a:lightRig rig="threePt" dir="t"/>
-    </dgm:scene3d>
-    <dgm:sp3d/>
-    <dgm:txPr/>
-    <dgm:style>
-      <a:lnRef idx="0">
-        <a:scrgbClr r="0" g="0" b="0"/>
-      </a:lnRef>
-      <a:fillRef idx="1">
-        <a:scrgbClr r="0" g="0" b="0"/>
-      </a:fillRef>
-      <a:effectRef idx="0">
-        <a:scrgbClr r="0" g="0" b="0"/>
-      </a:effectRef>
-      <a:fontRef idx="minor">
-        <a:schemeClr val="lt1"/>
-      </a:fontRef>
-    </dgm:style>
-  </dgm:styleLbl>
-  <dgm:styleLbl name="bgSibTrans2D1">
-    <dgm:scene3d>
-      <a:camera prst="orthographicFront"/>
-      <a:lightRig rig="threePt" dir="t"/>
-    </dgm:scene3d>
-    <dgm:sp3d/>
-    <dgm:txPr/>
-    <dgm:style>
-      <a:lnRef idx="0">
-        <a:scrgbClr r="0" g="0" b="0"/>
-      </a:lnRef>
-      <a:fillRef idx="1">
-        <a:scrgbClr r="0" g="0" b="0"/>
-      </a:fillRef>
-      <a:effectRef idx="0">
-        <a:scrgbClr r="0" g="0" b="0"/>
-      </a:effectRef>
-      <a:fontRef idx="minor">
-        <a:schemeClr val="lt1"/>
-      </a:fontRef>
-    </dgm:style>
-  </dgm:styleLbl>
-  <dgm:styleLbl name="sibTrans1D1">
-    <dgm:scene3d>
-      <a:camera prst="orthographicFront"/>
-      <a:lightRig rig="threePt" dir="t"/>
-    </dgm:scene3d>
-    <dgm:sp3d/>
-    <dgm:txPr/>
-    <dgm:style>
-      <a:lnRef idx="1">
-        <a:scrgbClr r="0" g="0" b="0"/>
-      </a:lnRef>
-      <a:fillRef idx="0">
-        <a:scrgbClr r="0" g="0" b="0"/>
-      </a:fillRef>
-      <a:effectRef idx="0">
-        <a:scrgbClr r="0" g="0" b="0"/>
-      </a:effectRef>
-      <a:fontRef idx="minor"/>
-    </dgm:style>
-  </dgm:styleLbl>
-  <dgm:styleLbl name="callout">
-    <dgm:scene3d>
-      <a:camera prst="orthographicFront"/>
-      <a:lightRig rig="threePt" dir="t"/>
-    </dgm:scene3d>
-    <dgm:sp3d/>
-    <dgm:txPr/>
-    <dgm:style>
-      <a:lnRef idx="2">
-        <a:scrgbClr r="0" g="0" b="0"/>
-      </a:lnRef>
-      <a:fillRef idx="1">
-        <a:scrgbClr r="0" g="0" b="0"/>
-      </a:fillRef>
-      <a:effectRef idx="0">
-        <a:scrgbClr r="0" g="0" b="0"/>
-      </a:effectRef>
-      <a:fontRef idx="minor"/>
-    </dgm:style>
-  </dgm:styleLbl>
-  <dgm:styleLbl name="asst0">
-    <dgm:scene3d>
-      <a:camera prst="orthographicFront"/>
-      <a:lightRig rig="threePt" dir="t"/>
-    </dgm:scene3d>
-    <dgm:sp3d/>
-    <dgm:txPr/>
-    <dgm:style>
-      <a:lnRef idx="2">
-        <a:scrgbClr r="0" g="0" b="0"/>
-      </a:lnRef>
-      <a:fillRef idx="1">
-        <a:scrgbClr r="0" g="0" b="0"/>
-      </a:fillRef>
-      <a:effectRef idx="0">
-        <a:scrgbClr r="0" g="0" b="0"/>
-      </a:effectRef>
-      <a:fontRef idx="minor">
-        <a:schemeClr val="lt1"/>
-      </a:fontRef>
-    </dgm:style>
-  </dgm:styleLbl>
-  <dgm:styleLbl name="asst1">
-    <dgm:scene3d>
-      <a:camera prst="orthographicFront"/>
-      <a:lightRig rig="threePt" dir="t"/>
-    </dgm:scene3d>
-    <dgm:sp3d/>
-    <dgm:txPr/>
-    <dgm:style>
-      <a:lnRef idx="2">
-        <a:scrgbClr r="0" g="0" b="0"/>
-      </a:lnRef>
-      <a:fillRef idx="1">
-        <a:scrgbClr r="0" g="0" b="0"/>
-      </a:fillRef>
-      <a:effectRef idx="0">
-        <a:scrgbClr r="0" g="0" b="0"/>
-      </a:effectRef>
-      <a:fontRef idx="minor">
-        <a:schemeClr val="lt1"/>
-      </a:fontRef>
-    </dgm:style>
-  </dgm:styleLbl>
-  <dgm:styleLbl name="asst2">
-    <dgm:scene3d>
-      <a:camera prst="orthographicFront"/>
-      <a:lightRig rig="threePt" dir="t"/>
-    </dgm:scene3d>
-    <dgm:sp3d/>
-    <dgm:txPr/>
-    <dgm:style>
-      <a:lnRef idx="2">
-        <a:scrgbClr r="0" g="0" b="0"/>
-      </a:lnRef>
-      <a:fillRef idx="1">
-        <a:scrgbClr r="0" g="0" b="0"/>
-      </a:fillRef>
-      <a:effectRef idx="0">
-        <a:scrgbClr r="0" g="0" b="0"/>
-      </a:effectRef>
-      <a:fontRef idx="minor">
-        <a:schemeClr val="lt1"/>
-      </a:fontRef>
-    </dgm:style>
-  </dgm:styleLbl>
-  <dgm:styleLbl name="asst3">
-    <dgm:scene3d>
-      <a:camera prst="orthographicFront"/>
-      <a:lightRig rig="threePt" dir="t"/>
-    </dgm:scene3d>
-    <dgm:sp3d/>
-    <dgm:txPr/>
-    <dgm:style>
-      <a:lnRef idx="2">
-        <a:scrgbClr r="0" g="0" b="0"/>
-      </a:lnRef>
-      <a:fillRef idx="1">
-        <a:scrgbClr r="0" g="0" b="0"/>
-      </a:fillRef>
-      <a:effectRef idx="0">
-        <a:scrgbClr r="0" g="0" b="0"/>
-      </a:effectRef>
-      <a:fontRef idx="minor">
-        <a:schemeClr val="lt1"/>
-      </a:fontRef>
-    </dgm:style>
-  </dgm:styleLbl>
-  <dgm:styleLbl name="asst4">
-    <dgm:scene3d>
-      <a:camera prst="orthographicFront"/>
-      <a:lightRig rig="threePt" dir="t"/>
-    </dgm:scene3d>
-    <dgm:sp3d/>
-    <dgm:txPr/>
-    <dgm:style>
-      <a:lnRef idx="2">
-        <a:scrgbClr r="0" g="0" b="0"/>
-      </a:lnRef>
-      <a:fillRef idx="1">
-        <a:scrgbClr r="0" g="0" b="0"/>
-      </a:fillRef>
-      <a:effectRef idx="0">
-        <a:scrgbClr r="0" g="0" b="0"/>
-      </a:effectRef>
-      <a:fontRef idx="minor">
-        <a:schemeClr val="lt1"/>
-      </a:fontRef>
-    </dgm:style>
-  </dgm:styleLbl>
-  <dgm:styleLbl name="parChTrans2D1">
-    <dgm:scene3d>
-      <a:camera prst="orthographicFront"/>
-      <a:lightRig rig="threePt" dir="t"/>
-    </dgm:scene3d>
-    <dgm:sp3d/>
-    <dgm:txPr/>
-    <dgm:style>
-      <a:lnRef idx="2">
-        <a:scrgbClr r="0" g="0" b="0"/>
-      </a:lnRef>
-      <a:fillRef idx="1">
-        <a:scrgbClr r="0" g="0" b="0"/>
-      </a:fillRef>
-      <a:effectRef idx="0">
-        <a:scrgbClr r="0" g="0" b="0"/>
-      </a:effectRef>
-      <a:fontRef idx="minor">
-        <a:schemeClr val="lt1"/>
-      </a:fontRef>
-    </dgm:style>
-  </dgm:styleLbl>
-  <dgm:styleLbl name="parChTrans2D2">
-    <dgm:scene3d>
-      <a:camera prst="orthographicFront"/>
-      <a:lightRig rig="threePt" dir="t"/>
-    </dgm:scene3d>
-    <dgm:sp3d/>
-    <dgm:txPr/>
-    <dgm:style>
-      <a:lnRef idx="2">
-        <a:scrgbClr r="0" g="0" b="0"/>
-      </a:lnRef>
-      <a:fillRef idx="1">
-        <a:scrgbClr r="0" g="0" b="0"/>
-      </a:fillRef>
-      <a:effectRef idx="0">
-        <a:scrgbClr r="0" g="0" b="0"/>
-      </a:effectRef>
-      <a:fontRef idx="minor">
-        <a:schemeClr val="lt1"/>
-      </a:fontRef>
-    </dgm:style>
-  </dgm:styleLbl>
-  <dgm:styleLbl name="parChTrans2D3">
-    <dgm:scene3d>
-      <a:camera prst="orthographicFront"/>
-      <a:lightRig rig="threePt" dir="t"/>
-    </dgm:scene3d>
-    <dgm:sp3d/>
-    <dgm:txPr/>
-    <dgm:style>
-      <a:lnRef idx="2">
-        <a:scrgbClr r="0" g="0" b="0"/>
-      </a:lnRef>
-      <a:fillRef idx="1">
-        <a:scrgbClr r="0" g="0" b="0"/>
-      </a:fillRef>
-      <a:effectRef idx="0">
-        <a:scrgbClr r="0" g="0" b="0"/>
-      </a:effectRef>
-      <a:fontRef idx="minor">
-        <a:schemeClr val="lt1"/>
-      </a:fontRef>
-    </dgm:style>
-  </dgm:styleLbl>
-  <dgm:styleLbl name="parChTrans2D4">
-    <dgm:scene3d>
-      <a:camera prst="orthographicFront"/>
-      <a:lightRig rig="threePt" dir="t"/>
-    </dgm:scene3d>
-    <dgm:sp3d/>
-    <dgm:txPr/>
-    <dgm:style>
-      <a:lnRef idx="2">
-        <a:scrgbClr r="0" g="0" b="0"/>
-      </a:lnRef>
-      <a:fillRef idx="1">
-        <a:scrgbClr r="0" g="0" b="0"/>
-      </a:fillRef>
-      <a:effectRef idx="0">
-        <a:scrgbClr r="0" g="0" b="0"/>
-      </a:effectRef>
-      <a:fontRef idx="minor">
-        <a:schemeClr val="lt1"/>
-      </a:fontRef>
-    </dgm:style>
-  </dgm:styleLbl>
-  <dgm:styleLbl name="parChTrans1D1">
-    <dgm:scene3d>
-      <a:camera prst="orthographicFront"/>
-      <a:lightRig rig="threePt" dir="t"/>
-    </dgm:scene3d>
-    <dgm:sp3d/>
-    <dgm:txPr/>
-    <dgm:style>
-      <a:lnRef idx="2">
-        <a:scrgbClr r="0" g="0" b="0"/>
-      </a:lnRef>
-      <a:fillRef idx="0">
-        <a:scrgbClr r="0" g="0" b="0"/>
-      </a:fillRef>
-      <a:effectRef idx="0">
-        <a:scrgbClr r="0" g="0" b="0"/>
-      </a:effectRef>
-      <a:fontRef idx="minor"/>
-    </dgm:style>
-  </dgm:styleLbl>
-  <dgm:styleLbl name="parChTrans1D2">
-    <dgm:scene3d>
-      <a:camera prst="orthographicFront"/>
-      <a:lightRig rig="threePt" dir="t"/>
-    </dgm:scene3d>
-    <dgm:sp3d/>
-    <dgm:txPr/>
-    <dgm:style>
-      <a:lnRef idx="2">
-        <a:scrgbClr r="0" g="0" b="0"/>
-      </a:lnRef>
-      <a:fillRef idx="0">
-        <a:scrgbClr r="0" g="0" b="0"/>
-      </a:fillRef>
-      <a:effectRef idx="0">
-        <a:scrgbClr r="0" g="0" b="0"/>
-      </a:effectRef>
-      <a:fontRef idx="minor"/>
-    </dgm:style>
-  </dgm:styleLbl>
-  <dgm:styleLbl name="parChTrans1D3">
-    <dgm:scene3d>
-      <a:camera prst="orthographicFront"/>
-      <a:lightRig rig="threePt" dir="t"/>
-    </dgm:scene3d>
-    <dgm:sp3d/>
-    <dgm:txPr/>
-    <dgm:style>
-      <a:lnRef idx="2">
-        <a:scrgbClr r="0" g="0" b="0"/>
-      </a:lnRef>
-      <a:fillRef idx="0">
-        <a:scrgbClr r="0" g="0" b="0"/>
-      </a:fillRef>
-      <a:effectRef idx="0">
-        <a:scrgbClr r="0" g="0" b="0"/>
-      </a:effectRef>
-      <a:fontRef idx="minor"/>
-    </dgm:style>
-  </dgm:styleLbl>
-  <dgm:styleLbl name="parChTrans1D4">
-    <dgm:scene3d>
-      <a:camera prst="orthographicFront"/>
-      <a:lightRig rig="threePt" dir="t"/>
-    </dgm:scene3d>
-    <dgm:sp3d/>
-    <dgm:txPr/>
-    <dgm:style>
-      <a:lnRef idx="2">
-        <a:scrgbClr r="0" g="0" b="0"/>
-      </a:lnRef>
-      <a:fillRef idx="0">
-        <a:scrgbClr r="0" g="0" b="0"/>
-      </a:fillRef>
-      <a:effectRef idx="0">
-        <a:scrgbClr r="0" g="0" b="0"/>
-      </a:effectRef>
-      <a:fontRef idx="minor"/>
-    </dgm:style>
-  </dgm:styleLbl>
-  <dgm:styleLbl name="fgAcc1">
-    <dgm:scene3d>
-      <a:camera prst="orthographicFront"/>
-      <a:lightRig rig="threePt" dir="t"/>
-    </dgm:scene3d>
-    <dgm:sp3d/>
-    <dgm:txPr/>
-    <dgm:style>
-      <a:lnRef idx="2">
-        <a:scrgbClr r="0" g="0" b="0"/>
-      </a:lnRef>
-      <a:fillRef idx="1">
-        <a:scrgbClr r="0" g="0" b="0"/>
-      </a:fillRef>
-      <a:effectRef idx="0">
-        <a:scrgbClr r="0" g="0" b="0"/>
-      </a:effectRef>
-      <a:fontRef idx="minor"/>
-    </dgm:style>
-  </dgm:styleLbl>
-  <dgm:styleLbl name="conFgAcc1">
-    <dgm:scene3d>
-      <a:camera prst="orthographicFront"/>
-      <a:lightRig rig="threePt" dir="t"/>
-    </dgm:scene3d>
-    <dgm:sp3d/>
-    <dgm:txPr/>
-    <dgm:style>
-      <a:lnRef idx="2">
-        <a:scrgbClr r="0" g="0" b="0"/>
-      </a:lnRef>
-      <a:fillRef idx="1">
-        <a:scrgbClr r="0" g="0" b="0"/>
-      </a:fillRef>
-      <a:effectRef idx="0">
-        <a:scrgbClr r="0" g="0" b="0"/>
-      </a:effectRef>
-      <a:fontRef idx="minor"/>
-    </dgm:style>
-  </dgm:styleLbl>
-  <dgm:styleLbl name="alignAcc1">
-    <dgm:scene3d>
-      <a:camera prst="orthographicFront"/>
-      <a:lightRig rig="threePt" dir="t"/>
-    </dgm:scene3d>
-    <dgm:sp3d/>
-    <dgm:txPr/>
-    <dgm:style>
-      <a:lnRef idx="2">
-        <a:scrgbClr r="0" g="0" b="0"/>
-      </a:lnRef>
-      <a:fillRef idx="1">
-        <a:scrgbClr r="0" g="0" b="0"/>
-      </a:fillRef>
-      <a:effectRef idx="0">
-        <a:scrgbClr r="0" g="0" b="0"/>
-      </a:effectRef>
-      <a:fontRef idx="minor"/>
-    </dgm:style>
-  </dgm:styleLbl>
-  <dgm:styleLbl name="trAlignAcc1">
-    <dgm:scene3d>
-      <a:camera prst="orthographicFront"/>
-      <a:lightRig rig="threePt" dir="t"/>
-    </dgm:scene3d>
-    <dgm:sp3d/>
-    <dgm:txPr/>
-    <dgm:style>
-      <a:lnRef idx="1">
-        <a:scrgbClr r="0" g="0" b="0"/>
-      </a:lnRef>
-      <a:fillRef idx="1">
-        <a:scrgbClr r="0" g="0" b="0"/>
-      </a:fillRef>
-      <a:effectRef idx="0">
-        <a:scrgbClr r="0" g="0" b="0"/>
-      </a:effectRef>
-      <a:fontRef idx="minor"/>
-    </dgm:style>
-  </dgm:styleLbl>
-  <dgm:styleLbl name="bgAcc1">
-    <dgm:scene3d>
-      <a:camera prst="orthographicFront"/>
-      <a:lightRig rig="threePt" dir="t"/>
-    </dgm:scene3d>
-    <dgm:sp3d/>
-    <dgm:txPr/>
-    <dgm:style>
-      <a:lnRef idx="2">
-        <a:scrgbClr r="0" g="0" b="0"/>
-      </a:lnRef>
-      <a:fillRef idx="1">
-        <a:scrgbClr r="0" g="0" b="0"/>
-      </a:fillRef>
-      <a:effectRef idx="0">
-        <a:scrgbClr r="0" g="0" b="0"/>
-      </a:effectRef>
-      <a:fontRef idx="minor"/>
-    </dgm:style>
-  </dgm:styleLbl>
-  <dgm:styleLbl name="solidFgAcc1">
-    <dgm:scene3d>
-      <a:camera prst="orthographicFront"/>
-      <a:lightRig rig="threePt" dir="t"/>
-    </dgm:scene3d>
-    <dgm:sp3d/>
-    <dgm:txPr/>
-    <dgm:style>
-      <a:lnRef idx="2">
-        <a:scrgbClr r="0" g="0" b="0"/>
-      </a:lnRef>
-      <a:fillRef idx="1">
-        <a:scrgbClr r="0" g="0" b="0"/>
-      </a:fillRef>
-      <a:effectRef idx="0">
-        <a:scrgbClr r="0" g="0" b="0"/>
-      </a:effectRef>
-      <a:fontRef idx="minor"/>
-    </dgm:style>
-  </dgm:styleLbl>
-  <dgm:styleLbl name="solidAlignAcc1">
-    <dgm:scene3d>
-      <a:camera prst="orthographicFront"/>
-      <a:lightRig rig="threePt" dir="t"/>
-    </dgm:scene3d>
-    <dgm:sp3d/>
-    <dgm:txPr/>
-    <dgm:style>
-      <a:lnRef idx="2">
-        <a:scrgbClr r="0" g="0" b="0"/>
-      </a:lnRef>
-      <a:fillRef idx="1">
-        <a:scrgbClr r="0" g="0" b="0"/>
-      </a:fillRef>
-      <a:effectRef idx="0">
-        <a:scrgbClr r="0" g="0" b="0"/>
-      </a:effectRef>
-      <a:fontRef idx="minor"/>
-    </dgm:style>
-  </dgm:styleLbl>
-  <dgm:styleLbl name="solidBgAcc1">
-    <dgm:scene3d>
-      <a:camera prst="orthographicFront"/>
-      <a:lightRig rig="threePt" dir="t"/>
-    </dgm:scene3d>
-    <dgm:sp3d/>
-    <dgm:txPr/>
-    <dgm:style>
-      <a:lnRef idx="2">
-        <a:scrgbClr r="0" g="0" b="0"/>
-      </a:lnRef>
-      <a:fillRef idx="1">
-        <a:scrgbClr r="0" g="0" b="0"/>
-      </a:fillRef>
-      <a:effectRef idx="0">
-        <a:scrgbClr r="0" g="0" b="0"/>
-      </a:effectRef>
-      <a:fontRef idx="minor"/>
-    </dgm:style>
-  </dgm:styleLbl>
-  <dgm:styleLbl name="fgAccFollowNode1">
-    <dgm:scene3d>
-      <a:camera prst="orthographicFront"/>
-      <a:lightRig rig="threePt" dir="t"/>
-    </dgm:scene3d>
-    <dgm:sp3d/>
-    <dgm:txPr/>
-    <dgm:style>
-      <a:lnRef idx="2">
-        <a:scrgbClr r="0" g="0" b="0"/>
-      </a:lnRef>
-      <a:fillRef idx="1">
-        <a:scrgbClr r="0" g="0" b="0"/>
-      </a:fillRef>
-      <a:effectRef idx="0">
-        <a:scrgbClr r="0" g="0" b="0"/>
-      </a:effectRef>
-      <a:fontRef idx="minor"/>
-    </dgm:style>
-  </dgm:styleLbl>
-  <dgm:styleLbl name="alignAccFollowNode1">
-    <dgm:scene3d>
-      <a:camera prst="orthographicFront"/>
-      <a:lightRig rig="threePt" dir="t"/>
-    </dgm:scene3d>
-    <dgm:sp3d/>
-    <dgm:txPr/>
-    <dgm:style>
-      <a:lnRef idx="2">
-        <a:scrgbClr r="0" g="0" b="0"/>
-      </a:lnRef>
-      <a:fillRef idx="1">
-        <a:scrgbClr r="0" g="0" b="0"/>
-      </a:fillRef>
-      <a:effectRef idx="0">
-        <a:scrgbClr r="0" g="0" b="0"/>
-      </a:effectRef>
-      <a:fontRef idx="minor"/>
-    </dgm:style>
-  </dgm:styleLbl>
-  <dgm:styleLbl name="bgAccFollowNode1">
-    <dgm:scene3d>
-      <a:camera prst="orthographicFront"/>
-      <a:lightRig rig="threePt" dir="t"/>
-    </dgm:scene3d>
-    <dgm:sp3d/>
-    <dgm:txPr/>
-    <dgm:style>
-      <a:lnRef idx="2">
-        <a:scrgbClr r="0" g="0" b="0"/>
-      </a:lnRef>
-      <a:fillRef idx="1">
-        <a:scrgbClr r="0" g="0" b="0"/>
-      </a:fillRef>
-      <a:effectRef idx="0">
-        <a:scrgbClr r="0" g="0" b="0"/>
-      </a:effectRef>
-      <a:fontRef idx="minor"/>
-    </dgm:style>
-  </dgm:styleLbl>
-  <dgm:styleLbl name="fgAcc0">
-    <dgm:scene3d>
-      <a:camera prst="orthographicFront"/>
-      <a:lightRig rig="threePt" dir="t"/>
-    </dgm:scene3d>
-    <dgm:sp3d/>
-    <dgm:txPr/>
-    <dgm:style>
-      <a:lnRef idx="2">
-        <a:scrgbClr r="0" g="0" b="0"/>
-      </a:lnRef>
-      <a:fillRef idx="1">
-        <a:scrgbClr r="0" g="0" b="0"/>
-      </a:fillRef>
-      <a:effectRef idx="0">
-        <a:scrgbClr r="0" g="0" b="0"/>
-      </a:effectRef>
-      <a:fontRef idx="minor"/>
-    </dgm:style>
-  </dgm:styleLbl>
-  <dgm:styleLbl name="fgAcc2">
-    <dgm:scene3d>
-      <a:camera prst="orthographicFront"/>
-      <a:lightRig rig="threePt" dir="t"/>
-    </dgm:scene3d>
-    <dgm:sp3d/>
-    <dgm:txPr/>
-    <dgm:style>
-      <a:lnRef idx="2">
-        <a:scrgbClr r="0" g="0" b="0"/>
-      </a:lnRef>
-      <a:fillRef idx="1">
-        <a:scrgbClr r="0" g="0" b="0"/>
-      </a:fillRef>
-      <a:effectRef idx="0">
-        <a:scrgbClr r="0" g="0" b="0"/>
-      </a:effectRef>
-      <a:fontRef idx="minor"/>
-    </dgm:style>
-  </dgm:styleLbl>
-  <dgm:styleLbl name="fgAcc3">
-    <dgm:scene3d>
-      <a:camera prst="orthographicFront"/>
-      <a:lightRig rig="threePt" dir="t"/>
-    </dgm:scene3d>
-    <dgm:sp3d/>
-    <dgm:txPr/>
-    <dgm:style>
-      <a:lnRef idx="2">
-        <a:scrgbClr r="0" g="0" b="0"/>
-      </a:lnRef>
-      <a:fillRef idx="1">
-        <a:scrgbClr r="0" g="0" b="0"/>
-      </a:fillRef>
-      <a:effectRef idx="0">
-        <a:scrgbClr r="0" g="0" b="0"/>
-      </a:effectRef>
-      <a:fontRef idx="minor"/>
-    </dgm:style>
-  </dgm:styleLbl>
-  <dgm:styleLbl name="fgAcc4">
-    <dgm:scene3d>
-      <a:camera prst="orthographicFront"/>
-      <a:lightRig rig="threePt" dir="t"/>
-    </dgm:scene3d>
-    <dgm:sp3d/>
-    <dgm:txPr/>
-    <dgm:style>
-      <a:lnRef idx="2">
-        <a:scrgbClr r="0" g="0" b="0"/>
-      </a:lnRef>
-      <a:fillRef idx="1">
-        <a:scrgbClr r="0" g="0" b="0"/>
-      </a:fillRef>
-      <a:effectRef idx="0">
-        <a:scrgbClr r="0" g="0" b="0"/>
-      </a:effectRef>
-      <a:fontRef idx="minor"/>
-    </dgm:style>
-  </dgm:styleLbl>
-  <dgm:styleLbl name="bgShp">
-    <dgm:scene3d>
-      <a:camera prst="orthographicFront"/>
-      <a:lightRig rig="threePt" dir="t"/>
-    </dgm:scene3d>
-    <dgm:sp3d/>
-    <dgm:txPr/>
-    <dgm:style>
-      <a:lnRef idx="0">
-        <a:scrgbClr r="0" g="0" b="0"/>
-      </a:lnRef>
-      <a:fillRef idx="1">
-        <a:scrgbClr r="0" g="0" b="0"/>
-      </a:fillRef>
-      <a:effectRef idx="0">
-        <a:scrgbClr r="0" g="0" b="0"/>
-      </a:effectRef>
-      <a:fontRef idx="minor"/>
-    </dgm:style>
-  </dgm:styleLbl>
-  <dgm:styleLbl name="dkBgShp">
-    <dgm:scene3d>
-      <a:camera prst="orthographicFront"/>
-      <a:lightRig rig="threePt" dir="t"/>
-    </dgm:scene3d>
-    <dgm:sp3d/>
-    <dgm:txPr/>
-    <dgm:style>
-      <a:lnRef idx="0">
-        <a:scrgbClr r="0" g="0" b="0"/>
-      </a:lnRef>
-      <a:fillRef idx="1">
-        <a:scrgbClr r="0" g="0" b="0"/>
-      </a:fillRef>
-      <a:effectRef idx="0">
-        <a:scrgbClr r="0" g="0" b="0"/>
-      </a:effectRef>
-      <a:fontRef idx="minor"/>
-    </dgm:style>
-  </dgm:styleLbl>
-  <dgm:styleLbl name="trBgShp">
-    <dgm:scene3d>
-      <a:camera prst="orthographicFront"/>
-      <a:lightRig rig="threePt" dir="t"/>
-    </dgm:scene3d>
-    <dgm:sp3d/>
-    <dgm:txPr/>
-    <dgm:style>
-      <a:lnRef idx="0">
-        <a:scrgbClr r="0" g="0" b="0"/>
-      </a:lnRef>
-      <a:fillRef idx="1">
-        <a:scrgbClr r="0" g="0" b="0"/>
-      </a:fillRef>
-      <a:effectRef idx="0">
-        <a:scrgbClr r="0" g="0" b="0"/>
-      </a:effectRef>
-      <a:fontRef idx="minor"/>
-    </dgm:style>
-  </dgm:styleLbl>
-  <dgm:styleLbl name="fgShp">
-    <dgm:scene3d>
-      <a:camera prst="orthographicFront"/>
-      <a:lightRig rig="threePt" dir="t"/>
-    </dgm:scene3d>
-    <dgm:sp3d/>
-    <dgm:txPr/>
-    <dgm:style>
-      <a:lnRef idx="2">
-        <a:scrgbClr r="0" g="0" b="0"/>
-      </a:lnRef>
-      <a:fillRef idx="1">
-        <a:scrgbClr r="0" g="0" b="0"/>
-      </a:fillRef>
-      <a:effectRef idx="0">
-        <a:scrgbClr r="0" g="0" b="0"/>
-      </a:effectRef>
-      <a:fontRef idx="minor"/>
-    </dgm:style>
-  </dgm:styleLbl>
-  <dgm:styleLbl name="revTx">
-    <dgm:scene3d>
-      <a:camera prst="orthographicFront"/>
-      <a:lightRig rig="threePt" dir="t"/>
-    </dgm:scene3d>
-    <dgm:sp3d/>
-    <dgm:txPr/>
-    <dgm:style>
-      <a:lnRef idx="0">
-        <a:scrgbClr r="0" g="0" b="0"/>
-      </a:lnRef>
-      <a:fillRef idx="0">
-        <a:scrgbClr r="0" g="0" b="0"/>
-      </a:fillRef>
-      <a:effectRef idx="0">
-        <a:scrgbClr r="0" g="0" b="0"/>
-      </a:effectRef>
-      <a:fontRef idx="minor"/>
-    </dgm:style>
-  </dgm:styleLbl>
-</dgm:styleDef>
-</file>
-
-<file path=ppt/diagrams/quickStyle4.xml><?xml version="1.0" encoding="utf-8"?>
 <dgm:styleDef xmlns:dgm="http://schemas.openxmlformats.org/drawingml/2006/diagram" xmlns:a="http://schemas.openxmlformats.org/drawingml/2006/main" uniqueId="urn:microsoft.com/office/officeart/2005/8/quickstyle/simple1">
   <dgm:title val=""/>
   <dgm:desc val=""/>
@@ -12278,7 +9892,7 @@
           <a:p>
             <a:fld id="{43FFC8C6-CBAC-4779-A46F-C8A43BE713D8}" type="datetimeFigureOut">
               <a:rPr lang="en-AU" smtClean="0"/>
-              <a:t>29/08/2025</a:t>
+              <a:t>30/08/2025</a:t>
             </a:fld>
             <a:endParaRPr lang="en-AU"/>
           </a:p>
@@ -12590,6 +10204,1711 @@
           <a:bodyPr/>
           <a:lstStyle/>
           <a:p>
+            <a:r>
+              <a:rPr lang="en-AU" dirty="0"/>
+              <a:t>Hello everyone! Welcome to this video series on building agents with </a:t>
+            </a:r>
+            <a:r>
+              <a:rPr lang="en-AU" dirty="0" err="1"/>
+              <a:t>Dapr</a:t>
+            </a:r>
+            <a:r>
+              <a:rPr lang="en-AU" dirty="0"/>
+              <a:t>! It’s been 6 months since I’ve posted my last video – no real reason for a the long time away – I got a new job, I’ve been planning for my wedding later this year, and let’s be honest I’ve been lazy :D</a:t>
+            </a:r>
+          </a:p>
+          <a:p>
+            <a:endParaRPr lang="en-AU" dirty="0"/>
+          </a:p>
+          <a:p>
+            <a:r>
+              <a:rPr lang="en-AU" dirty="0"/>
+              <a:t>Anyway, as some of you know I’m a huge fan of the </a:t>
+            </a:r>
+            <a:r>
+              <a:rPr lang="en-AU" dirty="0" err="1"/>
+              <a:t>Dapr</a:t>
+            </a:r>
+            <a:r>
+              <a:rPr lang="en-AU" dirty="0"/>
+              <a:t> framework, I’ve been building systems with it for a while now, so I’ve spent a bit of time getting my head around the </a:t>
+            </a:r>
+            <a:r>
+              <a:rPr lang="en-AU" dirty="0" err="1"/>
+              <a:t>Dapr</a:t>
+            </a:r>
+            <a:r>
+              <a:rPr lang="en-AU" dirty="0"/>
+              <a:t> Agents framework and I’m gearing up to speak at a few conferences on </a:t>
+            </a:r>
+            <a:r>
+              <a:rPr lang="en-AU" dirty="0" err="1"/>
+              <a:t>Dapr</a:t>
+            </a:r>
+            <a:r>
+              <a:rPr lang="en-AU" dirty="0"/>
+              <a:t> Agents, so it’s a good excuse for me to come back to creating YouTube videos, and talk about how we can build Agents with the </a:t>
+            </a:r>
+            <a:r>
+              <a:rPr lang="en-AU" dirty="0" err="1"/>
+              <a:t>Dapr</a:t>
+            </a:r>
+            <a:r>
+              <a:rPr lang="en-AU" dirty="0"/>
+              <a:t> Framework.</a:t>
+            </a:r>
+          </a:p>
+        </p:txBody>
+      </p:sp>
+      <p:sp>
+        <p:nvSpPr>
+          <p:cNvPr id="4" name="Slide Number Placeholder 3"/>
+          <p:cNvSpPr>
+            <a:spLocks noGrp="1"/>
+          </p:cNvSpPr>
+          <p:nvPr>
+            <p:ph type="sldNum" sz="quarter" idx="5"/>
+          </p:nvPr>
+        </p:nvSpPr>
+        <p:spPr/>
+        <p:txBody>
+          <a:bodyPr/>
+          <a:lstStyle/>
+          <a:p>
+            <a:fld id="{9DD1D314-7884-4CEC-89F8-8B4771B0C6E2}" type="slidenum">
+              <a:rPr lang="en-AU" smtClean="0"/>
+              <a:t>1</a:t>
+            </a:fld>
+            <a:endParaRPr lang="en-AU"/>
+          </a:p>
+        </p:txBody>
+      </p:sp>
+    </p:spTree>
+    <p:extLst>
+      <p:ext uri="{BB962C8B-B14F-4D97-AF65-F5344CB8AC3E}">
+        <p14:creationId xmlns:p14="http://schemas.microsoft.com/office/powerpoint/2010/main" val="2980761890"/>
+      </p:ext>
+    </p:extLst>
+  </p:cSld>
+  <p:clrMapOvr>
+    <a:masterClrMapping/>
+  </p:clrMapOvr>
+</p:notes>
+</file>
+
+<file path=ppt/notesSlides/notesSlide10.xml><?xml version="1.0" encoding="utf-8"?>
+<p:notes xmlns:a="http://schemas.openxmlformats.org/drawingml/2006/main" xmlns:r="http://schemas.openxmlformats.org/officeDocument/2006/relationships" xmlns:p="http://schemas.openxmlformats.org/presentationml/2006/main">
+  <p:cSld>
+    <p:spTree>
+      <p:nvGrpSpPr>
+        <p:cNvPr id="1" name=""/>
+        <p:cNvGrpSpPr/>
+        <p:nvPr/>
+      </p:nvGrpSpPr>
+      <p:grpSpPr>
+        <a:xfrm>
+          <a:off x="0" y="0"/>
+          <a:ext cx="0" cy="0"/>
+          <a:chOff x="0" y="0"/>
+          <a:chExt cx="0" cy="0"/>
+        </a:xfrm>
+      </p:grpSpPr>
+      <p:sp>
+        <p:nvSpPr>
+          <p:cNvPr id="2" name="Slide Image Placeholder 1"/>
+          <p:cNvSpPr>
+            <a:spLocks noGrp="1" noRot="1" noChangeAspect="1"/>
+          </p:cNvSpPr>
+          <p:nvPr>
+            <p:ph type="sldImg"/>
+          </p:nvPr>
+        </p:nvSpPr>
+        <p:spPr/>
+      </p:sp>
+      <p:sp>
+        <p:nvSpPr>
+          <p:cNvPr id="3" name="Notes Placeholder 2"/>
+          <p:cNvSpPr>
+            <a:spLocks noGrp="1"/>
+          </p:cNvSpPr>
+          <p:nvPr>
+            <p:ph type="body" idx="1"/>
+          </p:nvPr>
+        </p:nvSpPr>
+        <p:spPr/>
+        <p:txBody>
+          <a:bodyPr/>
+          <a:lstStyle/>
+          <a:p>
+            <a:r>
+              <a:rPr lang="en-US" sz="1200" b="0" i="0" kern="1200" dirty="0" err="1">
+                <a:solidFill>
+                  <a:schemeClr val="tx1"/>
+                </a:solidFill>
+                <a:effectLst/>
+                <a:latin typeface="+mn-lt"/>
+                <a:ea typeface="+mn-ea"/>
+                <a:cs typeface="+mn-cs"/>
+              </a:rPr>
+              <a:t>Dapr</a:t>
+            </a:r>
+            <a:r>
+              <a:rPr lang="en-US" sz="1200" b="0" i="0" kern="1200" dirty="0">
+                <a:solidFill>
+                  <a:schemeClr val="tx1"/>
+                </a:solidFill>
+                <a:effectLst/>
+                <a:latin typeface="+mn-lt"/>
+                <a:ea typeface="+mn-ea"/>
+                <a:cs typeface="+mn-cs"/>
+              </a:rPr>
+              <a:t> Agents emphasizes the use of Pub/Sub messaging for event-driven communication between agents. This principle ensures:</a:t>
+            </a:r>
+          </a:p>
+          <a:p>
+            <a:endParaRPr lang="en-US" sz="1200" b="0" i="0" kern="1200" dirty="0">
+              <a:solidFill>
+                <a:schemeClr val="tx1"/>
+              </a:solidFill>
+              <a:effectLst/>
+              <a:latin typeface="+mn-lt"/>
+              <a:ea typeface="+mn-ea"/>
+              <a:cs typeface="+mn-cs"/>
+            </a:endParaRPr>
+          </a:p>
+          <a:p>
+            <a:r>
+              <a:rPr lang="en-US" sz="1200" b="0" i="0" kern="1200" dirty="0">
+                <a:solidFill>
+                  <a:schemeClr val="tx1"/>
+                </a:solidFill>
+                <a:effectLst/>
+                <a:latin typeface="+mn-lt"/>
+                <a:ea typeface="+mn-ea"/>
+                <a:cs typeface="+mn-cs"/>
+              </a:rPr>
+              <a:t>Decoupled Architecture: Asynchronous communication for scalability and modularity.</a:t>
+            </a:r>
+          </a:p>
+          <a:p>
+            <a:r>
+              <a:rPr lang="en-US" sz="1200" b="0" i="0" kern="1200" dirty="0">
+                <a:solidFill>
+                  <a:schemeClr val="tx1"/>
+                </a:solidFill>
+                <a:effectLst/>
+                <a:latin typeface="+mn-lt"/>
+                <a:ea typeface="+mn-ea"/>
+                <a:cs typeface="+mn-cs"/>
+              </a:rPr>
+              <a:t>Real-Time Adaptability: Agents react dynamically to events for faster, more flexible task execution.</a:t>
+            </a:r>
+          </a:p>
+          <a:p>
+            <a:r>
+              <a:rPr lang="en-US" sz="1200" b="0" i="0" kern="1200" dirty="0">
+                <a:solidFill>
+                  <a:schemeClr val="tx1"/>
+                </a:solidFill>
+                <a:effectLst/>
+                <a:latin typeface="+mn-lt"/>
+                <a:ea typeface="+mn-ea"/>
+                <a:cs typeface="+mn-cs"/>
+              </a:rPr>
+              <a:t>Seamless Collaboration: Agents share updates, distribute tasks, and respond to events in a highly coordinated way.</a:t>
+            </a:r>
+          </a:p>
+          <a:p>
+            <a:endParaRPr lang="en-AU" dirty="0"/>
+          </a:p>
+        </p:txBody>
+      </p:sp>
+      <p:sp>
+        <p:nvSpPr>
+          <p:cNvPr id="4" name="Slide Number Placeholder 3"/>
+          <p:cNvSpPr>
+            <a:spLocks noGrp="1"/>
+          </p:cNvSpPr>
+          <p:nvPr>
+            <p:ph type="sldNum" sz="quarter" idx="5"/>
+          </p:nvPr>
+        </p:nvSpPr>
+        <p:spPr/>
+        <p:txBody>
+          <a:bodyPr/>
+          <a:lstStyle/>
+          <a:p>
+            <a:fld id="{9DD1D314-7884-4CEC-89F8-8B4771B0C6E2}" type="slidenum">
+              <a:rPr lang="en-AU" smtClean="0"/>
+              <a:t>10</a:t>
+            </a:fld>
+            <a:endParaRPr lang="en-AU"/>
+          </a:p>
+        </p:txBody>
+      </p:sp>
+    </p:spTree>
+    <p:extLst>
+      <p:ext uri="{BB962C8B-B14F-4D97-AF65-F5344CB8AC3E}">
+        <p14:creationId xmlns:p14="http://schemas.microsoft.com/office/powerpoint/2010/main" val="2129206966"/>
+      </p:ext>
+    </p:extLst>
+  </p:cSld>
+  <p:clrMapOvr>
+    <a:masterClrMapping/>
+  </p:clrMapOvr>
+</p:notes>
+</file>
+
+<file path=ppt/notesSlides/notesSlide11.xml><?xml version="1.0" encoding="utf-8"?>
+<p:notes xmlns:a="http://schemas.openxmlformats.org/drawingml/2006/main" xmlns:r="http://schemas.openxmlformats.org/officeDocument/2006/relationships" xmlns:p="http://schemas.openxmlformats.org/presentationml/2006/main">
+  <p:cSld>
+    <p:spTree>
+      <p:nvGrpSpPr>
+        <p:cNvPr id="1" name=""/>
+        <p:cNvGrpSpPr/>
+        <p:nvPr/>
+      </p:nvGrpSpPr>
+      <p:grpSpPr>
+        <a:xfrm>
+          <a:off x="0" y="0"/>
+          <a:ext cx="0" cy="0"/>
+          <a:chOff x="0" y="0"/>
+          <a:chExt cx="0" cy="0"/>
+        </a:xfrm>
+      </p:grpSpPr>
+      <p:sp>
+        <p:nvSpPr>
+          <p:cNvPr id="2" name="Slide Image Placeholder 1"/>
+          <p:cNvSpPr>
+            <a:spLocks noGrp="1" noRot="1" noChangeAspect="1"/>
+          </p:cNvSpPr>
+          <p:nvPr>
+            <p:ph type="sldImg"/>
+          </p:nvPr>
+        </p:nvSpPr>
+        <p:spPr/>
+      </p:sp>
+      <p:sp>
+        <p:nvSpPr>
+          <p:cNvPr id="3" name="Notes Placeholder 2"/>
+          <p:cNvSpPr>
+            <a:spLocks noGrp="1"/>
+          </p:cNvSpPr>
+          <p:nvPr>
+            <p:ph type="body" idx="1"/>
+          </p:nvPr>
+        </p:nvSpPr>
+        <p:spPr/>
+        <p:txBody>
+          <a:bodyPr/>
+          <a:lstStyle/>
+          <a:p>
+            <a:r>
+              <a:rPr lang="en-US" sz="1200" b="0" i="0" kern="1200" dirty="0" err="1">
+                <a:solidFill>
+                  <a:schemeClr val="tx1"/>
+                </a:solidFill>
+                <a:effectLst/>
+                <a:latin typeface="+mn-lt"/>
+                <a:ea typeface="+mn-ea"/>
+                <a:cs typeface="+mn-cs"/>
+              </a:rPr>
+              <a:t>Dapr</a:t>
+            </a:r>
+            <a:r>
+              <a:rPr lang="en-US" sz="1200" b="0" i="0" kern="1200" dirty="0">
+                <a:solidFill>
+                  <a:schemeClr val="tx1"/>
+                </a:solidFill>
+                <a:effectLst/>
+                <a:latin typeface="+mn-lt"/>
+                <a:ea typeface="+mn-ea"/>
+                <a:cs typeface="+mn-cs"/>
+              </a:rPr>
+              <a:t> Agents embraces workflows as a foundational concept, integrating </a:t>
+            </a:r>
+            <a:r>
+              <a:rPr lang="en-US" sz="1200" b="0" i="0" u="none" strike="noStrike" kern="1200" dirty="0" err="1">
+                <a:solidFill>
+                  <a:schemeClr val="tx1"/>
+                </a:solidFill>
+                <a:effectLst/>
+                <a:latin typeface="+mn-lt"/>
+                <a:ea typeface="+mn-ea"/>
+                <a:cs typeface="+mn-cs"/>
+                <a:hlinkClick r:id="rId3"/>
+              </a:rPr>
+              <a:t>Dapr</a:t>
+            </a:r>
+            <a:r>
+              <a:rPr lang="en-US" sz="1200" b="0" i="0" u="none" strike="noStrike" kern="1200" dirty="0">
+                <a:solidFill>
+                  <a:schemeClr val="tx1"/>
+                </a:solidFill>
+                <a:effectLst/>
+                <a:latin typeface="+mn-lt"/>
+                <a:ea typeface="+mn-ea"/>
+                <a:cs typeface="+mn-cs"/>
+                <a:hlinkClick r:id="rId3"/>
+              </a:rPr>
+              <a:t> Workflows</a:t>
+            </a:r>
+            <a:r>
+              <a:rPr lang="en-US" sz="1200" b="0" i="0" kern="1200" dirty="0">
+                <a:solidFill>
+                  <a:schemeClr val="tx1"/>
+                </a:solidFill>
+                <a:effectLst/>
+                <a:latin typeface="+mn-lt"/>
+                <a:ea typeface="+mn-ea"/>
+                <a:cs typeface="+mn-cs"/>
+              </a:rPr>
+              <a:t> to support both deterministic and event-driven task orchestration. This dual approach enables robust and adaptive systems:</a:t>
+            </a:r>
+          </a:p>
+          <a:p>
+            <a:endParaRPr lang="en-US" sz="1200" b="0" i="0" kern="1200" dirty="0">
+              <a:solidFill>
+                <a:schemeClr val="tx1"/>
+              </a:solidFill>
+              <a:effectLst/>
+              <a:latin typeface="+mn-lt"/>
+              <a:ea typeface="+mn-ea"/>
+              <a:cs typeface="+mn-cs"/>
+            </a:endParaRPr>
+          </a:p>
+          <a:p>
+            <a:r>
+              <a:rPr lang="en-US" sz="1200" b="0" i="0" kern="1200" dirty="0">
+                <a:solidFill>
+                  <a:schemeClr val="tx1"/>
+                </a:solidFill>
+                <a:effectLst/>
+                <a:latin typeface="+mn-lt"/>
+                <a:ea typeface="+mn-ea"/>
+                <a:cs typeface="+mn-cs"/>
+              </a:rPr>
+              <a:t>Deterministic Workflows: </a:t>
+            </a:r>
+            <a:r>
+              <a:rPr lang="en-US" sz="1200" b="0" i="0" kern="1200" dirty="0" err="1">
+                <a:solidFill>
+                  <a:schemeClr val="tx1"/>
+                </a:solidFill>
+                <a:effectLst/>
+                <a:latin typeface="+mn-lt"/>
+                <a:ea typeface="+mn-ea"/>
+                <a:cs typeface="+mn-cs"/>
+              </a:rPr>
+              <a:t>Dapr</a:t>
+            </a:r>
+            <a:r>
+              <a:rPr lang="en-US" sz="1200" b="0" i="0" kern="1200" dirty="0">
+                <a:solidFill>
+                  <a:schemeClr val="tx1"/>
+                </a:solidFill>
+                <a:effectLst/>
+                <a:latin typeface="+mn-lt"/>
+                <a:ea typeface="+mn-ea"/>
+                <a:cs typeface="+mn-cs"/>
+              </a:rPr>
+              <a:t> Agents uses </a:t>
+            </a:r>
+            <a:r>
+              <a:rPr lang="en-US" sz="1200" b="0" i="0" kern="1200" dirty="0" err="1">
+                <a:solidFill>
+                  <a:schemeClr val="tx1"/>
+                </a:solidFill>
+                <a:effectLst/>
+                <a:latin typeface="+mn-lt"/>
+                <a:ea typeface="+mn-ea"/>
+                <a:cs typeface="+mn-cs"/>
+              </a:rPr>
+              <a:t>Dapr</a:t>
+            </a:r>
+            <a:r>
+              <a:rPr lang="en-US" sz="1200" b="0" i="0" kern="1200" dirty="0">
+                <a:solidFill>
+                  <a:schemeClr val="tx1"/>
+                </a:solidFill>
+                <a:effectLst/>
+                <a:latin typeface="+mn-lt"/>
+                <a:ea typeface="+mn-ea"/>
+                <a:cs typeface="+mn-cs"/>
+              </a:rPr>
+              <a:t> Workflows for stateful, predictable task sequences. These workflows ensure reliable execution, fault tolerance, and state persistence, making them ideal for structured, multi-step processes that require clear, repeatable logic.</a:t>
+            </a:r>
+          </a:p>
+          <a:p>
+            <a:r>
+              <a:rPr lang="en-US" sz="1200" b="0" i="0" kern="1200" dirty="0">
+                <a:solidFill>
+                  <a:schemeClr val="tx1"/>
+                </a:solidFill>
+                <a:effectLst/>
+                <a:latin typeface="+mn-lt"/>
+                <a:ea typeface="+mn-ea"/>
+                <a:cs typeface="+mn-cs"/>
+              </a:rPr>
+              <a:t>Event-Driven Workflows: By combining </a:t>
+            </a:r>
+            <a:r>
+              <a:rPr lang="en-US" sz="1200" b="0" i="0" kern="1200" dirty="0" err="1">
+                <a:solidFill>
+                  <a:schemeClr val="tx1"/>
+                </a:solidFill>
+                <a:effectLst/>
+                <a:latin typeface="+mn-lt"/>
+                <a:ea typeface="+mn-ea"/>
+                <a:cs typeface="+mn-cs"/>
+              </a:rPr>
+              <a:t>Dapr</a:t>
+            </a:r>
+            <a:r>
+              <a:rPr lang="en-US" sz="1200" b="0" i="0" kern="1200" dirty="0">
+                <a:solidFill>
+                  <a:schemeClr val="tx1"/>
+                </a:solidFill>
+                <a:effectLst/>
+                <a:latin typeface="+mn-lt"/>
+                <a:ea typeface="+mn-ea"/>
+                <a:cs typeface="+mn-cs"/>
+              </a:rPr>
+              <a:t> Workflows with Pub/Sub messaging, </a:t>
+            </a:r>
+            <a:r>
+              <a:rPr lang="en-US" sz="1200" b="0" i="0" kern="1200" dirty="0" err="1">
+                <a:solidFill>
+                  <a:schemeClr val="tx1"/>
+                </a:solidFill>
+                <a:effectLst/>
+                <a:latin typeface="+mn-lt"/>
+                <a:ea typeface="+mn-ea"/>
+                <a:cs typeface="+mn-cs"/>
+              </a:rPr>
+              <a:t>Dapr</a:t>
+            </a:r>
+            <a:r>
+              <a:rPr lang="en-US" sz="1200" b="0" i="0" kern="1200" dirty="0">
+                <a:solidFill>
+                  <a:schemeClr val="tx1"/>
+                </a:solidFill>
+                <a:effectLst/>
+                <a:latin typeface="+mn-lt"/>
+                <a:ea typeface="+mn-ea"/>
+                <a:cs typeface="+mn-cs"/>
+              </a:rPr>
+              <a:t> Agents supports workflows that adapt to real-time events. This facilitates decentralized, asynchronous collaboration between agents, allowing workflows to dynamically adjust to changing scenarios.</a:t>
+            </a:r>
+          </a:p>
+          <a:p>
+            <a:endParaRPr lang="en-US" sz="1200" b="0" i="0" kern="1200" dirty="0">
+              <a:solidFill>
+                <a:schemeClr val="tx1"/>
+              </a:solidFill>
+              <a:effectLst/>
+              <a:latin typeface="+mn-lt"/>
+              <a:ea typeface="+mn-ea"/>
+              <a:cs typeface="+mn-cs"/>
+            </a:endParaRPr>
+          </a:p>
+          <a:p>
+            <a:r>
+              <a:rPr lang="en-US" sz="1200" b="0" i="0" kern="1200" dirty="0">
+                <a:solidFill>
+                  <a:schemeClr val="tx1"/>
+                </a:solidFill>
+                <a:effectLst/>
+                <a:latin typeface="+mn-lt"/>
+                <a:ea typeface="+mn-ea"/>
+                <a:cs typeface="+mn-cs"/>
+              </a:rPr>
+              <a:t>By integrating these paradigms, </a:t>
+            </a:r>
+            <a:r>
+              <a:rPr lang="en-US" sz="1200" b="0" i="0" kern="1200" dirty="0" err="1">
+                <a:solidFill>
+                  <a:schemeClr val="tx1"/>
+                </a:solidFill>
+                <a:effectLst/>
+                <a:latin typeface="+mn-lt"/>
+                <a:ea typeface="+mn-ea"/>
+                <a:cs typeface="+mn-cs"/>
+              </a:rPr>
+              <a:t>Dapr</a:t>
+            </a:r>
+            <a:r>
+              <a:rPr lang="en-US" sz="1200" b="0" i="0" kern="1200" dirty="0">
+                <a:solidFill>
+                  <a:schemeClr val="tx1"/>
+                </a:solidFill>
+                <a:effectLst/>
+                <a:latin typeface="+mn-lt"/>
+                <a:ea typeface="+mn-ea"/>
+                <a:cs typeface="+mn-cs"/>
+              </a:rPr>
+              <a:t> Agents enables workflows that combine the reliability of deterministic execution with the adaptability of event-driven processes, ensuring flexibility and resilience in a wide range of applications.</a:t>
+            </a:r>
+          </a:p>
+          <a:p>
+            <a:endParaRPr lang="en-AU" dirty="0"/>
+          </a:p>
+        </p:txBody>
+      </p:sp>
+      <p:sp>
+        <p:nvSpPr>
+          <p:cNvPr id="4" name="Slide Number Placeholder 3"/>
+          <p:cNvSpPr>
+            <a:spLocks noGrp="1"/>
+          </p:cNvSpPr>
+          <p:nvPr>
+            <p:ph type="sldNum" sz="quarter" idx="5"/>
+          </p:nvPr>
+        </p:nvSpPr>
+        <p:spPr/>
+        <p:txBody>
+          <a:bodyPr/>
+          <a:lstStyle/>
+          <a:p>
+            <a:fld id="{9DD1D314-7884-4CEC-89F8-8B4771B0C6E2}" type="slidenum">
+              <a:rPr lang="en-AU" smtClean="0"/>
+              <a:t>11</a:t>
+            </a:fld>
+            <a:endParaRPr lang="en-AU"/>
+          </a:p>
+        </p:txBody>
+      </p:sp>
+    </p:spTree>
+    <p:extLst>
+      <p:ext uri="{BB962C8B-B14F-4D97-AF65-F5344CB8AC3E}">
+        <p14:creationId xmlns:p14="http://schemas.microsoft.com/office/powerpoint/2010/main" val="828409999"/>
+      </p:ext>
+    </p:extLst>
+  </p:cSld>
+  <p:clrMapOvr>
+    <a:masterClrMapping/>
+  </p:clrMapOvr>
+</p:notes>
+</file>
+
+<file path=ppt/notesSlides/notesSlide12.xml><?xml version="1.0" encoding="utf-8"?>
+<p:notes xmlns:a="http://schemas.openxmlformats.org/drawingml/2006/main" xmlns:r="http://schemas.openxmlformats.org/officeDocument/2006/relationships" xmlns:p="http://schemas.openxmlformats.org/presentationml/2006/main">
+  <p:cSld>
+    <p:spTree>
+      <p:nvGrpSpPr>
+        <p:cNvPr id="1" name=""/>
+        <p:cNvGrpSpPr/>
+        <p:nvPr/>
+      </p:nvGrpSpPr>
+      <p:grpSpPr>
+        <a:xfrm>
+          <a:off x="0" y="0"/>
+          <a:ext cx="0" cy="0"/>
+          <a:chOff x="0" y="0"/>
+          <a:chExt cx="0" cy="0"/>
+        </a:xfrm>
+      </p:grpSpPr>
+      <p:sp>
+        <p:nvSpPr>
+          <p:cNvPr id="2" name="Slide Image Placeholder 1"/>
+          <p:cNvSpPr>
+            <a:spLocks noGrp="1" noRot="1" noChangeAspect="1"/>
+          </p:cNvSpPr>
+          <p:nvPr>
+            <p:ph type="sldImg"/>
+          </p:nvPr>
+        </p:nvSpPr>
+        <p:spPr/>
+      </p:sp>
+      <p:sp>
+        <p:nvSpPr>
+          <p:cNvPr id="3" name="Notes Placeholder 2"/>
+          <p:cNvSpPr>
+            <a:spLocks noGrp="1"/>
+          </p:cNvSpPr>
+          <p:nvPr>
+            <p:ph type="body" idx="1"/>
+          </p:nvPr>
+        </p:nvSpPr>
+        <p:spPr/>
+        <p:txBody>
+          <a:bodyPr/>
+          <a:lstStyle/>
+          <a:p>
+            <a:r>
+              <a:rPr lang="en-AU" dirty="0"/>
+              <a:t>That’s given us a solid foundation on </a:t>
+            </a:r>
+            <a:r>
+              <a:rPr lang="en-AU" dirty="0" err="1"/>
+              <a:t>Dapr</a:t>
+            </a:r>
+            <a:r>
+              <a:rPr lang="en-AU" dirty="0"/>
+              <a:t> Agents – Let’s dive into some code and explore some basic agents.</a:t>
+            </a:r>
+          </a:p>
+          <a:p>
+            <a:endParaRPr lang="en-AU" dirty="0"/>
+          </a:p>
+          <a:p>
+            <a:r>
+              <a:rPr lang="en-AU" dirty="0"/>
+              <a:t>We’ll start with Agents that interact with LLMs, then we’ll look at external tools and how we can use them in </a:t>
+            </a:r>
+            <a:r>
+              <a:rPr lang="en-AU" dirty="0" err="1"/>
+              <a:t>Dapr</a:t>
+            </a:r>
+            <a:r>
+              <a:rPr lang="en-AU" dirty="0"/>
+              <a:t> Agents. We’ll then take a look at Durable, Stateful Agents, Simple Workflows, and Agents with Vector Stores.</a:t>
+            </a:r>
+          </a:p>
+        </p:txBody>
+      </p:sp>
+      <p:sp>
+        <p:nvSpPr>
+          <p:cNvPr id="4" name="Slide Number Placeholder 3"/>
+          <p:cNvSpPr>
+            <a:spLocks noGrp="1"/>
+          </p:cNvSpPr>
+          <p:nvPr>
+            <p:ph type="sldNum" sz="quarter" idx="5"/>
+          </p:nvPr>
+        </p:nvSpPr>
+        <p:spPr/>
+        <p:txBody>
+          <a:bodyPr/>
+          <a:lstStyle/>
+          <a:p>
+            <a:fld id="{9DD1D314-7884-4CEC-89F8-8B4771B0C6E2}" type="slidenum">
+              <a:rPr lang="en-AU" smtClean="0"/>
+              <a:t>12</a:t>
+            </a:fld>
+            <a:endParaRPr lang="en-AU"/>
+          </a:p>
+        </p:txBody>
+      </p:sp>
+    </p:spTree>
+    <p:extLst>
+      <p:ext uri="{BB962C8B-B14F-4D97-AF65-F5344CB8AC3E}">
+        <p14:creationId xmlns:p14="http://schemas.microsoft.com/office/powerpoint/2010/main" val="432682261"/>
+      </p:ext>
+    </p:extLst>
+  </p:cSld>
+  <p:clrMapOvr>
+    <a:masterClrMapping/>
+  </p:clrMapOvr>
+</p:notes>
+</file>
+
+<file path=ppt/notesSlides/notesSlide2.xml><?xml version="1.0" encoding="utf-8"?>
+<p:notes xmlns:a="http://schemas.openxmlformats.org/drawingml/2006/main" xmlns:r="http://schemas.openxmlformats.org/officeDocument/2006/relationships" xmlns:p="http://schemas.openxmlformats.org/presentationml/2006/main">
+  <p:cSld>
+    <p:spTree>
+      <p:nvGrpSpPr>
+        <p:cNvPr id="1" name=""/>
+        <p:cNvGrpSpPr/>
+        <p:nvPr/>
+      </p:nvGrpSpPr>
+      <p:grpSpPr>
+        <a:xfrm>
+          <a:off x="0" y="0"/>
+          <a:ext cx="0" cy="0"/>
+          <a:chOff x="0" y="0"/>
+          <a:chExt cx="0" cy="0"/>
+        </a:xfrm>
+      </p:grpSpPr>
+      <p:sp>
+        <p:nvSpPr>
+          <p:cNvPr id="2" name="Slide Image Placeholder 1"/>
+          <p:cNvSpPr>
+            <a:spLocks noGrp="1" noRot="1" noChangeAspect="1"/>
+          </p:cNvSpPr>
+          <p:nvPr>
+            <p:ph type="sldImg"/>
+          </p:nvPr>
+        </p:nvSpPr>
+        <p:spPr/>
+      </p:sp>
+      <p:sp>
+        <p:nvSpPr>
+          <p:cNvPr id="3" name="Notes Placeholder 2"/>
+          <p:cNvSpPr>
+            <a:spLocks noGrp="1"/>
+          </p:cNvSpPr>
+          <p:nvPr>
+            <p:ph type="body" idx="1"/>
+          </p:nvPr>
+        </p:nvSpPr>
+        <p:spPr/>
+        <p:txBody>
+          <a:bodyPr/>
+          <a:lstStyle/>
+          <a:p>
+            <a:r>
+              <a:rPr lang="en-AU" dirty="0"/>
+              <a:t>So far I have about 12 videos planned for this series – I’m recording them all ahead of time and releasing them all at the same time, just going to a do a massive drop like an album – There may be MORE videos on the </a:t>
+            </a:r>
+            <a:r>
+              <a:rPr lang="en-AU" dirty="0" err="1"/>
+              <a:t>Dapr</a:t>
+            </a:r>
+            <a:r>
+              <a:rPr lang="en-AU" dirty="0"/>
+              <a:t> framework, depending on how folks react to this series, if </a:t>
+            </a:r>
+            <a:r>
+              <a:rPr lang="en-AU" dirty="0" err="1"/>
+              <a:t>there’’s</a:t>
+            </a:r>
+            <a:r>
+              <a:rPr lang="en-AU" dirty="0"/>
+              <a:t> anything I missed, anything they want to see extra. So remember to subscribe to the channel if you want to keep up to date with the series, and any other videos I publish in the future.</a:t>
+            </a:r>
+          </a:p>
+          <a:p>
+            <a:endParaRPr lang="en-AU" dirty="0"/>
+          </a:p>
+          <a:p>
+            <a:r>
+              <a:rPr lang="en-AU" dirty="0"/>
+              <a:t>In this series, we’ll start with the basics of </a:t>
+            </a:r>
+            <a:r>
+              <a:rPr lang="en-AU" dirty="0" err="1"/>
+              <a:t>Dapr</a:t>
+            </a:r>
+            <a:r>
+              <a:rPr lang="en-AU" dirty="0"/>
+              <a:t> Agents (this video) – before moving into how LLMs integrate with </a:t>
+            </a:r>
+            <a:r>
+              <a:rPr lang="en-AU" dirty="0" err="1"/>
+              <a:t>Dapr</a:t>
+            </a:r>
+            <a:r>
+              <a:rPr lang="en-AU" dirty="0"/>
+              <a:t> Agents, how we can use external tools in our agents, how agentic workflows work in </a:t>
+            </a:r>
+            <a:r>
+              <a:rPr lang="en-AU" dirty="0" err="1"/>
+              <a:t>Dapr</a:t>
+            </a:r>
+            <a:r>
+              <a:rPr lang="en-AU" dirty="0"/>
+              <a:t> Agents, How can we work with external documents and how MCP integration works in </a:t>
+            </a:r>
+            <a:r>
+              <a:rPr lang="en-AU" dirty="0" err="1"/>
+              <a:t>Dapr</a:t>
+            </a:r>
+            <a:r>
+              <a:rPr lang="en-AU" dirty="0"/>
+              <a:t> Agents.</a:t>
+            </a:r>
+          </a:p>
+          <a:p>
+            <a:endParaRPr lang="en-AU" dirty="0"/>
+          </a:p>
+          <a:p>
+            <a:r>
+              <a:rPr lang="en-AU" dirty="0"/>
+              <a:t>The second half of the series, we’ll start diving into some patterns we can implement in </a:t>
+            </a:r>
+            <a:r>
+              <a:rPr lang="en-AU" dirty="0" err="1"/>
+              <a:t>Dapr</a:t>
+            </a:r>
+            <a:r>
+              <a:rPr lang="en-AU" dirty="0"/>
+              <a:t> Agents. This includes how we can augment LLMs in </a:t>
+            </a:r>
+            <a:r>
+              <a:rPr lang="en-AU" dirty="0" err="1"/>
+              <a:t>Dapr</a:t>
+            </a:r>
+            <a:r>
+              <a:rPr lang="en-AU" dirty="0"/>
+              <a:t> Agents, how we can orchestrate workflows in </a:t>
+            </a:r>
+            <a:r>
+              <a:rPr lang="en-AU" dirty="0" err="1"/>
+              <a:t>Dapr</a:t>
+            </a:r>
+            <a:r>
+              <a:rPr lang="en-AU" dirty="0"/>
+              <a:t> Agents, Prompt Chaining and how we can optimize our Agents performance  using the Evaluator-Optimizer Pattern.</a:t>
+            </a:r>
+          </a:p>
+          <a:p>
+            <a:endParaRPr lang="en-AU" dirty="0"/>
+          </a:p>
+          <a:p>
+            <a:r>
+              <a:rPr lang="en-AU" dirty="0"/>
+              <a:t>This series is going to assume that you have some knowledge of AI Agents – This series is going to focus on the </a:t>
+            </a:r>
+            <a:r>
+              <a:rPr lang="en-AU" dirty="0" err="1"/>
+              <a:t>Dapr</a:t>
+            </a:r>
+            <a:r>
+              <a:rPr lang="en-AU" dirty="0"/>
+              <a:t> Agent Framework, we’re not going to spend too much time on the basic of agents themselves. That being said, we will start with the basics of the </a:t>
+            </a:r>
+            <a:r>
+              <a:rPr lang="en-AU" dirty="0" err="1"/>
+              <a:t>Dapr</a:t>
+            </a:r>
+            <a:r>
+              <a:rPr lang="en-AU" dirty="0"/>
+              <a:t> Agent framework and build our knowledge up incrementally. You don’t necessarily have to watch the videos in order either, you can start here and then jump into patterns, or jump into agentic workflows, however you want to learn.</a:t>
+            </a:r>
+          </a:p>
+          <a:p>
+            <a:endParaRPr lang="en-AU" dirty="0"/>
+          </a:p>
+          <a:p>
+            <a:r>
+              <a:rPr lang="en-AU" dirty="0"/>
+              <a:t>For now, let’s start with the basics</a:t>
+            </a:r>
+          </a:p>
+        </p:txBody>
+      </p:sp>
+      <p:sp>
+        <p:nvSpPr>
+          <p:cNvPr id="4" name="Slide Number Placeholder 3"/>
+          <p:cNvSpPr>
+            <a:spLocks noGrp="1"/>
+          </p:cNvSpPr>
+          <p:nvPr>
+            <p:ph type="sldNum" sz="quarter" idx="5"/>
+          </p:nvPr>
+        </p:nvSpPr>
+        <p:spPr/>
+        <p:txBody>
+          <a:bodyPr/>
+          <a:lstStyle/>
+          <a:p>
+            <a:fld id="{9DD1D314-7884-4CEC-89F8-8B4771B0C6E2}" type="slidenum">
+              <a:rPr lang="en-AU" smtClean="0"/>
+              <a:t>2</a:t>
+            </a:fld>
+            <a:endParaRPr lang="en-AU"/>
+          </a:p>
+        </p:txBody>
+      </p:sp>
+    </p:spTree>
+    <p:extLst>
+      <p:ext uri="{BB962C8B-B14F-4D97-AF65-F5344CB8AC3E}">
+        <p14:creationId xmlns:p14="http://schemas.microsoft.com/office/powerpoint/2010/main" val="80574163"/>
+      </p:ext>
+    </p:extLst>
+  </p:cSld>
+  <p:clrMapOvr>
+    <a:masterClrMapping/>
+  </p:clrMapOvr>
+</p:notes>
+</file>
+
+<file path=ppt/notesSlides/notesSlide3.xml><?xml version="1.0" encoding="utf-8"?>
+<p:notes xmlns:a="http://schemas.openxmlformats.org/drawingml/2006/main" xmlns:r="http://schemas.openxmlformats.org/officeDocument/2006/relationships" xmlns:p="http://schemas.openxmlformats.org/presentationml/2006/main">
+  <p:cSld>
+    <p:spTree>
+      <p:nvGrpSpPr>
+        <p:cNvPr id="1" name=""/>
+        <p:cNvGrpSpPr/>
+        <p:nvPr/>
+      </p:nvGrpSpPr>
+      <p:grpSpPr>
+        <a:xfrm>
+          <a:off x="0" y="0"/>
+          <a:ext cx="0" cy="0"/>
+          <a:chOff x="0" y="0"/>
+          <a:chExt cx="0" cy="0"/>
+        </a:xfrm>
+      </p:grpSpPr>
+      <p:sp>
+        <p:nvSpPr>
+          <p:cNvPr id="2" name="Slide Image Placeholder 1"/>
+          <p:cNvSpPr>
+            <a:spLocks noGrp="1" noRot="1" noChangeAspect="1"/>
+          </p:cNvSpPr>
+          <p:nvPr>
+            <p:ph type="sldImg"/>
+          </p:nvPr>
+        </p:nvSpPr>
+        <p:spPr/>
+      </p:sp>
+      <p:sp>
+        <p:nvSpPr>
+          <p:cNvPr id="3" name="Notes Placeholder 2"/>
+          <p:cNvSpPr>
+            <a:spLocks noGrp="1"/>
+          </p:cNvSpPr>
+          <p:nvPr>
+            <p:ph type="body" idx="1"/>
+          </p:nvPr>
+        </p:nvSpPr>
+        <p:spPr/>
+        <p:txBody>
+          <a:bodyPr/>
+          <a:lstStyle/>
+          <a:p>
+            <a:r>
+              <a:rPr lang="en-AU" dirty="0"/>
+              <a:t>For now, let’s start with the basics – In this video we’ll tackle what </a:t>
+            </a:r>
+            <a:r>
+              <a:rPr lang="en-AU" dirty="0" err="1"/>
+              <a:t>Dapr</a:t>
+            </a:r>
+            <a:r>
+              <a:rPr lang="en-AU" dirty="0"/>
+              <a:t> Agents are and their benefits, the core principles behind </a:t>
+            </a:r>
+            <a:r>
+              <a:rPr lang="en-AU" dirty="0" err="1"/>
+              <a:t>Dapr</a:t>
+            </a:r>
+            <a:r>
+              <a:rPr lang="en-AU" dirty="0"/>
+              <a:t> Agents before jumping into some code and building our first </a:t>
+            </a:r>
+            <a:r>
+              <a:rPr lang="en-AU" dirty="0" err="1"/>
+              <a:t>Dapr</a:t>
+            </a:r>
+            <a:r>
+              <a:rPr lang="en-AU" dirty="0"/>
+              <a:t> Agents.</a:t>
+            </a:r>
+          </a:p>
+          <a:p>
+            <a:endParaRPr lang="en-AU" dirty="0"/>
+          </a:p>
+        </p:txBody>
+      </p:sp>
+      <p:sp>
+        <p:nvSpPr>
+          <p:cNvPr id="4" name="Slide Number Placeholder 3"/>
+          <p:cNvSpPr>
+            <a:spLocks noGrp="1"/>
+          </p:cNvSpPr>
+          <p:nvPr>
+            <p:ph type="sldNum" sz="quarter" idx="5"/>
+          </p:nvPr>
+        </p:nvSpPr>
+        <p:spPr/>
+        <p:txBody>
+          <a:bodyPr/>
+          <a:lstStyle/>
+          <a:p>
+            <a:fld id="{9DD1D314-7884-4CEC-89F8-8B4771B0C6E2}" type="slidenum">
+              <a:rPr lang="en-AU" smtClean="0"/>
+              <a:t>3</a:t>
+            </a:fld>
+            <a:endParaRPr lang="en-AU"/>
+          </a:p>
+        </p:txBody>
+      </p:sp>
+    </p:spTree>
+    <p:extLst>
+      <p:ext uri="{BB962C8B-B14F-4D97-AF65-F5344CB8AC3E}">
+        <p14:creationId xmlns:p14="http://schemas.microsoft.com/office/powerpoint/2010/main" val="2298849568"/>
+      </p:ext>
+    </p:extLst>
+  </p:cSld>
+  <p:clrMapOvr>
+    <a:masterClrMapping/>
+  </p:clrMapOvr>
+</p:notes>
+</file>
+
+<file path=ppt/notesSlides/notesSlide4.xml><?xml version="1.0" encoding="utf-8"?>
+<p:notes xmlns:a="http://schemas.openxmlformats.org/drawingml/2006/main" xmlns:r="http://schemas.openxmlformats.org/officeDocument/2006/relationships" xmlns:p="http://schemas.openxmlformats.org/presentationml/2006/main">
+  <p:cSld>
+    <p:spTree>
+      <p:nvGrpSpPr>
+        <p:cNvPr id="1" name=""/>
+        <p:cNvGrpSpPr/>
+        <p:nvPr/>
+      </p:nvGrpSpPr>
+      <p:grpSpPr>
+        <a:xfrm>
+          <a:off x="0" y="0"/>
+          <a:ext cx="0" cy="0"/>
+          <a:chOff x="0" y="0"/>
+          <a:chExt cx="0" cy="0"/>
+        </a:xfrm>
+      </p:grpSpPr>
+      <p:sp>
+        <p:nvSpPr>
+          <p:cNvPr id="2" name="Slide Image Placeholder 1"/>
+          <p:cNvSpPr>
+            <a:spLocks noGrp="1" noRot="1" noChangeAspect="1"/>
+          </p:cNvSpPr>
+          <p:nvPr>
+            <p:ph type="sldImg"/>
+          </p:nvPr>
+        </p:nvSpPr>
+        <p:spPr/>
+      </p:sp>
+      <p:sp>
+        <p:nvSpPr>
+          <p:cNvPr id="3" name="Notes Placeholder 2"/>
+          <p:cNvSpPr>
+            <a:spLocks noGrp="1"/>
+          </p:cNvSpPr>
+          <p:nvPr>
+            <p:ph type="body" idx="1"/>
+          </p:nvPr>
+        </p:nvSpPr>
+        <p:spPr/>
+        <p:txBody>
+          <a:bodyPr/>
+          <a:lstStyle/>
+          <a:p>
+            <a:r>
+              <a:rPr lang="en-AU" dirty="0" err="1"/>
+              <a:t>Dapr</a:t>
+            </a:r>
+            <a:r>
+              <a:rPr lang="en-AU" dirty="0"/>
+              <a:t> Agents is an open-source framework for building and orchestrating LLM-based autonomous agents, designed to simplify the complexity of creating scalable agentic workflows and microservices.</a:t>
+            </a:r>
+          </a:p>
+          <a:p>
+            <a:endParaRPr lang="en-AU" dirty="0"/>
+          </a:p>
+          <a:p>
+            <a:endParaRPr lang="en-AU" dirty="0"/>
+          </a:p>
+        </p:txBody>
+      </p:sp>
+      <p:sp>
+        <p:nvSpPr>
+          <p:cNvPr id="4" name="Slide Number Placeholder 3"/>
+          <p:cNvSpPr>
+            <a:spLocks noGrp="1"/>
+          </p:cNvSpPr>
+          <p:nvPr>
+            <p:ph type="sldNum" sz="quarter" idx="5"/>
+          </p:nvPr>
+        </p:nvSpPr>
+        <p:spPr/>
+        <p:txBody>
+          <a:bodyPr/>
+          <a:lstStyle/>
+          <a:p>
+            <a:fld id="{9DD1D314-7884-4CEC-89F8-8B4771B0C6E2}" type="slidenum">
+              <a:rPr lang="en-AU" smtClean="0"/>
+              <a:t>4</a:t>
+            </a:fld>
+            <a:endParaRPr lang="en-AU"/>
+          </a:p>
+        </p:txBody>
+      </p:sp>
+    </p:spTree>
+    <p:extLst>
+      <p:ext uri="{BB962C8B-B14F-4D97-AF65-F5344CB8AC3E}">
+        <p14:creationId xmlns:p14="http://schemas.microsoft.com/office/powerpoint/2010/main" val="309476395"/>
+      </p:ext>
+    </p:extLst>
+  </p:cSld>
+  <p:clrMapOvr>
+    <a:masterClrMapping/>
+  </p:clrMapOvr>
+</p:notes>
+</file>
+
+<file path=ppt/notesSlides/notesSlide5.xml><?xml version="1.0" encoding="utf-8"?>
+<p:notes xmlns:a="http://schemas.openxmlformats.org/drawingml/2006/main" xmlns:r="http://schemas.openxmlformats.org/officeDocument/2006/relationships" xmlns:p="http://schemas.openxmlformats.org/presentationml/2006/main">
+  <p:cSld>
+    <p:spTree>
+      <p:nvGrpSpPr>
+        <p:cNvPr id="1" name=""/>
+        <p:cNvGrpSpPr/>
+        <p:nvPr/>
+      </p:nvGrpSpPr>
+      <p:grpSpPr>
+        <a:xfrm>
+          <a:off x="0" y="0"/>
+          <a:ext cx="0" cy="0"/>
+          <a:chOff x="0" y="0"/>
+          <a:chExt cx="0" cy="0"/>
+        </a:xfrm>
+      </p:grpSpPr>
+      <p:sp>
+        <p:nvSpPr>
+          <p:cNvPr id="2" name="Slide Image Placeholder 1"/>
+          <p:cNvSpPr>
+            <a:spLocks noGrp="1" noRot="1" noChangeAspect="1"/>
+          </p:cNvSpPr>
+          <p:nvPr>
+            <p:ph type="sldImg"/>
+          </p:nvPr>
+        </p:nvSpPr>
+        <p:spPr/>
+      </p:sp>
+      <p:sp>
+        <p:nvSpPr>
+          <p:cNvPr id="3" name="Notes Placeholder 2"/>
+          <p:cNvSpPr>
+            <a:spLocks noGrp="1"/>
+          </p:cNvSpPr>
+          <p:nvPr>
+            <p:ph type="body" idx="1"/>
+          </p:nvPr>
+        </p:nvSpPr>
+        <p:spPr/>
+        <p:txBody>
+          <a:bodyPr/>
+          <a:lstStyle/>
+          <a:p>
+            <a:r>
+              <a:rPr lang="en-US" sz="1200" b="0" i="0" kern="1200" dirty="0" err="1">
+                <a:solidFill>
+                  <a:schemeClr val="tx1"/>
+                </a:solidFill>
+                <a:effectLst/>
+                <a:latin typeface="+mn-lt"/>
+                <a:ea typeface="+mn-ea"/>
+                <a:cs typeface="+mn-cs"/>
+              </a:rPr>
+              <a:t>Dapr</a:t>
+            </a:r>
+            <a:r>
+              <a:rPr lang="en-US" sz="1200" b="0" i="0" kern="1200" dirty="0">
+                <a:solidFill>
+                  <a:schemeClr val="tx1"/>
+                </a:solidFill>
+                <a:effectLst/>
+                <a:latin typeface="+mn-lt"/>
+                <a:ea typeface="+mn-ea"/>
+                <a:cs typeface="+mn-cs"/>
+              </a:rPr>
+              <a:t> Agents is built on </a:t>
+            </a:r>
+            <a:r>
+              <a:rPr lang="en-US" sz="1200" b="0" i="0" u="none" strike="noStrike" kern="1200" dirty="0" err="1">
+                <a:solidFill>
+                  <a:schemeClr val="tx1"/>
+                </a:solidFill>
+                <a:effectLst/>
+                <a:latin typeface="+mn-lt"/>
+                <a:ea typeface="+mn-ea"/>
+                <a:cs typeface="+mn-cs"/>
+                <a:hlinkClick r:id="rId3"/>
+              </a:rPr>
+              <a:t>Dapr</a:t>
+            </a:r>
+            <a:r>
+              <a:rPr lang="en-US" sz="1200" b="0" i="0" kern="1200" dirty="0">
+                <a:solidFill>
+                  <a:schemeClr val="tx1"/>
+                </a:solidFill>
+                <a:effectLst/>
+                <a:latin typeface="+mn-lt"/>
+                <a:ea typeface="+mn-ea"/>
+                <a:cs typeface="+mn-cs"/>
+              </a:rPr>
+              <a:t>, which offers built-in APIs and patterns such as state management, Pub/Sub messaging, service invocation, and virtual actors—that eliminate the need to recreate foundational components from scratch. By integrating with </a:t>
+            </a:r>
+            <a:r>
+              <a:rPr lang="en-US" sz="1200" b="0" i="0" kern="1200" dirty="0" err="1">
+                <a:solidFill>
+                  <a:schemeClr val="tx1"/>
+                </a:solidFill>
+                <a:effectLst/>
+                <a:latin typeface="+mn-lt"/>
+                <a:ea typeface="+mn-ea"/>
+                <a:cs typeface="+mn-cs"/>
+              </a:rPr>
+              <a:t>Dapr</a:t>
+            </a:r>
+            <a:r>
+              <a:rPr lang="en-US" sz="1200" b="0" i="0" kern="1200" dirty="0">
+                <a:solidFill>
+                  <a:schemeClr val="tx1"/>
+                </a:solidFill>
+                <a:effectLst/>
+                <a:latin typeface="+mn-lt"/>
+                <a:ea typeface="+mn-ea"/>
+                <a:cs typeface="+mn-cs"/>
+              </a:rPr>
+              <a:t>, </a:t>
+            </a:r>
+            <a:r>
+              <a:rPr lang="en-US" sz="1200" b="0" i="0" kern="1200" dirty="0" err="1">
+                <a:solidFill>
+                  <a:schemeClr val="tx1"/>
+                </a:solidFill>
+                <a:effectLst/>
+                <a:latin typeface="+mn-lt"/>
+                <a:ea typeface="+mn-ea"/>
+                <a:cs typeface="+mn-cs"/>
+              </a:rPr>
+              <a:t>Dapr</a:t>
+            </a:r>
+            <a:r>
+              <a:rPr lang="en-US" sz="1200" b="0" i="0" kern="1200" dirty="0">
+                <a:solidFill>
+                  <a:schemeClr val="tx1"/>
+                </a:solidFill>
+                <a:effectLst/>
+                <a:latin typeface="+mn-lt"/>
+                <a:ea typeface="+mn-ea"/>
+                <a:cs typeface="+mn-cs"/>
+              </a:rPr>
+              <a:t> Agents empowers developers to focus on the intelligence and behavior of LLM-powered agents while leveraging a proven framework for scalability and reliability.</a:t>
+            </a:r>
+          </a:p>
+          <a:p>
+            <a:endParaRPr lang="en-US" sz="1200" b="0" i="0" kern="1200" dirty="0">
+              <a:solidFill>
+                <a:schemeClr val="tx1"/>
+              </a:solidFill>
+              <a:effectLst/>
+              <a:latin typeface="+mn-lt"/>
+              <a:ea typeface="+mn-ea"/>
+              <a:cs typeface="+mn-cs"/>
+            </a:endParaRPr>
+          </a:p>
+          <a:p>
+            <a:r>
+              <a:rPr lang="en-US" sz="1200" b="0" i="0" kern="1200" dirty="0">
+                <a:solidFill>
+                  <a:schemeClr val="tx1"/>
+                </a:solidFill>
+                <a:effectLst/>
+                <a:latin typeface="+mn-lt"/>
+                <a:ea typeface="+mn-ea"/>
+                <a:cs typeface="+mn-cs"/>
+              </a:rPr>
+              <a:t>Rather than reinventing microservices, </a:t>
+            </a:r>
+            <a:r>
+              <a:rPr lang="en-US" sz="1200" b="0" i="0" kern="1200" dirty="0" err="1">
+                <a:solidFill>
+                  <a:schemeClr val="tx1"/>
+                </a:solidFill>
+                <a:effectLst/>
+                <a:latin typeface="+mn-lt"/>
+                <a:ea typeface="+mn-ea"/>
+                <a:cs typeface="+mn-cs"/>
+              </a:rPr>
+              <a:t>Dapr</a:t>
+            </a:r>
+            <a:r>
+              <a:rPr lang="en-US" sz="1200" b="0" i="0" kern="1200" dirty="0">
+                <a:solidFill>
+                  <a:schemeClr val="tx1"/>
+                </a:solidFill>
+                <a:effectLst/>
+                <a:latin typeface="+mn-lt"/>
+                <a:ea typeface="+mn-ea"/>
+                <a:cs typeface="+mn-cs"/>
+              </a:rPr>
+              <a:t> Agents enables developers to design, test, and deploy agents that seamlessly integrate as collaborative services within larger systems. Whether experimenting with a single agent or orchestrating workflows involving multiple agents, </a:t>
+            </a:r>
+            <a:r>
+              <a:rPr lang="en-US" sz="1200" b="0" i="0" kern="1200" dirty="0" err="1">
+                <a:solidFill>
+                  <a:schemeClr val="tx1"/>
+                </a:solidFill>
+                <a:effectLst/>
+                <a:latin typeface="+mn-lt"/>
+                <a:ea typeface="+mn-ea"/>
+                <a:cs typeface="+mn-cs"/>
+              </a:rPr>
+              <a:t>Dapr</a:t>
+            </a:r>
+            <a:r>
+              <a:rPr lang="en-US" sz="1200" b="0" i="0" kern="1200" dirty="0">
+                <a:solidFill>
+                  <a:schemeClr val="tx1"/>
+                </a:solidFill>
+                <a:effectLst/>
+                <a:latin typeface="+mn-lt"/>
+                <a:ea typeface="+mn-ea"/>
+                <a:cs typeface="+mn-cs"/>
+              </a:rPr>
+              <a:t> Agents simplifies the exploration and implementation of scalable agentic workflows.</a:t>
+            </a:r>
+          </a:p>
+          <a:p>
+            <a:endParaRPr lang="en-AU" dirty="0"/>
+          </a:p>
+        </p:txBody>
+      </p:sp>
+      <p:sp>
+        <p:nvSpPr>
+          <p:cNvPr id="4" name="Slide Number Placeholder 3"/>
+          <p:cNvSpPr>
+            <a:spLocks noGrp="1"/>
+          </p:cNvSpPr>
+          <p:nvPr>
+            <p:ph type="sldNum" sz="quarter" idx="5"/>
+          </p:nvPr>
+        </p:nvSpPr>
+        <p:spPr/>
+        <p:txBody>
+          <a:bodyPr/>
+          <a:lstStyle/>
+          <a:p>
+            <a:fld id="{9DD1D314-7884-4CEC-89F8-8B4771B0C6E2}" type="slidenum">
+              <a:rPr lang="en-AU" smtClean="0"/>
+              <a:t>5</a:t>
+            </a:fld>
+            <a:endParaRPr lang="en-AU"/>
+          </a:p>
+        </p:txBody>
+      </p:sp>
+    </p:spTree>
+    <p:extLst>
+      <p:ext uri="{BB962C8B-B14F-4D97-AF65-F5344CB8AC3E}">
+        <p14:creationId xmlns:p14="http://schemas.microsoft.com/office/powerpoint/2010/main" val="72517754"/>
+      </p:ext>
+    </p:extLst>
+  </p:cSld>
+  <p:clrMapOvr>
+    <a:masterClrMapping/>
+  </p:clrMapOvr>
+</p:notes>
+</file>
+
+<file path=ppt/notesSlides/notesSlide6.xml><?xml version="1.0" encoding="utf-8"?>
+<p:notes xmlns:a="http://schemas.openxmlformats.org/drawingml/2006/main" xmlns:r="http://schemas.openxmlformats.org/officeDocument/2006/relationships" xmlns:p="http://schemas.openxmlformats.org/presentationml/2006/main">
+  <p:cSld>
+    <p:spTree>
+      <p:nvGrpSpPr>
+        <p:cNvPr id="1" name=""/>
+        <p:cNvGrpSpPr/>
+        <p:nvPr/>
+      </p:nvGrpSpPr>
+      <p:grpSpPr>
+        <a:xfrm>
+          <a:off x="0" y="0"/>
+          <a:ext cx="0" cy="0"/>
+          <a:chOff x="0" y="0"/>
+          <a:chExt cx="0" cy="0"/>
+        </a:xfrm>
+      </p:grpSpPr>
+      <p:sp>
+        <p:nvSpPr>
+          <p:cNvPr id="2" name="Slide Image Placeholder 1"/>
+          <p:cNvSpPr>
+            <a:spLocks noGrp="1" noRot="1" noChangeAspect="1"/>
+          </p:cNvSpPr>
+          <p:nvPr>
+            <p:ph type="sldImg"/>
+          </p:nvPr>
+        </p:nvSpPr>
+        <p:spPr/>
+      </p:sp>
+      <p:sp>
+        <p:nvSpPr>
+          <p:cNvPr id="3" name="Notes Placeholder 2"/>
+          <p:cNvSpPr>
+            <a:spLocks noGrp="1"/>
+          </p:cNvSpPr>
+          <p:nvPr>
+            <p:ph type="body" idx="1"/>
+          </p:nvPr>
+        </p:nvSpPr>
+        <p:spPr/>
+        <p:txBody>
+          <a:bodyPr/>
+          <a:lstStyle/>
+          <a:p>
+            <a:pPr algn="l">
+              <a:buNone/>
+            </a:pPr>
+            <a:r>
+              <a:rPr lang="en-US" b="0" i="0" dirty="0" err="1">
+                <a:effectLst/>
+                <a:latin typeface="Space Grotesk" pitchFamily="2" charset="0"/>
+                <a:cs typeface="Space Grotesk" pitchFamily="2" charset="0"/>
+              </a:rPr>
+              <a:t>Dapr</a:t>
+            </a:r>
+            <a:r>
+              <a:rPr lang="en-US" b="0" i="0" dirty="0">
+                <a:effectLst/>
+                <a:latin typeface="Space Grotesk" pitchFamily="2" charset="0"/>
+                <a:cs typeface="Space Grotesk" pitchFamily="2" charset="0"/>
+              </a:rPr>
+              <a:t> Agents is designed to place agents, powered by LLMs, at the core of task execution and workflow orchestration. This principle emphasizes:</a:t>
+            </a:r>
+          </a:p>
+          <a:p>
+            <a:pPr algn="l">
+              <a:buFont typeface="Arial" panose="020B0604020202020204" pitchFamily="34" charset="0"/>
+              <a:buChar char="•"/>
+            </a:pPr>
+            <a:r>
+              <a:rPr lang="en-US" b="0" i="0" dirty="0">
+                <a:effectLst/>
+                <a:latin typeface="Space Grotesk" pitchFamily="2" charset="0"/>
+                <a:cs typeface="Space Grotesk" pitchFamily="2" charset="0"/>
+              </a:rPr>
+              <a:t>LLM-Powered Agents: </a:t>
+            </a:r>
+            <a:r>
+              <a:rPr lang="en-US" b="0" i="0" dirty="0" err="1">
+                <a:effectLst/>
+                <a:latin typeface="Space Grotesk" pitchFamily="2" charset="0"/>
+                <a:cs typeface="Space Grotesk" pitchFamily="2" charset="0"/>
+              </a:rPr>
+              <a:t>Dapr</a:t>
+            </a:r>
+            <a:r>
+              <a:rPr lang="en-US" b="0" i="0" dirty="0">
+                <a:effectLst/>
+                <a:latin typeface="Space Grotesk" pitchFamily="2" charset="0"/>
+                <a:cs typeface="Space Grotesk" pitchFamily="2" charset="0"/>
+              </a:rPr>
+              <a:t> Agents enables the creation of agents that leverage LLMs for reasoning, dynamic decision-making, and natural language interactions.</a:t>
+            </a:r>
+          </a:p>
+          <a:p>
+            <a:pPr algn="l">
+              <a:buFont typeface="Arial" panose="020B0604020202020204" pitchFamily="34" charset="0"/>
+              <a:buChar char="•"/>
+            </a:pPr>
+            <a:r>
+              <a:rPr lang="en-US" b="0" i="0" dirty="0">
+                <a:effectLst/>
+                <a:latin typeface="Space Grotesk" pitchFamily="2" charset="0"/>
+                <a:cs typeface="Space Grotesk" pitchFamily="2" charset="0"/>
+              </a:rPr>
+              <a:t>Adaptive Task Handling: Agents in </a:t>
+            </a:r>
+            <a:r>
+              <a:rPr lang="en-US" b="0" i="0" dirty="0" err="1">
+                <a:effectLst/>
+                <a:latin typeface="Space Grotesk" pitchFamily="2" charset="0"/>
+                <a:cs typeface="Space Grotesk" pitchFamily="2" charset="0"/>
+              </a:rPr>
+              <a:t>Dapr</a:t>
+            </a:r>
+            <a:r>
+              <a:rPr lang="en-US" b="0" i="0" dirty="0">
+                <a:effectLst/>
+                <a:latin typeface="Space Grotesk" pitchFamily="2" charset="0"/>
+                <a:cs typeface="Space Grotesk" pitchFamily="2" charset="0"/>
+              </a:rPr>
+              <a:t> Agents are equipped with flexible patterns like tool calling and reasoning loops, allowing them to autonomously tackle complex and evolving tasks.</a:t>
+            </a:r>
+          </a:p>
+          <a:p>
+            <a:pPr algn="l">
+              <a:buFont typeface="Arial" panose="020B0604020202020204" pitchFamily="34" charset="0"/>
+              <a:buChar char="•"/>
+            </a:pPr>
+            <a:r>
+              <a:rPr lang="en-US" b="0" i="0" dirty="0">
+                <a:effectLst/>
+                <a:latin typeface="Space Grotesk" pitchFamily="2" charset="0"/>
+                <a:cs typeface="Space Grotesk" pitchFamily="2" charset="0"/>
+              </a:rPr>
+              <a:t>Seamless Integration: </a:t>
+            </a:r>
+            <a:r>
+              <a:rPr lang="en-US" b="0" i="0" dirty="0" err="1">
+                <a:effectLst/>
+                <a:latin typeface="Space Grotesk" pitchFamily="2" charset="0"/>
+                <a:cs typeface="Space Grotesk" pitchFamily="2" charset="0"/>
+              </a:rPr>
+              <a:t>Dapr</a:t>
+            </a:r>
+            <a:r>
+              <a:rPr lang="en-US" b="0" i="0" dirty="0">
+                <a:effectLst/>
+                <a:latin typeface="Space Grotesk" pitchFamily="2" charset="0"/>
+                <a:cs typeface="Space Grotesk" pitchFamily="2" charset="0"/>
+              </a:rPr>
+              <a:t> Agents’ framework allows agents to act as modular, reusable building blocks that integrate seamlessly into workflows, whether they operate independently or collaboratively.</a:t>
+            </a:r>
+          </a:p>
+          <a:p>
+            <a:endParaRPr lang="en-AU" dirty="0"/>
+          </a:p>
+        </p:txBody>
+      </p:sp>
+      <p:sp>
+        <p:nvSpPr>
+          <p:cNvPr id="4" name="Slide Number Placeholder 3"/>
+          <p:cNvSpPr>
+            <a:spLocks noGrp="1"/>
+          </p:cNvSpPr>
+          <p:nvPr>
+            <p:ph type="sldNum" sz="quarter" idx="5"/>
+          </p:nvPr>
+        </p:nvSpPr>
+        <p:spPr/>
+        <p:txBody>
+          <a:bodyPr/>
+          <a:lstStyle/>
+          <a:p>
+            <a:fld id="{9DD1D314-7884-4CEC-89F8-8B4771B0C6E2}" type="slidenum">
+              <a:rPr lang="en-AU" smtClean="0"/>
+              <a:t>6</a:t>
+            </a:fld>
+            <a:endParaRPr lang="en-AU"/>
+          </a:p>
+        </p:txBody>
+      </p:sp>
+    </p:spTree>
+    <p:extLst>
+      <p:ext uri="{BB962C8B-B14F-4D97-AF65-F5344CB8AC3E}">
+        <p14:creationId xmlns:p14="http://schemas.microsoft.com/office/powerpoint/2010/main" val="1537174093"/>
+      </p:ext>
+    </p:extLst>
+  </p:cSld>
+  <p:clrMapOvr>
+    <a:masterClrMapping/>
+  </p:clrMapOvr>
+</p:notes>
+</file>
+
+<file path=ppt/notesSlides/notesSlide7.xml><?xml version="1.0" encoding="utf-8"?>
+<p:notes xmlns:a="http://schemas.openxmlformats.org/drawingml/2006/main" xmlns:r="http://schemas.openxmlformats.org/officeDocument/2006/relationships" xmlns:p="http://schemas.openxmlformats.org/presentationml/2006/main">
+  <p:cSld>
+    <p:spTree>
+      <p:nvGrpSpPr>
+        <p:cNvPr id="1" name=""/>
+        <p:cNvGrpSpPr/>
+        <p:nvPr/>
+      </p:nvGrpSpPr>
+      <p:grpSpPr>
+        <a:xfrm>
+          <a:off x="0" y="0"/>
+          <a:ext cx="0" cy="0"/>
+          <a:chOff x="0" y="0"/>
+          <a:chExt cx="0" cy="0"/>
+        </a:xfrm>
+      </p:grpSpPr>
+      <p:sp>
+        <p:nvSpPr>
+          <p:cNvPr id="2" name="Slide Image Placeholder 1"/>
+          <p:cNvSpPr>
+            <a:spLocks noGrp="1" noRot="1" noChangeAspect="1"/>
+          </p:cNvSpPr>
+          <p:nvPr>
+            <p:ph type="sldImg"/>
+          </p:nvPr>
+        </p:nvSpPr>
+        <p:spPr/>
+      </p:sp>
+      <p:sp>
+        <p:nvSpPr>
+          <p:cNvPr id="3" name="Notes Placeholder 2"/>
+          <p:cNvSpPr>
+            <a:spLocks noGrp="1"/>
+          </p:cNvSpPr>
+          <p:nvPr>
+            <p:ph type="body" idx="1"/>
+          </p:nvPr>
+        </p:nvSpPr>
+        <p:spPr/>
+        <p:txBody>
+          <a:bodyPr/>
+          <a:lstStyle/>
+          <a:p>
+            <a:r>
+              <a:rPr lang="en-US" sz="1200" b="0" i="0" kern="1200" dirty="0" err="1">
+                <a:solidFill>
+                  <a:schemeClr val="tx1"/>
+                </a:solidFill>
+                <a:effectLst/>
+                <a:latin typeface="+mn-lt"/>
+                <a:ea typeface="+mn-ea"/>
+                <a:cs typeface="+mn-cs"/>
+              </a:rPr>
+              <a:t>Dapr</a:t>
+            </a:r>
+            <a:r>
+              <a:rPr lang="en-US" sz="1200" b="0" i="0" kern="1200" dirty="0">
+                <a:solidFill>
+                  <a:schemeClr val="tx1"/>
+                </a:solidFill>
+                <a:effectLst/>
+                <a:latin typeface="+mn-lt"/>
+                <a:ea typeface="+mn-ea"/>
+                <a:cs typeface="+mn-cs"/>
+              </a:rPr>
+              <a:t> Agents ensures a clean separation between agents and the underlying infrastructure, emphasizing simplicity, scalability, and adaptability:</a:t>
+            </a:r>
+          </a:p>
+          <a:p>
+            <a:endParaRPr lang="en-US" sz="1200" b="0" i="0" kern="1200" dirty="0">
+              <a:solidFill>
+                <a:schemeClr val="tx1"/>
+              </a:solidFill>
+              <a:effectLst/>
+              <a:latin typeface="+mn-lt"/>
+              <a:ea typeface="+mn-ea"/>
+              <a:cs typeface="+mn-cs"/>
+            </a:endParaRPr>
+          </a:p>
+          <a:p>
+            <a:r>
+              <a:rPr lang="en-US" sz="1200" b="0" i="0" kern="1200" dirty="0">
+                <a:solidFill>
+                  <a:schemeClr val="tx1"/>
+                </a:solidFill>
+                <a:effectLst/>
+                <a:latin typeface="+mn-lt"/>
+                <a:ea typeface="+mn-ea"/>
+                <a:cs typeface="+mn-cs"/>
+              </a:rPr>
+              <a:t>Agent Simplicity: Agents focus purely on reasoning and task execution, while Pub/Sub messaging, routing, and validation are managed externally by modular infrastructure components.</a:t>
+            </a:r>
+          </a:p>
+          <a:p>
+            <a:r>
+              <a:rPr lang="en-US" sz="1200" b="0" i="0" kern="1200" dirty="0">
+                <a:solidFill>
+                  <a:schemeClr val="tx1"/>
+                </a:solidFill>
+                <a:effectLst/>
+                <a:latin typeface="+mn-lt"/>
+                <a:ea typeface="+mn-ea"/>
+                <a:cs typeface="+mn-cs"/>
+              </a:rPr>
+              <a:t>Scalable and Adaptable Systems: By offloading non-agent-specific responsibilities, </a:t>
+            </a:r>
+            <a:r>
+              <a:rPr lang="en-US" sz="1200" b="0" i="0" kern="1200" dirty="0" err="1">
+                <a:solidFill>
+                  <a:schemeClr val="tx1"/>
+                </a:solidFill>
+                <a:effectLst/>
+                <a:latin typeface="+mn-lt"/>
+                <a:ea typeface="+mn-ea"/>
+                <a:cs typeface="+mn-cs"/>
+              </a:rPr>
+              <a:t>Dapr</a:t>
+            </a:r>
+            <a:r>
+              <a:rPr lang="en-US" sz="1200" b="0" i="0" kern="1200" dirty="0">
+                <a:solidFill>
+                  <a:schemeClr val="tx1"/>
+                </a:solidFill>
+                <a:effectLst/>
+                <a:latin typeface="+mn-lt"/>
+                <a:ea typeface="+mn-ea"/>
+                <a:cs typeface="+mn-cs"/>
+              </a:rPr>
+              <a:t> Agents allows agents to scale independently and adapt seamlessly to new use cases or integrations.</a:t>
+            </a:r>
+          </a:p>
+          <a:p>
             <a:endParaRPr lang="en-AU" dirty="0"/>
           </a:p>
         </p:txBody>
@@ -12620,7 +11939,558 @@
     </p:spTree>
     <p:extLst>
       <p:ext uri="{BB962C8B-B14F-4D97-AF65-F5344CB8AC3E}">
-        <p14:creationId xmlns:p14="http://schemas.microsoft.com/office/powerpoint/2010/main" val="1729396379"/>
+        <p14:creationId xmlns:p14="http://schemas.microsoft.com/office/powerpoint/2010/main" val="1568492242"/>
+      </p:ext>
+    </p:extLst>
+  </p:cSld>
+  <p:clrMapOvr>
+    <a:masterClrMapping/>
+  </p:clrMapOvr>
+</p:notes>
+</file>
+
+<file path=ppt/notesSlides/notesSlide8.xml><?xml version="1.0" encoding="utf-8"?>
+<p:notes xmlns:a="http://schemas.openxmlformats.org/drawingml/2006/main" xmlns:r="http://schemas.openxmlformats.org/officeDocument/2006/relationships" xmlns:p="http://schemas.openxmlformats.org/presentationml/2006/main">
+  <p:cSld>
+    <p:spTree>
+      <p:nvGrpSpPr>
+        <p:cNvPr id="1" name=""/>
+        <p:cNvGrpSpPr/>
+        <p:nvPr/>
+      </p:nvGrpSpPr>
+      <p:grpSpPr>
+        <a:xfrm>
+          <a:off x="0" y="0"/>
+          <a:ext cx="0" cy="0"/>
+          <a:chOff x="0" y="0"/>
+          <a:chExt cx="0" cy="0"/>
+        </a:xfrm>
+      </p:grpSpPr>
+      <p:sp>
+        <p:nvSpPr>
+          <p:cNvPr id="2" name="Slide Image Placeholder 1"/>
+          <p:cNvSpPr>
+            <a:spLocks noGrp="1" noRot="1" noChangeAspect="1"/>
+          </p:cNvSpPr>
+          <p:nvPr>
+            <p:ph type="sldImg"/>
+          </p:nvPr>
+        </p:nvSpPr>
+        <p:spPr/>
+      </p:sp>
+      <p:sp>
+        <p:nvSpPr>
+          <p:cNvPr id="3" name="Notes Placeholder 2"/>
+          <p:cNvSpPr>
+            <a:spLocks noGrp="1"/>
+          </p:cNvSpPr>
+          <p:nvPr>
+            <p:ph type="body" idx="1"/>
+          </p:nvPr>
+        </p:nvSpPr>
+        <p:spPr/>
+        <p:txBody>
+          <a:bodyPr/>
+          <a:lstStyle/>
+          <a:p>
+            <a:r>
+              <a:rPr lang="en-US" sz="1200" b="0" i="0" kern="1200" dirty="0" err="1">
+                <a:solidFill>
+                  <a:schemeClr val="tx1"/>
+                </a:solidFill>
+                <a:effectLst/>
+                <a:latin typeface="+mn-lt"/>
+                <a:ea typeface="+mn-ea"/>
+                <a:cs typeface="+mn-cs"/>
+              </a:rPr>
+              <a:t>Dapr</a:t>
+            </a:r>
+            <a:r>
+              <a:rPr lang="en-US" sz="1200" b="0" i="0" kern="1200" dirty="0">
+                <a:solidFill>
+                  <a:schemeClr val="tx1"/>
+                </a:solidFill>
+                <a:effectLst/>
+                <a:latin typeface="+mn-lt"/>
+                <a:ea typeface="+mn-ea"/>
+                <a:cs typeface="+mn-cs"/>
+              </a:rPr>
+              <a:t> Agents utilizes </a:t>
+            </a:r>
+            <a:r>
+              <a:rPr lang="en-US" sz="1200" b="0" i="0" u="none" strike="noStrike" kern="1200" dirty="0" err="1">
+                <a:solidFill>
+                  <a:schemeClr val="tx1"/>
+                </a:solidFill>
+                <a:effectLst/>
+                <a:latin typeface="+mn-lt"/>
+                <a:ea typeface="+mn-ea"/>
+                <a:cs typeface="+mn-cs"/>
+                <a:hlinkClick r:id="rId3"/>
+              </a:rPr>
+              <a:t>Dapr's</a:t>
+            </a:r>
+            <a:r>
+              <a:rPr lang="en-US" sz="1200" b="0" i="0" u="none" strike="noStrike" kern="1200" dirty="0">
+                <a:solidFill>
+                  <a:schemeClr val="tx1"/>
+                </a:solidFill>
+                <a:effectLst/>
+                <a:latin typeface="+mn-lt"/>
+                <a:ea typeface="+mn-ea"/>
+                <a:cs typeface="+mn-cs"/>
+                <a:hlinkClick r:id="rId3"/>
+              </a:rPr>
+              <a:t> pluggable component framework</a:t>
+            </a:r>
+            <a:r>
+              <a:rPr lang="en-US" sz="1200" b="0" i="0" kern="1200" dirty="0">
+                <a:solidFill>
+                  <a:schemeClr val="tx1"/>
+                </a:solidFill>
+                <a:effectLst/>
+                <a:latin typeface="+mn-lt"/>
+                <a:ea typeface="+mn-ea"/>
+                <a:cs typeface="+mn-cs"/>
+              </a:rPr>
+              <a:t> and building blocks to simplify development and enhance flexibility:</a:t>
+            </a:r>
+          </a:p>
+          <a:p>
+            <a:endParaRPr lang="en-US" sz="1200" b="0" i="0" kern="1200" dirty="0">
+              <a:solidFill>
+                <a:schemeClr val="tx1"/>
+              </a:solidFill>
+              <a:effectLst/>
+              <a:latin typeface="+mn-lt"/>
+              <a:ea typeface="+mn-ea"/>
+              <a:cs typeface="+mn-cs"/>
+            </a:endParaRPr>
+          </a:p>
+          <a:p>
+            <a:r>
+              <a:rPr lang="en-US" sz="1200" b="0" i="0" kern="1200" dirty="0">
+                <a:solidFill>
+                  <a:schemeClr val="tx1"/>
+                </a:solidFill>
+                <a:effectLst/>
+                <a:latin typeface="+mn-lt"/>
+                <a:ea typeface="+mn-ea"/>
+                <a:cs typeface="+mn-cs"/>
+              </a:rPr>
+              <a:t>Building Blocks for Core Functionality: </a:t>
+            </a:r>
+            <a:r>
+              <a:rPr lang="en-US" sz="1200" b="0" i="0" kern="1200" dirty="0" err="1">
+                <a:solidFill>
+                  <a:schemeClr val="tx1"/>
+                </a:solidFill>
+                <a:effectLst/>
+                <a:latin typeface="+mn-lt"/>
+                <a:ea typeface="+mn-ea"/>
+                <a:cs typeface="+mn-cs"/>
+              </a:rPr>
+              <a:t>Dapr</a:t>
+            </a:r>
+            <a:r>
+              <a:rPr lang="en-US" sz="1200" b="0" i="0" kern="1200" dirty="0">
+                <a:solidFill>
+                  <a:schemeClr val="tx1"/>
+                </a:solidFill>
+                <a:effectLst/>
+                <a:latin typeface="+mn-lt"/>
+                <a:ea typeface="+mn-ea"/>
+                <a:cs typeface="+mn-cs"/>
+              </a:rPr>
+              <a:t> provides API building blocks, such as Pub/Sub messaging, state management, service invocation, and more, to address common microservice challenges and promote best practices.</a:t>
+            </a:r>
+          </a:p>
+          <a:p>
+            <a:r>
+              <a:rPr lang="en-US" sz="1200" b="0" i="0" kern="1200" dirty="0">
+                <a:solidFill>
+                  <a:schemeClr val="tx1"/>
+                </a:solidFill>
+                <a:effectLst/>
+                <a:latin typeface="+mn-lt"/>
+                <a:ea typeface="+mn-ea"/>
+                <a:cs typeface="+mn-cs"/>
+              </a:rPr>
+              <a:t>Interchangeable Components: Each building block operates on swappable components (e.g., Redis, Kafka, Azure </a:t>
+            </a:r>
+            <a:r>
+              <a:rPr lang="en-US" sz="1200" b="0" i="0" kern="1200" dirty="0" err="1">
+                <a:solidFill>
+                  <a:schemeClr val="tx1"/>
+                </a:solidFill>
+                <a:effectLst/>
+                <a:latin typeface="+mn-lt"/>
+                <a:ea typeface="+mn-ea"/>
+                <a:cs typeface="+mn-cs"/>
+              </a:rPr>
+              <a:t>CosmosDB</a:t>
+            </a:r>
+            <a:r>
+              <a:rPr lang="en-US" sz="1200" b="0" i="0" kern="1200" dirty="0">
+                <a:solidFill>
+                  <a:schemeClr val="tx1"/>
+                </a:solidFill>
+                <a:effectLst/>
+                <a:latin typeface="+mn-lt"/>
+                <a:ea typeface="+mn-ea"/>
+                <a:cs typeface="+mn-cs"/>
+              </a:rPr>
+              <a:t>), allowing you to replace implementations without changing application code.</a:t>
+            </a:r>
+          </a:p>
+          <a:p>
+            <a:r>
+              <a:rPr lang="en-US" sz="1200" b="0" i="0" kern="1200" dirty="0">
+                <a:solidFill>
+                  <a:schemeClr val="tx1"/>
+                </a:solidFill>
+                <a:effectLst/>
+                <a:latin typeface="+mn-lt"/>
+                <a:ea typeface="+mn-ea"/>
+                <a:cs typeface="+mn-cs"/>
+              </a:rPr>
+              <a:t>Seamless Transitions: Develop locally with default configurations and deploy effortlessly to cloud environments by simply updating component definitions.</a:t>
+            </a:r>
+          </a:p>
+          <a:p>
+            <a:r>
+              <a:rPr lang="en-US" sz="1200" b="0" i="0" kern="1200" dirty="0">
+                <a:solidFill>
+                  <a:schemeClr val="tx1"/>
+                </a:solidFill>
+                <a:effectLst/>
+                <a:latin typeface="+mn-lt"/>
+                <a:ea typeface="+mn-ea"/>
+                <a:cs typeface="+mn-cs"/>
+              </a:rPr>
+              <a:t>Scalable Foundations: Build resilient and adaptable architectures using </a:t>
+            </a:r>
+            <a:r>
+              <a:rPr lang="en-US" sz="1200" b="0" i="0" kern="1200" dirty="0" err="1">
+                <a:solidFill>
+                  <a:schemeClr val="tx1"/>
+                </a:solidFill>
+                <a:effectLst/>
+                <a:latin typeface="+mn-lt"/>
+                <a:ea typeface="+mn-ea"/>
+                <a:cs typeface="+mn-cs"/>
+              </a:rPr>
+              <a:t>Dapr’s</a:t>
+            </a:r>
+            <a:r>
+              <a:rPr lang="en-US" sz="1200" b="0" i="0" kern="1200" dirty="0">
+                <a:solidFill>
+                  <a:schemeClr val="tx1"/>
+                </a:solidFill>
+                <a:effectLst/>
+                <a:latin typeface="+mn-lt"/>
+                <a:ea typeface="+mn-ea"/>
+                <a:cs typeface="+mn-cs"/>
+              </a:rPr>
+              <a:t> modular, production-ready building blocks.</a:t>
+            </a:r>
+          </a:p>
+          <a:p>
+            <a:endParaRPr lang="en-AU" dirty="0"/>
+          </a:p>
+        </p:txBody>
+      </p:sp>
+      <p:sp>
+        <p:nvSpPr>
+          <p:cNvPr id="4" name="Slide Number Placeholder 3"/>
+          <p:cNvSpPr>
+            <a:spLocks noGrp="1"/>
+          </p:cNvSpPr>
+          <p:nvPr>
+            <p:ph type="sldNum" sz="quarter" idx="5"/>
+          </p:nvPr>
+        </p:nvSpPr>
+        <p:spPr/>
+        <p:txBody>
+          <a:bodyPr/>
+          <a:lstStyle/>
+          <a:p>
+            <a:fld id="{9DD1D314-7884-4CEC-89F8-8B4771B0C6E2}" type="slidenum">
+              <a:rPr lang="en-AU" smtClean="0"/>
+              <a:t>8</a:t>
+            </a:fld>
+            <a:endParaRPr lang="en-AU"/>
+          </a:p>
+        </p:txBody>
+      </p:sp>
+    </p:spTree>
+    <p:extLst>
+      <p:ext uri="{BB962C8B-B14F-4D97-AF65-F5344CB8AC3E}">
+        <p14:creationId xmlns:p14="http://schemas.microsoft.com/office/powerpoint/2010/main" val="2440371087"/>
+      </p:ext>
+    </p:extLst>
+  </p:cSld>
+  <p:clrMapOvr>
+    <a:masterClrMapping/>
+  </p:clrMapOvr>
+</p:notes>
+</file>
+
+<file path=ppt/notesSlides/notesSlide9.xml><?xml version="1.0" encoding="utf-8"?>
+<p:notes xmlns:a="http://schemas.openxmlformats.org/drawingml/2006/main" xmlns:r="http://schemas.openxmlformats.org/officeDocument/2006/relationships" xmlns:p="http://schemas.openxmlformats.org/presentationml/2006/main">
+  <p:cSld>
+    <p:spTree>
+      <p:nvGrpSpPr>
+        <p:cNvPr id="1" name=""/>
+        <p:cNvGrpSpPr/>
+        <p:nvPr/>
+      </p:nvGrpSpPr>
+      <p:grpSpPr>
+        <a:xfrm>
+          <a:off x="0" y="0"/>
+          <a:ext cx="0" cy="0"/>
+          <a:chOff x="0" y="0"/>
+          <a:chExt cx="0" cy="0"/>
+        </a:xfrm>
+      </p:grpSpPr>
+      <p:sp>
+        <p:nvSpPr>
+          <p:cNvPr id="2" name="Slide Image Placeholder 1"/>
+          <p:cNvSpPr>
+            <a:spLocks noGrp="1" noRot="1" noChangeAspect="1"/>
+          </p:cNvSpPr>
+          <p:nvPr>
+            <p:ph type="sldImg"/>
+          </p:nvPr>
+        </p:nvSpPr>
+        <p:spPr/>
+      </p:sp>
+      <p:sp>
+        <p:nvSpPr>
+          <p:cNvPr id="3" name="Notes Placeholder 2"/>
+          <p:cNvSpPr>
+            <a:spLocks noGrp="1"/>
+          </p:cNvSpPr>
+          <p:nvPr>
+            <p:ph type="body" idx="1"/>
+          </p:nvPr>
+        </p:nvSpPr>
+        <p:spPr/>
+        <p:txBody>
+          <a:bodyPr/>
+          <a:lstStyle/>
+          <a:p>
+            <a:r>
+              <a:rPr lang="en-US" sz="1200" b="0" i="0" kern="1200" dirty="0" err="1">
+                <a:solidFill>
+                  <a:schemeClr val="tx1"/>
+                </a:solidFill>
+                <a:effectLst/>
+                <a:latin typeface="+mn-lt"/>
+                <a:ea typeface="+mn-ea"/>
+                <a:cs typeface="+mn-cs"/>
+              </a:rPr>
+              <a:t>Dapr</a:t>
+            </a:r>
+            <a:r>
+              <a:rPr lang="en-US" sz="1200" b="0" i="0" kern="1200" dirty="0">
+                <a:solidFill>
+                  <a:schemeClr val="tx1"/>
+                </a:solidFill>
+                <a:effectLst/>
+                <a:latin typeface="+mn-lt"/>
+                <a:ea typeface="+mn-ea"/>
+                <a:cs typeface="+mn-cs"/>
+              </a:rPr>
+              <a:t> Agents leverages </a:t>
+            </a:r>
+            <a:r>
+              <a:rPr lang="en-US" sz="1200" b="0" i="0" u="none" strike="noStrike" kern="1200" dirty="0" err="1">
+                <a:solidFill>
+                  <a:schemeClr val="tx1"/>
+                </a:solidFill>
+                <a:effectLst/>
+                <a:latin typeface="+mn-lt"/>
+                <a:ea typeface="+mn-ea"/>
+                <a:cs typeface="+mn-cs"/>
+                <a:hlinkClick r:id="rId3"/>
+              </a:rPr>
+              <a:t>Dapr’s</a:t>
+            </a:r>
+            <a:r>
+              <a:rPr lang="en-US" sz="1200" b="0" i="0" u="none" strike="noStrike" kern="1200" dirty="0">
+                <a:solidFill>
+                  <a:schemeClr val="tx1"/>
+                </a:solidFill>
+                <a:effectLst/>
+                <a:latin typeface="+mn-lt"/>
+                <a:ea typeface="+mn-ea"/>
+                <a:cs typeface="+mn-cs"/>
+                <a:hlinkClick r:id="rId3"/>
+              </a:rPr>
+              <a:t> Virtual Actor model</a:t>
+            </a:r>
+            <a:r>
+              <a:rPr lang="en-US" sz="1200" b="0" i="0" kern="1200" dirty="0">
+                <a:solidFill>
+                  <a:schemeClr val="tx1"/>
+                </a:solidFill>
+                <a:effectLst/>
+                <a:latin typeface="+mn-lt"/>
+                <a:ea typeface="+mn-ea"/>
+                <a:cs typeface="+mn-cs"/>
+              </a:rPr>
+              <a:t> to enable agents to function efficiently and flexibly within distributed environments. Each agent in </a:t>
+            </a:r>
+            <a:r>
+              <a:rPr lang="en-US" sz="1200" b="0" i="0" kern="1200" dirty="0" err="1">
+                <a:solidFill>
+                  <a:schemeClr val="tx1"/>
+                </a:solidFill>
+                <a:effectLst/>
+                <a:latin typeface="+mn-lt"/>
+                <a:ea typeface="+mn-ea"/>
+                <a:cs typeface="+mn-cs"/>
+              </a:rPr>
+              <a:t>Dapr</a:t>
+            </a:r>
+            <a:r>
+              <a:rPr lang="en-US" sz="1200" b="0" i="0" kern="1200" dirty="0">
+                <a:solidFill>
+                  <a:schemeClr val="tx1"/>
+                </a:solidFill>
+                <a:effectLst/>
+                <a:latin typeface="+mn-lt"/>
+                <a:ea typeface="+mn-ea"/>
+                <a:cs typeface="+mn-cs"/>
+              </a:rPr>
+              <a:t> Agents is instantiated as an instance of a class, wrapped and managed by a virtual actor. This design offers:</a:t>
+            </a:r>
+          </a:p>
+          <a:p>
+            <a:endParaRPr lang="en-US" sz="1200" b="0" i="0" kern="1200" dirty="0">
+              <a:solidFill>
+                <a:schemeClr val="tx1"/>
+              </a:solidFill>
+              <a:effectLst/>
+              <a:latin typeface="+mn-lt"/>
+              <a:ea typeface="+mn-ea"/>
+              <a:cs typeface="+mn-cs"/>
+            </a:endParaRPr>
+          </a:p>
+          <a:p>
+            <a:r>
+              <a:rPr lang="en-US" sz="1200" b="0" i="0" kern="1200" dirty="0">
+                <a:solidFill>
+                  <a:schemeClr val="tx1"/>
+                </a:solidFill>
+                <a:effectLst/>
+                <a:latin typeface="+mn-lt"/>
+                <a:ea typeface="+mn-ea"/>
+                <a:cs typeface="+mn-cs"/>
+              </a:rPr>
+              <a:t>Stateful Agents: Virtual actors allow agents to store and recall information across tasks, maintaining context and continuity for workflows.</a:t>
+            </a:r>
+          </a:p>
+          <a:p>
+            <a:r>
+              <a:rPr lang="en-US" sz="1200" b="0" i="0" kern="1200" dirty="0">
+                <a:solidFill>
+                  <a:schemeClr val="tx1"/>
+                </a:solidFill>
+                <a:effectLst/>
+                <a:latin typeface="+mn-lt"/>
+                <a:ea typeface="+mn-ea"/>
+                <a:cs typeface="+mn-cs"/>
+              </a:rPr>
+              <a:t>Dynamic Lifecycle Management: Virtual actors are automatically instantiated when invoked and deactivated when idle. This eliminates the need for explicit creation or cleanup, ensuring resource efficiency and simplicity.</a:t>
+            </a:r>
+          </a:p>
+          <a:p>
+            <a:r>
+              <a:rPr lang="en-US" sz="1200" b="0" i="0" kern="1200" dirty="0">
+                <a:solidFill>
+                  <a:schemeClr val="tx1"/>
+                </a:solidFill>
+                <a:effectLst/>
+                <a:latin typeface="+mn-lt"/>
+                <a:ea typeface="+mn-ea"/>
+                <a:cs typeface="+mn-cs"/>
+              </a:rPr>
+              <a:t>Location Transparency: Agents can be accessed and operate seamlessly, regardless of where they are located in the system. The underlying runtime handles their mobility, enabling fault-tolerance and dynamic load balancing.</a:t>
+            </a:r>
+          </a:p>
+          <a:p>
+            <a:r>
+              <a:rPr lang="en-US" sz="1200" b="0" i="0" kern="1200" dirty="0">
+                <a:solidFill>
+                  <a:schemeClr val="tx1"/>
+                </a:solidFill>
+                <a:effectLst/>
+                <a:latin typeface="+mn-lt"/>
+                <a:ea typeface="+mn-ea"/>
+                <a:cs typeface="+mn-cs"/>
+              </a:rPr>
+              <a:t>Scalable Execution: Agents process one task at a time, avoiding concurrency issues, and scale dynamically across nodes to meet workload demands.</a:t>
+            </a:r>
+          </a:p>
+          <a:p>
+            <a:endParaRPr lang="en-US" sz="1200" b="0" i="0" kern="1200" dirty="0">
+              <a:solidFill>
+                <a:schemeClr val="tx1"/>
+              </a:solidFill>
+              <a:effectLst/>
+              <a:latin typeface="+mn-lt"/>
+              <a:ea typeface="+mn-ea"/>
+              <a:cs typeface="+mn-cs"/>
+            </a:endParaRPr>
+          </a:p>
+          <a:p>
+            <a:r>
+              <a:rPr lang="en-US" sz="1200" b="0" i="0" kern="1200" dirty="0">
+                <a:solidFill>
+                  <a:schemeClr val="tx1"/>
+                </a:solidFill>
+                <a:effectLst/>
+                <a:latin typeface="+mn-lt"/>
+                <a:ea typeface="+mn-ea"/>
+                <a:cs typeface="+mn-cs"/>
+              </a:rPr>
+              <a:t>This model ensures agents remain focused on their core logic, while the infrastructure abstracts complexities like state management, fault recovery, and resource optimization.</a:t>
+            </a:r>
+          </a:p>
+          <a:p>
+            <a:endParaRPr lang="en-AU" dirty="0"/>
+          </a:p>
+        </p:txBody>
+      </p:sp>
+      <p:sp>
+        <p:nvSpPr>
+          <p:cNvPr id="4" name="Slide Number Placeholder 3"/>
+          <p:cNvSpPr>
+            <a:spLocks noGrp="1"/>
+          </p:cNvSpPr>
+          <p:nvPr>
+            <p:ph type="sldNum" sz="quarter" idx="5"/>
+          </p:nvPr>
+        </p:nvSpPr>
+        <p:spPr/>
+        <p:txBody>
+          <a:bodyPr/>
+          <a:lstStyle/>
+          <a:p>
+            <a:fld id="{9DD1D314-7884-4CEC-89F8-8B4771B0C6E2}" type="slidenum">
+              <a:rPr lang="en-AU" smtClean="0"/>
+              <a:t>9</a:t>
+            </a:fld>
+            <a:endParaRPr lang="en-AU"/>
+          </a:p>
+        </p:txBody>
+      </p:sp>
+    </p:spTree>
+    <p:extLst>
+      <p:ext uri="{BB962C8B-B14F-4D97-AF65-F5344CB8AC3E}">
+        <p14:creationId xmlns:p14="http://schemas.microsoft.com/office/powerpoint/2010/main" val="1860213951"/>
       </p:ext>
     </p:extLst>
   </p:cSld>
@@ -12670,7 +12540,7 @@
           <a:p>
             <a:fld id="{FA30F2D4-E4D7-49CD-A8A3-DCDF5ECBF2B6}" type="datetimeFigureOut">
               <a:rPr lang="en-AU" smtClean="0"/>
-              <a:t>29/08/2025</a:t>
+              <a:t>30/08/2025</a:t>
             </a:fld>
             <a:endParaRPr lang="en-AU"/>
           </a:p>
@@ -12991,7 +12861,7 @@
           <a:p>
             <a:fld id="{FA30F2D4-E4D7-49CD-A8A3-DCDF5ECBF2B6}" type="datetimeFigureOut">
               <a:rPr lang="en-AU" smtClean="0"/>
-              <a:t>29/08/2025</a:t>
+              <a:t>30/08/2025</a:t>
             </a:fld>
             <a:endParaRPr lang="en-AU"/>
           </a:p>
@@ -13104,7 +12974,7 @@
           <a:p>
             <a:fld id="{FA30F2D4-E4D7-49CD-A8A3-DCDF5ECBF2B6}" type="datetimeFigureOut">
               <a:rPr lang="en-AU" smtClean="0"/>
-              <a:t>29/08/2025</a:t>
+              <a:t>30/08/2025</a:t>
             </a:fld>
             <a:endParaRPr lang="en-AU"/>
           </a:p>
@@ -13392,7 +13262,7 @@
           <a:p>
             <a:fld id="{FA30F2D4-E4D7-49CD-A8A3-DCDF5ECBF2B6}" type="datetimeFigureOut">
               <a:rPr lang="en-AU" smtClean="0"/>
-              <a:t>29/08/2025</a:t>
+              <a:t>30/08/2025</a:t>
             </a:fld>
             <a:endParaRPr lang="en-AU"/>
           </a:p>
@@ -13684,7 +13554,7 @@
           <a:p>
             <a:fld id="{FA30F2D4-E4D7-49CD-A8A3-DCDF5ECBF2B6}" type="datetimeFigureOut">
               <a:rPr lang="en-AU" smtClean="0"/>
-              <a:t>29/08/2025</a:t>
+              <a:t>30/08/2025</a:t>
             </a:fld>
             <a:endParaRPr lang="en-AU"/>
           </a:p>
@@ -14018,7 +13888,7 @@
           <a:p>
             <a:fld id="{FA30F2D4-E4D7-49CD-A8A3-DCDF5ECBF2B6}" type="datetimeFigureOut">
               <a:rPr lang="en-AU" smtClean="0"/>
-              <a:t>29/08/2025</a:t>
+              <a:t>30/08/2025</a:t>
             </a:fld>
             <a:endParaRPr lang="en-AU"/>
           </a:p>
@@ -14414,7 +14284,7 @@
           <a:p>
             <a:fld id="{FA30F2D4-E4D7-49CD-A8A3-DCDF5ECBF2B6}" type="datetimeFigureOut">
               <a:rPr lang="en-AU" smtClean="0"/>
-              <a:t>29/08/2025</a:t>
+              <a:t>30/08/2025</a:t>
             </a:fld>
             <a:endParaRPr lang="en-AU"/>
           </a:p>
@@ -14801,7 +14671,7 @@
           <a:p>
             <a:fld id="{FA30F2D4-E4D7-49CD-A8A3-DCDF5ECBF2B6}" type="datetimeFigureOut">
               <a:rPr lang="en-AU" smtClean="0"/>
-              <a:t>29/08/2025</a:t>
+              <a:t>30/08/2025</a:t>
             </a:fld>
             <a:endParaRPr lang="en-AU"/>
           </a:p>
@@ -15106,7 +14976,7 @@
           <a:p>
             <a:fld id="{FA30F2D4-E4D7-49CD-A8A3-DCDF5ECBF2B6}" type="datetimeFigureOut">
               <a:rPr lang="en-AU" smtClean="0"/>
-              <a:t>29/08/2025</a:t>
+              <a:t>30/08/2025</a:t>
             </a:fld>
             <a:endParaRPr lang="en-AU"/>
           </a:p>
@@ -15351,7 +15221,7 @@
           <a:p>
             <a:fld id="{FA30F2D4-E4D7-49CD-A8A3-DCDF5ECBF2B6}" type="datetimeFigureOut">
               <a:rPr lang="en-AU" smtClean="0"/>
-              <a:t>29/08/2025</a:t>
+              <a:t>30/08/2025</a:t>
             </a:fld>
             <a:endParaRPr lang="en-AU"/>
           </a:p>
@@ -15587,7 +15457,7 @@
           <a:p>
             <a:fld id="{FA30F2D4-E4D7-49CD-A8A3-DCDF5ECBF2B6}" type="datetimeFigureOut">
               <a:rPr lang="en-AU" smtClean="0"/>
-              <a:t>29/08/2025</a:t>
+              <a:t>30/08/2025</a:t>
             </a:fld>
             <a:endParaRPr lang="en-AU"/>
           </a:p>
@@ -15871,7 +15741,7 @@
           <a:p>
             <a:fld id="{FA30F2D4-E4D7-49CD-A8A3-DCDF5ECBF2B6}" type="datetimeFigureOut">
               <a:rPr lang="en-AU" smtClean="0"/>
-              <a:t>29/08/2025</a:t>
+              <a:t>30/08/2025</a:t>
             </a:fld>
             <a:endParaRPr lang="en-AU"/>
           </a:p>
@@ -16192,7 +16062,7 @@
           <a:p>
             <a:fld id="{FA30F2D4-E4D7-49CD-A8A3-DCDF5ECBF2B6}" type="datetimeFigureOut">
               <a:rPr lang="en-AU" smtClean="0"/>
-              <a:t>29/08/2025</a:t>
+              <a:t>30/08/2025</a:t>
             </a:fld>
             <a:endParaRPr lang="en-AU"/>
           </a:p>
@@ -16451,7 +16321,7 @@
           <a:p>
             <a:fld id="{FA30F2D4-E4D7-49CD-A8A3-DCDF5ECBF2B6}" type="datetimeFigureOut">
               <a:rPr lang="en-AU" smtClean="0"/>
-              <a:t>29/08/2025</a:t>
+              <a:t>30/08/2025</a:t>
             </a:fld>
             <a:endParaRPr lang="en-AU"/>
           </a:p>
@@ -16665,7 +16535,7 @@
           <a:p>
             <a:fld id="{FA30F2D4-E4D7-49CD-A8A3-DCDF5ECBF2B6}" type="datetimeFigureOut">
               <a:rPr lang="en-AU" smtClean="0"/>
-              <a:t>29/08/2025</a:t>
+              <a:t>30/08/2025</a:t>
             </a:fld>
             <a:endParaRPr lang="en-AU"/>
           </a:p>
@@ -16863,7 +16733,7 @@
           <a:p>
             <a:fld id="{FA30F2D4-E4D7-49CD-A8A3-DCDF5ECBF2B6}" type="datetimeFigureOut">
               <a:rPr lang="en-AU" smtClean="0"/>
-              <a:t>29/08/2025</a:t>
+              <a:t>30/08/2025</a:t>
             </a:fld>
             <a:endParaRPr lang="en-AU"/>
           </a:p>
@@ -17100,7 +16970,7 @@
           <a:p>
             <a:fld id="{FA30F2D4-E4D7-49CD-A8A3-DCDF5ECBF2B6}" type="datetimeFigureOut">
               <a:rPr lang="en-AU" smtClean="0"/>
-              <a:t>29/08/2025</a:t>
+              <a:t>30/08/2025</a:t>
             </a:fld>
             <a:endParaRPr lang="en-AU"/>
           </a:p>
@@ -17315,7 +17185,7 @@
           <a:p>
             <a:fld id="{FA30F2D4-E4D7-49CD-A8A3-DCDF5ECBF2B6}" type="datetimeFigureOut">
               <a:rPr lang="en-AU" smtClean="0"/>
-              <a:t>29/08/2025</a:t>
+              <a:t>30/08/2025</a:t>
             </a:fld>
             <a:endParaRPr lang="en-AU"/>
           </a:p>
@@ -17531,7 +17401,7 @@
           <a:p>
             <a:fld id="{FA30F2D4-E4D7-49CD-A8A3-DCDF5ECBF2B6}" type="datetimeFigureOut">
               <a:rPr lang="en-AU" smtClean="0"/>
-              <a:t>29/08/2025</a:t>
+              <a:t>30/08/2025</a:t>
             </a:fld>
             <a:endParaRPr lang="en-AU"/>
           </a:p>
@@ -17746,7 +17616,7 @@
           <a:p>
             <a:fld id="{FA30F2D4-E4D7-49CD-A8A3-DCDF5ECBF2B6}" type="datetimeFigureOut">
               <a:rPr lang="en-AU" smtClean="0"/>
-              <a:t>29/08/2025</a:t>
+              <a:t>30/08/2025</a:t>
             </a:fld>
             <a:endParaRPr lang="en-AU"/>
           </a:p>
@@ -18053,7 +17923,7 @@
           <a:p>
             <a:fld id="{FA30F2D4-E4D7-49CD-A8A3-DCDF5ECBF2B6}" type="datetimeFigureOut">
               <a:rPr lang="en-AU" smtClean="0"/>
-              <a:t>29/08/2025</a:t>
+              <a:t>30/08/2025</a:t>
             </a:fld>
             <a:endParaRPr lang="en-AU"/>
           </a:p>
@@ -18413,7 +18283,7 @@
           <a:p>
             <a:fld id="{FA30F2D4-E4D7-49CD-A8A3-DCDF5ECBF2B6}" type="datetimeFigureOut">
               <a:rPr lang="en-AU" smtClean="0"/>
-              <a:t>29/08/2025</a:t>
+              <a:t>30/08/2025</a:t>
             </a:fld>
             <a:endParaRPr lang="en-AU"/>
           </a:p>
@@ -18772,7 +18642,7 @@
           <a:p>
             <a:fld id="{FA30F2D4-E4D7-49CD-A8A3-DCDF5ECBF2B6}" type="datetimeFigureOut">
               <a:rPr lang="en-AU" smtClean="0"/>
-              <a:t>29/08/2025</a:t>
+              <a:t>30/08/2025</a:t>
             </a:fld>
             <a:endParaRPr lang="en-AU"/>
           </a:p>
@@ -19006,7 +18876,7 @@
           <a:p>
             <a:fld id="{FA30F2D4-E4D7-49CD-A8A3-DCDF5ECBF2B6}" type="datetimeFigureOut">
               <a:rPr lang="en-AU" smtClean="0"/>
-              <a:t>29/08/2025</a:t>
+              <a:t>30/08/2025</a:t>
             </a:fld>
             <a:endParaRPr lang="en-AU"/>
           </a:p>
@@ -19365,7 +19235,7 @@
           <a:p>
             <a:fld id="{FA30F2D4-E4D7-49CD-A8A3-DCDF5ECBF2B6}" type="datetimeFigureOut">
               <a:rPr lang="en-AU" smtClean="0"/>
-              <a:t>29/08/2025</a:t>
+              <a:t>30/08/2025</a:t>
             </a:fld>
             <a:endParaRPr lang="en-AU"/>
           </a:p>
@@ -19695,7 +19565,7 @@
           <a:p>
             <a:fld id="{FA30F2D4-E4D7-49CD-A8A3-DCDF5ECBF2B6}" type="datetimeFigureOut">
               <a:rPr lang="en-AU" smtClean="0"/>
-              <a:t>29/08/2025</a:t>
+              <a:t>30/08/2025</a:t>
             </a:fld>
             <a:endParaRPr lang="en-AU"/>
           </a:p>
@@ -20006,7 +19876,7 @@
           <a:p>
             <a:fld id="{FA30F2D4-E4D7-49CD-A8A3-DCDF5ECBF2B6}" type="datetimeFigureOut">
               <a:rPr lang="en-AU" smtClean="0"/>
-              <a:t>29/08/2025</a:t>
+              <a:t>30/08/2025</a:t>
             </a:fld>
             <a:endParaRPr lang="en-AU"/>
           </a:p>
@@ -20353,7 +20223,7 @@
           <a:p>
             <a:fld id="{FA30F2D4-E4D7-49CD-A8A3-DCDF5ECBF2B6}" type="datetimeFigureOut">
               <a:rPr lang="en-AU" smtClean="0"/>
-              <a:t>29/08/2025</a:t>
+              <a:t>30/08/2025</a:t>
             </a:fld>
             <a:endParaRPr lang="en-AU"/>
           </a:p>
@@ -20663,7 +20533,7 @@
           <a:p>
             <a:fld id="{FA30F2D4-E4D7-49CD-A8A3-DCDF5ECBF2B6}" type="datetimeFigureOut">
               <a:rPr lang="en-AU" smtClean="0"/>
-              <a:t>29/08/2025</a:t>
+              <a:t>30/08/2025</a:t>
             </a:fld>
             <a:endParaRPr lang="en-AU"/>
           </a:p>
@@ -20999,7 +20869,7 @@
           <a:p>
             <a:fld id="{FA30F2D4-E4D7-49CD-A8A3-DCDF5ECBF2B6}" type="datetimeFigureOut">
               <a:rPr lang="en-AU" smtClean="0"/>
-              <a:t>29/08/2025</a:t>
+              <a:t>30/08/2025</a:t>
             </a:fld>
             <a:endParaRPr lang="en-AU"/>
           </a:p>
@@ -21314,7 +21184,7 @@
           <a:p>
             <a:fld id="{FA30F2D4-E4D7-49CD-A8A3-DCDF5ECBF2B6}" type="datetimeFigureOut">
               <a:rPr lang="en-AU" smtClean="0"/>
-              <a:t>29/08/2025</a:t>
+              <a:t>30/08/2025</a:t>
             </a:fld>
             <a:endParaRPr lang="en-AU"/>
           </a:p>
@@ -21661,7 +21531,7 @@
           <a:p>
             <a:fld id="{FA30F2D4-E4D7-49CD-A8A3-DCDF5ECBF2B6}" type="datetimeFigureOut">
               <a:rPr lang="en-AU" smtClean="0"/>
-              <a:t>29/08/2025</a:t>
+              <a:t>30/08/2025</a:t>
             </a:fld>
             <a:endParaRPr lang="en-AU"/>
           </a:p>
@@ -21994,7 +21864,7 @@
           <a:p>
             <a:fld id="{FA30F2D4-E4D7-49CD-A8A3-DCDF5ECBF2B6}" type="datetimeFigureOut">
               <a:rPr lang="en-AU" smtClean="0"/>
-              <a:t>29/08/2025</a:t>
+              <a:t>30/08/2025</a:t>
             </a:fld>
             <a:endParaRPr lang="en-AU"/>
           </a:p>
@@ -22343,7 +22213,7 @@
           <a:p>
             <a:fld id="{FA30F2D4-E4D7-49CD-A8A3-DCDF5ECBF2B6}" type="datetimeFigureOut">
               <a:rPr lang="en-AU" smtClean="0"/>
-              <a:t>29/08/2025</a:t>
+              <a:t>30/08/2025</a:t>
             </a:fld>
             <a:endParaRPr lang="en-AU"/>
           </a:p>
@@ -22688,7 +22558,7 @@
           <a:p>
             <a:fld id="{FA30F2D4-E4D7-49CD-A8A3-DCDF5ECBF2B6}" type="datetimeFigureOut">
               <a:rPr lang="en-AU" smtClean="0"/>
-              <a:t>29/08/2025</a:t>
+              <a:t>30/08/2025</a:t>
             </a:fld>
             <a:endParaRPr lang="en-AU"/>
           </a:p>
@@ -23030,7 +22900,7 @@
           <a:p>
             <a:fld id="{FA30F2D4-E4D7-49CD-A8A3-DCDF5ECBF2B6}" type="datetimeFigureOut">
               <a:rPr lang="en-AU" smtClean="0"/>
-              <a:t>29/08/2025</a:t>
+              <a:t>30/08/2025</a:t>
             </a:fld>
             <a:endParaRPr lang="en-AU"/>
           </a:p>
@@ -23331,7 +23201,7 @@
           <a:p>
             <a:fld id="{FA30F2D4-E4D7-49CD-A8A3-DCDF5ECBF2B6}" type="datetimeFigureOut">
               <a:rPr lang="en-AU" smtClean="0"/>
-              <a:t>29/08/2025</a:t>
+              <a:t>30/08/2025</a:t>
             </a:fld>
             <a:endParaRPr lang="en-AU"/>
           </a:p>
@@ -23593,7 +23463,7 @@
           <a:p>
             <a:fld id="{FA30F2D4-E4D7-49CD-A8A3-DCDF5ECBF2B6}" type="datetimeFigureOut">
               <a:rPr lang="en-AU" smtClean="0"/>
-              <a:t>29/08/2025</a:t>
+              <a:t>30/08/2025</a:t>
             </a:fld>
             <a:endParaRPr lang="en-AU"/>
           </a:p>
@@ -23901,7 +23771,7 @@
           <a:p>
             <a:fld id="{FA30F2D4-E4D7-49CD-A8A3-DCDF5ECBF2B6}" type="datetimeFigureOut">
               <a:rPr lang="en-AU" smtClean="0"/>
-              <a:t>29/08/2025</a:t>
+              <a:t>30/08/2025</a:t>
             </a:fld>
             <a:endParaRPr lang="en-AU"/>
           </a:p>
@@ -24225,7 +24095,7 @@
           <a:p>
             <a:fld id="{FA30F2D4-E4D7-49CD-A8A3-DCDF5ECBF2B6}" type="datetimeFigureOut">
               <a:rPr lang="en-AU" smtClean="0"/>
-              <a:t>29/08/2025</a:t>
+              <a:t>30/08/2025</a:t>
             </a:fld>
             <a:endParaRPr lang="en-AU"/>
           </a:p>
@@ -24626,7 +24496,7 @@
           <a:p>
             <a:fld id="{FA30F2D4-E4D7-49CD-A8A3-DCDF5ECBF2B6}" type="datetimeFigureOut">
               <a:rPr lang="en-AU" smtClean="0"/>
-              <a:t>29/08/2025</a:t>
+              <a:t>30/08/2025</a:t>
             </a:fld>
             <a:endParaRPr lang="en-AU"/>
           </a:p>
@@ -24950,7 +24820,7 @@
           <a:p>
             <a:fld id="{FA30F2D4-E4D7-49CD-A8A3-DCDF5ECBF2B6}" type="datetimeFigureOut">
               <a:rPr lang="en-AU" smtClean="0"/>
-              <a:t>29/08/2025</a:t>
+              <a:t>30/08/2025</a:t>
             </a:fld>
             <a:endParaRPr lang="en-AU"/>
           </a:p>
@@ -25187,7 +25057,7 @@
           <a:p>
             <a:fld id="{FA30F2D4-E4D7-49CD-A8A3-DCDF5ECBF2B6}" type="datetimeFigureOut">
               <a:rPr lang="en-AU" smtClean="0"/>
-              <a:t>29/08/2025</a:t>
+              <a:t>30/08/2025</a:t>
             </a:fld>
             <a:endParaRPr lang="en-AU"/>
           </a:p>
@@ -25479,7 +25349,7 @@
           <a:p>
             <a:fld id="{FA30F2D4-E4D7-49CD-A8A3-DCDF5ECBF2B6}" type="datetimeFigureOut">
               <a:rPr lang="en-AU" smtClean="0"/>
-              <a:t>29/08/2025</a:t>
+              <a:t>30/08/2025</a:t>
             </a:fld>
             <a:endParaRPr lang="en-AU"/>
           </a:p>
@@ -25771,7 +25641,7 @@
           <a:p>
             <a:fld id="{FA30F2D4-E4D7-49CD-A8A3-DCDF5ECBF2B6}" type="datetimeFigureOut">
               <a:rPr lang="en-AU" smtClean="0"/>
-              <a:t>29/08/2025</a:t>
+              <a:t>30/08/2025</a:t>
             </a:fld>
             <a:endParaRPr lang="en-AU"/>
           </a:p>
@@ -25971,7 +25841,7 @@
           <a:p>
             <a:fld id="{FA30F2D4-E4D7-49CD-A8A3-DCDF5ECBF2B6}" type="datetimeFigureOut">
               <a:rPr lang="en-AU" smtClean="0"/>
-              <a:t>29/08/2025</a:t>
+              <a:t>30/08/2025</a:t>
             </a:fld>
             <a:endParaRPr lang="en-AU"/>
           </a:p>
@@ -26217,7 +26087,7 @@
           <a:p>
             <a:fld id="{FA30F2D4-E4D7-49CD-A8A3-DCDF5ECBF2B6}" type="datetimeFigureOut">
               <a:rPr lang="en-AU" smtClean="0"/>
-              <a:t>29/08/2025</a:t>
+              <a:t>30/08/2025</a:t>
             </a:fld>
             <a:endParaRPr lang="en-AU"/>
           </a:p>
@@ -26527,7 +26397,7 @@
           <a:p>
             <a:fld id="{FA30F2D4-E4D7-49CD-A8A3-DCDF5ECBF2B6}" type="datetimeFigureOut">
               <a:rPr lang="en-AU" smtClean="0"/>
-              <a:t>29/08/2025</a:t>
+              <a:t>30/08/2025</a:t>
             </a:fld>
             <a:endParaRPr lang="en-AU"/>
           </a:p>
@@ -26799,7 +26669,7 @@
           <a:p>
             <a:fld id="{FA30F2D4-E4D7-49CD-A8A3-DCDF5ECBF2B6}" type="datetimeFigureOut">
               <a:rPr lang="en-AU" smtClean="0"/>
-              <a:t>29/08/2025</a:t>
+              <a:t>30/08/2025</a:t>
             </a:fld>
             <a:endParaRPr lang="en-AU"/>
           </a:p>
@@ -27105,7 +26975,7 @@
           <a:p>
             <a:fld id="{FA30F2D4-E4D7-49CD-A8A3-DCDF5ECBF2B6}" type="datetimeFigureOut">
               <a:rPr lang="en-AU" smtClean="0"/>
-              <a:t>29/08/2025</a:t>
+              <a:t>30/08/2025</a:t>
             </a:fld>
             <a:endParaRPr lang="en-AU"/>
           </a:p>
@@ -27372,7 +27242,7 @@
           <a:p>
             <a:fld id="{FA30F2D4-E4D7-49CD-A8A3-DCDF5ECBF2B6}" type="datetimeFigureOut">
               <a:rPr lang="en-AU" smtClean="0"/>
-              <a:t>29/08/2025</a:t>
+              <a:t>30/08/2025</a:t>
             </a:fld>
             <a:endParaRPr lang="en-AU"/>
           </a:p>
@@ -27687,7 +27557,7 @@
           <a:p>
             <a:fld id="{FA30F2D4-E4D7-49CD-A8A3-DCDF5ECBF2B6}" type="datetimeFigureOut">
               <a:rPr lang="en-AU" smtClean="0"/>
-              <a:t>29/08/2025</a:t>
+              <a:t>30/08/2025</a:t>
             </a:fld>
             <a:endParaRPr lang="en-AU"/>
           </a:p>
@@ -27995,7 +27865,7 @@
           <a:p>
             <a:fld id="{FA30F2D4-E4D7-49CD-A8A3-DCDF5ECBF2B6}" type="datetimeFigureOut">
               <a:rPr lang="en-AU" smtClean="0"/>
-              <a:t>29/08/2025</a:t>
+              <a:t>30/08/2025</a:t>
             </a:fld>
             <a:endParaRPr lang="en-AU"/>
           </a:p>
@@ -28201,7 +28071,7 @@
           <a:p>
             <a:fld id="{FA30F2D4-E4D7-49CD-A8A3-DCDF5ECBF2B6}" type="datetimeFigureOut">
               <a:rPr lang="en-AU" smtClean="0"/>
-              <a:t>29/08/2025</a:t>
+              <a:t>30/08/2025</a:t>
             </a:fld>
             <a:endParaRPr lang="en-AU"/>
           </a:p>
@@ -28520,7 +28390,7 @@
           <a:p>
             <a:fld id="{FA30F2D4-E4D7-49CD-A8A3-DCDF5ECBF2B6}" type="datetimeFigureOut">
               <a:rPr lang="en-AU" smtClean="0"/>
-              <a:t>29/08/2025</a:t>
+              <a:t>30/08/2025</a:t>
             </a:fld>
             <a:endParaRPr lang="en-AU"/>
           </a:p>
@@ -28828,7 +28698,7 @@
           <a:p>
             <a:fld id="{FA30F2D4-E4D7-49CD-A8A3-DCDF5ECBF2B6}" type="datetimeFigureOut">
               <a:rPr lang="en-AU" smtClean="0"/>
-              <a:t>29/08/2025</a:t>
+              <a:t>30/08/2025</a:t>
             </a:fld>
             <a:endParaRPr lang="en-AU"/>
           </a:p>
@@ -29111,7 +28981,7 @@
           <a:p>
             <a:fld id="{FA30F2D4-E4D7-49CD-A8A3-DCDF5ECBF2B6}" type="datetimeFigureOut">
               <a:rPr lang="en-AU" smtClean="0"/>
-              <a:t>29/08/2025</a:t>
+              <a:t>30/08/2025</a:t>
             </a:fld>
             <a:endParaRPr lang="en-AU"/>
           </a:p>
@@ -29353,7 +29223,7 @@
           <a:p>
             <a:fld id="{FA30F2D4-E4D7-49CD-A8A3-DCDF5ECBF2B6}" type="datetimeFigureOut">
               <a:rPr lang="en-AU" smtClean="0"/>
-              <a:t>29/08/2025</a:t>
+              <a:t>30/08/2025</a:t>
             </a:fld>
             <a:endParaRPr lang="en-AU"/>
           </a:p>
@@ -29592,7 +29462,7 @@
           <a:p>
             <a:fld id="{FA30F2D4-E4D7-49CD-A8A3-DCDF5ECBF2B6}" type="datetimeFigureOut">
               <a:rPr lang="en-AU" smtClean="0"/>
-              <a:t>29/08/2025</a:t>
+              <a:t>30/08/2025</a:t>
             </a:fld>
             <a:endParaRPr lang="en-AU"/>
           </a:p>
@@ -29845,7 +29715,7 @@
           <a:p>
             <a:fld id="{FA30F2D4-E4D7-49CD-A8A3-DCDF5ECBF2B6}" type="datetimeFigureOut">
               <a:rPr lang="en-AU" smtClean="0"/>
-              <a:t>29/08/2025</a:t>
+              <a:t>30/08/2025</a:t>
             </a:fld>
             <a:endParaRPr lang="en-AU"/>
           </a:p>
@@ -30117,7 +29987,7 @@
           <a:p>
             <a:fld id="{FA30F2D4-E4D7-49CD-A8A3-DCDF5ECBF2B6}" type="datetimeFigureOut">
               <a:rPr lang="en-AU" smtClean="0"/>
-              <a:t>29/08/2025</a:t>
+              <a:t>30/08/2025</a:t>
             </a:fld>
             <a:endParaRPr lang="en-AU"/>
           </a:p>
@@ -30541,7 +30411,7 @@
           <a:p>
             <a:fld id="{FA30F2D4-E4D7-49CD-A8A3-DCDF5ECBF2B6}" type="datetimeFigureOut">
               <a:rPr lang="en-AU" smtClean="0"/>
-              <a:t>29/08/2025</a:t>
+              <a:t>30/08/2025</a:t>
             </a:fld>
             <a:endParaRPr lang="en-AU"/>
           </a:p>
@@ -30861,7 +30731,7 @@
           <a:p>
             <a:fld id="{FA30F2D4-E4D7-49CD-A8A3-DCDF5ECBF2B6}" type="datetimeFigureOut">
               <a:rPr lang="en-AU" smtClean="0"/>
-              <a:t>29/08/2025</a:t>
+              <a:t>30/08/2025</a:t>
             </a:fld>
             <a:endParaRPr lang="en-AU"/>
           </a:p>
@@ -31468,7 +31338,7 @@
           <p:nvPr/>
         </p:nvPicPr>
         <p:blipFill>
-          <a:blip r:embed="rId2">
+          <a:blip r:embed="rId3">
             <a:extLst>
               <a:ext uri="{28A0092B-C50C-407E-A947-70E740481C1C}">
                 <a14:useLocalDpi xmlns:a14="http://schemas.microsoft.com/office/drawing/2010/main" val="0"/>
@@ -31521,7 +31391,7 @@
         <p:cNvPr id="1" name="">
           <a:extLst>
             <a:ext uri="{FF2B5EF4-FFF2-40B4-BE49-F238E27FC236}">
-              <a16:creationId xmlns:a16="http://schemas.microsoft.com/office/drawing/2014/main" id="{2B846ED2-447A-1928-E975-B6EE23F9D3A9}"/>
+              <a16:creationId xmlns:a16="http://schemas.microsoft.com/office/drawing/2014/main" id="{66AD700C-AA48-6FFE-98C0-238F2726DDBD}"/>
             </a:ext>
           </a:extLst>
         </p:cNvPr>
@@ -31536,43 +31406,12 @@
           <a:chExt cx="0" cy="0"/>
         </a:xfrm>
       </p:grpSpPr>
-      <p:graphicFrame>
-        <p:nvGraphicFramePr>
-          <p:cNvPr id="6" name="Content Placeholder 5">
-            <a:extLst>
-              <a:ext uri="{FF2B5EF4-FFF2-40B4-BE49-F238E27FC236}">
-                <a16:creationId xmlns:a16="http://schemas.microsoft.com/office/drawing/2014/main" id="{1FC78627-4CB5-2294-CE73-601CAC33579A}"/>
-              </a:ext>
-            </a:extLst>
-          </p:cNvPr>
-          <p:cNvGraphicFramePr>
-            <a:graphicFrameLocks noGrp="1"/>
-          </p:cNvGraphicFramePr>
-          <p:nvPr>
-            <p:ph sz="quarter" idx="13"/>
-            <p:extLst>
-              <p:ext uri="{D42A27DB-BD31-4B8C-83A1-F6EECF244321}">
-                <p14:modId xmlns:p14="http://schemas.microsoft.com/office/powerpoint/2010/main" val="2244696035"/>
-              </p:ext>
-            </p:extLst>
-          </p:nvPr>
-        </p:nvGraphicFramePr>
-        <p:xfrm>
-          <a:off x="1087439" y="2651125"/>
-          <a:ext cx="7427170" cy="3694113"/>
-        </p:xfrm>
-        <a:graphic>
-          <a:graphicData uri="http://schemas.openxmlformats.org/drawingml/2006/diagram">
-            <dgm:relIds xmlns:dgm="http://schemas.openxmlformats.org/drawingml/2006/diagram" xmlns:r="http://schemas.openxmlformats.org/officeDocument/2006/relationships" r:dm="rId2" r:lo="rId3" r:qs="rId4" r:cs="rId5"/>
-          </a:graphicData>
-        </a:graphic>
-      </p:graphicFrame>
       <p:sp>
         <p:nvSpPr>
           <p:cNvPr id="3" name="Title 2">
             <a:extLst>
               <a:ext uri="{FF2B5EF4-FFF2-40B4-BE49-F238E27FC236}">
-                <a16:creationId xmlns:a16="http://schemas.microsoft.com/office/drawing/2014/main" id="{65578649-2851-3C39-516A-6E849C0D164F}"/>
+                <a16:creationId xmlns:a16="http://schemas.microsoft.com/office/drawing/2014/main" id="{6F9E8EC7-2AA6-C8A5-9641-2626589AEFD6}"/>
               </a:ext>
             </a:extLst>
           </p:cNvPr>
@@ -31590,14 +31429,7 @@
           <a:p>
             <a:r>
               <a:rPr lang="en-AU" dirty="0"/>
-              <a:t>Actor-Based Model</a:t>
-            </a:r>
-            <a:br>
-              <a:rPr lang="en-AU" dirty="0"/>
-            </a:br>
-            <a:r>
-              <a:rPr lang="en-AU" dirty="0"/>
-              <a:t>for Agents</a:t>
+              <a:t>Message-Driven Communication</a:t>
             </a:r>
           </a:p>
         </p:txBody>
@@ -31607,7 +31439,7 @@
           <p:cNvPr id="4" name="Rectangle 3">
             <a:extLst>
               <a:ext uri="{FF2B5EF4-FFF2-40B4-BE49-F238E27FC236}">
-                <a16:creationId xmlns:a16="http://schemas.microsoft.com/office/drawing/2014/main" id="{12E03CE5-0097-4875-6E2F-1FF0DE26E460}"/>
+                <a16:creationId xmlns:a16="http://schemas.microsoft.com/office/drawing/2014/main" id="{245A6447-F14C-595B-2811-928FC633AE9F}"/>
               </a:ext>
             </a:extLst>
           </p:cNvPr>
@@ -31653,7 +31485,7 @@
           <p:cNvPr id="5" name="Picture 2" descr="Home - Dapr Agents">
             <a:extLst>
               <a:ext uri="{FF2B5EF4-FFF2-40B4-BE49-F238E27FC236}">
-                <a16:creationId xmlns:a16="http://schemas.microsoft.com/office/drawing/2014/main" id="{A05B7081-DA77-407E-CC9A-FF476F41FF9E}"/>
+                <a16:creationId xmlns:a16="http://schemas.microsoft.com/office/drawing/2014/main" id="{12B50645-DF9D-61C4-CFED-FF83A471EC66}"/>
               </a:ext>
             </a:extLst>
           </p:cNvPr>
@@ -31663,164 +31495,7 @@
           <p:nvPr/>
         </p:nvPicPr>
         <p:blipFill>
-          <a:blip r:embed="rId7">
-            <a:extLst>
-              <a:ext uri="{28A0092B-C50C-407E-A947-70E740481C1C}">
-                <a14:useLocalDpi xmlns:a14="http://schemas.microsoft.com/office/drawing/2010/main" val="0"/>
-              </a:ext>
-            </a:extLst>
-          </a:blip>
-          <a:srcRect/>
-          <a:stretch>
-            <a:fillRect/>
-          </a:stretch>
-        </p:blipFill>
-        <p:spPr bwMode="auto">
-          <a:xfrm>
-            <a:off x="8834684" y="127063"/>
-            <a:ext cx="3476625" cy="3476625"/>
-          </a:xfrm>
-          <a:prstGeom prst="rect">
-            <a:avLst/>
-          </a:prstGeom>
-          <a:noFill/>
-          <a:extLst>
-            <a:ext uri="{909E8E84-426E-40DD-AFC4-6F175D3DCCD1}">
-              <a14:hiddenFill xmlns:a14="http://schemas.microsoft.com/office/drawing/2010/main">
-                <a:solidFill>
-                  <a:srgbClr val="FFFFFF"/>
-                </a:solidFill>
-              </a14:hiddenFill>
-            </a:ext>
-          </a:extLst>
-        </p:spPr>
-      </p:pic>
-    </p:spTree>
-    <p:extLst>
-      <p:ext uri="{BB962C8B-B14F-4D97-AF65-F5344CB8AC3E}">
-        <p14:creationId xmlns:p14="http://schemas.microsoft.com/office/powerpoint/2010/main" val="5357541"/>
-      </p:ext>
-    </p:extLst>
-  </p:cSld>
-  <p:clrMapOvr>
-    <a:masterClrMapping/>
-  </p:clrMapOvr>
-</p:sld>
-</file>
-
-<file path=ppt/slides/slide11.xml><?xml version="1.0" encoding="utf-8"?>
-<p:sld xmlns:a="http://schemas.openxmlformats.org/drawingml/2006/main" xmlns:r="http://schemas.openxmlformats.org/officeDocument/2006/relationships" xmlns:p="http://schemas.openxmlformats.org/presentationml/2006/main">
-  <p:cSld>
-    <p:spTree>
-      <p:nvGrpSpPr>
-        <p:cNvPr id="1" name="">
-          <a:extLst>
-            <a:ext uri="{FF2B5EF4-FFF2-40B4-BE49-F238E27FC236}">
-              <a16:creationId xmlns:a16="http://schemas.microsoft.com/office/drawing/2014/main" id="{66AD700C-AA48-6FFE-98C0-238F2726DDBD}"/>
-            </a:ext>
-          </a:extLst>
-        </p:cNvPr>
-        <p:cNvGrpSpPr/>
-        <p:nvPr/>
-      </p:nvGrpSpPr>
-      <p:grpSpPr>
-        <a:xfrm>
-          <a:off x="0" y="0"/>
-          <a:ext cx="0" cy="0"/>
-          <a:chOff x="0" y="0"/>
-          <a:chExt cx="0" cy="0"/>
-        </a:xfrm>
-      </p:grpSpPr>
-      <p:sp>
-        <p:nvSpPr>
-          <p:cNvPr id="3" name="Title 2">
-            <a:extLst>
-              <a:ext uri="{FF2B5EF4-FFF2-40B4-BE49-F238E27FC236}">
-                <a16:creationId xmlns:a16="http://schemas.microsoft.com/office/drawing/2014/main" id="{6F9E8EC7-2AA6-C8A5-9641-2626589AEFD6}"/>
-              </a:ext>
-            </a:extLst>
-          </p:cNvPr>
-          <p:cNvSpPr>
-            <a:spLocks noGrp="1"/>
-          </p:cNvSpPr>
-          <p:nvPr>
-            <p:ph type="title"/>
-          </p:nvPr>
-        </p:nvSpPr>
-        <p:spPr/>
-        <p:txBody>
-          <a:bodyPr/>
-          <a:lstStyle/>
-          <a:p>
-            <a:r>
-              <a:rPr lang="en-AU" dirty="0"/>
-              <a:t>Message-Driven Communication</a:t>
-            </a:r>
-          </a:p>
-        </p:txBody>
-      </p:sp>
-      <p:sp>
-        <p:nvSpPr>
-          <p:cNvPr id="4" name="Rectangle 3">
-            <a:extLst>
-              <a:ext uri="{FF2B5EF4-FFF2-40B4-BE49-F238E27FC236}">
-                <a16:creationId xmlns:a16="http://schemas.microsoft.com/office/drawing/2014/main" id="{245A6447-F14C-595B-2811-928FC633AE9F}"/>
-              </a:ext>
-            </a:extLst>
-          </p:cNvPr>
-          <p:cNvSpPr/>
-          <p:nvPr/>
-        </p:nvSpPr>
-        <p:spPr>
-          <a:xfrm>
-            <a:off x="8953995" y="3764478"/>
-            <a:ext cx="3238005" cy="3093522"/>
-          </a:xfrm>
-          <a:prstGeom prst="rect">
-            <a:avLst/>
-          </a:prstGeom>
-        </p:spPr>
-        <p:style>
-          <a:lnRef idx="2">
-            <a:schemeClr val="accent1">
-              <a:shade val="15000"/>
-            </a:schemeClr>
-          </a:lnRef>
-          <a:fillRef idx="1">
-            <a:schemeClr val="accent1"/>
-          </a:fillRef>
-          <a:effectRef idx="0">
-            <a:schemeClr val="accent1"/>
-          </a:effectRef>
-          <a:fontRef idx="minor">
-            <a:schemeClr val="lt1"/>
-          </a:fontRef>
-        </p:style>
-        <p:txBody>
-          <a:bodyPr rtlCol="0" anchor="ctr"/>
-          <a:lstStyle/>
-          <a:p>
-            <a:pPr algn="ctr"/>
-            <a:endParaRPr lang="en-AU"/>
-          </a:p>
-        </p:txBody>
-      </p:sp>
-      <p:pic>
-        <p:nvPicPr>
-          <p:cNvPr id="5" name="Picture 2" descr="Home - Dapr Agents">
-            <a:extLst>
-              <a:ext uri="{FF2B5EF4-FFF2-40B4-BE49-F238E27FC236}">
-                <a16:creationId xmlns:a16="http://schemas.microsoft.com/office/drawing/2014/main" id="{12B50645-DF9D-61C4-CFED-FF83A471EC66}"/>
-              </a:ext>
-            </a:extLst>
-          </p:cNvPr>
-          <p:cNvPicPr>
-            <a:picLocks noChangeAspect="1" noChangeArrowheads="1"/>
-          </p:cNvPicPr>
-          <p:nvPr/>
-        </p:nvPicPr>
-        <p:blipFill>
-          <a:blip r:embed="rId2">
+          <a:blip r:embed="rId3">
             <a:extLst>
               <a:ext uri="{28A0092B-C50C-407E-A947-70E740481C1C}">
                 <a14:useLocalDpi xmlns:a14="http://schemas.microsoft.com/office/drawing/2010/main" val="0"/>
@@ -31869,7 +31544,7 @@
           </p:nvPr>
         </p:nvPicPr>
         <p:blipFill>
-          <a:blip r:embed="rId3">
+          <a:blip r:embed="rId4">
             <a:extLst>
               <a:ext uri="{28A0092B-C50C-407E-A947-70E740481C1C}">
                 <a14:useLocalDpi xmlns:a14="http://schemas.microsoft.com/office/drawing/2010/main" val="0"/>
@@ -31914,7 +31589,7 @@
 </p:sld>
 </file>
 
-<file path=ppt/slides/slide12.xml><?xml version="1.0" encoding="utf-8"?>
+<file path=ppt/slides/slide11.xml><?xml version="1.0" encoding="utf-8"?>
 <p:sld xmlns:a="http://schemas.openxmlformats.org/drawingml/2006/main" xmlns:r="http://schemas.openxmlformats.org/officeDocument/2006/relationships" xmlns:p="http://schemas.openxmlformats.org/presentationml/2006/main">
   <p:cSld>
     <p:spTree>
@@ -32026,7 +31701,7 @@
           <p:nvPr/>
         </p:nvPicPr>
         <p:blipFill>
-          <a:blip r:embed="rId2">
+          <a:blip r:embed="rId3">
             <a:extLst>
               <a:ext uri="{28A0092B-C50C-407E-A947-70E740481C1C}">
                 <a14:useLocalDpi xmlns:a14="http://schemas.microsoft.com/office/drawing/2010/main" val="0"/>
@@ -32075,7 +31750,7 @@
           </p:nvPr>
         </p:nvPicPr>
         <p:blipFill>
-          <a:blip r:embed="rId3">
+          <a:blip r:embed="rId4">
             <a:extLst>
               <a:ext uri="{28A0092B-C50C-407E-A947-70E740481C1C}">
                 <a14:useLocalDpi xmlns:a14="http://schemas.microsoft.com/office/drawing/2010/main" val="0"/>
@@ -32120,7 +31795,7 @@
 </p:sld>
 </file>
 
-<file path=ppt/slides/slide13.xml><?xml version="1.0" encoding="utf-8"?>
+<file path=ppt/slides/slide12.xml><?xml version="1.0" encoding="utf-8"?>
 <p:sld xmlns:a="http://schemas.openxmlformats.org/drawingml/2006/main" xmlns:r="http://schemas.openxmlformats.org/officeDocument/2006/relationships" xmlns:p="http://schemas.openxmlformats.org/presentationml/2006/main">
   <p:cSld>
     <p:spTree>
@@ -32232,7 +31907,7 @@
           <p:nvPr/>
         </p:nvPicPr>
         <p:blipFill>
-          <a:blip r:embed="rId2">
+          <a:blip r:embed="rId3">
             <a:extLst>
               <a:ext uri="{28A0092B-C50C-407E-A947-70E740481C1C}">
                 <a14:useLocalDpi xmlns:a14="http://schemas.microsoft.com/office/drawing/2010/main" val="0"/>
@@ -32436,7 +32111,7 @@
         </p:xfrm>
         <a:graphic>
           <a:graphicData uri="http://schemas.openxmlformats.org/drawingml/2006/diagram">
-            <dgm:relIds xmlns:dgm="http://schemas.openxmlformats.org/drawingml/2006/diagram" xmlns:r="http://schemas.openxmlformats.org/officeDocument/2006/relationships" r:dm="rId2" r:lo="rId3" r:qs="rId4" r:cs="rId5"/>
+            <dgm:relIds xmlns:dgm="http://schemas.openxmlformats.org/drawingml/2006/diagram" xmlns:r="http://schemas.openxmlformats.org/officeDocument/2006/relationships" r:dm="rId3" r:lo="rId4" r:qs="rId5" r:cs="rId6"/>
           </a:graphicData>
         </a:graphic>
       </p:graphicFrame>
@@ -32455,7 +32130,7 @@
           <p:nvPr/>
         </p:nvPicPr>
         <p:blipFill>
-          <a:blip r:embed="rId7">
+          <a:blip r:embed="rId8">
             <a:extLst>
               <a:ext uri="{28A0092B-C50C-407E-A947-70E740481C1C}">
                 <a14:useLocalDpi xmlns:a14="http://schemas.microsoft.com/office/drawing/2010/main" val="0"/>
@@ -32544,7 +32219,7 @@
         </p:xfrm>
         <a:graphic>
           <a:graphicData uri="http://schemas.openxmlformats.org/drawingml/2006/diagram">
-            <dgm:relIds xmlns:dgm="http://schemas.openxmlformats.org/drawingml/2006/diagram" xmlns:r="http://schemas.openxmlformats.org/officeDocument/2006/relationships" r:dm="rId2" r:lo="rId3" r:qs="rId4" r:cs="rId5"/>
+            <dgm:relIds xmlns:dgm="http://schemas.openxmlformats.org/drawingml/2006/diagram" xmlns:r="http://schemas.openxmlformats.org/officeDocument/2006/relationships" r:dm="rId3" r:lo="rId4" r:qs="rId5" r:cs="rId6"/>
           </a:graphicData>
         </a:graphic>
       </p:graphicFrame>
@@ -32609,7 +32284,7 @@
           <p:nvPr/>
         </p:nvPicPr>
         <p:blipFill>
-          <a:blip r:embed="rId7">
+          <a:blip r:embed="rId8">
             <a:extLst>
               <a:ext uri="{28A0092B-C50C-407E-A947-70E740481C1C}">
                 <a14:useLocalDpi xmlns:a14="http://schemas.microsoft.com/office/drawing/2010/main" val="0"/>
@@ -32694,12 +32369,14 @@
           </a:xfrm>
         </p:spPr>
         <p:txBody>
-          <a:bodyPr anchor="ctr"/>
+          <a:bodyPr anchor="ctr">
+            <a:normAutofit/>
+          </a:bodyPr>
           <a:lstStyle/>
           <a:p>
             <a:pPr algn="ctr"/>
             <a:r>
-              <a:rPr lang="en-AU" dirty="0"/>
+              <a:rPr lang="en-AU" sz="2800" dirty="0"/>
               <a:t>“A framework for developers that simplifies the creation of AI Agents that reason, act, and collaborate using Large-Language Models (LLMs)”</a:t>
             </a:r>
           </a:p>
@@ -32798,7 +32475,7 @@
           <p:nvPr/>
         </p:nvPicPr>
         <p:blipFill>
-          <a:blip r:embed="rId2">
+          <a:blip r:embed="rId3">
             <a:extLst>
               <a:ext uri="{28A0092B-C50C-407E-A947-70E740481C1C}">
                 <a14:useLocalDpi xmlns:a14="http://schemas.microsoft.com/office/drawing/2010/main" val="0"/>
@@ -33009,7 +32686,7 @@
           <p:nvPr/>
         </p:nvPicPr>
         <p:blipFill>
-          <a:blip r:embed="rId2">
+          <a:blip r:embed="rId3">
             <a:extLst>
               <a:ext uri="{28A0092B-C50C-407E-A947-70E740481C1C}">
                 <a14:useLocalDpi xmlns:a14="http://schemas.microsoft.com/office/drawing/2010/main" val="0"/>
@@ -33093,12 +32770,8 @@
           <a:lstStyle/>
           <a:p>
             <a:r>
-              <a:rPr lang="en-AU" dirty="0" err="1"/>
-              <a:t>Dapr</a:t>
-            </a:r>
-            <a:r>
               <a:rPr lang="en-AU" dirty="0"/>
-              <a:t> Agent Interactions</a:t>
+              <a:t>Agent-Centric Design</a:t>
             </a:r>
           </a:p>
         </p:txBody>
@@ -33164,7 +32837,7 @@
           <p:nvPr/>
         </p:nvPicPr>
         <p:blipFill>
-          <a:blip r:embed="rId2">
+          <a:blip r:embed="rId3">
             <a:extLst>
               <a:ext uri="{28A0092B-C50C-407E-A947-70E740481C1C}">
                 <a14:useLocalDpi xmlns:a14="http://schemas.microsoft.com/office/drawing/2010/main" val="0"/>
@@ -33229,7 +32902,7 @@
             <p:nvPr/>
           </p:nvPicPr>
           <p:blipFill rotWithShape="1">
-            <a:blip r:embed="rId3">
+            <a:blip r:embed="rId4">
               <a:alphaModFix/>
             </a:blip>
             <a:srcRect/>
@@ -33867,7 +33540,7 @@
             <p:nvPr/>
           </p:nvPicPr>
           <p:blipFill>
-            <a:blip r:embed="rId4">
+            <a:blip r:embed="rId5">
               <a:alphaModFix/>
             </a:blip>
             <a:stretch>
@@ -34482,7 +34155,7 @@
           <p:nvPr/>
         </p:nvPicPr>
         <p:blipFill>
-          <a:blip r:embed="rId5">
+          <a:blip r:embed="rId6">
             <a:alphaModFix/>
           </a:blip>
           <a:stretch>
@@ -35364,7 +35037,7 @@
             <p:nvPr/>
           </p:nvPicPr>
           <p:blipFill>
-            <a:blip r:embed="rId6">
+            <a:blip r:embed="rId7">
               <a:alphaModFix/>
             </a:blip>
             <a:stretch>
@@ -35721,7 +35394,7 @@
             <p:nvPr/>
           </p:nvPicPr>
           <p:blipFill>
-            <a:blip r:embed="rId7">
+            <a:blip r:embed="rId8">
               <a:alphaModFix/>
             </a:blip>
             <a:stretch>
@@ -36078,7 +35751,7 @@
             <p:nvPr/>
           </p:nvPicPr>
           <p:blipFill>
-            <a:blip r:embed="rId8">
+            <a:blip r:embed="rId9">
               <a:alphaModFix/>
             </a:blip>
             <a:stretch>
@@ -36435,7 +36108,7 @@
             <p:nvPr/>
           </p:nvPicPr>
           <p:blipFill>
-            <a:blip r:embed="rId9">
+            <a:blip r:embed="rId10">
               <a:alphaModFix/>
             </a:blip>
             <a:stretch>
@@ -36470,7 +36143,7 @@
           <p:nvPr/>
         </p:nvPicPr>
         <p:blipFill>
-          <a:blip r:embed="rId10">
+          <a:blip r:embed="rId11">
             <a:alphaModFix/>
           </a:blip>
           <a:stretch>
@@ -36521,43 +36194,12 @@
           <a:chExt cx="0" cy="0"/>
         </a:xfrm>
       </p:grpSpPr>
-      <p:graphicFrame>
-        <p:nvGraphicFramePr>
-          <p:cNvPr id="70" name="Content Placeholder 69">
-            <a:extLst>
-              <a:ext uri="{FF2B5EF4-FFF2-40B4-BE49-F238E27FC236}">
-                <a16:creationId xmlns:a16="http://schemas.microsoft.com/office/drawing/2014/main" id="{2EE0F109-E316-CE27-5590-7BD08E2324F8}"/>
-              </a:ext>
-            </a:extLst>
-          </p:cNvPr>
-          <p:cNvGraphicFramePr>
-            <a:graphicFrameLocks noGrp="1"/>
-          </p:cNvGraphicFramePr>
-          <p:nvPr>
-            <p:ph sz="quarter" idx="13"/>
-            <p:extLst>
-              <p:ext uri="{D42A27DB-BD31-4B8C-83A1-F6EECF244321}">
-                <p14:modId xmlns:p14="http://schemas.microsoft.com/office/powerpoint/2010/main" val="267132078"/>
-              </p:ext>
-            </p:extLst>
-          </p:nvPr>
-        </p:nvGraphicFramePr>
-        <p:xfrm>
-          <a:off x="1087787" y="2117671"/>
-          <a:ext cx="7747246" cy="3694113"/>
-        </p:xfrm>
-        <a:graphic>
-          <a:graphicData uri="http://schemas.openxmlformats.org/drawingml/2006/diagram">
-            <dgm:relIds xmlns:dgm="http://schemas.openxmlformats.org/drawingml/2006/diagram" xmlns:r="http://schemas.openxmlformats.org/officeDocument/2006/relationships" r:dm="rId3" r:lo="rId4" r:qs="rId5" r:cs="rId6"/>
-          </a:graphicData>
-        </a:graphic>
-      </p:graphicFrame>
       <p:sp>
         <p:nvSpPr>
           <p:cNvPr id="3" name="Title 2">
             <a:extLst>
               <a:ext uri="{FF2B5EF4-FFF2-40B4-BE49-F238E27FC236}">
-                <a16:creationId xmlns:a16="http://schemas.microsoft.com/office/drawing/2014/main" id="{531D6554-240C-A8ED-0076-A16E75343774}"/>
+                <a16:creationId xmlns:a16="http://schemas.microsoft.com/office/drawing/2014/main" id="{90D48366-BA03-7CC9-B607-55776A638413}"/>
               </a:ext>
             </a:extLst>
           </p:cNvPr>
@@ -36575,7 +36217,14 @@
           <a:p>
             <a:r>
               <a:rPr lang="en-AU" dirty="0"/>
-              <a:t>Agent-Centric Design</a:t>
+              <a:t>Decoupled Infrastructure</a:t>
+            </a:r>
+            <a:br>
+              <a:rPr lang="en-AU" dirty="0"/>
+            </a:br>
+            <a:r>
+              <a:rPr lang="en-AU" dirty="0"/>
+              <a:t>Design</a:t>
             </a:r>
           </a:p>
         </p:txBody>
@@ -36585,7 +36234,7 @@
           <p:cNvPr id="4" name="Rectangle 3">
             <a:extLst>
               <a:ext uri="{FF2B5EF4-FFF2-40B4-BE49-F238E27FC236}">
-                <a16:creationId xmlns:a16="http://schemas.microsoft.com/office/drawing/2014/main" id="{A603A798-92F2-C7D5-307C-CA964735A268}"/>
+                <a16:creationId xmlns:a16="http://schemas.microsoft.com/office/drawing/2014/main" id="{6F369B5D-13F3-FF76-8EE3-94FBED43229C}"/>
               </a:ext>
             </a:extLst>
           </p:cNvPr>
@@ -36631,7 +36280,7 @@
           <p:cNvPr id="5" name="Picture 2" descr="Home - Dapr Agents">
             <a:extLst>
               <a:ext uri="{FF2B5EF4-FFF2-40B4-BE49-F238E27FC236}">
-                <a16:creationId xmlns:a16="http://schemas.microsoft.com/office/drawing/2014/main" id="{2EAA092F-DFF1-71F6-470F-0FA141BA418A}"/>
+                <a16:creationId xmlns:a16="http://schemas.microsoft.com/office/drawing/2014/main" id="{89E155E1-337D-4E41-9AE5-C77B9A41BF57}"/>
               </a:ext>
             </a:extLst>
           </p:cNvPr>
@@ -36641,165 +36290,7 @@
           <p:nvPr/>
         </p:nvPicPr>
         <p:blipFill>
-          <a:blip r:embed="rId8">
-            <a:extLst>
-              <a:ext uri="{28A0092B-C50C-407E-A947-70E740481C1C}">
-                <a14:useLocalDpi xmlns:a14="http://schemas.microsoft.com/office/drawing/2010/main" val="0"/>
-              </a:ext>
-            </a:extLst>
-          </a:blip>
-          <a:srcRect/>
-          <a:stretch>
-            <a:fillRect/>
-          </a:stretch>
-        </p:blipFill>
-        <p:spPr bwMode="auto">
-          <a:xfrm>
-            <a:off x="8834684" y="127063"/>
-            <a:ext cx="3476625" cy="3476625"/>
-          </a:xfrm>
-          <a:prstGeom prst="rect">
-            <a:avLst/>
-          </a:prstGeom>
-          <a:noFill/>
-          <a:extLst>
-            <a:ext uri="{909E8E84-426E-40DD-AFC4-6F175D3DCCD1}">
-              <a14:hiddenFill xmlns:a14="http://schemas.microsoft.com/office/drawing/2010/main">
-                <a:solidFill>
-                  <a:srgbClr val="FFFFFF"/>
-                </a:solidFill>
-              </a14:hiddenFill>
-            </a:ext>
-          </a:extLst>
-        </p:spPr>
-      </p:pic>
-    </p:spTree>
-    <p:extLst>
-      <p:ext uri="{BB962C8B-B14F-4D97-AF65-F5344CB8AC3E}">
-        <p14:creationId xmlns:p14="http://schemas.microsoft.com/office/powerpoint/2010/main" val="1593802734"/>
-      </p:ext>
-    </p:extLst>
-  </p:cSld>
-  <p:clrMapOvr>
-    <a:masterClrMapping/>
-  </p:clrMapOvr>
-</p:sld>
-</file>
-
-<file path=ppt/slides/slide8.xml><?xml version="1.0" encoding="utf-8"?>
-<p:sld xmlns:a="http://schemas.openxmlformats.org/drawingml/2006/main" xmlns:r="http://schemas.openxmlformats.org/officeDocument/2006/relationships" xmlns:p="http://schemas.openxmlformats.org/presentationml/2006/main">
-  <p:cSld>
-    <p:spTree>
-      <p:nvGrpSpPr>
-        <p:cNvPr id="1" name=""/>
-        <p:cNvGrpSpPr/>
-        <p:nvPr/>
-      </p:nvGrpSpPr>
-      <p:grpSpPr>
-        <a:xfrm>
-          <a:off x="0" y="0"/>
-          <a:ext cx="0" cy="0"/>
-          <a:chOff x="0" y="0"/>
-          <a:chExt cx="0" cy="0"/>
-        </a:xfrm>
-      </p:grpSpPr>
-      <p:sp>
-        <p:nvSpPr>
-          <p:cNvPr id="3" name="Title 2">
-            <a:extLst>
-              <a:ext uri="{FF2B5EF4-FFF2-40B4-BE49-F238E27FC236}">
-                <a16:creationId xmlns:a16="http://schemas.microsoft.com/office/drawing/2014/main" id="{90D48366-BA03-7CC9-B607-55776A638413}"/>
-              </a:ext>
-            </a:extLst>
-          </p:cNvPr>
-          <p:cNvSpPr>
-            <a:spLocks noGrp="1"/>
-          </p:cNvSpPr>
-          <p:nvPr>
-            <p:ph type="title"/>
-          </p:nvPr>
-        </p:nvSpPr>
-        <p:spPr/>
-        <p:txBody>
-          <a:bodyPr/>
-          <a:lstStyle/>
-          <a:p>
-            <a:r>
-              <a:rPr lang="en-AU" dirty="0"/>
-              <a:t>Decoupled Infrastructure</a:t>
-            </a:r>
-            <a:br>
-              <a:rPr lang="en-AU" dirty="0"/>
-            </a:br>
-            <a:r>
-              <a:rPr lang="en-AU" dirty="0"/>
-              <a:t>Design</a:t>
-            </a:r>
-          </a:p>
-        </p:txBody>
-      </p:sp>
-      <p:sp>
-        <p:nvSpPr>
-          <p:cNvPr id="4" name="Rectangle 3">
-            <a:extLst>
-              <a:ext uri="{FF2B5EF4-FFF2-40B4-BE49-F238E27FC236}">
-                <a16:creationId xmlns:a16="http://schemas.microsoft.com/office/drawing/2014/main" id="{6F369B5D-13F3-FF76-8EE3-94FBED43229C}"/>
-              </a:ext>
-            </a:extLst>
-          </p:cNvPr>
-          <p:cNvSpPr/>
-          <p:nvPr/>
-        </p:nvSpPr>
-        <p:spPr>
-          <a:xfrm>
-            <a:off x="8953995" y="3764478"/>
-            <a:ext cx="3238005" cy="3093522"/>
-          </a:xfrm>
-          <a:prstGeom prst="rect">
-            <a:avLst/>
-          </a:prstGeom>
-        </p:spPr>
-        <p:style>
-          <a:lnRef idx="2">
-            <a:schemeClr val="accent1">
-              <a:shade val="15000"/>
-            </a:schemeClr>
-          </a:lnRef>
-          <a:fillRef idx="1">
-            <a:schemeClr val="accent1"/>
-          </a:fillRef>
-          <a:effectRef idx="0">
-            <a:schemeClr val="accent1"/>
-          </a:effectRef>
-          <a:fontRef idx="minor">
-            <a:schemeClr val="lt1"/>
-          </a:fontRef>
-        </p:style>
-        <p:txBody>
-          <a:bodyPr rtlCol="0" anchor="ctr"/>
-          <a:lstStyle/>
-          <a:p>
-            <a:pPr algn="ctr"/>
-            <a:endParaRPr lang="en-AU"/>
-          </a:p>
-        </p:txBody>
-      </p:sp>
-      <p:pic>
-        <p:nvPicPr>
-          <p:cNvPr id="5" name="Picture 2" descr="Home - Dapr Agents">
-            <a:extLst>
-              <a:ext uri="{FF2B5EF4-FFF2-40B4-BE49-F238E27FC236}">
-                <a16:creationId xmlns:a16="http://schemas.microsoft.com/office/drawing/2014/main" id="{89E155E1-337D-4E41-9AE5-C77B9A41BF57}"/>
-              </a:ext>
-            </a:extLst>
-          </p:cNvPr>
-          <p:cNvPicPr>
-            <a:picLocks noChangeAspect="1" noChangeArrowheads="1"/>
-          </p:cNvPicPr>
-          <p:nvPr/>
-        </p:nvPicPr>
-        <p:blipFill>
-          <a:blip r:embed="rId2">
+          <a:blip r:embed="rId3">
             <a:extLst>
               <a:ext uri="{28A0092B-C50C-407E-A947-70E740481C1C}">
                 <a14:useLocalDpi xmlns:a14="http://schemas.microsoft.com/office/drawing/2010/main" val="0"/>
@@ -36848,7 +36339,7 @@
           </p:nvPr>
         </p:nvPicPr>
         <p:blipFill>
-          <a:blip r:embed="rId3">
+          <a:blip r:embed="rId4">
             <a:extLst>
               <a:ext uri="{28A0092B-C50C-407E-A947-70E740481C1C}">
                 <a14:useLocalDpi xmlns:a14="http://schemas.microsoft.com/office/drawing/2010/main" val="0"/>
@@ -36893,7 +36384,7 @@
 </p:sld>
 </file>
 
-<file path=ppt/slides/slide9.xml><?xml version="1.0" encoding="utf-8"?>
+<file path=ppt/slides/slide8.xml><?xml version="1.0" encoding="utf-8"?>
 <p:sld xmlns:a="http://schemas.openxmlformats.org/drawingml/2006/main" xmlns:r="http://schemas.openxmlformats.org/officeDocument/2006/relationships" xmlns:p="http://schemas.openxmlformats.org/presentationml/2006/main">
   <p:cSld>
     <p:spTree>
@@ -37012,7 +36503,7 @@
           <p:nvPr/>
         </p:nvPicPr>
         <p:blipFill>
-          <a:blip r:embed="rId2">
+          <a:blip r:embed="rId3">
             <a:extLst>
               <a:ext uri="{28A0092B-C50C-407E-A947-70E740481C1C}">
                 <a14:useLocalDpi xmlns:a14="http://schemas.microsoft.com/office/drawing/2010/main" val="0"/>
@@ -37061,7 +36552,7 @@
           </p:nvPr>
         </p:nvPicPr>
         <p:blipFill>
-          <a:blip r:embed="rId3">
+          <a:blip r:embed="rId4">
             <a:extLst>
               <a:ext uri="{28A0092B-C50C-407E-A947-70E740481C1C}">
                 <a14:useLocalDpi xmlns:a14="http://schemas.microsoft.com/office/drawing/2010/main" val="0"/>
@@ -37097,6 +36588,201 @@
     <p:extLst>
       <p:ext uri="{BB962C8B-B14F-4D97-AF65-F5344CB8AC3E}">
         <p14:creationId xmlns:p14="http://schemas.microsoft.com/office/powerpoint/2010/main" val="232102810"/>
+      </p:ext>
+    </p:extLst>
+  </p:cSld>
+  <p:clrMapOvr>
+    <a:masterClrMapping/>
+  </p:clrMapOvr>
+</p:sld>
+</file>
+
+<file path=ppt/slides/slide9.xml><?xml version="1.0" encoding="utf-8"?>
+<p:sld xmlns:a="http://schemas.openxmlformats.org/drawingml/2006/main" xmlns:r="http://schemas.openxmlformats.org/officeDocument/2006/relationships" xmlns:p="http://schemas.openxmlformats.org/presentationml/2006/main">
+  <p:cSld>
+    <p:spTree>
+      <p:nvGrpSpPr>
+        <p:cNvPr id="1" name="">
+          <a:extLst>
+            <a:ext uri="{FF2B5EF4-FFF2-40B4-BE49-F238E27FC236}">
+              <a16:creationId xmlns:a16="http://schemas.microsoft.com/office/drawing/2014/main" id="{2B846ED2-447A-1928-E975-B6EE23F9D3A9}"/>
+            </a:ext>
+          </a:extLst>
+        </p:cNvPr>
+        <p:cNvGrpSpPr/>
+        <p:nvPr/>
+      </p:nvGrpSpPr>
+      <p:grpSpPr>
+        <a:xfrm>
+          <a:off x="0" y="0"/>
+          <a:ext cx="0" cy="0"/>
+          <a:chOff x="0" y="0"/>
+          <a:chExt cx="0" cy="0"/>
+        </a:xfrm>
+      </p:grpSpPr>
+      <p:graphicFrame>
+        <p:nvGraphicFramePr>
+          <p:cNvPr id="6" name="Content Placeholder 5">
+            <a:extLst>
+              <a:ext uri="{FF2B5EF4-FFF2-40B4-BE49-F238E27FC236}">
+                <a16:creationId xmlns:a16="http://schemas.microsoft.com/office/drawing/2014/main" id="{1FC78627-4CB5-2294-CE73-601CAC33579A}"/>
+              </a:ext>
+            </a:extLst>
+          </p:cNvPr>
+          <p:cNvGraphicFramePr>
+            <a:graphicFrameLocks noGrp="1"/>
+          </p:cNvGraphicFramePr>
+          <p:nvPr>
+            <p:ph sz="quarter" idx="13"/>
+            <p:extLst>
+              <p:ext uri="{D42A27DB-BD31-4B8C-83A1-F6EECF244321}">
+                <p14:modId xmlns:p14="http://schemas.microsoft.com/office/powerpoint/2010/main" val="2244696035"/>
+              </p:ext>
+            </p:extLst>
+          </p:nvPr>
+        </p:nvGraphicFramePr>
+        <p:xfrm>
+          <a:off x="1087439" y="2651125"/>
+          <a:ext cx="7427170" cy="3694113"/>
+        </p:xfrm>
+        <a:graphic>
+          <a:graphicData uri="http://schemas.openxmlformats.org/drawingml/2006/diagram">
+            <dgm:relIds xmlns:dgm="http://schemas.openxmlformats.org/drawingml/2006/diagram" xmlns:r="http://schemas.openxmlformats.org/officeDocument/2006/relationships" r:dm="rId3" r:lo="rId4" r:qs="rId5" r:cs="rId6"/>
+          </a:graphicData>
+        </a:graphic>
+      </p:graphicFrame>
+      <p:sp>
+        <p:nvSpPr>
+          <p:cNvPr id="3" name="Title 2">
+            <a:extLst>
+              <a:ext uri="{FF2B5EF4-FFF2-40B4-BE49-F238E27FC236}">
+                <a16:creationId xmlns:a16="http://schemas.microsoft.com/office/drawing/2014/main" id="{65578649-2851-3C39-516A-6E849C0D164F}"/>
+              </a:ext>
+            </a:extLst>
+          </p:cNvPr>
+          <p:cNvSpPr>
+            <a:spLocks noGrp="1"/>
+          </p:cNvSpPr>
+          <p:nvPr>
+            <p:ph type="title"/>
+          </p:nvPr>
+        </p:nvSpPr>
+        <p:spPr/>
+        <p:txBody>
+          <a:bodyPr/>
+          <a:lstStyle/>
+          <a:p>
+            <a:r>
+              <a:rPr lang="en-AU" dirty="0"/>
+              <a:t>Actor-Based Model</a:t>
+            </a:r>
+            <a:br>
+              <a:rPr lang="en-AU" dirty="0"/>
+            </a:br>
+            <a:r>
+              <a:rPr lang="en-AU" dirty="0"/>
+              <a:t>for Agents</a:t>
+            </a:r>
+          </a:p>
+        </p:txBody>
+      </p:sp>
+      <p:sp>
+        <p:nvSpPr>
+          <p:cNvPr id="4" name="Rectangle 3">
+            <a:extLst>
+              <a:ext uri="{FF2B5EF4-FFF2-40B4-BE49-F238E27FC236}">
+                <a16:creationId xmlns:a16="http://schemas.microsoft.com/office/drawing/2014/main" id="{12E03CE5-0097-4875-6E2F-1FF0DE26E460}"/>
+              </a:ext>
+            </a:extLst>
+          </p:cNvPr>
+          <p:cNvSpPr/>
+          <p:nvPr/>
+        </p:nvSpPr>
+        <p:spPr>
+          <a:xfrm>
+            <a:off x="8953995" y="3764478"/>
+            <a:ext cx="3238005" cy="3093522"/>
+          </a:xfrm>
+          <a:prstGeom prst="rect">
+            <a:avLst/>
+          </a:prstGeom>
+        </p:spPr>
+        <p:style>
+          <a:lnRef idx="2">
+            <a:schemeClr val="accent1">
+              <a:shade val="15000"/>
+            </a:schemeClr>
+          </a:lnRef>
+          <a:fillRef idx="1">
+            <a:schemeClr val="accent1"/>
+          </a:fillRef>
+          <a:effectRef idx="0">
+            <a:schemeClr val="accent1"/>
+          </a:effectRef>
+          <a:fontRef idx="minor">
+            <a:schemeClr val="lt1"/>
+          </a:fontRef>
+        </p:style>
+        <p:txBody>
+          <a:bodyPr rtlCol="0" anchor="ctr"/>
+          <a:lstStyle/>
+          <a:p>
+            <a:pPr algn="ctr"/>
+            <a:endParaRPr lang="en-AU"/>
+          </a:p>
+        </p:txBody>
+      </p:sp>
+      <p:pic>
+        <p:nvPicPr>
+          <p:cNvPr id="5" name="Picture 2" descr="Home - Dapr Agents">
+            <a:extLst>
+              <a:ext uri="{FF2B5EF4-FFF2-40B4-BE49-F238E27FC236}">
+                <a16:creationId xmlns:a16="http://schemas.microsoft.com/office/drawing/2014/main" id="{A05B7081-DA77-407E-CC9A-FF476F41FF9E}"/>
+              </a:ext>
+            </a:extLst>
+          </p:cNvPr>
+          <p:cNvPicPr>
+            <a:picLocks noChangeAspect="1" noChangeArrowheads="1"/>
+          </p:cNvPicPr>
+          <p:nvPr/>
+        </p:nvPicPr>
+        <p:blipFill>
+          <a:blip r:embed="rId8">
+            <a:extLst>
+              <a:ext uri="{28A0092B-C50C-407E-A947-70E740481C1C}">
+                <a14:useLocalDpi xmlns:a14="http://schemas.microsoft.com/office/drawing/2010/main" val="0"/>
+              </a:ext>
+            </a:extLst>
+          </a:blip>
+          <a:srcRect/>
+          <a:stretch>
+            <a:fillRect/>
+          </a:stretch>
+        </p:blipFill>
+        <p:spPr bwMode="auto">
+          <a:xfrm>
+            <a:off x="8834684" y="127063"/>
+            <a:ext cx="3476625" cy="3476625"/>
+          </a:xfrm>
+          <a:prstGeom prst="rect">
+            <a:avLst/>
+          </a:prstGeom>
+          <a:noFill/>
+          <a:extLst>
+            <a:ext uri="{909E8E84-426E-40DD-AFC4-6F175D3DCCD1}">
+              <a14:hiddenFill xmlns:a14="http://schemas.microsoft.com/office/drawing/2010/main">
+                <a:solidFill>
+                  <a:srgbClr val="FFFFFF"/>
+                </a:solidFill>
+              </a14:hiddenFill>
+            </a:ext>
+          </a:extLst>
+        </p:spPr>
+      </p:pic>
+    </p:spTree>
+    <p:extLst>
+      <p:ext uri="{BB962C8B-B14F-4D97-AF65-F5344CB8AC3E}">
+        <p14:creationId xmlns:p14="http://schemas.microsoft.com/office/powerpoint/2010/main" val="5357541"/>
       </p:ext>
     </p:extLst>
   </p:cSld>

--- a/slide-decks/dapr-agents-basics.pptx
+++ b/slide-decks/dapr-agents-basics.pptx
@@ -31380,6 +31380,89 @@
   <p:clrMapOvr>
     <a:masterClrMapping/>
   </p:clrMapOvr>
+  <p:timing>
+    <p:tnLst>
+      <p:par>
+        <p:cTn id="1" dur="indefinite" restart="never" nodeType="tmRoot">
+          <p:childTnLst>
+            <p:seq concurrent="1" nextAc="seek">
+              <p:cTn id="2" dur="indefinite" nodeType="mainSeq">
+                <p:childTnLst>
+                  <p:par>
+                    <p:cTn id="3" fill="hold">
+                      <p:stCondLst>
+                        <p:cond delay="indefinite"/>
+                      </p:stCondLst>
+                      <p:childTnLst>
+                        <p:par>
+                          <p:cTn id="4" fill="hold">
+                            <p:stCondLst>
+                              <p:cond delay="0"/>
+                            </p:stCondLst>
+                            <p:childTnLst>
+                              <p:par>
+                                <p:cTn id="5" presetID="10" presetClass="exit" presetSubtype="0" fill="hold" nodeType="clickEffect">
+                                  <p:stCondLst>
+                                    <p:cond delay="0"/>
+                                  </p:stCondLst>
+                                  <p:childTnLst>
+                                    <p:animEffect transition="out" filter="fade">
+                                      <p:cBhvr>
+                                        <p:cTn id="6" dur="500"/>
+                                        <p:tgtEl>
+                                          <p:spTgt spid="1026"/>
+                                        </p:tgtEl>
+                                      </p:cBhvr>
+                                    </p:animEffect>
+                                    <p:set>
+                                      <p:cBhvr>
+                                        <p:cTn id="7" dur="1" fill="hold">
+                                          <p:stCondLst>
+                                            <p:cond delay="499"/>
+                                          </p:stCondLst>
+                                        </p:cTn>
+                                        <p:tgtEl>
+                                          <p:spTgt spid="1026"/>
+                                        </p:tgtEl>
+                                        <p:attrNameLst>
+                                          <p:attrName>style.visibility</p:attrName>
+                                        </p:attrNameLst>
+                                      </p:cBhvr>
+                                      <p:to>
+                                        <p:strVal val="hidden"/>
+                                      </p:to>
+                                    </p:set>
+                                  </p:childTnLst>
+                                </p:cTn>
+                              </p:par>
+                            </p:childTnLst>
+                          </p:cTn>
+                        </p:par>
+                      </p:childTnLst>
+                    </p:cTn>
+                  </p:par>
+                </p:childTnLst>
+              </p:cTn>
+              <p:prevCondLst>
+                <p:cond evt="onPrev" delay="0">
+                  <p:tgtEl>
+                    <p:sldTgt/>
+                  </p:tgtEl>
+                </p:cond>
+              </p:prevCondLst>
+              <p:nextCondLst>
+                <p:cond evt="onNext" delay="0">
+                  <p:tgtEl>
+                    <p:sldTgt/>
+                  </p:tgtEl>
+                </p:cond>
+              </p:nextCondLst>
+            </p:seq>
+          </p:childTnLst>
+        </p:cTn>
+      </p:par>
+    </p:tnLst>
+  </p:timing>
 </p:sld>
 </file>
 
@@ -31586,6 +31669,18 @@
   <p:clrMapOvr>
     <a:masterClrMapping/>
   </p:clrMapOvr>
+  <mc:AlternateContent xmlns:mc="http://schemas.openxmlformats.org/markup-compatibility/2006">
+    <mc:Choice xmlns:p14="http://schemas.microsoft.com/office/powerpoint/2010/main" Requires="p14">
+      <p:transition spd="med" p14:dur="700">
+        <p:fade/>
+      </p:transition>
+    </mc:Choice>
+    <mc:Fallback>
+      <p:transition spd="med">
+        <p:fade/>
+      </p:transition>
+    </mc:Fallback>
+  </mc:AlternateContent>
 </p:sld>
 </file>
 
@@ -31792,6 +31887,18 @@
   <p:clrMapOvr>
     <a:masterClrMapping/>
   </p:clrMapOvr>
+  <mc:AlternateContent xmlns:mc="http://schemas.openxmlformats.org/markup-compatibility/2006">
+    <mc:Choice xmlns:p14="http://schemas.microsoft.com/office/powerpoint/2010/main" Requires="p14">
+      <p:transition spd="med" p14:dur="700">
+        <p:fade/>
+      </p:transition>
+    </mc:Choice>
+    <mc:Fallback>
+      <p:transition spd="med">
+        <p:fade/>
+      </p:transition>
+    </mc:Fallback>
+  </mc:AlternateContent>
 </p:sld>
 </file>
 
@@ -32021,6 +32128,18 @@
   <p:clrMapOvr>
     <a:masterClrMapping/>
   </p:clrMapOvr>
+  <mc:AlternateContent xmlns:mc="http://schemas.openxmlformats.org/markup-compatibility/2006">
+    <mc:Choice xmlns:p14="http://schemas.microsoft.com/office/powerpoint/2010/main" Requires="p14">
+      <p:transition spd="med" p14:dur="700">
+        <p:fade/>
+      </p:transition>
+    </mc:Choice>
+    <mc:Fallback>
+      <p:transition spd="med">
+        <p:fade/>
+      </p:transition>
+    </mc:Fallback>
+  </mc:AlternateContent>
 </p:sld>
 </file>
 
@@ -32172,6 +32291,18 @@
   <p:clrMapOvr>
     <a:masterClrMapping/>
   </p:clrMapOvr>
+  <mc:AlternateContent xmlns:mc="http://schemas.openxmlformats.org/markup-compatibility/2006">
+    <mc:Choice xmlns:p14="http://schemas.microsoft.com/office/powerpoint/2010/main" Requires="p14">
+      <p:transition spd="med" p14:dur="700">
+        <p:fade/>
+      </p:transition>
+    </mc:Choice>
+    <mc:Fallback>
+      <p:transition spd="med">
+        <p:fade/>
+      </p:transition>
+    </mc:Fallback>
+  </mc:AlternateContent>
 </p:sld>
 </file>
 
@@ -32326,6 +32457,18 @@
   <p:clrMapOvr>
     <a:masterClrMapping/>
   </p:clrMapOvr>
+  <mc:AlternateContent xmlns:mc="http://schemas.openxmlformats.org/markup-compatibility/2006">
+    <mc:Choice xmlns:p14="http://schemas.microsoft.com/office/powerpoint/2010/main" Requires="p14">
+      <p:transition spd="med" p14:dur="700">
+        <p:fade/>
+      </p:transition>
+    </mc:Choice>
+    <mc:Fallback>
+      <p:transition spd="med">
+        <p:fade/>
+      </p:transition>
+    </mc:Fallback>
+  </mc:AlternateContent>
 </p:sld>
 </file>
 
@@ -32517,6 +32660,18 @@
   <p:clrMapOvr>
     <a:masterClrMapping/>
   </p:clrMapOvr>
+  <mc:AlternateContent xmlns:mc="http://schemas.openxmlformats.org/markup-compatibility/2006">
+    <mc:Choice xmlns:p14="http://schemas.microsoft.com/office/powerpoint/2010/main" Requires="p14">
+      <p:transition spd="med" p14:dur="700">
+        <p:fade/>
+      </p:transition>
+    </mc:Choice>
+    <mc:Fallback>
+      <p:transition spd="med">
+        <p:fade/>
+      </p:transition>
+    </mc:Fallback>
+  </mc:AlternateContent>
 </p:sld>
 </file>
 
@@ -32728,6 +32883,18 @@
   <p:clrMapOvr>
     <a:masterClrMapping/>
   </p:clrMapOvr>
+  <mc:AlternateContent xmlns:mc="http://schemas.openxmlformats.org/markup-compatibility/2006">
+    <mc:Choice xmlns:p14="http://schemas.microsoft.com/office/powerpoint/2010/main" Requires="p14">
+      <p:transition spd="med" p14:dur="700">
+        <p:fade/>
+      </p:transition>
+    </mc:Choice>
+    <mc:Fallback>
+      <p:transition spd="med">
+        <p:fade/>
+      </p:transition>
+    </mc:Fallback>
+  </mc:AlternateContent>
 </p:sld>
 </file>
 
@@ -36174,6 +36341,18 @@
   <p:clrMapOvr>
     <a:masterClrMapping/>
   </p:clrMapOvr>
+  <mc:AlternateContent xmlns:mc="http://schemas.openxmlformats.org/markup-compatibility/2006">
+    <mc:Choice xmlns:p14="http://schemas.microsoft.com/office/powerpoint/2010/main" Requires="p14">
+      <p:transition spd="med" p14:dur="700">
+        <p:fade/>
+      </p:transition>
+    </mc:Choice>
+    <mc:Fallback>
+      <p:transition spd="med">
+        <p:fade/>
+      </p:transition>
+    </mc:Fallback>
+  </mc:AlternateContent>
 </p:sld>
 </file>
 
@@ -36381,6 +36560,18 @@
   <p:clrMapOvr>
     <a:masterClrMapping/>
   </p:clrMapOvr>
+  <mc:AlternateContent xmlns:mc="http://schemas.openxmlformats.org/markup-compatibility/2006">
+    <mc:Choice xmlns:p14="http://schemas.microsoft.com/office/powerpoint/2010/main" Requires="p14">
+      <p:transition spd="med" p14:dur="700">
+        <p:fade/>
+      </p:transition>
+    </mc:Choice>
+    <mc:Fallback>
+      <p:transition spd="med">
+        <p:fade/>
+      </p:transition>
+    </mc:Fallback>
+  </mc:AlternateContent>
 </p:sld>
 </file>
 
@@ -36594,6 +36785,18 @@
   <p:clrMapOvr>
     <a:masterClrMapping/>
   </p:clrMapOvr>
+  <mc:AlternateContent xmlns:mc="http://schemas.openxmlformats.org/markup-compatibility/2006">
+    <mc:Choice xmlns:p14="http://schemas.microsoft.com/office/powerpoint/2010/main" Requires="p14">
+      <p:transition spd="med" p14:dur="700">
+        <p:fade/>
+      </p:transition>
+    </mc:Choice>
+    <mc:Fallback>
+      <p:transition spd="med">
+        <p:fade/>
+      </p:transition>
+    </mc:Fallback>
+  </mc:AlternateContent>
 </p:sld>
 </file>
 
@@ -36789,6 +36992,18 @@
   <p:clrMapOvr>
     <a:masterClrMapping/>
   </p:clrMapOvr>
+  <mc:AlternateContent xmlns:mc="http://schemas.openxmlformats.org/markup-compatibility/2006">
+    <mc:Choice xmlns:p14="http://schemas.microsoft.com/office/powerpoint/2010/main" Requires="p14">
+      <p:transition spd="med" p14:dur="700">
+        <p:fade/>
+      </p:transition>
+    </mc:Choice>
+    <mc:Fallback>
+      <p:transition spd="med">
+        <p:fade/>
+      </p:transition>
+    </mc:Fallback>
+  </mc:AlternateContent>
 </p:sld>
 </file>
 

--- a/slide-decks/dapr-agents-basics.pptx
+++ b/slide-decks/dapr-agents-basics.pptx
@@ -5,21 +5,20 @@
     <p:sldMasterId id="2147483660" r:id="rId1"/>
   </p:sldMasterIdLst>
   <p:notesMasterIdLst>
-    <p:notesMasterId r:id="rId14"/>
+    <p:notesMasterId r:id="rId13"/>
   </p:notesMasterIdLst>
   <p:sldIdLst>
     <p:sldId id="264" r:id="rId2"/>
     <p:sldId id="263" r:id="rId3"/>
-    <p:sldId id="257" r:id="rId4"/>
-    <p:sldId id="258" r:id="rId5"/>
-    <p:sldId id="259" r:id="rId6"/>
-    <p:sldId id="260" r:id="rId7"/>
-    <p:sldId id="262" r:id="rId8"/>
-    <p:sldId id="265" r:id="rId9"/>
-    <p:sldId id="266" r:id="rId10"/>
-    <p:sldId id="267" r:id="rId11"/>
-    <p:sldId id="268" r:id="rId12"/>
-    <p:sldId id="270" r:id="rId13"/>
+    <p:sldId id="258" r:id="rId4"/>
+    <p:sldId id="259" r:id="rId5"/>
+    <p:sldId id="260" r:id="rId6"/>
+    <p:sldId id="262" r:id="rId7"/>
+    <p:sldId id="265" r:id="rId8"/>
+    <p:sldId id="266" r:id="rId9"/>
+    <p:sldId id="267" r:id="rId10"/>
+    <p:sldId id="268" r:id="rId11"/>
+    <p:sldId id="270" r:id="rId12"/>
   </p:sldIdLst>
   <p:sldSz cx="12192000" cy="6858000"/>
   <p:notesSz cx="6858000" cy="9144000"/>
@@ -909,757 +908,6 @@
 </file>
 
 <file path=ppt/diagrams/colors2.xml><?xml version="1.0" encoding="utf-8"?>
-<dgm:colorsDef xmlns:dgm="http://schemas.openxmlformats.org/drawingml/2006/diagram" xmlns:a="http://schemas.openxmlformats.org/drawingml/2006/main" uniqueId="urn:microsoft.com/office/officeart/2005/8/colors/accent0_3">
-  <dgm:title val=""/>
-  <dgm:desc val=""/>
-  <dgm:catLst>
-    <dgm:cat type="mainScheme" pri="10300"/>
-  </dgm:catLst>
-  <dgm:styleLbl name="node0">
-    <dgm:fillClrLst meth="repeat">
-      <a:schemeClr val="dk2"/>
-    </dgm:fillClrLst>
-    <dgm:linClrLst meth="repeat">
-      <a:schemeClr val="lt2"/>
-    </dgm:linClrLst>
-    <dgm:effectClrLst/>
-    <dgm:txLinClrLst/>
-    <dgm:txFillClrLst/>
-    <dgm:txEffectClrLst/>
-  </dgm:styleLbl>
-  <dgm:styleLbl name="alignNode1">
-    <dgm:fillClrLst meth="repeat">
-      <a:schemeClr val="dk2"/>
-    </dgm:fillClrLst>
-    <dgm:linClrLst meth="repeat">
-      <a:schemeClr val="dk2"/>
-    </dgm:linClrLst>
-    <dgm:effectClrLst/>
-    <dgm:txLinClrLst/>
-    <dgm:txFillClrLst/>
-    <dgm:txEffectClrLst/>
-  </dgm:styleLbl>
-  <dgm:styleLbl name="node1">
-    <dgm:fillClrLst meth="repeat">
-      <a:schemeClr val="dk2"/>
-    </dgm:fillClrLst>
-    <dgm:linClrLst meth="repeat">
-      <a:schemeClr val="lt2"/>
-    </dgm:linClrLst>
-    <dgm:effectClrLst/>
-    <dgm:txLinClrLst/>
-    <dgm:txFillClrLst/>
-    <dgm:txEffectClrLst/>
-  </dgm:styleLbl>
-  <dgm:styleLbl name="lnNode1">
-    <dgm:fillClrLst meth="repeat">
-      <a:schemeClr val="dk2"/>
-    </dgm:fillClrLst>
-    <dgm:linClrLst meth="repeat">
-      <a:schemeClr val="lt2"/>
-    </dgm:linClrLst>
-    <dgm:effectClrLst/>
-    <dgm:txLinClrLst/>
-    <dgm:txFillClrLst/>
-    <dgm:txEffectClrLst/>
-  </dgm:styleLbl>
-  <dgm:styleLbl name="vennNode1">
-    <dgm:fillClrLst meth="repeat">
-      <a:schemeClr val="dk2">
-        <a:alpha val="50000"/>
-      </a:schemeClr>
-    </dgm:fillClrLst>
-    <dgm:linClrLst meth="repeat">
-      <a:schemeClr val="lt2"/>
-    </dgm:linClrLst>
-    <dgm:effectClrLst/>
-    <dgm:txLinClrLst/>
-    <dgm:txFillClrLst/>
-    <dgm:txEffectClrLst/>
-  </dgm:styleLbl>
-  <dgm:styleLbl name="node2">
-    <dgm:fillClrLst meth="repeat">
-      <a:schemeClr val="dk2"/>
-    </dgm:fillClrLst>
-    <dgm:linClrLst meth="repeat">
-      <a:schemeClr val="lt2"/>
-    </dgm:linClrLst>
-    <dgm:effectClrLst/>
-    <dgm:txLinClrLst/>
-    <dgm:txFillClrLst/>
-    <dgm:txEffectClrLst/>
-  </dgm:styleLbl>
-  <dgm:styleLbl name="node3">
-    <dgm:fillClrLst meth="repeat">
-      <a:schemeClr val="dk2"/>
-    </dgm:fillClrLst>
-    <dgm:linClrLst meth="repeat">
-      <a:schemeClr val="lt2"/>
-    </dgm:linClrLst>
-    <dgm:effectClrLst/>
-    <dgm:txLinClrLst/>
-    <dgm:txFillClrLst/>
-    <dgm:txEffectClrLst/>
-  </dgm:styleLbl>
-  <dgm:styleLbl name="node4">
-    <dgm:fillClrLst meth="repeat">
-      <a:schemeClr val="dk2"/>
-    </dgm:fillClrLst>
-    <dgm:linClrLst meth="repeat">
-      <a:schemeClr val="lt2"/>
-    </dgm:linClrLst>
-    <dgm:effectClrLst/>
-    <dgm:txLinClrLst/>
-    <dgm:txFillClrLst/>
-    <dgm:txEffectClrLst/>
-  </dgm:styleLbl>
-  <dgm:styleLbl name="fgImgPlace1">
-    <dgm:fillClrLst meth="repeat">
-      <a:schemeClr val="dk2">
-        <a:tint val="50000"/>
-      </a:schemeClr>
-    </dgm:fillClrLst>
-    <dgm:linClrLst meth="repeat">
-      <a:schemeClr val="lt2"/>
-    </dgm:linClrLst>
-    <dgm:effectClrLst/>
-    <dgm:txLinClrLst/>
-    <dgm:txFillClrLst meth="repeat">
-      <a:schemeClr val="lt2"/>
-    </dgm:txFillClrLst>
-    <dgm:txEffectClrLst/>
-  </dgm:styleLbl>
-  <dgm:styleLbl name="alignImgPlace1">
-    <dgm:fillClrLst meth="repeat">
-      <a:schemeClr val="dk2">
-        <a:tint val="50000"/>
-      </a:schemeClr>
-    </dgm:fillClrLst>
-    <dgm:linClrLst meth="repeat">
-      <a:schemeClr val="dk2">
-        <a:shade val="80000"/>
-      </a:schemeClr>
-    </dgm:linClrLst>
-    <dgm:effectClrLst/>
-    <dgm:txLinClrLst/>
-    <dgm:txFillClrLst meth="repeat">
-      <a:schemeClr val="lt2"/>
-    </dgm:txFillClrLst>
-    <dgm:txEffectClrLst/>
-  </dgm:styleLbl>
-  <dgm:styleLbl name="bgImgPlace1">
-    <dgm:fillClrLst meth="repeat">
-      <a:schemeClr val="dk2">
-        <a:tint val="50000"/>
-      </a:schemeClr>
-    </dgm:fillClrLst>
-    <dgm:linClrLst meth="repeat">
-      <a:schemeClr val="dk2">
-        <a:shade val="80000"/>
-      </a:schemeClr>
-    </dgm:linClrLst>
-    <dgm:effectClrLst/>
-    <dgm:txLinClrLst/>
-    <dgm:txFillClrLst meth="repeat">
-      <a:schemeClr val="lt2"/>
-    </dgm:txFillClrLst>
-    <dgm:txEffectClrLst/>
-  </dgm:styleLbl>
-  <dgm:styleLbl name="sibTrans2D1">
-    <dgm:fillClrLst meth="repeat">
-      <a:schemeClr val="dk2">
-        <a:tint val="60000"/>
-      </a:schemeClr>
-    </dgm:fillClrLst>
-    <dgm:linClrLst meth="repeat">
-      <a:schemeClr val="dk2">
-        <a:tint val="60000"/>
-      </a:schemeClr>
-    </dgm:linClrLst>
-    <dgm:effectClrLst/>
-    <dgm:txLinClrLst/>
-    <dgm:txFillClrLst/>
-    <dgm:txEffectClrLst/>
-  </dgm:styleLbl>
-  <dgm:styleLbl name="fgSibTrans2D1">
-    <dgm:fillClrLst meth="repeat">
-      <a:schemeClr val="dk2">
-        <a:tint val="60000"/>
-      </a:schemeClr>
-    </dgm:fillClrLst>
-    <dgm:linClrLst meth="repeat">
-      <a:schemeClr val="dk2">
-        <a:tint val="60000"/>
-      </a:schemeClr>
-    </dgm:linClrLst>
-    <dgm:effectClrLst/>
-    <dgm:txLinClrLst/>
-    <dgm:txFillClrLst/>
-    <dgm:txEffectClrLst/>
-  </dgm:styleLbl>
-  <dgm:styleLbl name="bgSibTrans2D1">
-    <dgm:fillClrLst meth="repeat">
-      <a:schemeClr val="dk2">
-        <a:tint val="60000"/>
-      </a:schemeClr>
-    </dgm:fillClrLst>
-    <dgm:linClrLst meth="repeat">
-      <a:schemeClr val="dk2">
-        <a:tint val="60000"/>
-      </a:schemeClr>
-    </dgm:linClrLst>
-    <dgm:effectClrLst/>
-    <dgm:txLinClrLst/>
-    <dgm:txFillClrLst/>
-    <dgm:txEffectClrLst/>
-  </dgm:styleLbl>
-  <dgm:styleLbl name="sibTrans1D1">
-    <dgm:fillClrLst meth="repeat">
-      <a:schemeClr val="dk2"/>
-    </dgm:fillClrLst>
-    <dgm:linClrLst meth="repeat">
-      <a:schemeClr val="dk2"/>
-    </dgm:linClrLst>
-    <dgm:effectClrLst/>
-    <dgm:txLinClrLst/>
-    <dgm:txFillClrLst meth="repeat">
-      <a:schemeClr val="lt2"/>
-    </dgm:txFillClrLst>
-    <dgm:txEffectClrLst/>
-  </dgm:styleLbl>
-  <dgm:styleLbl name="callout">
-    <dgm:fillClrLst meth="repeat">
-      <a:schemeClr val="dk2"/>
-    </dgm:fillClrLst>
-    <dgm:linClrLst meth="repeat">
-      <a:schemeClr val="dk2">
-        <a:tint val="50000"/>
-      </a:schemeClr>
-    </dgm:linClrLst>
-    <dgm:effectClrLst/>
-    <dgm:txLinClrLst/>
-    <dgm:txFillClrLst meth="repeat">
-      <a:schemeClr val="lt2"/>
-    </dgm:txFillClrLst>
-    <dgm:txEffectClrLst/>
-  </dgm:styleLbl>
-  <dgm:styleLbl name="asst0">
-    <dgm:fillClrLst meth="repeat">
-      <a:schemeClr val="dk2"/>
-    </dgm:fillClrLst>
-    <dgm:linClrLst meth="repeat">
-      <a:schemeClr val="lt2"/>
-    </dgm:linClrLst>
-    <dgm:effectClrLst/>
-    <dgm:txLinClrLst/>
-    <dgm:txFillClrLst/>
-    <dgm:txEffectClrLst/>
-  </dgm:styleLbl>
-  <dgm:styleLbl name="asst1">
-    <dgm:fillClrLst meth="repeat">
-      <a:schemeClr val="dk2"/>
-    </dgm:fillClrLst>
-    <dgm:linClrLst meth="repeat">
-      <a:schemeClr val="lt2"/>
-    </dgm:linClrLst>
-    <dgm:effectClrLst/>
-    <dgm:txLinClrLst/>
-    <dgm:txFillClrLst/>
-    <dgm:txEffectClrLst/>
-  </dgm:styleLbl>
-  <dgm:styleLbl name="asst2">
-    <dgm:fillClrLst meth="repeat">
-      <a:schemeClr val="dk2"/>
-    </dgm:fillClrLst>
-    <dgm:linClrLst meth="repeat">
-      <a:schemeClr val="lt2"/>
-    </dgm:linClrLst>
-    <dgm:effectClrLst/>
-    <dgm:txLinClrLst/>
-    <dgm:txFillClrLst/>
-    <dgm:txEffectClrLst/>
-  </dgm:styleLbl>
-  <dgm:styleLbl name="asst3">
-    <dgm:fillClrLst meth="repeat">
-      <a:schemeClr val="dk2"/>
-    </dgm:fillClrLst>
-    <dgm:linClrLst meth="repeat">
-      <a:schemeClr val="lt2"/>
-    </dgm:linClrLst>
-    <dgm:effectClrLst/>
-    <dgm:txLinClrLst/>
-    <dgm:txFillClrLst/>
-    <dgm:txEffectClrLst/>
-  </dgm:styleLbl>
-  <dgm:styleLbl name="asst4">
-    <dgm:fillClrLst meth="repeat">
-      <a:schemeClr val="dk2"/>
-    </dgm:fillClrLst>
-    <dgm:linClrLst meth="repeat">
-      <a:schemeClr val="lt2"/>
-    </dgm:linClrLst>
-    <dgm:effectClrLst/>
-    <dgm:txLinClrLst/>
-    <dgm:txFillClrLst/>
-    <dgm:txEffectClrLst/>
-  </dgm:styleLbl>
-  <dgm:styleLbl name="parChTrans2D1">
-    <dgm:fillClrLst meth="repeat">
-      <a:schemeClr val="dk2">
-        <a:tint val="60000"/>
-      </a:schemeClr>
-    </dgm:fillClrLst>
-    <dgm:linClrLst meth="repeat">
-      <a:schemeClr val="dk2">
-        <a:tint val="60000"/>
-      </a:schemeClr>
-    </dgm:linClrLst>
-    <dgm:effectClrLst/>
-    <dgm:txLinClrLst/>
-    <dgm:txFillClrLst meth="repeat">
-      <a:schemeClr val="lt2"/>
-    </dgm:txFillClrLst>
-    <dgm:txEffectClrLst/>
-  </dgm:styleLbl>
-  <dgm:styleLbl name="parChTrans2D2">
-    <dgm:fillClrLst meth="repeat">
-      <a:schemeClr val="dk2"/>
-    </dgm:fillClrLst>
-    <dgm:linClrLst meth="repeat">
-      <a:schemeClr val="dk2"/>
-    </dgm:linClrLst>
-    <dgm:effectClrLst/>
-    <dgm:txLinClrLst/>
-    <dgm:txFillClrLst meth="repeat">
-      <a:schemeClr val="lt2"/>
-    </dgm:txFillClrLst>
-    <dgm:txEffectClrLst/>
-  </dgm:styleLbl>
-  <dgm:styleLbl name="parChTrans2D3">
-    <dgm:fillClrLst meth="repeat">
-      <a:schemeClr val="dk2"/>
-    </dgm:fillClrLst>
-    <dgm:linClrLst meth="repeat">
-      <a:schemeClr val="dk2"/>
-    </dgm:linClrLst>
-    <dgm:effectClrLst/>
-    <dgm:txLinClrLst/>
-    <dgm:txFillClrLst meth="repeat">
-      <a:schemeClr val="lt2"/>
-    </dgm:txFillClrLst>
-    <dgm:txEffectClrLst/>
-  </dgm:styleLbl>
-  <dgm:styleLbl name="parChTrans2D4">
-    <dgm:fillClrLst meth="repeat">
-      <a:schemeClr val="dk2"/>
-    </dgm:fillClrLst>
-    <dgm:linClrLst meth="repeat">
-      <a:schemeClr val="dk2"/>
-    </dgm:linClrLst>
-    <dgm:effectClrLst/>
-    <dgm:txLinClrLst/>
-    <dgm:txFillClrLst meth="repeat">
-      <a:schemeClr val="lt2"/>
-    </dgm:txFillClrLst>
-    <dgm:txEffectClrLst/>
-  </dgm:styleLbl>
-  <dgm:styleLbl name="parChTrans1D1">
-    <dgm:fillClrLst meth="repeat">
-      <a:schemeClr val="dk2"/>
-    </dgm:fillClrLst>
-    <dgm:linClrLst meth="repeat">
-      <a:schemeClr val="dk2">
-        <a:shade val="60000"/>
-      </a:schemeClr>
-    </dgm:linClrLst>
-    <dgm:effectClrLst/>
-    <dgm:txLinClrLst/>
-    <dgm:txFillClrLst meth="repeat">
-      <a:schemeClr val="tx1"/>
-    </dgm:txFillClrLst>
-    <dgm:txEffectClrLst/>
-  </dgm:styleLbl>
-  <dgm:styleLbl name="parChTrans1D2">
-    <dgm:fillClrLst meth="repeat">
-      <a:schemeClr val="dk2"/>
-    </dgm:fillClrLst>
-    <dgm:linClrLst meth="repeat">
-      <a:schemeClr val="dk2">
-        <a:shade val="60000"/>
-      </a:schemeClr>
-    </dgm:linClrLst>
-    <dgm:effectClrLst/>
-    <dgm:txLinClrLst/>
-    <dgm:txFillClrLst meth="repeat">
-      <a:schemeClr val="tx1"/>
-    </dgm:txFillClrLst>
-    <dgm:txEffectClrLst/>
-  </dgm:styleLbl>
-  <dgm:styleLbl name="parChTrans1D3">
-    <dgm:fillClrLst meth="repeat">
-      <a:schemeClr val="dk2"/>
-    </dgm:fillClrLst>
-    <dgm:linClrLst meth="repeat">
-      <a:schemeClr val="dk2">
-        <a:shade val="80000"/>
-      </a:schemeClr>
-    </dgm:linClrLst>
-    <dgm:effectClrLst/>
-    <dgm:txLinClrLst/>
-    <dgm:txFillClrLst meth="repeat">
-      <a:schemeClr val="tx1"/>
-    </dgm:txFillClrLst>
-    <dgm:txEffectClrLst/>
-  </dgm:styleLbl>
-  <dgm:styleLbl name="parChTrans1D4">
-    <dgm:fillClrLst meth="repeat">
-      <a:schemeClr val="dk2"/>
-    </dgm:fillClrLst>
-    <dgm:linClrLst meth="repeat">
-      <a:schemeClr val="dk2">
-        <a:shade val="80000"/>
-      </a:schemeClr>
-    </dgm:linClrLst>
-    <dgm:effectClrLst/>
-    <dgm:txLinClrLst/>
-    <dgm:txFillClrLst meth="repeat">
-      <a:schemeClr val="tx1"/>
-    </dgm:txFillClrLst>
-    <dgm:txEffectClrLst/>
-  </dgm:styleLbl>
-  <dgm:styleLbl name="fgAcc1">
-    <dgm:fillClrLst meth="repeat">
-      <a:schemeClr val="lt2">
-        <a:alpha val="90000"/>
-      </a:schemeClr>
-    </dgm:fillClrLst>
-    <dgm:linClrLst meth="repeat">
-      <a:schemeClr val="dk2"/>
-    </dgm:linClrLst>
-    <dgm:effectClrLst/>
-    <dgm:txLinClrLst/>
-    <dgm:txFillClrLst meth="repeat">
-      <a:schemeClr val="dk1"/>
-    </dgm:txFillClrLst>
-    <dgm:txEffectClrLst/>
-  </dgm:styleLbl>
-  <dgm:styleLbl name="conFgAcc1">
-    <dgm:fillClrLst meth="repeat">
-      <a:schemeClr val="lt2">
-        <a:alpha val="90000"/>
-      </a:schemeClr>
-    </dgm:fillClrLst>
-    <dgm:linClrLst meth="repeat">
-      <a:schemeClr val="dk2"/>
-    </dgm:linClrLst>
-    <dgm:effectClrLst/>
-    <dgm:txLinClrLst/>
-    <dgm:txFillClrLst meth="repeat">
-      <a:schemeClr val="dk1"/>
-    </dgm:txFillClrLst>
-    <dgm:txEffectClrLst/>
-  </dgm:styleLbl>
-  <dgm:styleLbl name="alignAcc1">
-    <dgm:fillClrLst meth="repeat">
-      <a:schemeClr val="lt2">
-        <a:alpha val="90000"/>
-      </a:schemeClr>
-    </dgm:fillClrLst>
-    <dgm:linClrLst meth="repeat">
-      <a:schemeClr val="dk2"/>
-    </dgm:linClrLst>
-    <dgm:effectClrLst/>
-    <dgm:txLinClrLst/>
-    <dgm:txFillClrLst meth="repeat">
-      <a:schemeClr val="dk1"/>
-    </dgm:txFillClrLst>
-    <dgm:txEffectClrLst/>
-  </dgm:styleLbl>
-  <dgm:styleLbl name="trAlignAcc1">
-    <dgm:fillClrLst meth="repeat">
-      <a:schemeClr val="lt2">
-        <a:alpha val="40000"/>
-      </a:schemeClr>
-    </dgm:fillClrLst>
-    <dgm:linClrLst meth="repeat">
-      <a:schemeClr val="dk2"/>
-    </dgm:linClrLst>
-    <dgm:effectClrLst/>
-    <dgm:txLinClrLst/>
-    <dgm:txFillClrLst meth="repeat">
-      <a:schemeClr val="dk1"/>
-    </dgm:txFillClrLst>
-    <dgm:txEffectClrLst/>
-  </dgm:styleLbl>
-  <dgm:styleLbl name="bgAcc1">
-    <dgm:fillClrLst meth="repeat">
-      <a:schemeClr val="lt2">
-        <a:alpha val="90000"/>
-      </a:schemeClr>
-    </dgm:fillClrLst>
-    <dgm:linClrLst meth="repeat">
-      <a:schemeClr val="dk2"/>
-    </dgm:linClrLst>
-    <dgm:effectClrLst/>
-    <dgm:txLinClrLst/>
-    <dgm:txFillClrLst meth="repeat">
-      <a:schemeClr val="dk1"/>
-    </dgm:txFillClrLst>
-    <dgm:txEffectClrLst/>
-  </dgm:styleLbl>
-  <dgm:styleLbl name="solidFgAcc1">
-    <dgm:fillClrLst meth="repeat">
-      <a:schemeClr val="lt2"/>
-    </dgm:fillClrLst>
-    <dgm:linClrLst meth="repeat">
-      <a:schemeClr val="dk2"/>
-    </dgm:linClrLst>
-    <dgm:effectClrLst/>
-    <dgm:txLinClrLst/>
-    <dgm:txFillClrLst meth="repeat">
-      <a:schemeClr val="dk1"/>
-    </dgm:txFillClrLst>
-    <dgm:txEffectClrLst/>
-  </dgm:styleLbl>
-  <dgm:styleLbl name="solidAlignAcc1">
-    <dgm:fillClrLst meth="repeat">
-      <a:schemeClr val="lt2"/>
-    </dgm:fillClrLst>
-    <dgm:linClrLst meth="repeat">
-      <a:schemeClr val="dk2"/>
-    </dgm:linClrLst>
-    <dgm:effectClrLst/>
-    <dgm:txLinClrLst/>
-    <dgm:txFillClrLst meth="repeat">
-      <a:schemeClr val="dk1"/>
-    </dgm:txFillClrLst>
-    <dgm:txEffectClrLst/>
-  </dgm:styleLbl>
-  <dgm:styleLbl name="solidBgAcc1">
-    <dgm:fillClrLst meth="repeat">
-      <a:schemeClr val="lt2"/>
-    </dgm:fillClrLst>
-    <dgm:linClrLst meth="repeat">
-      <a:schemeClr val="dk2"/>
-    </dgm:linClrLst>
-    <dgm:effectClrLst/>
-    <dgm:txLinClrLst/>
-    <dgm:txFillClrLst meth="repeat">
-      <a:schemeClr val="dk1"/>
-    </dgm:txFillClrLst>
-    <dgm:txEffectClrLst/>
-  </dgm:styleLbl>
-  <dgm:styleLbl name="fgAccFollowNode1">
-    <dgm:fillClrLst meth="repeat">
-      <a:schemeClr val="dk2">
-        <a:alpha val="90000"/>
-        <a:tint val="40000"/>
-      </a:schemeClr>
-    </dgm:fillClrLst>
-    <dgm:linClrLst meth="repeat">
-      <a:schemeClr val="dk2">
-        <a:alpha val="90000"/>
-        <a:tint val="40000"/>
-      </a:schemeClr>
-    </dgm:linClrLst>
-    <dgm:effectClrLst/>
-    <dgm:txLinClrLst/>
-    <dgm:txFillClrLst meth="repeat">
-      <a:schemeClr val="dk1"/>
-    </dgm:txFillClrLst>
-    <dgm:txEffectClrLst/>
-  </dgm:styleLbl>
-  <dgm:styleLbl name="alignAccFollowNode1">
-    <dgm:fillClrLst meth="repeat">
-      <a:schemeClr val="dk2">
-        <a:alpha val="90000"/>
-        <a:tint val="40000"/>
-      </a:schemeClr>
-    </dgm:fillClrLst>
-    <dgm:linClrLst meth="repeat">
-      <a:schemeClr val="dk2">
-        <a:alpha val="90000"/>
-        <a:tint val="40000"/>
-      </a:schemeClr>
-    </dgm:linClrLst>
-    <dgm:effectClrLst/>
-    <dgm:txLinClrLst/>
-    <dgm:txFillClrLst meth="repeat">
-      <a:schemeClr val="dk1"/>
-    </dgm:txFillClrLst>
-    <dgm:txEffectClrLst/>
-  </dgm:styleLbl>
-  <dgm:styleLbl name="bgAccFollowNode1">
-    <dgm:fillClrLst meth="repeat">
-      <a:schemeClr val="dk2">
-        <a:alpha val="90000"/>
-        <a:tint val="40000"/>
-      </a:schemeClr>
-    </dgm:fillClrLst>
-    <dgm:linClrLst meth="repeat">
-      <a:schemeClr val="dk2">
-        <a:alpha val="90000"/>
-        <a:tint val="40000"/>
-      </a:schemeClr>
-    </dgm:linClrLst>
-    <dgm:effectClrLst/>
-    <dgm:txLinClrLst/>
-    <dgm:txFillClrLst meth="repeat">
-      <a:schemeClr val="dk1"/>
-    </dgm:txFillClrLst>
-    <dgm:txEffectClrLst/>
-  </dgm:styleLbl>
-  <dgm:styleLbl name="fgAcc0">
-    <dgm:fillClrLst meth="repeat">
-      <a:schemeClr val="lt2">
-        <a:alpha val="90000"/>
-      </a:schemeClr>
-    </dgm:fillClrLst>
-    <dgm:linClrLst meth="repeat">
-      <a:schemeClr val="dk2"/>
-    </dgm:linClrLst>
-    <dgm:effectClrLst/>
-    <dgm:txLinClrLst/>
-    <dgm:txFillClrLst meth="repeat">
-      <a:schemeClr val="dk1"/>
-    </dgm:txFillClrLst>
-    <dgm:txEffectClrLst/>
-  </dgm:styleLbl>
-  <dgm:styleLbl name="fgAcc2">
-    <dgm:fillClrLst meth="repeat">
-      <a:schemeClr val="lt2">
-        <a:alpha val="90000"/>
-      </a:schemeClr>
-    </dgm:fillClrLst>
-    <dgm:linClrLst meth="repeat">
-      <a:schemeClr val="dk2"/>
-    </dgm:linClrLst>
-    <dgm:effectClrLst/>
-    <dgm:txLinClrLst/>
-    <dgm:txFillClrLst meth="repeat">
-      <a:schemeClr val="dk1"/>
-    </dgm:txFillClrLst>
-    <dgm:txEffectClrLst/>
-  </dgm:styleLbl>
-  <dgm:styleLbl name="fgAcc3">
-    <dgm:fillClrLst meth="repeat">
-      <a:schemeClr val="lt2">
-        <a:alpha val="90000"/>
-      </a:schemeClr>
-    </dgm:fillClrLst>
-    <dgm:linClrLst meth="repeat">
-      <a:schemeClr val="dk2"/>
-    </dgm:linClrLst>
-    <dgm:effectClrLst/>
-    <dgm:txLinClrLst/>
-    <dgm:txFillClrLst meth="repeat">
-      <a:schemeClr val="dk1"/>
-    </dgm:txFillClrLst>
-    <dgm:txEffectClrLst/>
-  </dgm:styleLbl>
-  <dgm:styleLbl name="fgAcc4">
-    <dgm:fillClrLst meth="repeat">
-      <a:schemeClr val="lt2">
-        <a:alpha val="90000"/>
-      </a:schemeClr>
-    </dgm:fillClrLst>
-    <dgm:linClrLst meth="repeat">
-      <a:schemeClr val="dk2"/>
-    </dgm:linClrLst>
-    <dgm:effectClrLst/>
-    <dgm:txLinClrLst/>
-    <dgm:txFillClrLst meth="repeat">
-      <a:schemeClr val="dk1"/>
-    </dgm:txFillClrLst>
-    <dgm:txEffectClrLst/>
-  </dgm:styleLbl>
-  <dgm:styleLbl name="bgShp">
-    <dgm:fillClrLst meth="repeat">
-      <a:schemeClr val="dk2">
-        <a:tint val="40000"/>
-      </a:schemeClr>
-    </dgm:fillClrLst>
-    <dgm:linClrLst meth="repeat">
-      <a:schemeClr val="dk2"/>
-    </dgm:linClrLst>
-    <dgm:effectClrLst/>
-    <dgm:txLinClrLst/>
-    <dgm:txFillClrLst meth="repeat">
-      <a:schemeClr val="dk1"/>
-    </dgm:txFillClrLst>
-    <dgm:txEffectClrLst/>
-  </dgm:styleLbl>
-  <dgm:styleLbl name="dkBgShp">
-    <dgm:fillClrLst meth="repeat">
-      <a:schemeClr val="dk2">
-        <a:shade val="80000"/>
-      </a:schemeClr>
-    </dgm:fillClrLst>
-    <dgm:linClrLst meth="repeat">
-      <a:schemeClr val="dk2"/>
-    </dgm:linClrLst>
-    <dgm:effectClrLst/>
-    <dgm:txLinClrLst/>
-    <dgm:txFillClrLst meth="repeat">
-      <a:schemeClr val="lt1"/>
-    </dgm:txFillClrLst>
-    <dgm:txEffectClrLst/>
-  </dgm:styleLbl>
-  <dgm:styleLbl name="trBgShp">
-    <dgm:fillClrLst meth="repeat">
-      <a:schemeClr val="dk2">
-        <a:tint val="50000"/>
-        <a:alpha val="40000"/>
-      </a:schemeClr>
-    </dgm:fillClrLst>
-    <dgm:linClrLst meth="repeat">
-      <a:schemeClr val="dk2"/>
-    </dgm:linClrLst>
-    <dgm:effectClrLst/>
-    <dgm:txLinClrLst/>
-    <dgm:txFillClrLst meth="repeat">
-      <a:schemeClr val="lt1"/>
-    </dgm:txFillClrLst>
-    <dgm:txEffectClrLst/>
-  </dgm:styleLbl>
-  <dgm:styleLbl name="fgShp">
-    <dgm:fillClrLst meth="repeat">
-      <a:schemeClr val="dk2">
-        <a:tint val="60000"/>
-      </a:schemeClr>
-    </dgm:fillClrLst>
-    <dgm:linClrLst meth="repeat">
-      <a:schemeClr val="lt2"/>
-    </dgm:linClrLst>
-    <dgm:effectClrLst/>
-    <dgm:txLinClrLst/>
-    <dgm:txFillClrLst meth="repeat">
-      <a:schemeClr val="dk1"/>
-    </dgm:txFillClrLst>
-    <dgm:txEffectClrLst/>
-  </dgm:styleLbl>
-  <dgm:styleLbl name="revTx">
-    <dgm:fillClrLst meth="repeat">
-      <a:schemeClr val="lt2">
-        <a:alpha val="0"/>
-      </a:schemeClr>
-    </dgm:fillClrLst>
-    <dgm:linClrLst meth="repeat">
-      <a:schemeClr val="dk1">
-        <a:alpha val="0"/>
-      </a:schemeClr>
-    </dgm:linClrLst>
-    <dgm:effectClrLst/>
-    <dgm:txLinClrLst/>
-    <dgm:txFillClrLst meth="repeat">
-      <a:schemeClr val="tx1"/>
-    </dgm:txFillClrLst>
-    <dgm:txEffectClrLst/>
-  </dgm:styleLbl>
-</dgm:colorsDef>
-</file>
-
-<file path=ppt/diagrams/colors3.xml><?xml version="1.0" encoding="utf-8"?>
 <dgm:colorsDef xmlns:dgm="http://schemas.openxmlformats.org/drawingml/2006/diagram" xmlns:a="http://schemas.openxmlformats.org/drawingml/2006/main" uniqueId="urn:microsoft.com/office/officeart/2005/8/colors/accent5_2">
   <dgm:title val=""/>
   <dgm:desc val=""/>
@@ -3240,250 +2488,6 @@
 </file>
 
 <file path=ppt/diagrams/data2.xml><?xml version="1.0" encoding="utf-8"?>
-<dgm:dataModel xmlns:dgm="http://schemas.openxmlformats.org/drawingml/2006/diagram" xmlns:a="http://schemas.openxmlformats.org/drawingml/2006/main">
-  <dgm:ptLst>
-    <dgm:pt modelId="{5DA36E2D-2075-4181-A6D2-A4CCED3D5EBA}" type="doc">
-      <dgm:prSet loTypeId="urn:microsoft.com/office/officeart/2005/8/layout/vList2" loCatId="list" qsTypeId="urn:microsoft.com/office/officeart/2005/8/quickstyle/simple1" qsCatId="simple" csTypeId="urn:microsoft.com/office/officeart/2005/8/colors/accent0_3" csCatId="mainScheme" phldr="1"/>
-      <dgm:spPr/>
-      <dgm:t>
-        <a:bodyPr/>
-        <a:lstStyle/>
-        <a:p>
-          <a:endParaRPr lang="en-AU"/>
-        </a:p>
-      </dgm:t>
-    </dgm:pt>
-    <dgm:pt modelId="{4D3B0925-41CC-4C1C-9386-BE7D1EB8D36B}">
-      <dgm:prSet/>
-      <dgm:spPr/>
-      <dgm:t>
-        <a:bodyPr/>
-        <a:lstStyle/>
-        <a:p>
-          <a:r>
-            <a:rPr lang="en-AU"/>
-            <a:t>What are Dapr Agents?</a:t>
-          </a:r>
-        </a:p>
-      </dgm:t>
-    </dgm:pt>
-    <dgm:pt modelId="{CEBFF0C6-A401-4B74-9DA3-74A34B71255D}" type="parTrans" cxnId="{1CAED149-CAC2-4DAD-9000-CCC7CD495AAB}">
-      <dgm:prSet/>
-      <dgm:spPr/>
-      <dgm:t>
-        <a:bodyPr/>
-        <a:lstStyle/>
-        <a:p>
-          <a:endParaRPr lang="en-AU"/>
-        </a:p>
-      </dgm:t>
-    </dgm:pt>
-    <dgm:pt modelId="{1D4121A9-9CC6-4B11-AF2E-CA6BF9019C20}" type="sibTrans" cxnId="{1CAED149-CAC2-4DAD-9000-CCC7CD495AAB}">
-      <dgm:prSet/>
-      <dgm:spPr/>
-      <dgm:t>
-        <a:bodyPr/>
-        <a:lstStyle/>
-        <a:p>
-          <a:endParaRPr lang="en-AU"/>
-        </a:p>
-      </dgm:t>
-    </dgm:pt>
-    <dgm:pt modelId="{74767E13-CA1A-41C4-AB7F-7FB207199B94}">
-      <dgm:prSet/>
-      <dgm:spPr/>
-      <dgm:t>
-        <a:bodyPr/>
-        <a:lstStyle/>
-        <a:p>
-          <a:r>
-            <a:rPr lang="en-AU"/>
-            <a:t>Benefits of Dapr Agents</a:t>
-          </a:r>
-        </a:p>
-      </dgm:t>
-    </dgm:pt>
-    <dgm:pt modelId="{DAAD1346-CF76-422F-97C7-29C9033564E2}" type="parTrans" cxnId="{679519A9-81E4-43A3-B0BE-0C2DE6E7656E}">
-      <dgm:prSet/>
-      <dgm:spPr/>
-      <dgm:t>
-        <a:bodyPr/>
-        <a:lstStyle/>
-        <a:p>
-          <a:endParaRPr lang="en-AU"/>
-        </a:p>
-      </dgm:t>
-    </dgm:pt>
-    <dgm:pt modelId="{2EC12489-FF47-4A8E-A5C1-6CF3DE3E1313}" type="sibTrans" cxnId="{679519A9-81E4-43A3-B0BE-0C2DE6E7656E}">
-      <dgm:prSet/>
-      <dgm:spPr/>
-      <dgm:t>
-        <a:bodyPr/>
-        <a:lstStyle/>
-        <a:p>
-          <a:endParaRPr lang="en-AU"/>
-        </a:p>
-      </dgm:t>
-    </dgm:pt>
-    <dgm:pt modelId="{6D47EC7D-B30D-405B-8A97-F4C764BE8504}">
-      <dgm:prSet/>
-      <dgm:spPr/>
-      <dgm:t>
-        <a:bodyPr/>
-        <a:lstStyle/>
-        <a:p>
-          <a:r>
-            <a:rPr lang="en-AU" dirty="0"/>
-            <a:t>Core Principles</a:t>
-          </a:r>
-        </a:p>
-      </dgm:t>
-    </dgm:pt>
-    <dgm:pt modelId="{C34FD72A-78A4-41A7-B6F5-88855398E8D4}" type="parTrans" cxnId="{1416F7A2-BCFA-4DF4-A122-2E351CDD7E08}">
-      <dgm:prSet/>
-      <dgm:spPr/>
-      <dgm:t>
-        <a:bodyPr/>
-        <a:lstStyle/>
-        <a:p>
-          <a:endParaRPr lang="en-AU"/>
-        </a:p>
-      </dgm:t>
-    </dgm:pt>
-    <dgm:pt modelId="{EA95EE62-518D-4F0F-9A8A-7D441F5E4D43}" type="sibTrans" cxnId="{1416F7A2-BCFA-4DF4-A122-2E351CDD7E08}">
-      <dgm:prSet/>
-      <dgm:spPr/>
-      <dgm:t>
-        <a:bodyPr/>
-        <a:lstStyle/>
-        <a:p>
-          <a:endParaRPr lang="en-AU"/>
-        </a:p>
-      </dgm:t>
-    </dgm:pt>
-    <dgm:pt modelId="{4BE00167-6E8E-47FE-8C7E-B9B5FDF7C318}">
-      <dgm:prSet/>
-      <dgm:spPr/>
-      <dgm:t>
-        <a:bodyPr/>
-        <a:lstStyle/>
-        <a:p>
-          <a:r>
-            <a:rPr lang="en-AU"/>
-            <a:t>Building our first Dapr Agents</a:t>
-          </a:r>
-        </a:p>
-      </dgm:t>
-    </dgm:pt>
-    <dgm:pt modelId="{6A49B5EB-BF49-41A9-BFE7-E279EE219BA9}" type="parTrans" cxnId="{2E3C87A9-ECFB-4ECC-AA14-8E9780278473}">
-      <dgm:prSet/>
-      <dgm:spPr/>
-      <dgm:t>
-        <a:bodyPr/>
-        <a:lstStyle/>
-        <a:p>
-          <a:endParaRPr lang="en-AU"/>
-        </a:p>
-      </dgm:t>
-    </dgm:pt>
-    <dgm:pt modelId="{0BA685F6-D4A6-4B5A-9829-FABFD983053E}" type="sibTrans" cxnId="{2E3C87A9-ECFB-4ECC-AA14-8E9780278473}">
-      <dgm:prSet/>
-      <dgm:spPr/>
-      <dgm:t>
-        <a:bodyPr/>
-        <a:lstStyle/>
-        <a:p>
-          <a:endParaRPr lang="en-AU"/>
-        </a:p>
-      </dgm:t>
-    </dgm:pt>
-    <dgm:pt modelId="{75FD5BAE-9116-4CB8-A287-49504965E41D}" type="pres">
-      <dgm:prSet presAssocID="{5DA36E2D-2075-4181-A6D2-A4CCED3D5EBA}" presName="linear" presStyleCnt="0">
-        <dgm:presLayoutVars>
-          <dgm:animLvl val="lvl"/>
-          <dgm:resizeHandles val="exact"/>
-        </dgm:presLayoutVars>
-      </dgm:prSet>
-      <dgm:spPr/>
-    </dgm:pt>
-    <dgm:pt modelId="{C0A7401D-22E0-42DF-816C-4BE7117E5449}" type="pres">
-      <dgm:prSet presAssocID="{4D3B0925-41CC-4C1C-9386-BE7D1EB8D36B}" presName="parentText" presStyleLbl="node1" presStyleIdx="0" presStyleCnt="4">
-        <dgm:presLayoutVars>
-          <dgm:chMax val="0"/>
-          <dgm:bulletEnabled val="1"/>
-        </dgm:presLayoutVars>
-      </dgm:prSet>
-      <dgm:spPr/>
-    </dgm:pt>
-    <dgm:pt modelId="{876C79A9-267B-41A3-A746-886BB7E2C019}" type="pres">
-      <dgm:prSet presAssocID="{1D4121A9-9CC6-4B11-AF2E-CA6BF9019C20}" presName="spacer" presStyleCnt="0"/>
-      <dgm:spPr/>
-    </dgm:pt>
-    <dgm:pt modelId="{97EE1D29-03C3-42A2-A54E-EE3C46DE6F3A}" type="pres">
-      <dgm:prSet presAssocID="{74767E13-CA1A-41C4-AB7F-7FB207199B94}" presName="parentText" presStyleLbl="node1" presStyleIdx="1" presStyleCnt="4">
-        <dgm:presLayoutVars>
-          <dgm:chMax val="0"/>
-          <dgm:bulletEnabled val="1"/>
-        </dgm:presLayoutVars>
-      </dgm:prSet>
-      <dgm:spPr/>
-    </dgm:pt>
-    <dgm:pt modelId="{55AFAC50-97B0-4A80-B574-3FF563BC238F}" type="pres">
-      <dgm:prSet presAssocID="{2EC12489-FF47-4A8E-A5C1-6CF3DE3E1313}" presName="spacer" presStyleCnt="0"/>
-      <dgm:spPr/>
-    </dgm:pt>
-    <dgm:pt modelId="{D9B4960B-338E-4709-A99B-A6E23DDA95F4}" type="pres">
-      <dgm:prSet presAssocID="{6D47EC7D-B30D-405B-8A97-F4C764BE8504}" presName="parentText" presStyleLbl="node1" presStyleIdx="2" presStyleCnt="4">
-        <dgm:presLayoutVars>
-          <dgm:chMax val="0"/>
-          <dgm:bulletEnabled val="1"/>
-        </dgm:presLayoutVars>
-      </dgm:prSet>
-      <dgm:spPr/>
-    </dgm:pt>
-    <dgm:pt modelId="{BC5441FB-E61D-46F4-81CF-5A3656D377DE}" type="pres">
-      <dgm:prSet presAssocID="{EA95EE62-518D-4F0F-9A8A-7D441F5E4D43}" presName="spacer" presStyleCnt="0"/>
-      <dgm:spPr/>
-    </dgm:pt>
-    <dgm:pt modelId="{59CADF81-FFE6-45C0-944E-C5D8D9EBF59D}" type="pres">
-      <dgm:prSet presAssocID="{4BE00167-6E8E-47FE-8C7E-B9B5FDF7C318}" presName="parentText" presStyleLbl="node1" presStyleIdx="3" presStyleCnt="4">
-        <dgm:presLayoutVars>
-          <dgm:chMax val="0"/>
-          <dgm:bulletEnabled val="1"/>
-        </dgm:presLayoutVars>
-      </dgm:prSet>
-      <dgm:spPr/>
-    </dgm:pt>
-  </dgm:ptLst>
-  <dgm:cxnLst>
-    <dgm:cxn modelId="{3B391D02-7754-4DCB-A656-4329DB49CBAC}" type="presOf" srcId="{74767E13-CA1A-41C4-AB7F-7FB207199B94}" destId="{97EE1D29-03C3-42A2-A54E-EE3C46DE6F3A}" srcOrd="0" destOrd="0" presId="urn:microsoft.com/office/officeart/2005/8/layout/vList2"/>
-    <dgm:cxn modelId="{1CAED149-CAC2-4DAD-9000-CCC7CD495AAB}" srcId="{5DA36E2D-2075-4181-A6D2-A4CCED3D5EBA}" destId="{4D3B0925-41CC-4C1C-9386-BE7D1EB8D36B}" srcOrd="0" destOrd="0" parTransId="{CEBFF0C6-A401-4B74-9DA3-74A34B71255D}" sibTransId="{1D4121A9-9CC6-4B11-AF2E-CA6BF9019C20}"/>
-    <dgm:cxn modelId="{DB0D039A-C77B-42AB-B4A4-EE1CCF647F6B}" type="presOf" srcId="{4BE00167-6E8E-47FE-8C7E-B9B5FDF7C318}" destId="{59CADF81-FFE6-45C0-944E-C5D8D9EBF59D}" srcOrd="0" destOrd="0" presId="urn:microsoft.com/office/officeart/2005/8/layout/vList2"/>
-    <dgm:cxn modelId="{1416F7A2-BCFA-4DF4-A122-2E351CDD7E08}" srcId="{5DA36E2D-2075-4181-A6D2-A4CCED3D5EBA}" destId="{6D47EC7D-B30D-405B-8A97-F4C764BE8504}" srcOrd="2" destOrd="0" parTransId="{C34FD72A-78A4-41A7-B6F5-88855398E8D4}" sibTransId="{EA95EE62-518D-4F0F-9A8A-7D441F5E4D43}"/>
-    <dgm:cxn modelId="{679519A9-81E4-43A3-B0BE-0C2DE6E7656E}" srcId="{5DA36E2D-2075-4181-A6D2-A4CCED3D5EBA}" destId="{74767E13-CA1A-41C4-AB7F-7FB207199B94}" srcOrd="1" destOrd="0" parTransId="{DAAD1346-CF76-422F-97C7-29C9033564E2}" sibTransId="{2EC12489-FF47-4A8E-A5C1-6CF3DE3E1313}"/>
-    <dgm:cxn modelId="{2E3C87A9-ECFB-4ECC-AA14-8E9780278473}" srcId="{5DA36E2D-2075-4181-A6D2-A4CCED3D5EBA}" destId="{4BE00167-6E8E-47FE-8C7E-B9B5FDF7C318}" srcOrd="3" destOrd="0" parTransId="{6A49B5EB-BF49-41A9-BFE7-E279EE219BA9}" sibTransId="{0BA685F6-D4A6-4B5A-9829-FABFD983053E}"/>
-    <dgm:cxn modelId="{C9FA29CD-DEB4-48D9-A3C7-EDACD689E363}" type="presOf" srcId="{4D3B0925-41CC-4C1C-9386-BE7D1EB8D36B}" destId="{C0A7401D-22E0-42DF-816C-4BE7117E5449}" srcOrd="0" destOrd="0" presId="urn:microsoft.com/office/officeart/2005/8/layout/vList2"/>
-    <dgm:cxn modelId="{F67C28D3-4BB7-49F7-8AE3-9A50E65D4613}" type="presOf" srcId="{5DA36E2D-2075-4181-A6D2-A4CCED3D5EBA}" destId="{75FD5BAE-9116-4CB8-A287-49504965E41D}" srcOrd="0" destOrd="0" presId="urn:microsoft.com/office/officeart/2005/8/layout/vList2"/>
-    <dgm:cxn modelId="{DA5A38FF-53AB-4BA7-AA9A-BB64AE6C5401}" type="presOf" srcId="{6D47EC7D-B30D-405B-8A97-F4C764BE8504}" destId="{D9B4960B-338E-4709-A99B-A6E23DDA95F4}" srcOrd="0" destOrd="0" presId="urn:microsoft.com/office/officeart/2005/8/layout/vList2"/>
-    <dgm:cxn modelId="{D696EF90-0EFD-4BFE-91EC-53CCCAC68615}" type="presParOf" srcId="{75FD5BAE-9116-4CB8-A287-49504965E41D}" destId="{C0A7401D-22E0-42DF-816C-4BE7117E5449}" srcOrd="0" destOrd="0" presId="urn:microsoft.com/office/officeart/2005/8/layout/vList2"/>
-    <dgm:cxn modelId="{A648D6A8-4BCD-476F-8D4D-243E99ABB7F8}" type="presParOf" srcId="{75FD5BAE-9116-4CB8-A287-49504965E41D}" destId="{876C79A9-267B-41A3-A746-886BB7E2C019}" srcOrd="1" destOrd="0" presId="urn:microsoft.com/office/officeart/2005/8/layout/vList2"/>
-    <dgm:cxn modelId="{81E301AA-0993-47F1-A29D-5AEB1D24F882}" type="presParOf" srcId="{75FD5BAE-9116-4CB8-A287-49504965E41D}" destId="{97EE1D29-03C3-42A2-A54E-EE3C46DE6F3A}" srcOrd="2" destOrd="0" presId="urn:microsoft.com/office/officeart/2005/8/layout/vList2"/>
-    <dgm:cxn modelId="{EE58BCBB-F3E1-410E-8B0C-471C270BF033}" type="presParOf" srcId="{75FD5BAE-9116-4CB8-A287-49504965E41D}" destId="{55AFAC50-97B0-4A80-B574-3FF563BC238F}" srcOrd="3" destOrd="0" presId="urn:microsoft.com/office/officeart/2005/8/layout/vList2"/>
-    <dgm:cxn modelId="{95F70DB3-60A9-46BC-8F7E-9CFE3968DD70}" type="presParOf" srcId="{75FD5BAE-9116-4CB8-A287-49504965E41D}" destId="{D9B4960B-338E-4709-A99B-A6E23DDA95F4}" srcOrd="4" destOrd="0" presId="urn:microsoft.com/office/officeart/2005/8/layout/vList2"/>
-    <dgm:cxn modelId="{22A02C77-872E-4F34-9320-50191E327156}" type="presParOf" srcId="{75FD5BAE-9116-4CB8-A287-49504965E41D}" destId="{BC5441FB-E61D-46F4-81CF-5A3656D377DE}" srcOrd="5" destOrd="0" presId="urn:microsoft.com/office/officeart/2005/8/layout/vList2"/>
-    <dgm:cxn modelId="{56D82CF1-9B60-47D4-8A2D-1CB5506B6F67}" type="presParOf" srcId="{75FD5BAE-9116-4CB8-A287-49504965E41D}" destId="{59CADF81-FFE6-45C0-944E-C5D8D9EBF59D}" srcOrd="6" destOrd="0" presId="urn:microsoft.com/office/officeart/2005/8/layout/vList2"/>
-  </dgm:cxnLst>
-  <dgm:bg/>
-  <dgm:whole/>
-  <dgm:extLst>
-    <a:ext uri="http://schemas.microsoft.com/office/drawing/2008/diagram">
-      <dsp:dataModelExt xmlns:dsp="http://schemas.microsoft.com/office/drawing/2008/diagram" relId="rId7" minVer="http://schemas.openxmlformats.org/drawingml/2006/diagram"/>
-    </a:ext>
-  </dgm:extLst>
-</dgm:dataModel>
-</file>
-
-<file path=ppt/diagrams/data3.xml><?xml version="1.0" encoding="utf-8"?>
 <dgm:dataModel xmlns:dgm="http://schemas.openxmlformats.org/drawingml/2006/diagram" xmlns:a="http://schemas.openxmlformats.org/drawingml/2006/main">
   <dgm:ptLst>
     <dgm:pt modelId="{1F600C53-3799-418D-9ECA-2758FBD39BFF}" type="doc">
@@ -5563,330 +4567,6 @@
       <dsp:cNvGrpSpPr/>
     </dsp:nvGrpSpPr>
     <dsp:grpSpPr/>
-    <dsp:sp modelId="{C0A7401D-22E0-42DF-816C-4BE7117E5449}">
-      <dsp:nvSpPr>
-        <dsp:cNvPr id="0" name=""/>
-        <dsp:cNvSpPr/>
-      </dsp:nvSpPr>
-      <dsp:spPr>
-        <a:xfrm>
-          <a:off x="0" y="382639"/>
-          <a:ext cx="7064837" cy="911430"/>
-        </a:xfrm>
-        <a:prstGeom prst="roundRect">
-          <a:avLst/>
-        </a:prstGeom>
-        <a:solidFill>
-          <a:schemeClr val="dk2">
-            <a:hueOff val="0"/>
-            <a:satOff val="0"/>
-            <a:lumOff val="0"/>
-            <a:alphaOff val="0"/>
-          </a:schemeClr>
-        </a:solidFill>
-        <a:ln w="12700" cap="flat" cmpd="sng" algn="ctr">
-          <a:solidFill>
-            <a:schemeClr val="lt2">
-              <a:hueOff val="0"/>
-              <a:satOff val="0"/>
-              <a:lumOff val="0"/>
-              <a:alphaOff val="0"/>
-            </a:schemeClr>
-          </a:solidFill>
-          <a:prstDash val="solid"/>
-          <a:miter lim="800000"/>
-        </a:ln>
-        <a:effectLst/>
-      </dsp:spPr>
-      <dsp:style>
-        <a:lnRef idx="2">
-          <a:scrgbClr r="0" g="0" b="0"/>
-        </a:lnRef>
-        <a:fillRef idx="1">
-          <a:scrgbClr r="0" g="0" b="0"/>
-        </a:fillRef>
-        <a:effectRef idx="0">
-          <a:scrgbClr r="0" g="0" b="0"/>
-        </a:effectRef>
-        <a:fontRef idx="minor">
-          <a:schemeClr val="lt1"/>
-        </a:fontRef>
-      </dsp:style>
-      <dsp:txBody>
-        <a:bodyPr spcFirstLastPara="0" vert="horz" wrap="square" lIns="144780" tIns="144780" rIns="144780" bIns="144780" numCol="1" spcCol="1270" anchor="ctr" anchorCtr="0">
-          <a:noAutofit/>
-        </a:bodyPr>
-        <a:lstStyle/>
-        <a:p>
-          <a:pPr marL="0" lvl="0" indent="0" algn="l" defTabSz="1689100">
-            <a:lnSpc>
-              <a:spcPct val="90000"/>
-            </a:lnSpc>
-            <a:spcBef>
-              <a:spcPct val="0"/>
-            </a:spcBef>
-            <a:spcAft>
-              <a:spcPct val="35000"/>
-            </a:spcAft>
-            <a:buNone/>
-          </a:pPr>
-          <a:r>
-            <a:rPr lang="en-AU" sz="3800" kern="1200"/>
-            <a:t>What are Dapr Agents?</a:t>
-          </a:r>
-        </a:p>
-      </dsp:txBody>
-      <dsp:txXfrm>
-        <a:off x="44492" y="427131"/>
-        <a:ext cx="6975853" cy="822446"/>
-      </dsp:txXfrm>
-    </dsp:sp>
-    <dsp:sp modelId="{97EE1D29-03C3-42A2-A54E-EE3C46DE6F3A}">
-      <dsp:nvSpPr>
-        <dsp:cNvPr id="0" name=""/>
-        <dsp:cNvSpPr/>
-      </dsp:nvSpPr>
-      <dsp:spPr>
-        <a:xfrm>
-          <a:off x="0" y="1403509"/>
-          <a:ext cx="7064837" cy="911430"/>
-        </a:xfrm>
-        <a:prstGeom prst="roundRect">
-          <a:avLst/>
-        </a:prstGeom>
-        <a:solidFill>
-          <a:schemeClr val="dk2">
-            <a:hueOff val="0"/>
-            <a:satOff val="0"/>
-            <a:lumOff val="0"/>
-            <a:alphaOff val="0"/>
-          </a:schemeClr>
-        </a:solidFill>
-        <a:ln w="12700" cap="flat" cmpd="sng" algn="ctr">
-          <a:solidFill>
-            <a:schemeClr val="lt2">
-              <a:hueOff val="0"/>
-              <a:satOff val="0"/>
-              <a:lumOff val="0"/>
-              <a:alphaOff val="0"/>
-            </a:schemeClr>
-          </a:solidFill>
-          <a:prstDash val="solid"/>
-          <a:miter lim="800000"/>
-        </a:ln>
-        <a:effectLst/>
-      </dsp:spPr>
-      <dsp:style>
-        <a:lnRef idx="2">
-          <a:scrgbClr r="0" g="0" b="0"/>
-        </a:lnRef>
-        <a:fillRef idx="1">
-          <a:scrgbClr r="0" g="0" b="0"/>
-        </a:fillRef>
-        <a:effectRef idx="0">
-          <a:scrgbClr r="0" g="0" b="0"/>
-        </a:effectRef>
-        <a:fontRef idx="minor">
-          <a:schemeClr val="lt1"/>
-        </a:fontRef>
-      </dsp:style>
-      <dsp:txBody>
-        <a:bodyPr spcFirstLastPara="0" vert="horz" wrap="square" lIns="144780" tIns="144780" rIns="144780" bIns="144780" numCol="1" spcCol="1270" anchor="ctr" anchorCtr="0">
-          <a:noAutofit/>
-        </a:bodyPr>
-        <a:lstStyle/>
-        <a:p>
-          <a:pPr marL="0" lvl="0" indent="0" algn="l" defTabSz="1689100">
-            <a:lnSpc>
-              <a:spcPct val="90000"/>
-            </a:lnSpc>
-            <a:spcBef>
-              <a:spcPct val="0"/>
-            </a:spcBef>
-            <a:spcAft>
-              <a:spcPct val="35000"/>
-            </a:spcAft>
-            <a:buNone/>
-          </a:pPr>
-          <a:r>
-            <a:rPr lang="en-AU" sz="3800" kern="1200"/>
-            <a:t>Benefits of Dapr Agents</a:t>
-          </a:r>
-        </a:p>
-      </dsp:txBody>
-      <dsp:txXfrm>
-        <a:off x="44492" y="1448001"/>
-        <a:ext cx="6975853" cy="822446"/>
-      </dsp:txXfrm>
-    </dsp:sp>
-    <dsp:sp modelId="{D9B4960B-338E-4709-A99B-A6E23DDA95F4}">
-      <dsp:nvSpPr>
-        <dsp:cNvPr id="0" name=""/>
-        <dsp:cNvSpPr/>
-      </dsp:nvSpPr>
-      <dsp:spPr>
-        <a:xfrm>
-          <a:off x="0" y="2424379"/>
-          <a:ext cx="7064837" cy="911430"/>
-        </a:xfrm>
-        <a:prstGeom prst="roundRect">
-          <a:avLst/>
-        </a:prstGeom>
-        <a:solidFill>
-          <a:schemeClr val="dk2">
-            <a:hueOff val="0"/>
-            <a:satOff val="0"/>
-            <a:lumOff val="0"/>
-            <a:alphaOff val="0"/>
-          </a:schemeClr>
-        </a:solidFill>
-        <a:ln w="12700" cap="flat" cmpd="sng" algn="ctr">
-          <a:solidFill>
-            <a:schemeClr val="lt2">
-              <a:hueOff val="0"/>
-              <a:satOff val="0"/>
-              <a:lumOff val="0"/>
-              <a:alphaOff val="0"/>
-            </a:schemeClr>
-          </a:solidFill>
-          <a:prstDash val="solid"/>
-          <a:miter lim="800000"/>
-        </a:ln>
-        <a:effectLst/>
-      </dsp:spPr>
-      <dsp:style>
-        <a:lnRef idx="2">
-          <a:scrgbClr r="0" g="0" b="0"/>
-        </a:lnRef>
-        <a:fillRef idx="1">
-          <a:scrgbClr r="0" g="0" b="0"/>
-        </a:fillRef>
-        <a:effectRef idx="0">
-          <a:scrgbClr r="0" g="0" b="0"/>
-        </a:effectRef>
-        <a:fontRef idx="minor">
-          <a:schemeClr val="lt1"/>
-        </a:fontRef>
-      </dsp:style>
-      <dsp:txBody>
-        <a:bodyPr spcFirstLastPara="0" vert="horz" wrap="square" lIns="144780" tIns="144780" rIns="144780" bIns="144780" numCol="1" spcCol="1270" anchor="ctr" anchorCtr="0">
-          <a:noAutofit/>
-        </a:bodyPr>
-        <a:lstStyle/>
-        <a:p>
-          <a:pPr marL="0" lvl="0" indent="0" algn="l" defTabSz="1689100">
-            <a:lnSpc>
-              <a:spcPct val="90000"/>
-            </a:lnSpc>
-            <a:spcBef>
-              <a:spcPct val="0"/>
-            </a:spcBef>
-            <a:spcAft>
-              <a:spcPct val="35000"/>
-            </a:spcAft>
-            <a:buNone/>
-          </a:pPr>
-          <a:r>
-            <a:rPr lang="en-AU" sz="3800" kern="1200" dirty="0"/>
-            <a:t>Core Principles</a:t>
-          </a:r>
-        </a:p>
-      </dsp:txBody>
-      <dsp:txXfrm>
-        <a:off x="44492" y="2468871"/>
-        <a:ext cx="6975853" cy="822446"/>
-      </dsp:txXfrm>
-    </dsp:sp>
-    <dsp:sp modelId="{59CADF81-FFE6-45C0-944E-C5D8D9EBF59D}">
-      <dsp:nvSpPr>
-        <dsp:cNvPr id="0" name=""/>
-        <dsp:cNvSpPr/>
-      </dsp:nvSpPr>
-      <dsp:spPr>
-        <a:xfrm>
-          <a:off x="0" y="3445249"/>
-          <a:ext cx="7064837" cy="911430"/>
-        </a:xfrm>
-        <a:prstGeom prst="roundRect">
-          <a:avLst/>
-        </a:prstGeom>
-        <a:solidFill>
-          <a:schemeClr val="dk2">
-            <a:hueOff val="0"/>
-            <a:satOff val="0"/>
-            <a:lumOff val="0"/>
-            <a:alphaOff val="0"/>
-          </a:schemeClr>
-        </a:solidFill>
-        <a:ln w="12700" cap="flat" cmpd="sng" algn="ctr">
-          <a:solidFill>
-            <a:schemeClr val="lt2">
-              <a:hueOff val="0"/>
-              <a:satOff val="0"/>
-              <a:lumOff val="0"/>
-              <a:alphaOff val="0"/>
-            </a:schemeClr>
-          </a:solidFill>
-          <a:prstDash val="solid"/>
-          <a:miter lim="800000"/>
-        </a:ln>
-        <a:effectLst/>
-      </dsp:spPr>
-      <dsp:style>
-        <a:lnRef idx="2">
-          <a:scrgbClr r="0" g="0" b="0"/>
-        </a:lnRef>
-        <a:fillRef idx="1">
-          <a:scrgbClr r="0" g="0" b="0"/>
-        </a:fillRef>
-        <a:effectRef idx="0">
-          <a:scrgbClr r="0" g="0" b="0"/>
-        </a:effectRef>
-        <a:fontRef idx="minor">
-          <a:schemeClr val="lt1"/>
-        </a:fontRef>
-      </dsp:style>
-      <dsp:txBody>
-        <a:bodyPr spcFirstLastPara="0" vert="horz" wrap="square" lIns="144780" tIns="144780" rIns="144780" bIns="144780" numCol="1" spcCol="1270" anchor="ctr" anchorCtr="0">
-          <a:noAutofit/>
-        </a:bodyPr>
-        <a:lstStyle/>
-        <a:p>
-          <a:pPr marL="0" lvl="0" indent="0" algn="l" defTabSz="1689100">
-            <a:lnSpc>
-              <a:spcPct val="90000"/>
-            </a:lnSpc>
-            <a:spcBef>
-              <a:spcPct val="0"/>
-            </a:spcBef>
-            <a:spcAft>
-              <a:spcPct val="35000"/>
-            </a:spcAft>
-            <a:buNone/>
-          </a:pPr>
-          <a:r>
-            <a:rPr lang="en-AU" sz="3800" kern="1200"/>
-            <a:t>Building our first Dapr Agents</a:t>
-          </a:r>
-        </a:p>
-      </dsp:txBody>
-      <dsp:txXfrm>
-        <a:off x="44492" y="3489741"/>
-        <a:ext cx="6975853" cy="822446"/>
-      </dsp:txXfrm>
-    </dsp:sp>
-  </dsp:spTree>
-</dsp:drawing>
-</file>
-
-<file path=ppt/diagrams/drawing3.xml><?xml version="1.0" encoding="utf-8"?>
-<dsp:drawing xmlns:dgm="http://schemas.openxmlformats.org/drawingml/2006/diagram" xmlns:dsp="http://schemas.microsoft.com/office/drawing/2008/diagram" xmlns:a="http://schemas.openxmlformats.org/drawingml/2006/main">
-  <dsp:spTree>
-    <dsp:nvGrpSpPr>
-      <dsp:cNvPr id="0" name=""/>
-      <dsp:cNvGrpSpPr/>
-    </dsp:nvGrpSpPr>
-    <dsp:grpSpPr/>
     <dsp:sp modelId="{0DF9466A-3380-42E8-9DCB-CBB093827299}">
       <dsp:nvSpPr>
         <dsp:cNvPr id="0" name=""/>
@@ -6375,173 +5055,6 @@
 </file>
 
 <file path=ppt/diagrams/layout2.xml><?xml version="1.0" encoding="utf-8"?>
-<dgm:layoutDef xmlns:dgm="http://schemas.openxmlformats.org/drawingml/2006/diagram" xmlns:a="http://schemas.openxmlformats.org/drawingml/2006/main" uniqueId="urn:microsoft.com/office/officeart/2005/8/layout/vList2">
-  <dgm:title val=""/>
-  <dgm:desc val=""/>
-  <dgm:catLst>
-    <dgm:cat type="list" pri="3000"/>
-    <dgm:cat type="convert" pri="1000"/>
-  </dgm:catLst>
-  <dgm:sampData>
-    <dgm:dataModel>
-      <dgm:ptLst>
-        <dgm:pt modelId="0" type="doc"/>
-        <dgm:pt modelId="1">
-          <dgm:prSet phldr="1"/>
-        </dgm:pt>
-        <dgm:pt modelId="11">
-          <dgm:prSet phldr="1"/>
-        </dgm:pt>
-        <dgm:pt modelId="2">
-          <dgm:prSet phldr="1"/>
-        </dgm:pt>
-        <dgm:pt modelId="21">
-          <dgm:prSet phldr="1"/>
-        </dgm:pt>
-      </dgm:ptLst>
-      <dgm:cxnLst>
-        <dgm:cxn modelId="4" srcId="0" destId="1" srcOrd="0" destOrd="0"/>
-        <dgm:cxn modelId="5" srcId="0" destId="2" srcOrd="1" destOrd="0"/>
-        <dgm:cxn modelId="12" srcId="1" destId="11" srcOrd="0" destOrd="0"/>
-        <dgm:cxn modelId="23" srcId="2" destId="21" srcOrd="0" destOrd="0"/>
-      </dgm:cxnLst>
-      <dgm:bg/>
-      <dgm:whole/>
-    </dgm:dataModel>
-  </dgm:sampData>
-  <dgm:styleData>
-    <dgm:dataModel>
-      <dgm:ptLst>
-        <dgm:pt modelId="0" type="doc"/>
-        <dgm:pt modelId="1"/>
-        <dgm:pt modelId="2"/>
-      </dgm:ptLst>
-      <dgm:cxnLst>
-        <dgm:cxn modelId="3" srcId="0" destId="1" srcOrd="0" destOrd="0"/>
-        <dgm:cxn modelId="4" srcId="0" destId="2" srcOrd="1" destOrd="0"/>
-      </dgm:cxnLst>
-      <dgm:bg/>
-      <dgm:whole/>
-    </dgm:dataModel>
-  </dgm:styleData>
-  <dgm:clrData>
-    <dgm:dataModel>
-      <dgm:ptLst>
-        <dgm:pt modelId="0" type="doc"/>
-        <dgm:pt modelId="1"/>
-        <dgm:pt modelId="2"/>
-        <dgm:pt modelId="3"/>
-        <dgm:pt modelId="4"/>
-      </dgm:ptLst>
-      <dgm:cxnLst>
-        <dgm:cxn modelId="5" srcId="0" destId="1" srcOrd="0" destOrd="0"/>
-        <dgm:cxn modelId="6" srcId="0" destId="2" srcOrd="1" destOrd="0"/>
-        <dgm:cxn modelId="7" srcId="0" destId="3" srcOrd="2" destOrd="0"/>
-        <dgm:cxn modelId="8" srcId="0" destId="4" srcOrd="3" destOrd="0"/>
-      </dgm:cxnLst>
-      <dgm:bg/>
-      <dgm:whole/>
-    </dgm:dataModel>
-  </dgm:clrData>
-  <dgm:layoutNode name="linear">
-    <dgm:varLst>
-      <dgm:animLvl val="lvl"/>
-      <dgm:resizeHandles val="exact"/>
-    </dgm:varLst>
-    <dgm:alg type="lin">
-      <dgm:param type="linDir" val="fromT"/>
-      <dgm:param type="vertAlign" val="mid"/>
-    </dgm:alg>
-    <dgm:shape xmlns:r="http://schemas.openxmlformats.org/officeDocument/2006/relationships" r:blip="">
-      <dgm:adjLst/>
-    </dgm:shape>
-    <dgm:presOf/>
-    <dgm:constrLst>
-      <dgm:constr type="w" for="ch" forName="parentText" refType="w"/>
-      <dgm:constr type="h" for="ch" forName="parentText" refType="primFontSz" refFor="ch" refForName="parentText" fact="0.52"/>
-      <dgm:constr type="w" for="ch" forName="childText" refType="w"/>
-      <dgm:constr type="h" for="ch" forName="childText" refType="primFontSz" refFor="ch" refForName="parentText" fact="0.46"/>
-      <dgm:constr type="h" for="ch" forName="parentText" op="equ"/>
-      <dgm:constr type="primFontSz" for="ch" forName="parentText" op="equ" val="65"/>
-      <dgm:constr type="primFontSz" for="ch" forName="childText" refType="primFontSz" refFor="ch" refForName="parentText" op="equ"/>
-      <dgm:constr type="h" for="ch" forName="spacer" refType="primFontSz" refFor="ch" refForName="parentText" fact="0.08"/>
-    </dgm:constrLst>
-    <dgm:ruleLst>
-      <dgm:rule type="primFontSz" for="ch" forName="parentText" val="5" fact="NaN" max="NaN"/>
-    </dgm:ruleLst>
-    <dgm:forEach name="Name0" axis="ch" ptType="node">
-      <dgm:layoutNode name="parentText" styleLbl="node1">
-        <dgm:varLst>
-          <dgm:chMax val="0"/>
-          <dgm:bulletEnabled val="1"/>
-        </dgm:varLst>
-        <dgm:alg type="tx">
-          <dgm:param type="parTxLTRAlign" val="l"/>
-          <dgm:param type="parTxRTLAlign" val="r"/>
-        </dgm:alg>
-        <dgm:shape xmlns:r="http://schemas.openxmlformats.org/officeDocument/2006/relationships" type="roundRect" r:blip="">
-          <dgm:adjLst/>
-        </dgm:shape>
-        <dgm:presOf axis="self"/>
-        <dgm:constrLst>
-          <dgm:constr type="tMarg" refType="primFontSz" fact="0.3"/>
-          <dgm:constr type="bMarg" refType="primFontSz" fact="0.3"/>
-          <dgm:constr type="lMarg" refType="primFontSz" fact="0.3"/>
-          <dgm:constr type="rMarg" refType="primFontSz" fact="0.3"/>
-        </dgm:constrLst>
-        <dgm:ruleLst>
-          <dgm:rule type="h" val="INF" fact="NaN" max="NaN"/>
-        </dgm:ruleLst>
-      </dgm:layoutNode>
-      <dgm:choose name="Name1">
-        <dgm:if name="Name2" axis="ch" ptType="node" func="cnt" op="gte" val="1">
-          <dgm:layoutNode name="childText" styleLbl="revTx">
-            <dgm:varLst>
-              <dgm:bulletEnabled val="1"/>
-            </dgm:varLst>
-            <dgm:alg type="tx">
-              <dgm:param type="stBulletLvl" val="1"/>
-              <dgm:param type="lnSpAfChP" val="20"/>
-            </dgm:alg>
-            <dgm:shape xmlns:r="http://schemas.openxmlformats.org/officeDocument/2006/relationships" type="rect" r:blip="">
-              <dgm:adjLst/>
-            </dgm:shape>
-            <dgm:presOf axis="des" ptType="node"/>
-            <dgm:constrLst>
-              <dgm:constr type="tMarg" refType="primFontSz" fact="0.1"/>
-              <dgm:constr type="bMarg" refType="primFontSz" fact="0.1"/>
-              <dgm:constr type="lMarg" refType="w" fact="0.09"/>
-            </dgm:constrLst>
-            <dgm:ruleLst>
-              <dgm:rule type="h" val="INF" fact="NaN" max="NaN"/>
-            </dgm:ruleLst>
-          </dgm:layoutNode>
-        </dgm:if>
-        <dgm:else name="Name3">
-          <dgm:choose name="Name4">
-            <dgm:if name="Name5" axis="par ch" ptType="doc node" func="cnt" op="gte" val="2">
-              <dgm:forEach name="Name6" axis="followSib" ptType="sibTrans" cnt="1">
-                <dgm:layoutNode name="spacer">
-                  <dgm:alg type="sp"/>
-                  <dgm:shape xmlns:r="http://schemas.openxmlformats.org/officeDocument/2006/relationships" r:blip="">
-                    <dgm:adjLst/>
-                  </dgm:shape>
-                  <dgm:presOf/>
-                  <dgm:constrLst/>
-                  <dgm:ruleLst/>
-                </dgm:layoutNode>
-              </dgm:forEach>
-            </dgm:if>
-            <dgm:else name="Name7"/>
-          </dgm:choose>
-        </dgm:else>
-      </dgm:choose>
-    </dgm:forEach>
-  </dgm:layoutNode>
-</dgm:layoutDef>
-</file>
-
-<file path=ppt/diagrams/layout3.xml><?xml version="1.0" encoding="utf-8"?>
 <dgm:layoutDef xmlns:dgm="http://schemas.openxmlformats.org/drawingml/2006/diagram" xmlns:a="http://schemas.openxmlformats.org/drawingml/2006/main" uniqueId="urn:microsoft.com/office/officeart/2005/8/layout/vList2">
   <dgm:title val=""/>
   <dgm:desc val=""/>
@@ -8776,1040 +7289,6 @@
 </dgm:styleDef>
 </file>
 
-<file path=ppt/diagrams/quickStyle3.xml><?xml version="1.0" encoding="utf-8"?>
-<dgm:styleDef xmlns:dgm="http://schemas.openxmlformats.org/drawingml/2006/diagram" xmlns:a="http://schemas.openxmlformats.org/drawingml/2006/main" uniqueId="urn:microsoft.com/office/officeart/2005/8/quickstyle/simple1">
-  <dgm:title val=""/>
-  <dgm:desc val=""/>
-  <dgm:catLst>
-    <dgm:cat type="simple" pri="10100"/>
-  </dgm:catLst>
-  <dgm:scene3d>
-    <a:camera prst="orthographicFront"/>
-    <a:lightRig rig="threePt" dir="t"/>
-  </dgm:scene3d>
-  <dgm:styleLbl name="node0">
-    <dgm:scene3d>
-      <a:camera prst="orthographicFront"/>
-      <a:lightRig rig="threePt" dir="t"/>
-    </dgm:scene3d>
-    <dgm:sp3d/>
-    <dgm:txPr/>
-    <dgm:style>
-      <a:lnRef idx="2">
-        <a:scrgbClr r="0" g="0" b="0"/>
-      </a:lnRef>
-      <a:fillRef idx="1">
-        <a:scrgbClr r="0" g="0" b="0"/>
-      </a:fillRef>
-      <a:effectRef idx="0">
-        <a:scrgbClr r="0" g="0" b="0"/>
-      </a:effectRef>
-      <a:fontRef idx="minor">
-        <a:schemeClr val="lt1"/>
-      </a:fontRef>
-    </dgm:style>
-  </dgm:styleLbl>
-  <dgm:styleLbl name="lnNode1">
-    <dgm:scene3d>
-      <a:camera prst="orthographicFront"/>
-      <a:lightRig rig="threePt" dir="t"/>
-    </dgm:scene3d>
-    <dgm:sp3d/>
-    <dgm:txPr/>
-    <dgm:style>
-      <a:lnRef idx="2">
-        <a:scrgbClr r="0" g="0" b="0"/>
-      </a:lnRef>
-      <a:fillRef idx="1">
-        <a:scrgbClr r="0" g="0" b="0"/>
-      </a:fillRef>
-      <a:effectRef idx="0">
-        <a:scrgbClr r="0" g="0" b="0"/>
-      </a:effectRef>
-      <a:fontRef idx="minor">
-        <a:schemeClr val="lt1"/>
-      </a:fontRef>
-    </dgm:style>
-  </dgm:styleLbl>
-  <dgm:styleLbl name="vennNode1">
-    <dgm:scene3d>
-      <a:camera prst="orthographicFront"/>
-      <a:lightRig rig="threePt" dir="t"/>
-    </dgm:scene3d>
-    <dgm:sp3d/>
-    <dgm:txPr/>
-    <dgm:style>
-      <a:lnRef idx="2">
-        <a:scrgbClr r="0" g="0" b="0"/>
-      </a:lnRef>
-      <a:fillRef idx="1">
-        <a:scrgbClr r="0" g="0" b="0"/>
-      </a:fillRef>
-      <a:effectRef idx="0">
-        <a:scrgbClr r="0" g="0" b="0"/>
-      </a:effectRef>
-      <a:fontRef idx="minor">
-        <a:schemeClr val="tx1"/>
-      </a:fontRef>
-    </dgm:style>
-  </dgm:styleLbl>
-  <dgm:styleLbl name="alignNode1">
-    <dgm:scene3d>
-      <a:camera prst="orthographicFront"/>
-      <a:lightRig rig="threePt" dir="t"/>
-    </dgm:scene3d>
-    <dgm:sp3d/>
-    <dgm:txPr/>
-    <dgm:style>
-      <a:lnRef idx="2">
-        <a:scrgbClr r="0" g="0" b="0"/>
-      </a:lnRef>
-      <a:fillRef idx="1">
-        <a:scrgbClr r="0" g="0" b="0"/>
-      </a:fillRef>
-      <a:effectRef idx="0">
-        <a:scrgbClr r="0" g="0" b="0"/>
-      </a:effectRef>
-      <a:fontRef idx="minor">
-        <a:schemeClr val="lt1"/>
-      </a:fontRef>
-    </dgm:style>
-  </dgm:styleLbl>
-  <dgm:styleLbl name="node1">
-    <dgm:scene3d>
-      <a:camera prst="orthographicFront"/>
-      <a:lightRig rig="threePt" dir="t"/>
-    </dgm:scene3d>
-    <dgm:sp3d/>
-    <dgm:txPr/>
-    <dgm:style>
-      <a:lnRef idx="2">
-        <a:scrgbClr r="0" g="0" b="0"/>
-      </a:lnRef>
-      <a:fillRef idx="1">
-        <a:scrgbClr r="0" g="0" b="0"/>
-      </a:fillRef>
-      <a:effectRef idx="0">
-        <a:scrgbClr r="0" g="0" b="0"/>
-      </a:effectRef>
-      <a:fontRef idx="minor">
-        <a:schemeClr val="lt1"/>
-      </a:fontRef>
-    </dgm:style>
-  </dgm:styleLbl>
-  <dgm:styleLbl name="node2">
-    <dgm:scene3d>
-      <a:camera prst="orthographicFront"/>
-      <a:lightRig rig="threePt" dir="t"/>
-    </dgm:scene3d>
-    <dgm:sp3d/>
-    <dgm:txPr/>
-    <dgm:style>
-      <a:lnRef idx="2">
-        <a:scrgbClr r="0" g="0" b="0"/>
-      </a:lnRef>
-      <a:fillRef idx="1">
-        <a:scrgbClr r="0" g="0" b="0"/>
-      </a:fillRef>
-      <a:effectRef idx="0">
-        <a:scrgbClr r="0" g="0" b="0"/>
-      </a:effectRef>
-      <a:fontRef idx="minor">
-        <a:schemeClr val="lt1"/>
-      </a:fontRef>
-    </dgm:style>
-  </dgm:styleLbl>
-  <dgm:styleLbl name="node3">
-    <dgm:scene3d>
-      <a:camera prst="orthographicFront"/>
-      <a:lightRig rig="threePt" dir="t"/>
-    </dgm:scene3d>
-    <dgm:sp3d/>
-    <dgm:txPr/>
-    <dgm:style>
-      <a:lnRef idx="2">
-        <a:scrgbClr r="0" g="0" b="0"/>
-      </a:lnRef>
-      <a:fillRef idx="1">
-        <a:scrgbClr r="0" g="0" b="0"/>
-      </a:fillRef>
-      <a:effectRef idx="0">
-        <a:scrgbClr r="0" g="0" b="0"/>
-      </a:effectRef>
-      <a:fontRef idx="minor">
-        <a:schemeClr val="lt1"/>
-      </a:fontRef>
-    </dgm:style>
-  </dgm:styleLbl>
-  <dgm:styleLbl name="node4">
-    <dgm:scene3d>
-      <a:camera prst="orthographicFront"/>
-      <a:lightRig rig="threePt" dir="t"/>
-    </dgm:scene3d>
-    <dgm:sp3d/>
-    <dgm:txPr/>
-    <dgm:style>
-      <a:lnRef idx="2">
-        <a:scrgbClr r="0" g="0" b="0"/>
-      </a:lnRef>
-      <a:fillRef idx="1">
-        <a:scrgbClr r="0" g="0" b="0"/>
-      </a:fillRef>
-      <a:effectRef idx="0">
-        <a:scrgbClr r="0" g="0" b="0"/>
-      </a:effectRef>
-      <a:fontRef idx="minor">
-        <a:schemeClr val="lt1"/>
-      </a:fontRef>
-    </dgm:style>
-  </dgm:styleLbl>
-  <dgm:styleLbl name="fgImgPlace1">
-    <dgm:scene3d>
-      <a:camera prst="orthographicFront"/>
-      <a:lightRig rig="threePt" dir="t"/>
-    </dgm:scene3d>
-    <dgm:sp3d/>
-    <dgm:txPr/>
-    <dgm:style>
-      <a:lnRef idx="2">
-        <a:scrgbClr r="0" g="0" b="0"/>
-      </a:lnRef>
-      <a:fillRef idx="1">
-        <a:scrgbClr r="0" g="0" b="0"/>
-      </a:fillRef>
-      <a:effectRef idx="0">
-        <a:scrgbClr r="0" g="0" b="0"/>
-      </a:effectRef>
-      <a:fontRef idx="minor"/>
-    </dgm:style>
-  </dgm:styleLbl>
-  <dgm:styleLbl name="alignImgPlace1">
-    <dgm:scene3d>
-      <a:camera prst="orthographicFront"/>
-      <a:lightRig rig="threePt" dir="t"/>
-    </dgm:scene3d>
-    <dgm:sp3d/>
-    <dgm:txPr/>
-    <dgm:style>
-      <a:lnRef idx="2">
-        <a:scrgbClr r="0" g="0" b="0"/>
-      </a:lnRef>
-      <a:fillRef idx="1">
-        <a:scrgbClr r="0" g="0" b="0"/>
-      </a:fillRef>
-      <a:effectRef idx="0">
-        <a:scrgbClr r="0" g="0" b="0"/>
-      </a:effectRef>
-      <a:fontRef idx="minor"/>
-    </dgm:style>
-  </dgm:styleLbl>
-  <dgm:styleLbl name="bgImgPlace1">
-    <dgm:scene3d>
-      <a:camera prst="orthographicFront"/>
-      <a:lightRig rig="threePt" dir="t"/>
-    </dgm:scene3d>
-    <dgm:sp3d/>
-    <dgm:txPr/>
-    <dgm:style>
-      <a:lnRef idx="2">
-        <a:scrgbClr r="0" g="0" b="0"/>
-      </a:lnRef>
-      <a:fillRef idx="1">
-        <a:scrgbClr r="0" g="0" b="0"/>
-      </a:fillRef>
-      <a:effectRef idx="0">
-        <a:scrgbClr r="0" g="0" b="0"/>
-      </a:effectRef>
-      <a:fontRef idx="minor"/>
-    </dgm:style>
-  </dgm:styleLbl>
-  <dgm:styleLbl name="sibTrans2D1">
-    <dgm:scene3d>
-      <a:camera prst="orthographicFront"/>
-      <a:lightRig rig="threePt" dir="t"/>
-    </dgm:scene3d>
-    <dgm:sp3d/>
-    <dgm:txPr/>
-    <dgm:style>
-      <a:lnRef idx="0">
-        <a:scrgbClr r="0" g="0" b="0"/>
-      </a:lnRef>
-      <a:fillRef idx="1">
-        <a:scrgbClr r="0" g="0" b="0"/>
-      </a:fillRef>
-      <a:effectRef idx="0">
-        <a:scrgbClr r="0" g="0" b="0"/>
-      </a:effectRef>
-      <a:fontRef idx="minor">
-        <a:schemeClr val="lt1"/>
-      </a:fontRef>
-    </dgm:style>
-  </dgm:styleLbl>
-  <dgm:styleLbl name="fgSibTrans2D1">
-    <dgm:scene3d>
-      <a:camera prst="orthographicFront"/>
-      <a:lightRig rig="threePt" dir="t"/>
-    </dgm:scene3d>
-    <dgm:sp3d/>
-    <dgm:txPr/>
-    <dgm:style>
-      <a:lnRef idx="0">
-        <a:scrgbClr r="0" g="0" b="0"/>
-      </a:lnRef>
-      <a:fillRef idx="1">
-        <a:scrgbClr r="0" g="0" b="0"/>
-      </a:fillRef>
-      <a:effectRef idx="0">
-        <a:scrgbClr r="0" g="0" b="0"/>
-      </a:effectRef>
-      <a:fontRef idx="minor">
-        <a:schemeClr val="lt1"/>
-      </a:fontRef>
-    </dgm:style>
-  </dgm:styleLbl>
-  <dgm:styleLbl name="bgSibTrans2D1">
-    <dgm:scene3d>
-      <a:camera prst="orthographicFront"/>
-      <a:lightRig rig="threePt" dir="t"/>
-    </dgm:scene3d>
-    <dgm:sp3d/>
-    <dgm:txPr/>
-    <dgm:style>
-      <a:lnRef idx="0">
-        <a:scrgbClr r="0" g="0" b="0"/>
-      </a:lnRef>
-      <a:fillRef idx="1">
-        <a:scrgbClr r="0" g="0" b="0"/>
-      </a:fillRef>
-      <a:effectRef idx="0">
-        <a:scrgbClr r="0" g="0" b="0"/>
-      </a:effectRef>
-      <a:fontRef idx="minor">
-        <a:schemeClr val="lt1"/>
-      </a:fontRef>
-    </dgm:style>
-  </dgm:styleLbl>
-  <dgm:styleLbl name="sibTrans1D1">
-    <dgm:scene3d>
-      <a:camera prst="orthographicFront"/>
-      <a:lightRig rig="threePt" dir="t"/>
-    </dgm:scene3d>
-    <dgm:sp3d/>
-    <dgm:txPr/>
-    <dgm:style>
-      <a:lnRef idx="1">
-        <a:scrgbClr r="0" g="0" b="0"/>
-      </a:lnRef>
-      <a:fillRef idx="0">
-        <a:scrgbClr r="0" g="0" b="0"/>
-      </a:fillRef>
-      <a:effectRef idx="0">
-        <a:scrgbClr r="0" g="0" b="0"/>
-      </a:effectRef>
-      <a:fontRef idx="minor"/>
-    </dgm:style>
-  </dgm:styleLbl>
-  <dgm:styleLbl name="callout">
-    <dgm:scene3d>
-      <a:camera prst="orthographicFront"/>
-      <a:lightRig rig="threePt" dir="t"/>
-    </dgm:scene3d>
-    <dgm:sp3d/>
-    <dgm:txPr/>
-    <dgm:style>
-      <a:lnRef idx="2">
-        <a:scrgbClr r="0" g="0" b="0"/>
-      </a:lnRef>
-      <a:fillRef idx="1">
-        <a:scrgbClr r="0" g="0" b="0"/>
-      </a:fillRef>
-      <a:effectRef idx="0">
-        <a:scrgbClr r="0" g="0" b="0"/>
-      </a:effectRef>
-      <a:fontRef idx="minor"/>
-    </dgm:style>
-  </dgm:styleLbl>
-  <dgm:styleLbl name="asst0">
-    <dgm:scene3d>
-      <a:camera prst="orthographicFront"/>
-      <a:lightRig rig="threePt" dir="t"/>
-    </dgm:scene3d>
-    <dgm:sp3d/>
-    <dgm:txPr/>
-    <dgm:style>
-      <a:lnRef idx="2">
-        <a:scrgbClr r="0" g="0" b="0"/>
-      </a:lnRef>
-      <a:fillRef idx="1">
-        <a:scrgbClr r="0" g="0" b="0"/>
-      </a:fillRef>
-      <a:effectRef idx="0">
-        <a:scrgbClr r="0" g="0" b="0"/>
-      </a:effectRef>
-      <a:fontRef idx="minor">
-        <a:schemeClr val="lt1"/>
-      </a:fontRef>
-    </dgm:style>
-  </dgm:styleLbl>
-  <dgm:styleLbl name="asst1">
-    <dgm:scene3d>
-      <a:camera prst="orthographicFront"/>
-      <a:lightRig rig="threePt" dir="t"/>
-    </dgm:scene3d>
-    <dgm:sp3d/>
-    <dgm:txPr/>
-    <dgm:style>
-      <a:lnRef idx="2">
-        <a:scrgbClr r="0" g="0" b="0"/>
-      </a:lnRef>
-      <a:fillRef idx="1">
-        <a:scrgbClr r="0" g="0" b="0"/>
-      </a:fillRef>
-      <a:effectRef idx="0">
-        <a:scrgbClr r="0" g="0" b="0"/>
-      </a:effectRef>
-      <a:fontRef idx="minor">
-        <a:schemeClr val="lt1"/>
-      </a:fontRef>
-    </dgm:style>
-  </dgm:styleLbl>
-  <dgm:styleLbl name="asst2">
-    <dgm:scene3d>
-      <a:camera prst="orthographicFront"/>
-      <a:lightRig rig="threePt" dir="t"/>
-    </dgm:scene3d>
-    <dgm:sp3d/>
-    <dgm:txPr/>
-    <dgm:style>
-      <a:lnRef idx="2">
-        <a:scrgbClr r="0" g="0" b="0"/>
-      </a:lnRef>
-      <a:fillRef idx="1">
-        <a:scrgbClr r="0" g="0" b="0"/>
-      </a:fillRef>
-      <a:effectRef idx="0">
-        <a:scrgbClr r="0" g="0" b="0"/>
-      </a:effectRef>
-      <a:fontRef idx="minor">
-        <a:schemeClr val="lt1"/>
-      </a:fontRef>
-    </dgm:style>
-  </dgm:styleLbl>
-  <dgm:styleLbl name="asst3">
-    <dgm:scene3d>
-      <a:camera prst="orthographicFront"/>
-      <a:lightRig rig="threePt" dir="t"/>
-    </dgm:scene3d>
-    <dgm:sp3d/>
-    <dgm:txPr/>
-    <dgm:style>
-      <a:lnRef idx="2">
-        <a:scrgbClr r="0" g="0" b="0"/>
-      </a:lnRef>
-      <a:fillRef idx="1">
-        <a:scrgbClr r="0" g="0" b="0"/>
-      </a:fillRef>
-      <a:effectRef idx="0">
-        <a:scrgbClr r="0" g="0" b="0"/>
-      </a:effectRef>
-      <a:fontRef idx="minor">
-        <a:schemeClr val="lt1"/>
-      </a:fontRef>
-    </dgm:style>
-  </dgm:styleLbl>
-  <dgm:styleLbl name="asst4">
-    <dgm:scene3d>
-      <a:camera prst="orthographicFront"/>
-      <a:lightRig rig="threePt" dir="t"/>
-    </dgm:scene3d>
-    <dgm:sp3d/>
-    <dgm:txPr/>
-    <dgm:style>
-      <a:lnRef idx="2">
-        <a:scrgbClr r="0" g="0" b="0"/>
-      </a:lnRef>
-      <a:fillRef idx="1">
-        <a:scrgbClr r="0" g="0" b="0"/>
-      </a:fillRef>
-      <a:effectRef idx="0">
-        <a:scrgbClr r="0" g="0" b="0"/>
-      </a:effectRef>
-      <a:fontRef idx="minor">
-        <a:schemeClr val="lt1"/>
-      </a:fontRef>
-    </dgm:style>
-  </dgm:styleLbl>
-  <dgm:styleLbl name="parChTrans2D1">
-    <dgm:scene3d>
-      <a:camera prst="orthographicFront"/>
-      <a:lightRig rig="threePt" dir="t"/>
-    </dgm:scene3d>
-    <dgm:sp3d/>
-    <dgm:txPr/>
-    <dgm:style>
-      <a:lnRef idx="2">
-        <a:scrgbClr r="0" g="0" b="0"/>
-      </a:lnRef>
-      <a:fillRef idx="1">
-        <a:scrgbClr r="0" g="0" b="0"/>
-      </a:fillRef>
-      <a:effectRef idx="0">
-        <a:scrgbClr r="0" g="0" b="0"/>
-      </a:effectRef>
-      <a:fontRef idx="minor">
-        <a:schemeClr val="lt1"/>
-      </a:fontRef>
-    </dgm:style>
-  </dgm:styleLbl>
-  <dgm:styleLbl name="parChTrans2D2">
-    <dgm:scene3d>
-      <a:camera prst="orthographicFront"/>
-      <a:lightRig rig="threePt" dir="t"/>
-    </dgm:scene3d>
-    <dgm:sp3d/>
-    <dgm:txPr/>
-    <dgm:style>
-      <a:lnRef idx="2">
-        <a:scrgbClr r="0" g="0" b="0"/>
-      </a:lnRef>
-      <a:fillRef idx="1">
-        <a:scrgbClr r="0" g="0" b="0"/>
-      </a:fillRef>
-      <a:effectRef idx="0">
-        <a:scrgbClr r="0" g="0" b="0"/>
-      </a:effectRef>
-      <a:fontRef idx="minor">
-        <a:schemeClr val="lt1"/>
-      </a:fontRef>
-    </dgm:style>
-  </dgm:styleLbl>
-  <dgm:styleLbl name="parChTrans2D3">
-    <dgm:scene3d>
-      <a:camera prst="orthographicFront"/>
-      <a:lightRig rig="threePt" dir="t"/>
-    </dgm:scene3d>
-    <dgm:sp3d/>
-    <dgm:txPr/>
-    <dgm:style>
-      <a:lnRef idx="2">
-        <a:scrgbClr r="0" g="0" b="0"/>
-      </a:lnRef>
-      <a:fillRef idx="1">
-        <a:scrgbClr r="0" g="0" b="0"/>
-      </a:fillRef>
-      <a:effectRef idx="0">
-        <a:scrgbClr r="0" g="0" b="0"/>
-      </a:effectRef>
-      <a:fontRef idx="minor">
-        <a:schemeClr val="lt1"/>
-      </a:fontRef>
-    </dgm:style>
-  </dgm:styleLbl>
-  <dgm:styleLbl name="parChTrans2D4">
-    <dgm:scene3d>
-      <a:camera prst="orthographicFront"/>
-      <a:lightRig rig="threePt" dir="t"/>
-    </dgm:scene3d>
-    <dgm:sp3d/>
-    <dgm:txPr/>
-    <dgm:style>
-      <a:lnRef idx="2">
-        <a:scrgbClr r="0" g="0" b="0"/>
-      </a:lnRef>
-      <a:fillRef idx="1">
-        <a:scrgbClr r="0" g="0" b="0"/>
-      </a:fillRef>
-      <a:effectRef idx="0">
-        <a:scrgbClr r="0" g="0" b="0"/>
-      </a:effectRef>
-      <a:fontRef idx="minor">
-        <a:schemeClr val="lt1"/>
-      </a:fontRef>
-    </dgm:style>
-  </dgm:styleLbl>
-  <dgm:styleLbl name="parChTrans1D1">
-    <dgm:scene3d>
-      <a:camera prst="orthographicFront"/>
-      <a:lightRig rig="threePt" dir="t"/>
-    </dgm:scene3d>
-    <dgm:sp3d/>
-    <dgm:txPr/>
-    <dgm:style>
-      <a:lnRef idx="2">
-        <a:scrgbClr r="0" g="0" b="0"/>
-      </a:lnRef>
-      <a:fillRef idx="0">
-        <a:scrgbClr r="0" g="0" b="0"/>
-      </a:fillRef>
-      <a:effectRef idx="0">
-        <a:scrgbClr r="0" g="0" b="0"/>
-      </a:effectRef>
-      <a:fontRef idx="minor"/>
-    </dgm:style>
-  </dgm:styleLbl>
-  <dgm:styleLbl name="parChTrans1D2">
-    <dgm:scene3d>
-      <a:camera prst="orthographicFront"/>
-      <a:lightRig rig="threePt" dir="t"/>
-    </dgm:scene3d>
-    <dgm:sp3d/>
-    <dgm:txPr/>
-    <dgm:style>
-      <a:lnRef idx="2">
-        <a:scrgbClr r="0" g="0" b="0"/>
-      </a:lnRef>
-      <a:fillRef idx="0">
-        <a:scrgbClr r="0" g="0" b="0"/>
-      </a:fillRef>
-      <a:effectRef idx="0">
-        <a:scrgbClr r="0" g="0" b="0"/>
-      </a:effectRef>
-      <a:fontRef idx="minor"/>
-    </dgm:style>
-  </dgm:styleLbl>
-  <dgm:styleLbl name="parChTrans1D3">
-    <dgm:scene3d>
-      <a:camera prst="orthographicFront"/>
-      <a:lightRig rig="threePt" dir="t"/>
-    </dgm:scene3d>
-    <dgm:sp3d/>
-    <dgm:txPr/>
-    <dgm:style>
-      <a:lnRef idx="2">
-        <a:scrgbClr r="0" g="0" b="0"/>
-      </a:lnRef>
-      <a:fillRef idx="0">
-        <a:scrgbClr r="0" g="0" b="0"/>
-      </a:fillRef>
-      <a:effectRef idx="0">
-        <a:scrgbClr r="0" g="0" b="0"/>
-      </a:effectRef>
-      <a:fontRef idx="minor"/>
-    </dgm:style>
-  </dgm:styleLbl>
-  <dgm:styleLbl name="parChTrans1D4">
-    <dgm:scene3d>
-      <a:camera prst="orthographicFront"/>
-      <a:lightRig rig="threePt" dir="t"/>
-    </dgm:scene3d>
-    <dgm:sp3d/>
-    <dgm:txPr/>
-    <dgm:style>
-      <a:lnRef idx="2">
-        <a:scrgbClr r="0" g="0" b="0"/>
-      </a:lnRef>
-      <a:fillRef idx="0">
-        <a:scrgbClr r="0" g="0" b="0"/>
-      </a:fillRef>
-      <a:effectRef idx="0">
-        <a:scrgbClr r="0" g="0" b="0"/>
-      </a:effectRef>
-      <a:fontRef idx="minor"/>
-    </dgm:style>
-  </dgm:styleLbl>
-  <dgm:styleLbl name="fgAcc1">
-    <dgm:scene3d>
-      <a:camera prst="orthographicFront"/>
-      <a:lightRig rig="threePt" dir="t"/>
-    </dgm:scene3d>
-    <dgm:sp3d/>
-    <dgm:txPr/>
-    <dgm:style>
-      <a:lnRef idx="2">
-        <a:scrgbClr r="0" g="0" b="0"/>
-      </a:lnRef>
-      <a:fillRef idx="1">
-        <a:scrgbClr r="0" g="0" b="0"/>
-      </a:fillRef>
-      <a:effectRef idx="0">
-        <a:scrgbClr r="0" g="0" b="0"/>
-      </a:effectRef>
-      <a:fontRef idx="minor"/>
-    </dgm:style>
-  </dgm:styleLbl>
-  <dgm:styleLbl name="conFgAcc1">
-    <dgm:scene3d>
-      <a:camera prst="orthographicFront"/>
-      <a:lightRig rig="threePt" dir="t"/>
-    </dgm:scene3d>
-    <dgm:sp3d/>
-    <dgm:txPr/>
-    <dgm:style>
-      <a:lnRef idx="2">
-        <a:scrgbClr r="0" g="0" b="0"/>
-      </a:lnRef>
-      <a:fillRef idx="1">
-        <a:scrgbClr r="0" g="0" b="0"/>
-      </a:fillRef>
-      <a:effectRef idx="0">
-        <a:scrgbClr r="0" g="0" b="0"/>
-      </a:effectRef>
-      <a:fontRef idx="minor"/>
-    </dgm:style>
-  </dgm:styleLbl>
-  <dgm:styleLbl name="alignAcc1">
-    <dgm:scene3d>
-      <a:camera prst="orthographicFront"/>
-      <a:lightRig rig="threePt" dir="t"/>
-    </dgm:scene3d>
-    <dgm:sp3d/>
-    <dgm:txPr/>
-    <dgm:style>
-      <a:lnRef idx="2">
-        <a:scrgbClr r="0" g="0" b="0"/>
-      </a:lnRef>
-      <a:fillRef idx="1">
-        <a:scrgbClr r="0" g="0" b="0"/>
-      </a:fillRef>
-      <a:effectRef idx="0">
-        <a:scrgbClr r="0" g="0" b="0"/>
-      </a:effectRef>
-      <a:fontRef idx="minor"/>
-    </dgm:style>
-  </dgm:styleLbl>
-  <dgm:styleLbl name="trAlignAcc1">
-    <dgm:scene3d>
-      <a:camera prst="orthographicFront"/>
-      <a:lightRig rig="threePt" dir="t"/>
-    </dgm:scene3d>
-    <dgm:sp3d/>
-    <dgm:txPr/>
-    <dgm:style>
-      <a:lnRef idx="1">
-        <a:scrgbClr r="0" g="0" b="0"/>
-      </a:lnRef>
-      <a:fillRef idx="1">
-        <a:scrgbClr r="0" g="0" b="0"/>
-      </a:fillRef>
-      <a:effectRef idx="0">
-        <a:scrgbClr r="0" g="0" b="0"/>
-      </a:effectRef>
-      <a:fontRef idx="minor"/>
-    </dgm:style>
-  </dgm:styleLbl>
-  <dgm:styleLbl name="bgAcc1">
-    <dgm:scene3d>
-      <a:camera prst="orthographicFront"/>
-      <a:lightRig rig="threePt" dir="t"/>
-    </dgm:scene3d>
-    <dgm:sp3d/>
-    <dgm:txPr/>
-    <dgm:style>
-      <a:lnRef idx="2">
-        <a:scrgbClr r="0" g="0" b="0"/>
-      </a:lnRef>
-      <a:fillRef idx="1">
-        <a:scrgbClr r="0" g="0" b="0"/>
-      </a:fillRef>
-      <a:effectRef idx="0">
-        <a:scrgbClr r="0" g="0" b="0"/>
-      </a:effectRef>
-      <a:fontRef idx="minor"/>
-    </dgm:style>
-  </dgm:styleLbl>
-  <dgm:styleLbl name="solidFgAcc1">
-    <dgm:scene3d>
-      <a:camera prst="orthographicFront"/>
-      <a:lightRig rig="threePt" dir="t"/>
-    </dgm:scene3d>
-    <dgm:sp3d/>
-    <dgm:txPr/>
-    <dgm:style>
-      <a:lnRef idx="2">
-        <a:scrgbClr r="0" g="0" b="0"/>
-      </a:lnRef>
-      <a:fillRef idx="1">
-        <a:scrgbClr r="0" g="0" b="0"/>
-      </a:fillRef>
-      <a:effectRef idx="0">
-        <a:scrgbClr r="0" g="0" b="0"/>
-      </a:effectRef>
-      <a:fontRef idx="minor"/>
-    </dgm:style>
-  </dgm:styleLbl>
-  <dgm:styleLbl name="solidAlignAcc1">
-    <dgm:scene3d>
-      <a:camera prst="orthographicFront"/>
-      <a:lightRig rig="threePt" dir="t"/>
-    </dgm:scene3d>
-    <dgm:sp3d/>
-    <dgm:txPr/>
-    <dgm:style>
-      <a:lnRef idx="2">
-        <a:scrgbClr r="0" g="0" b="0"/>
-      </a:lnRef>
-      <a:fillRef idx="1">
-        <a:scrgbClr r="0" g="0" b="0"/>
-      </a:fillRef>
-      <a:effectRef idx="0">
-        <a:scrgbClr r="0" g="0" b="0"/>
-      </a:effectRef>
-      <a:fontRef idx="minor"/>
-    </dgm:style>
-  </dgm:styleLbl>
-  <dgm:styleLbl name="solidBgAcc1">
-    <dgm:scene3d>
-      <a:camera prst="orthographicFront"/>
-      <a:lightRig rig="threePt" dir="t"/>
-    </dgm:scene3d>
-    <dgm:sp3d/>
-    <dgm:txPr/>
-    <dgm:style>
-      <a:lnRef idx="2">
-        <a:scrgbClr r="0" g="0" b="0"/>
-      </a:lnRef>
-      <a:fillRef idx="1">
-        <a:scrgbClr r="0" g="0" b="0"/>
-      </a:fillRef>
-      <a:effectRef idx="0">
-        <a:scrgbClr r="0" g="0" b="0"/>
-      </a:effectRef>
-      <a:fontRef idx="minor"/>
-    </dgm:style>
-  </dgm:styleLbl>
-  <dgm:styleLbl name="fgAccFollowNode1">
-    <dgm:scene3d>
-      <a:camera prst="orthographicFront"/>
-      <a:lightRig rig="threePt" dir="t"/>
-    </dgm:scene3d>
-    <dgm:sp3d/>
-    <dgm:txPr/>
-    <dgm:style>
-      <a:lnRef idx="2">
-        <a:scrgbClr r="0" g="0" b="0"/>
-      </a:lnRef>
-      <a:fillRef idx="1">
-        <a:scrgbClr r="0" g="0" b="0"/>
-      </a:fillRef>
-      <a:effectRef idx="0">
-        <a:scrgbClr r="0" g="0" b="0"/>
-      </a:effectRef>
-      <a:fontRef idx="minor"/>
-    </dgm:style>
-  </dgm:styleLbl>
-  <dgm:styleLbl name="alignAccFollowNode1">
-    <dgm:scene3d>
-      <a:camera prst="orthographicFront"/>
-      <a:lightRig rig="threePt" dir="t"/>
-    </dgm:scene3d>
-    <dgm:sp3d/>
-    <dgm:txPr/>
-    <dgm:style>
-      <a:lnRef idx="2">
-        <a:scrgbClr r="0" g="0" b="0"/>
-      </a:lnRef>
-      <a:fillRef idx="1">
-        <a:scrgbClr r="0" g="0" b="0"/>
-      </a:fillRef>
-      <a:effectRef idx="0">
-        <a:scrgbClr r="0" g="0" b="0"/>
-      </a:effectRef>
-      <a:fontRef idx="minor"/>
-    </dgm:style>
-  </dgm:styleLbl>
-  <dgm:styleLbl name="bgAccFollowNode1">
-    <dgm:scene3d>
-      <a:camera prst="orthographicFront"/>
-      <a:lightRig rig="threePt" dir="t"/>
-    </dgm:scene3d>
-    <dgm:sp3d/>
-    <dgm:txPr/>
-    <dgm:style>
-      <a:lnRef idx="2">
-        <a:scrgbClr r="0" g="0" b="0"/>
-      </a:lnRef>
-      <a:fillRef idx="1">
-        <a:scrgbClr r="0" g="0" b="0"/>
-      </a:fillRef>
-      <a:effectRef idx="0">
-        <a:scrgbClr r="0" g="0" b="0"/>
-      </a:effectRef>
-      <a:fontRef idx="minor"/>
-    </dgm:style>
-  </dgm:styleLbl>
-  <dgm:styleLbl name="fgAcc0">
-    <dgm:scene3d>
-      <a:camera prst="orthographicFront"/>
-      <a:lightRig rig="threePt" dir="t"/>
-    </dgm:scene3d>
-    <dgm:sp3d/>
-    <dgm:txPr/>
-    <dgm:style>
-      <a:lnRef idx="2">
-        <a:scrgbClr r="0" g="0" b="0"/>
-      </a:lnRef>
-      <a:fillRef idx="1">
-        <a:scrgbClr r="0" g="0" b="0"/>
-      </a:fillRef>
-      <a:effectRef idx="0">
-        <a:scrgbClr r="0" g="0" b="0"/>
-      </a:effectRef>
-      <a:fontRef idx="minor"/>
-    </dgm:style>
-  </dgm:styleLbl>
-  <dgm:styleLbl name="fgAcc2">
-    <dgm:scene3d>
-      <a:camera prst="orthographicFront"/>
-      <a:lightRig rig="threePt" dir="t"/>
-    </dgm:scene3d>
-    <dgm:sp3d/>
-    <dgm:txPr/>
-    <dgm:style>
-      <a:lnRef idx="2">
-        <a:scrgbClr r="0" g="0" b="0"/>
-      </a:lnRef>
-      <a:fillRef idx="1">
-        <a:scrgbClr r="0" g="0" b="0"/>
-      </a:fillRef>
-      <a:effectRef idx="0">
-        <a:scrgbClr r="0" g="0" b="0"/>
-      </a:effectRef>
-      <a:fontRef idx="minor"/>
-    </dgm:style>
-  </dgm:styleLbl>
-  <dgm:styleLbl name="fgAcc3">
-    <dgm:scene3d>
-      <a:camera prst="orthographicFront"/>
-      <a:lightRig rig="threePt" dir="t"/>
-    </dgm:scene3d>
-    <dgm:sp3d/>
-    <dgm:txPr/>
-    <dgm:style>
-      <a:lnRef idx="2">
-        <a:scrgbClr r="0" g="0" b="0"/>
-      </a:lnRef>
-      <a:fillRef idx="1">
-        <a:scrgbClr r="0" g="0" b="0"/>
-      </a:fillRef>
-      <a:effectRef idx="0">
-        <a:scrgbClr r="0" g="0" b="0"/>
-      </a:effectRef>
-      <a:fontRef idx="minor"/>
-    </dgm:style>
-  </dgm:styleLbl>
-  <dgm:styleLbl name="fgAcc4">
-    <dgm:scene3d>
-      <a:camera prst="orthographicFront"/>
-      <a:lightRig rig="threePt" dir="t"/>
-    </dgm:scene3d>
-    <dgm:sp3d/>
-    <dgm:txPr/>
-    <dgm:style>
-      <a:lnRef idx="2">
-        <a:scrgbClr r="0" g="0" b="0"/>
-      </a:lnRef>
-      <a:fillRef idx="1">
-        <a:scrgbClr r="0" g="0" b="0"/>
-      </a:fillRef>
-      <a:effectRef idx="0">
-        <a:scrgbClr r="0" g="0" b="0"/>
-      </a:effectRef>
-      <a:fontRef idx="minor"/>
-    </dgm:style>
-  </dgm:styleLbl>
-  <dgm:styleLbl name="bgShp">
-    <dgm:scene3d>
-      <a:camera prst="orthographicFront"/>
-      <a:lightRig rig="threePt" dir="t"/>
-    </dgm:scene3d>
-    <dgm:sp3d/>
-    <dgm:txPr/>
-    <dgm:style>
-      <a:lnRef idx="0">
-        <a:scrgbClr r="0" g="0" b="0"/>
-      </a:lnRef>
-      <a:fillRef idx="1">
-        <a:scrgbClr r="0" g="0" b="0"/>
-      </a:fillRef>
-      <a:effectRef idx="0">
-        <a:scrgbClr r="0" g="0" b="0"/>
-      </a:effectRef>
-      <a:fontRef idx="minor"/>
-    </dgm:style>
-  </dgm:styleLbl>
-  <dgm:styleLbl name="dkBgShp">
-    <dgm:scene3d>
-      <a:camera prst="orthographicFront"/>
-      <a:lightRig rig="threePt" dir="t"/>
-    </dgm:scene3d>
-    <dgm:sp3d/>
-    <dgm:txPr/>
-    <dgm:style>
-      <a:lnRef idx="0">
-        <a:scrgbClr r="0" g="0" b="0"/>
-      </a:lnRef>
-      <a:fillRef idx="1">
-        <a:scrgbClr r="0" g="0" b="0"/>
-      </a:fillRef>
-      <a:effectRef idx="0">
-        <a:scrgbClr r="0" g="0" b="0"/>
-      </a:effectRef>
-      <a:fontRef idx="minor"/>
-    </dgm:style>
-  </dgm:styleLbl>
-  <dgm:styleLbl name="trBgShp">
-    <dgm:scene3d>
-      <a:camera prst="orthographicFront"/>
-      <a:lightRig rig="threePt" dir="t"/>
-    </dgm:scene3d>
-    <dgm:sp3d/>
-    <dgm:txPr/>
-    <dgm:style>
-      <a:lnRef idx="0">
-        <a:scrgbClr r="0" g="0" b="0"/>
-      </a:lnRef>
-      <a:fillRef idx="1">
-        <a:scrgbClr r="0" g="0" b="0"/>
-      </a:fillRef>
-      <a:effectRef idx="0">
-        <a:scrgbClr r="0" g="0" b="0"/>
-      </a:effectRef>
-      <a:fontRef idx="minor"/>
-    </dgm:style>
-  </dgm:styleLbl>
-  <dgm:styleLbl name="fgShp">
-    <dgm:scene3d>
-      <a:camera prst="orthographicFront"/>
-      <a:lightRig rig="threePt" dir="t"/>
-    </dgm:scene3d>
-    <dgm:sp3d/>
-    <dgm:txPr/>
-    <dgm:style>
-      <a:lnRef idx="2">
-        <a:scrgbClr r="0" g="0" b="0"/>
-      </a:lnRef>
-      <a:fillRef idx="1">
-        <a:scrgbClr r="0" g="0" b="0"/>
-      </a:fillRef>
-      <a:effectRef idx="0">
-        <a:scrgbClr r="0" g="0" b="0"/>
-      </a:effectRef>
-      <a:fontRef idx="minor"/>
-    </dgm:style>
-  </dgm:styleLbl>
-  <dgm:styleLbl name="revTx">
-    <dgm:scene3d>
-      <a:camera prst="orthographicFront"/>
-      <a:lightRig rig="threePt" dir="t"/>
-    </dgm:scene3d>
-    <dgm:sp3d/>
-    <dgm:txPr/>
-    <dgm:style>
-      <a:lnRef idx="0">
-        <a:scrgbClr r="0" g="0" b="0"/>
-      </a:lnRef>
-      <a:fillRef idx="0">
-        <a:scrgbClr r="0" g="0" b="0"/>
-      </a:fillRef>
-      <a:effectRef idx="0">
-        <a:scrgbClr r="0" g="0" b="0"/>
-      </a:effectRef>
-      <a:fontRef idx="minor"/>
-    </dgm:style>
-  </dgm:styleLbl>
-</dgm:styleDef>
-</file>
-
 <file path=ppt/notesMasters/notesMaster1.xml><?xml version="1.0" encoding="utf-8"?>
 <p:notesMaster xmlns:a="http://schemas.openxmlformats.org/drawingml/2006/main" xmlns:r="http://schemas.openxmlformats.org/officeDocument/2006/relationships" xmlns:p="http://schemas.openxmlformats.org/presentationml/2006/main">
   <p:cSld>
@@ -9892,7 +7371,7 @@
           <a:p>
             <a:fld id="{43FFC8C6-CBAC-4779-A46F-C8A43BE713D8}" type="datetimeFigureOut">
               <a:rPr lang="en-AU" smtClean="0"/>
-              <a:t>30/08/2025</a:t>
+              <a:t>1/09/2025</a:t>
             </a:fld>
             <a:endParaRPr lang="en-AU"/>
           </a:p>
@@ -10362,7 +7841,45 @@
                 <a:ea typeface="+mn-ea"/>
                 <a:cs typeface="+mn-cs"/>
               </a:rPr>
-              <a:t> Agents emphasizes the use of Pub/Sub messaging for event-driven communication between agents. This principle ensures:</a:t>
+              <a:t> Agents embraces workflows as a foundational concept, integrating </a:t>
+            </a:r>
+            <a:r>
+              <a:rPr lang="en-US" sz="1200" b="0" i="0" u="none" strike="noStrike" kern="1200" dirty="0" err="1">
+                <a:solidFill>
+                  <a:schemeClr val="tx1"/>
+                </a:solidFill>
+                <a:effectLst/>
+                <a:latin typeface="+mn-lt"/>
+                <a:ea typeface="+mn-ea"/>
+                <a:cs typeface="+mn-cs"/>
+                <a:hlinkClick r:id="rId3"/>
+              </a:rPr>
+              <a:t>Dapr</a:t>
+            </a:r>
+            <a:r>
+              <a:rPr lang="en-US" sz="1200" b="0" i="0" u="none" strike="noStrike" kern="1200" dirty="0">
+                <a:solidFill>
+                  <a:schemeClr val="tx1"/>
+                </a:solidFill>
+                <a:effectLst/>
+                <a:latin typeface="+mn-lt"/>
+                <a:ea typeface="+mn-ea"/>
+                <a:cs typeface="+mn-cs"/>
+                <a:hlinkClick r:id="rId3"/>
+              </a:rPr>
+              <a:t> Workflows</a:t>
+            </a:r>
+            <a:r>
+              <a:rPr lang="en-US" sz="1200" b="0" i="0" kern="1200" dirty="0">
+                <a:solidFill>
+                  <a:schemeClr val="tx1"/>
+                </a:solidFill>
+                <a:effectLst/>
+                <a:latin typeface="+mn-lt"/>
+                <a:ea typeface="+mn-ea"/>
+                <a:cs typeface="+mn-cs"/>
+              </a:rPr>
+              <a:t> to support both deterministic and event-driven task orchestration. This dual approach enables robust and adaptive systems:</a:t>
             </a:r>
           </a:p>
           <a:p>
@@ -10387,10 +7904,20 @@
                 <a:ea typeface="+mn-ea"/>
                 <a:cs typeface="+mn-cs"/>
               </a:rPr>
-              <a:t>Decoupled Architecture: Asynchronous communication for scalability and modularity.</a:t>
-            </a:r>
-          </a:p>
-          <a:p>
+              <a:t>Deterministic Workflows: </a:t>
+            </a:r>
+            <a:r>
+              <a:rPr lang="en-US" sz="1200" b="0" i="0" kern="1200" dirty="0" err="1">
+                <a:solidFill>
+                  <a:schemeClr val="tx1"/>
+                </a:solidFill>
+                <a:effectLst/>
+                <a:latin typeface="+mn-lt"/>
+                <a:ea typeface="+mn-ea"/>
+                <a:cs typeface="+mn-cs"/>
+              </a:rPr>
+              <a:t>Dapr</a:t>
+            </a:r>
             <a:r>
               <a:rPr lang="en-US" sz="1200" b="0" i="0" kern="1200" dirty="0">
                 <a:solidFill>
@@ -10401,10 +7928,20 @@
                 <a:ea typeface="+mn-ea"/>
                 <a:cs typeface="+mn-cs"/>
               </a:rPr>
-              <a:t>Real-Time Adaptability: Agents react dynamically to events for faster, more flexible task execution.</a:t>
-            </a:r>
-          </a:p>
-          <a:p>
+              <a:t> Agents uses </a:t>
+            </a:r>
+            <a:r>
+              <a:rPr lang="en-US" sz="1200" b="0" i="0" kern="1200" dirty="0" err="1">
+                <a:solidFill>
+                  <a:schemeClr val="tx1"/>
+                </a:solidFill>
+                <a:effectLst/>
+                <a:latin typeface="+mn-lt"/>
+                <a:ea typeface="+mn-ea"/>
+                <a:cs typeface="+mn-cs"/>
+              </a:rPr>
+              <a:t>Dapr</a:t>
+            </a:r>
             <a:r>
               <a:rPr lang="en-US" sz="1200" b="0" i="0" kern="1200" dirty="0">
                 <a:solidFill>
@@ -10415,7 +7952,118 @@
                 <a:ea typeface="+mn-ea"/>
                 <a:cs typeface="+mn-cs"/>
               </a:rPr>
-              <a:t>Seamless Collaboration: Agents share updates, distribute tasks, and respond to events in a highly coordinated way.</a:t>
+              <a:t> Workflows for stateful, predictable task sequences. These workflows ensure reliable execution, fault tolerance, and state persistence, making them ideal for structured, multi-step processes that require clear, repeatable logic.</a:t>
+            </a:r>
+          </a:p>
+          <a:p>
+            <a:r>
+              <a:rPr lang="en-US" sz="1200" b="0" i="0" kern="1200" dirty="0">
+                <a:solidFill>
+                  <a:schemeClr val="tx1"/>
+                </a:solidFill>
+                <a:effectLst/>
+                <a:latin typeface="+mn-lt"/>
+                <a:ea typeface="+mn-ea"/>
+                <a:cs typeface="+mn-cs"/>
+              </a:rPr>
+              <a:t>Event-Driven Workflows: By combining </a:t>
+            </a:r>
+            <a:r>
+              <a:rPr lang="en-US" sz="1200" b="0" i="0" kern="1200" dirty="0" err="1">
+                <a:solidFill>
+                  <a:schemeClr val="tx1"/>
+                </a:solidFill>
+                <a:effectLst/>
+                <a:latin typeface="+mn-lt"/>
+                <a:ea typeface="+mn-ea"/>
+                <a:cs typeface="+mn-cs"/>
+              </a:rPr>
+              <a:t>Dapr</a:t>
+            </a:r>
+            <a:r>
+              <a:rPr lang="en-US" sz="1200" b="0" i="0" kern="1200" dirty="0">
+                <a:solidFill>
+                  <a:schemeClr val="tx1"/>
+                </a:solidFill>
+                <a:effectLst/>
+                <a:latin typeface="+mn-lt"/>
+                <a:ea typeface="+mn-ea"/>
+                <a:cs typeface="+mn-cs"/>
+              </a:rPr>
+              <a:t> Workflows with Pub/Sub messaging, </a:t>
+            </a:r>
+            <a:r>
+              <a:rPr lang="en-US" sz="1200" b="0" i="0" kern="1200" dirty="0" err="1">
+                <a:solidFill>
+                  <a:schemeClr val="tx1"/>
+                </a:solidFill>
+                <a:effectLst/>
+                <a:latin typeface="+mn-lt"/>
+                <a:ea typeface="+mn-ea"/>
+                <a:cs typeface="+mn-cs"/>
+              </a:rPr>
+              <a:t>Dapr</a:t>
+            </a:r>
+            <a:r>
+              <a:rPr lang="en-US" sz="1200" b="0" i="0" kern="1200" dirty="0">
+                <a:solidFill>
+                  <a:schemeClr val="tx1"/>
+                </a:solidFill>
+                <a:effectLst/>
+                <a:latin typeface="+mn-lt"/>
+                <a:ea typeface="+mn-ea"/>
+                <a:cs typeface="+mn-cs"/>
+              </a:rPr>
+              <a:t> Agents supports workflows that adapt to real-time events. This facilitates decentralized, asynchronous collaboration between agents, allowing workflows to dynamically adjust to changing scenarios.</a:t>
+            </a:r>
+          </a:p>
+          <a:p>
+            <a:endParaRPr lang="en-US" sz="1200" b="0" i="0" kern="1200" dirty="0">
+              <a:solidFill>
+                <a:schemeClr val="tx1"/>
+              </a:solidFill>
+              <a:effectLst/>
+              <a:latin typeface="+mn-lt"/>
+              <a:ea typeface="+mn-ea"/>
+              <a:cs typeface="+mn-cs"/>
+            </a:endParaRPr>
+          </a:p>
+          <a:p>
+            <a:r>
+              <a:rPr lang="en-US" sz="1200" b="0" i="0" kern="1200" dirty="0">
+                <a:solidFill>
+                  <a:schemeClr val="tx1"/>
+                </a:solidFill>
+                <a:effectLst/>
+                <a:latin typeface="+mn-lt"/>
+                <a:ea typeface="+mn-ea"/>
+                <a:cs typeface="+mn-cs"/>
+              </a:rPr>
+              <a:t>By integrating these paradigms, </a:t>
+            </a:r>
+            <a:r>
+              <a:rPr lang="en-US" sz="1200" b="0" i="0" kern="1200" dirty="0" err="1">
+                <a:solidFill>
+                  <a:schemeClr val="tx1"/>
+                </a:solidFill>
+                <a:effectLst/>
+                <a:latin typeface="+mn-lt"/>
+                <a:ea typeface="+mn-ea"/>
+                <a:cs typeface="+mn-cs"/>
+              </a:rPr>
+              <a:t>Dapr</a:t>
+            </a:r>
+            <a:r>
+              <a:rPr lang="en-US" sz="1200" b="0" i="0" kern="1200" dirty="0">
+                <a:solidFill>
+                  <a:schemeClr val="tx1"/>
+                </a:solidFill>
+                <a:effectLst/>
+                <a:latin typeface="+mn-lt"/>
+                <a:ea typeface="+mn-ea"/>
+                <a:cs typeface="+mn-cs"/>
+              </a:rPr>
+              <a:t> Agents enables workflows that combine the reliability of deterministic execution with the adaptability of event-driven processes, ensuring flexibility and resilience in a wide range of applications.</a:t>
             </a:r>
           </a:p>
           <a:p>
@@ -10449,7 +8097,7 @@
     </p:spTree>
     <p:extLst>
       <p:ext uri="{BB962C8B-B14F-4D97-AF65-F5344CB8AC3E}">
-        <p14:creationId xmlns:p14="http://schemas.microsoft.com/office/powerpoint/2010/main" val="2129206966"/>
+        <p14:creationId xmlns:p14="http://schemas.microsoft.com/office/powerpoint/2010/main" val="828409999"/>
       </p:ext>
     </p:extLst>
   </p:cSld>
@@ -10504,254 +8152,34 @@
           <a:lstStyle/>
           <a:p>
             <a:r>
-              <a:rPr lang="en-US" sz="1200" b="0" i="0" kern="1200" dirty="0" err="1">
-                <a:solidFill>
-                  <a:schemeClr val="tx1"/>
-                </a:solidFill>
-                <a:effectLst/>
-                <a:latin typeface="+mn-lt"/>
-                <a:ea typeface="+mn-ea"/>
-                <a:cs typeface="+mn-cs"/>
-              </a:rPr>
+              <a:rPr lang="en-AU" dirty="0"/>
+              <a:t>That’s given us a solid foundation on </a:t>
+            </a:r>
+            <a:r>
+              <a:rPr lang="en-AU" dirty="0" err="1"/>
               <a:t>Dapr</a:t>
             </a:r>
             <a:r>
-              <a:rPr lang="en-US" sz="1200" b="0" i="0" kern="1200" dirty="0">
-                <a:solidFill>
-                  <a:schemeClr val="tx1"/>
-                </a:solidFill>
-                <a:effectLst/>
-                <a:latin typeface="+mn-lt"/>
-                <a:ea typeface="+mn-ea"/>
-                <a:cs typeface="+mn-cs"/>
-              </a:rPr>
-              <a:t> Agents embraces workflows as a foundational concept, integrating </a:t>
-            </a:r>
-            <a:r>
-              <a:rPr lang="en-US" sz="1200" b="0" i="0" u="none" strike="noStrike" kern="1200" dirty="0" err="1">
-                <a:solidFill>
-                  <a:schemeClr val="tx1"/>
-                </a:solidFill>
-                <a:effectLst/>
-                <a:latin typeface="+mn-lt"/>
-                <a:ea typeface="+mn-ea"/>
-                <a:cs typeface="+mn-cs"/>
-                <a:hlinkClick r:id="rId3"/>
-              </a:rPr>
+              <a:rPr lang="en-AU" dirty="0"/>
+              <a:t> Agents – Let’s dive into some code and explore some basic agents.</a:t>
+            </a:r>
+          </a:p>
+          <a:p>
+            <a:endParaRPr lang="en-AU" dirty="0"/>
+          </a:p>
+          <a:p>
+            <a:r>
+              <a:rPr lang="en-AU" dirty="0"/>
+              <a:t>We’ll start with Agents that interact with LLMs, then we’ll look at external tools and how we can use them in </a:t>
+            </a:r>
+            <a:r>
+              <a:rPr lang="en-AU" dirty="0" err="1"/>
               <a:t>Dapr</a:t>
             </a:r>
             <a:r>
-              <a:rPr lang="en-US" sz="1200" b="0" i="0" u="none" strike="noStrike" kern="1200" dirty="0">
-                <a:solidFill>
-                  <a:schemeClr val="tx1"/>
-                </a:solidFill>
-                <a:effectLst/>
-                <a:latin typeface="+mn-lt"/>
-                <a:ea typeface="+mn-ea"/>
-                <a:cs typeface="+mn-cs"/>
-                <a:hlinkClick r:id="rId3"/>
-              </a:rPr>
-              <a:t> Workflows</a:t>
-            </a:r>
-            <a:r>
-              <a:rPr lang="en-US" sz="1200" b="0" i="0" kern="1200" dirty="0">
-                <a:solidFill>
-                  <a:schemeClr val="tx1"/>
-                </a:solidFill>
-                <a:effectLst/>
-                <a:latin typeface="+mn-lt"/>
-                <a:ea typeface="+mn-ea"/>
-                <a:cs typeface="+mn-cs"/>
-              </a:rPr>
-              <a:t> to support both deterministic and event-driven task orchestration. This dual approach enables robust and adaptive systems:</a:t>
-            </a:r>
-          </a:p>
-          <a:p>
-            <a:endParaRPr lang="en-US" sz="1200" b="0" i="0" kern="1200" dirty="0">
-              <a:solidFill>
-                <a:schemeClr val="tx1"/>
-              </a:solidFill>
-              <a:effectLst/>
-              <a:latin typeface="+mn-lt"/>
-              <a:ea typeface="+mn-ea"/>
-              <a:cs typeface="+mn-cs"/>
-            </a:endParaRPr>
-          </a:p>
-          <a:p>
-            <a:r>
-              <a:rPr lang="en-US" sz="1200" b="0" i="0" kern="1200" dirty="0">
-                <a:solidFill>
-                  <a:schemeClr val="tx1"/>
-                </a:solidFill>
-                <a:effectLst/>
-                <a:latin typeface="+mn-lt"/>
-                <a:ea typeface="+mn-ea"/>
-                <a:cs typeface="+mn-cs"/>
-              </a:rPr>
-              <a:t>Deterministic Workflows: </a:t>
-            </a:r>
-            <a:r>
-              <a:rPr lang="en-US" sz="1200" b="0" i="0" kern="1200" dirty="0" err="1">
-                <a:solidFill>
-                  <a:schemeClr val="tx1"/>
-                </a:solidFill>
-                <a:effectLst/>
-                <a:latin typeface="+mn-lt"/>
-                <a:ea typeface="+mn-ea"/>
-                <a:cs typeface="+mn-cs"/>
-              </a:rPr>
-              <a:t>Dapr</a:t>
-            </a:r>
-            <a:r>
-              <a:rPr lang="en-US" sz="1200" b="0" i="0" kern="1200" dirty="0">
-                <a:solidFill>
-                  <a:schemeClr val="tx1"/>
-                </a:solidFill>
-                <a:effectLst/>
-                <a:latin typeface="+mn-lt"/>
-                <a:ea typeface="+mn-ea"/>
-                <a:cs typeface="+mn-cs"/>
-              </a:rPr>
-              <a:t> Agents uses </a:t>
-            </a:r>
-            <a:r>
-              <a:rPr lang="en-US" sz="1200" b="0" i="0" kern="1200" dirty="0" err="1">
-                <a:solidFill>
-                  <a:schemeClr val="tx1"/>
-                </a:solidFill>
-                <a:effectLst/>
-                <a:latin typeface="+mn-lt"/>
-                <a:ea typeface="+mn-ea"/>
-                <a:cs typeface="+mn-cs"/>
-              </a:rPr>
-              <a:t>Dapr</a:t>
-            </a:r>
-            <a:r>
-              <a:rPr lang="en-US" sz="1200" b="0" i="0" kern="1200" dirty="0">
-                <a:solidFill>
-                  <a:schemeClr val="tx1"/>
-                </a:solidFill>
-                <a:effectLst/>
-                <a:latin typeface="+mn-lt"/>
-                <a:ea typeface="+mn-ea"/>
-                <a:cs typeface="+mn-cs"/>
-              </a:rPr>
-              <a:t> Workflows for stateful, predictable task sequences. These workflows ensure reliable execution, fault tolerance, and state persistence, making them ideal for structured, multi-step processes that require clear, repeatable logic.</a:t>
-            </a:r>
-          </a:p>
-          <a:p>
-            <a:r>
-              <a:rPr lang="en-US" sz="1200" b="0" i="0" kern="1200" dirty="0">
-                <a:solidFill>
-                  <a:schemeClr val="tx1"/>
-                </a:solidFill>
-                <a:effectLst/>
-                <a:latin typeface="+mn-lt"/>
-                <a:ea typeface="+mn-ea"/>
-                <a:cs typeface="+mn-cs"/>
-              </a:rPr>
-              <a:t>Event-Driven Workflows: By combining </a:t>
-            </a:r>
-            <a:r>
-              <a:rPr lang="en-US" sz="1200" b="0" i="0" kern="1200" dirty="0" err="1">
-                <a:solidFill>
-                  <a:schemeClr val="tx1"/>
-                </a:solidFill>
-                <a:effectLst/>
-                <a:latin typeface="+mn-lt"/>
-                <a:ea typeface="+mn-ea"/>
-                <a:cs typeface="+mn-cs"/>
-              </a:rPr>
-              <a:t>Dapr</a:t>
-            </a:r>
-            <a:r>
-              <a:rPr lang="en-US" sz="1200" b="0" i="0" kern="1200" dirty="0">
-                <a:solidFill>
-                  <a:schemeClr val="tx1"/>
-                </a:solidFill>
-                <a:effectLst/>
-                <a:latin typeface="+mn-lt"/>
-                <a:ea typeface="+mn-ea"/>
-                <a:cs typeface="+mn-cs"/>
-              </a:rPr>
-              <a:t> Workflows with Pub/Sub messaging, </a:t>
-            </a:r>
-            <a:r>
-              <a:rPr lang="en-US" sz="1200" b="0" i="0" kern="1200" dirty="0" err="1">
-                <a:solidFill>
-                  <a:schemeClr val="tx1"/>
-                </a:solidFill>
-                <a:effectLst/>
-                <a:latin typeface="+mn-lt"/>
-                <a:ea typeface="+mn-ea"/>
-                <a:cs typeface="+mn-cs"/>
-              </a:rPr>
-              <a:t>Dapr</a:t>
-            </a:r>
-            <a:r>
-              <a:rPr lang="en-US" sz="1200" b="0" i="0" kern="1200" dirty="0">
-                <a:solidFill>
-                  <a:schemeClr val="tx1"/>
-                </a:solidFill>
-                <a:effectLst/>
-                <a:latin typeface="+mn-lt"/>
-                <a:ea typeface="+mn-ea"/>
-                <a:cs typeface="+mn-cs"/>
-              </a:rPr>
-              <a:t> Agents supports workflows that adapt to real-time events. This facilitates decentralized, asynchronous collaboration between agents, allowing workflows to dynamically adjust to changing scenarios.</a:t>
-            </a:r>
-          </a:p>
-          <a:p>
-            <a:endParaRPr lang="en-US" sz="1200" b="0" i="0" kern="1200" dirty="0">
-              <a:solidFill>
-                <a:schemeClr val="tx1"/>
-              </a:solidFill>
-              <a:effectLst/>
-              <a:latin typeface="+mn-lt"/>
-              <a:ea typeface="+mn-ea"/>
-              <a:cs typeface="+mn-cs"/>
-            </a:endParaRPr>
-          </a:p>
-          <a:p>
-            <a:r>
-              <a:rPr lang="en-US" sz="1200" b="0" i="0" kern="1200" dirty="0">
-                <a:solidFill>
-                  <a:schemeClr val="tx1"/>
-                </a:solidFill>
-                <a:effectLst/>
-                <a:latin typeface="+mn-lt"/>
-                <a:ea typeface="+mn-ea"/>
-                <a:cs typeface="+mn-cs"/>
-              </a:rPr>
-              <a:t>By integrating these paradigms, </a:t>
-            </a:r>
-            <a:r>
-              <a:rPr lang="en-US" sz="1200" b="0" i="0" kern="1200" dirty="0" err="1">
-                <a:solidFill>
-                  <a:schemeClr val="tx1"/>
-                </a:solidFill>
-                <a:effectLst/>
-                <a:latin typeface="+mn-lt"/>
-                <a:ea typeface="+mn-ea"/>
-                <a:cs typeface="+mn-cs"/>
-              </a:rPr>
-              <a:t>Dapr</a:t>
-            </a:r>
-            <a:r>
-              <a:rPr lang="en-US" sz="1200" b="0" i="0" kern="1200" dirty="0">
-                <a:solidFill>
-                  <a:schemeClr val="tx1"/>
-                </a:solidFill>
-                <a:effectLst/>
-                <a:latin typeface="+mn-lt"/>
-                <a:ea typeface="+mn-ea"/>
-                <a:cs typeface="+mn-cs"/>
-              </a:rPr>
-              <a:t> Agents enables workflows that combine the reliability of deterministic execution with the adaptability of event-driven processes, ensuring flexibility and resilience in a wide range of applications.</a:t>
-            </a:r>
-          </a:p>
-          <a:p>
-            <a:endParaRPr lang="en-AU" dirty="0"/>
+              <a:rPr lang="en-AU" dirty="0"/>
+              <a:t> Agents. We’ll then take a look at Durable, Stateful Agents, Simple Workflows, and Agents with Vector Stores.</a:t>
+            </a:r>
           </a:p>
         </p:txBody>
       </p:sp>
@@ -10773,118 +8201,6 @@
             <a:fld id="{9DD1D314-7884-4CEC-89F8-8B4771B0C6E2}" type="slidenum">
               <a:rPr lang="en-AU" smtClean="0"/>
               <a:t>11</a:t>
-            </a:fld>
-            <a:endParaRPr lang="en-AU"/>
-          </a:p>
-        </p:txBody>
-      </p:sp>
-    </p:spTree>
-    <p:extLst>
-      <p:ext uri="{BB962C8B-B14F-4D97-AF65-F5344CB8AC3E}">
-        <p14:creationId xmlns:p14="http://schemas.microsoft.com/office/powerpoint/2010/main" val="828409999"/>
-      </p:ext>
-    </p:extLst>
-  </p:cSld>
-  <p:clrMapOvr>
-    <a:masterClrMapping/>
-  </p:clrMapOvr>
-</p:notes>
-</file>
-
-<file path=ppt/notesSlides/notesSlide12.xml><?xml version="1.0" encoding="utf-8"?>
-<p:notes xmlns:a="http://schemas.openxmlformats.org/drawingml/2006/main" xmlns:r="http://schemas.openxmlformats.org/officeDocument/2006/relationships" xmlns:p="http://schemas.openxmlformats.org/presentationml/2006/main">
-  <p:cSld>
-    <p:spTree>
-      <p:nvGrpSpPr>
-        <p:cNvPr id="1" name=""/>
-        <p:cNvGrpSpPr/>
-        <p:nvPr/>
-      </p:nvGrpSpPr>
-      <p:grpSpPr>
-        <a:xfrm>
-          <a:off x="0" y="0"/>
-          <a:ext cx="0" cy="0"/>
-          <a:chOff x="0" y="0"/>
-          <a:chExt cx="0" cy="0"/>
-        </a:xfrm>
-      </p:grpSpPr>
-      <p:sp>
-        <p:nvSpPr>
-          <p:cNvPr id="2" name="Slide Image Placeholder 1"/>
-          <p:cNvSpPr>
-            <a:spLocks noGrp="1" noRot="1" noChangeAspect="1"/>
-          </p:cNvSpPr>
-          <p:nvPr>
-            <p:ph type="sldImg"/>
-          </p:nvPr>
-        </p:nvSpPr>
-        <p:spPr/>
-      </p:sp>
-      <p:sp>
-        <p:nvSpPr>
-          <p:cNvPr id="3" name="Notes Placeholder 2"/>
-          <p:cNvSpPr>
-            <a:spLocks noGrp="1"/>
-          </p:cNvSpPr>
-          <p:nvPr>
-            <p:ph type="body" idx="1"/>
-          </p:nvPr>
-        </p:nvSpPr>
-        <p:spPr/>
-        <p:txBody>
-          <a:bodyPr/>
-          <a:lstStyle/>
-          <a:p>
-            <a:r>
-              <a:rPr lang="en-AU" dirty="0"/>
-              <a:t>That’s given us a solid foundation on </a:t>
-            </a:r>
-            <a:r>
-              <a:rPr lang="en-AU" dirty="0" err="1"/>
-              <a:t>Dapr</a:t>
-            </a:r>
-            <a:r>
-              <a:rPr lang="en-AU" dirty="0"/>
-              <a:t> Agents – Let’s dive into some code and explore some basic agents.</a:t>
-            </a:r>
-          </a:p>
-          <a:p>
-            <a:endParaRPr lang="en-AU" dirty="0"/>
-          </a:p>
-          <a:p>
-            <a:r>
-              <a:rPr lang="en-AU" dirty="0"/>
-              <a:t>We’ll start with Agents that interact with LLMs, then we’ll look at external tools and how we can use them in </a:t>
-            </a:r>
-            <a:r>
-              <a:rPr lang="en-AU" dirty="0" err="1"/>
-              <a:t>Dapr</a:t>
-            </a:r>
-            <a:r>
-              <a:rPr lang="en-AU" dirty="0"/>
-              <a:t> Agents. We’ll then take a look at Durable, Stateful Agents, Simple Workflows, and Agents with Vector Stores.</a:t>
-            </a:r>
-          </a:p>
-        </p:txBody>
-      </p:sp>
-      <p:sp>
-        <p:nvSpPr>
-          <p:cNvPr id="4" name="Slide Number Placeholder 3"/>
-          <p:cNvSpPr>
-            <a:spLocks noGrp="1"/>
-          </p:cNvSpPr>
-          <p:nvPr>
-            <p:ph type="sldNum" sz="quarter" idx="5"/>
-          </p:nvPr>
-        </p:nvSpPr>
-        <p:spPr/>
-        <p:txBody>
-          <a:bodyPr/>
-          <a:lstStyle/>
-          <a:p>
-            <a:fld id="{9DD1D314-7884-4CEC-89F8-8B4771B0C6E2}" type="slidenum">
-              <a:rPr lang="en-AU" smtClean="0"/>
-              <a:t>12</a:t>
             </a:fld>
             <a:endParaRPr lang="en-AU"/>
           </a:p>
@@ -11073,7 +8389,31 @@
           <a:p>
             <a:r>
               <a:rPr lang="en-AU" dirty="0"/>
-              <a:t>For now, let’s start with the basics</a:t>
+              <a:t>For now, let’s start with the basics – In this video we’ll tackle what </a:t>
+            </a:r>
+            <a:r>
+              <a:rPr lang="en-AU" dirty="0" err="1"/>
+              <a:t>Dapr</a:t>
+            </a:r>
+            <a:r>
+              <a:rPr lang="en-AU" dirty="0"/>
+              <a:t> Agents are and their benefits, the core principles behind </a:t>
+            </a:r>
+            <a:r>
+              <a:rPr lang="en-AU" dirty="0" err="1"/>
+              <a:t>Dapr</a:t>
+            </a:r>
+            <a:r>
+              <a:rPr lang="en-AU" dirty="0"/>
+              <a:t> Agents before jumping into some code and building our first </a:t>
+            </a:r>
+            <a:r>
+              <a:rPr lang="en-AU" dirty="0" err="1"/>
+              <a:t>Dapr</a:t>
+            </a:r>
+            <a:r>
+              <a:rPr lang="en-AU" dirty="0"/>
+              <a:t> Agents.</a:t>
             </a:r>
           </a:p>
         </p:txBody>
@@ -11159,33 +8499,16 @@
           <a:lstStyle/>
           <a:p>
             <a:r>
-              <a:rPr lang="en-AU" dirty="0"/>
-              <a:t>For now, let’s start with the basics – In this video we’ll tackle what </a:t>
-            </a:r>
-            <a:r>
               <a:rPr lang="en-AU" dirty="0" err="1"/>
               <a:t>Dapr</a:t>
             </a:r>
             <a:r>
               <a:rPr lang="en-AU" dirty="0"/>
-              <a:t> Agents are and their benefits, the core principles behind </a:t>
-            </a:r>
-            <a:r>
-              <a:rPr lang="en-AU" dirty="0" err="1"/>
-              <a:t>Dapr</a:t>
-            </a:r>
-            <a:r>
-              <a:rPr lang="en-AU" dirty="0"/>
-              <a:t> Agents before jumping into some code and building our first </a:t>
-            </a:r>
-            <a:r>
-              <a:rPr lang="en-AU" dirty="0" err="1"/>
-              <a:t>Dapr</a:t>
-            </a:r>
-            <a:r>
-              <a:rPr lang="en-AU" dirty="0"/>
-              <a:t> Agents.</a:t>
-            </a:r>
+              <a:t> Agents is an open-source framework for building and orchestrating LLM-based autonomous agents, designed to simplify the complexity of creating scalable agentic workflows and microservices.</a:t>
+            </a:r>
+          </a:p>
+          <a:p>
+            <a:endParaRPr lang="en-AU" dirty="0"/>
           </a:p>
           <a:p>
             <a:endParaRPr lang="en-AU" dirty="0"/>
@@ -11218,7 +8541,7 @@
     </p:spTree>
     <p:extLst>
       <p:ext uri="{BB962C8B-B14F-4D97-AF65-F5344CB8AC3E}">
-        <p14:creationId xmlns:p14="http://schemas.microsoft.com/office/powerpoint/2010/main" val="2298849568"/>
+        <p14:creationId xmlns:p14="http://schemas.microsoft.com/office/powerpoint/2010/main" val="309476395"/>
       </p:ext>
     </p:extLst>
   </p:cSld>
@@ -11273,16 +8596,175 @@
           <a:lstStyle/>
           <a:p>
             <a:r>
-              <a:rPr lang="en-AU" dirty="0" err="1"/>
+              <a:rPr lang="en-US" sz="1200" b="0" i="0" kern="1200" dirty="0" err="1">
+                <a:solidFill>
+                  <a:schemeClr val="tx1"/>
+                </a:solidFill>
+                <a:effectLst/>
+                <a:latin typeface="+mn-lt"/>
+                <a:ea typeface="+mn-ea"/>
+                <a:cs typeface="+mn-cs"/>
+              </a:rPr>
               <a:t>Dapr</a:t>
             </a:r>
             <a:r>
-              <a:rPr lang="en-AU" dirty="0"/>
-              <a:t> Agents is an open-source framework for building and orchestrating LLM-based autonomous agents, designed to simplify the complexity of creating scalable agentic workflows and microservices.</a:t>
-            </a:r>
-          </a:p>
-          <a:p>
-            <a:endParaRPr lang="en-AU" dirty="0"/>
+              <a:rPr lang="en-US" sz="1200" b="0" i="0" kern="1200" dirty="0">
+                <a:solidFill>
+                  <a:schemeClr val="tx1"/>
+                </a:solidFill>
+                <a:effectLst/>
+                <a:latin typeface="+mn-lt"/>
+                <a:ea typeface="+mn-ea"/>
+                <a:cs typeface="+mn-cs"/>
+              </a:rPr>
+              <a:t> Agents is built on </a:t>
+            </a:r>
+            <a:r>
+              <a:rPr lang="en-US" sz="1200" b="0" i="0" u="none" strike="noStrike" kern="1200" dirty="0" err="1">
+                <a:solidFill>
+                  <a:schemeClr val="tx1"/>
+                </a:solidFill>
+                <a:effectLst/>
+                <a:latin typeface="+mn-lt"/>
+                <a:ea typeface="+mn-ea"/>
+                <a:cs typeface="+mn-cs"/>
+                <a:hlinkClick r:id="rId3"/>
+              </a:rPr>
+              <a:t>Dapr</a:t>
+            </a:r>
+            <a:r>
+              <a:rPr lang="en-US" sz="1200" b="0" i="0" kern="1200" dirty="0">
+                <a:solidFill>
+                  <a:schemeClr val="tx1"/>
+                </a:solidFill>
+                <a:effectLst/>
+                <a:latin typeface="+mn-lt"/>
+                <a:ea typeface="+mn-ea"/>
+                <a:cs typeface="+mn-cs"/>
+              </a:rPr>
+              <a:t>, which offers built-in APIs and patterns such as state management, Pub/Sub messaging, service invocation, and virtual actors—that eliminate the need to recreate foundational components from scratch. By integrating with </a:t>
+            </a:r>
+            <a:r>
+              <a:rPr lang="en-US" sz="1200" b="0" i="0" kern="1200" dirty="0" err="1">
+                <a:solidFill>
+                  <a:schemeClr val="tx1"/>
+                </a:solidFill>
+                <a:effectLst/>
+                <a:latin typeface="+mn-lt"/>
+                <a:ea typeface="+mn-ea"/>
+                <a:cs typeface="+mn-cs"/>
+              </a:rPr>
+              <a:t>Dapr</a:t>
+            </a:r>
+            <a:r>
+              <a:rPr lang="en-US" sz="1200" b="0" i="0" kern="1200" dirty="0">
+                <a:solidFill>
+                  <a:schemeClr val="tx1"/>
+                </a:solidFill>
+                <a:effectLst/>
+                <a:latin typeface="+mn-lt"/>
+                <a:ea typeface="+mn-ea"/>
+                <a:cs typeface="+mn-cs"/>
+              </a:rPr>
+              <a:t>, </a:t>
+            </a:r>
+            <a:r>
+              <a:rPr lang="en-US" sz="1200" b="0" i="0" kern="1200" dirty="0" err="1">
+                <a:solidFill>
+                  <a:schemeClr val="tx1"/>
+                </a:solidFill>
+                <a:effectLst/>
+                <a:latin typeface="+mn-lt"/>
+                <a:ea typeface="+mn-ea"/>
+                <a:cs typeface="+mn-cs"/>
+              </a:rPr>
+              <a:t>Dapr</a:t>
+            </a:r>
+            <a:r>
+              <a:rPr lang="en-US" sz="1200" b="0" i="0" kern="1200" dirty="0">
+                <a:solidFill>
+                  <a:schemeClr val="tx1"/>
+                </a:solidFill>
+                <a:effectLst/>
+                <a:latin typeface="+mn-lt"/>
+                <a:ea typeface="+mn-ea"/>
+                <a:cs typeface="+mn-cs"/>
+              </a:rPr>
+              <a:t> Agents empowers developers to focus on the intelligence and behavior of LLM-powered agents while leveraging a proven framework for scalability and reliability.</a:t>
+            </a:r>
+          </a:p>
+          <a:p>
+            <a:endParaRPr lang="en-US" sz="1200" b="0" i="0" kern="1200" dirty="0">
+              <a:solidFill>
+                <a:schemeClr val="tx1"/>
+              </a:solidFill>
+              <a:effectLst/>
+              <a:latin typeface="+mn-lt"/>
+              <a:ea typeface="+mn-ea"/>
+              <a:cs typeface="+mn-cs"/>
+            </a:endParaRPr>
+          </a:p>
+          <a:p>
+            <a:r>
+              <a:rPr lang="en-US" sz="1200" b="0" i="0" kern="1200" dirty="0">
+                <a:solidFill>
+                  <a:schemeClr val="tx1"/>
+                </a:solidFill>
+                <a:effectLst/>
+                <a:latin typeface="+mn-lt"/>
+                <a:ea typeface="+mn-ea"/>
+                <a:cs typeface="+mn-cs"/>
+              </a:rPr>
+              <a:t>Rather than reinventing microservices, </a:t>
+            </a:r>
+            <a:r>
+              <a:rPr lang="en-US" sz="1200" b="0" i="0" kern="1200" dirty="0" err="1">
+                <a:solidFill>
+                  <a:schemeClr val="tx1"/>
+                </a:solidFill>
+                <a:effectLst/>
+                <a:latin typeface="+mn-lt"/>
+                <a:ea typeface="+mn-ea"/>
+                <a:cs typeface="+mn-cs"/>
+              </a:rPr>
+              <a:t>Dapr</a:t>
+            </a:r>
+            <a:r>
+              <a:rPr lang="en-US" sz="1200" b="0" i="0" kern="1200" dirty="0">
+                <a:solidFill>
+                  <a:schemeClr val="tx1"/>
+                </a:solidFill>
+                <a:effectLst/>
+                <a:latin typeface="+mn-lt"/>
+                <a:ea typeface="+mn-ea"/>
+                <a:cs typeface="+mn-cs"/>
+              </a:rPr>
+              <a:t> Agents enables developers to design, test, and deploy agents that seamlessly integrate as collaborative services within larger systems. Whether experimenting with a single agent or orchestrating workflows involving multiple agents, </a:t>
+            </a:r>
+            <a:r>
+              <a:rPr lang="en-US" sz="1200" b="0" i="0" kern="1200" dirty="0" err="1">
+                <a:solidFill>
+                  <a:schemeClr val="tx1"/>
+                </a:solidFill>
+                <a:effectLst/>
+                <a:latin typeface="+mn-lt"/>
+                <a:ea typeface="+mn-ea"/>
+                <a:cs typeface="+mn-cs"/>
+              </a:rPr>
+              <a:t>Dapr</a:t>
+            </a:r>
+            <a:r>
+              <a:rPr lang="en-US" sz="1200" b="0" i="0" kern="1200" dirty="0">
+                <a:solidFill>
+                  <a:schemeClr val="tx1"/>
+                </a:solidFill>
+                <a:effectLst/>
+                <a:latin typeface="+mn-lt"/>
+                <a:ea typeface="+mn-ea"/>
+                <a:cs typeface="+mn-cs"/>
+              </a:rPr>
+              <a:t> Agents simplifies the exploration and implementation of scalable agentic workflows.</a:t>
+            </a:r>
           </a:p>
           <a:p>
             <a:endParaRPr lang="en-AU" dirty="0"/>
@@ -11315,7 +8797,7 @@
     </p:spTree>
     <p:extLst>
       <p:ext uri="{BB962C8B-B14F-4D97-AF65-F5344CB8AC3E}">
-        <p14:creationId xmlns:p14="http://schemas.microsoft.com/office/powerpoint/2010/main" val="309476395"/>
+        <p14:creationId xmlns:p14="http://schemas.microsoft.com/office/powerpoint/2010/main" val="72517754"/>
       </p:ext>
     </p:extLst>
   </p:cSld>
@@ -11369,175 +8851,114 @@
           <a:bodyPr/>
           <a:lstStyle/>
           <a:p>
-            <a:r>
-              <a:rPr lang="en-US" sz="1200" b="0" i="0" kern="1200" dirty="0" err="1">
-                <a:solidFill>
-                  <a:schemeClr val="tx1"/>
-                </a:solidFill>
+            <a:pPr algn="l">
+              <a:buNone/>
+            </a:pPr>
+            <a:r>
+              <a:rPr lang="en-US" b="0" i="0" dirty="0" err="1">
                 <a:effectLst/>
-                <a:latin typeface="+mn-lt"/>
-                <a:ea typeface="+mn-ea"/>
-                <a:cs typeface="+mn-cs"/>
+                <a:latin typeface="Space Grotesk" pitchFamily="2" charset="0"/>
+                <a:cs typeface="Space Grotesk" pitchFamily="2" charset="0"/>
               </a:rPr>
               <a:t>Dapr</a:t>
             </a:r>
             <a:r>
-              <a:rPr lang="en-US" sz="1200" b="0" i="0" kern="1200" dirty="0">
-                <a:solidFill>
-                  <a:schemeClr val="tx1"/>
-                </a:solidFill>
+              <a:rPr lang="en-US" b="0" i="0" dirty="0">
                 <a:effectLst/>
-                <a:latin typeface="+mn-lt"/>
-                <a:ea typeface="+mn-ea"/>
-                <a:cs typeface="+mn-cs"/>
+                <a:latin typeface="Space Grotesk" pitchFamily="2" charset="0"/>
+                <a:cs typeface="Space Grotesk" pitchFamily="2" charset="0"/>
               </a:rPr>
-              <a:t> Agents is built on </a:t>
-            </a:r>
-            <a:r>
-              <a:rPr lang="en-US" sz="1200" b="0" i="0" u="none" strike="noStrike" kern="1200" dirty="0" err="1">
-                <a:solidFill>
-                  <a:schemeClr val="tx1"/>
-                </a:solidFill>
+              <a:t> Agents is designed to place agents, powered by LLMs, at the core of task execution and workflow orchestration. This principle emphasizes:</a:t>
+            </a:r>
+          </a:p>
+          <a:p>
+            <a:pPr algn="l">
+              <a:buFont typeface="Arial" panose="020B0604020202020204" pitchFamily="34" charset="0"/>
+              <a:buChar char="•"/>
+            </a:pPr>
+            <a:r>
+              <a:rPr lang="en-US" b="0" i="0" dirty="0">
                 <a:effectLst/>
-                <a:latin typeface="+mn-lt"/>
-                <a:ea typeface="+mn-ea"/>
-                <a:cs typeface="+mn-cs"/>
-                <a:hlinkClick r:id="rId3"/>
+                <a:latin typeface="Space Grotesk" pitchFamily="2" charset="0"/>
+                <a:cs typeface="Space Grotesk" pitchFamily="2" charset="0"/>
+              </a:rPr>
+              <a:t>LLM-Powered Agents: </a:t>
+            </a:r>
+            <a:r>
+              <a:rPr lang="en-US" b="0" i="0" dirty="0" err="1">
+                <a:effectLst/>
+                <a:latin typeface="Space Grotesk" pitchFamily="2" charset="0"/>
+                <a:cs typeface="Space Grotesk" pitchFamily="2" charset="0"/>
               </a:rPr>
               <a:t>Dapr</a:t>
             </a:r>
             <a:r>
-              <a:rPr lang="en-US" sz="1200" b="0" i="0" kern="1200" dirty="0">
-                <a:solidFill>
-                  <a:schemeClr val="tx1"/>
-                </a:solidFill>
+              <a:rPr lang="en-US" b="0" i="0" dirty="0">
                 <a:effectLst/>
-                <a:latin typeface="+mn-lt"/>
-                <a:ea typeface="+mn-ea"/>
-                <a:cs typeface="+mn-cs"/>
+                <a:latin typeface="Space Grotesk" pitchFamily="2" charset="0"/>
+                <a:cs typeface="Space Grotesk" pitchFamily="2" charset="0"/>
               </a:rPr>
-              <a:t>, which offers built-in APIs and patterns such as state management, Pub/Sub messaging, service invocation, and virtual actors—that eliminate the need to recreate foundational components from scratch. By integrating with </a:t>
-            </a:r>
-            <a:r>
-              <a:rPr lang="en-US" sz="1200" b="0" i="0" kern="1200" dirty="0" err="1">
-                <a:solidFill>
-                  <a:schemeClr val="tx1"/>
-                </a:solidFill>
+              <a:t> Agents enables the creation of agents that leverage LLMs for reasoning, dynamic decision-making, and natural language interactions.</a:t>
+            </a:r>
+          </a:p>
+          <a:p>
+            <a:pPr algn="l">
+              <a:buFont typeface="Arial" panose="020B0604020202020204" pitchFamily="34" charset="0"/>
+              <a:buChar char="•"/>
+            </a:pPr>
+            <a:r>
+              <a:rPr lang="en-US" b="0" i="0" dirty="0">
                 <a:effectLst/>
-                <a:latin typeface="+mn-lt"/>
-                <a:ea typeface="+mn-ea"/>
-                <a:cs typeface="+mn-cs"/>
+                <a:latin typeface="Space Grotesk" pitchFamily="2" charset="0"/>
+                <a:cs typeface="Space Grotesk" pitchFamily="2" charset="0"/>
+              </a:rPr>
+              <a:t>Adaptive Task Handling: Agents in </a:t>
+            </a:r>
+            <a:r>
+              <a:rPr lang="en-US" b="0" i="0" dirty="0" err="1">
+                <a:effectLst/>
+                <a:latin typeface="Space Grotesk" pitchFamily="2" charset="0"/>
+                <a:cs typeface="Space Grotesk" pitchFamily="2" charset="0"/>
               </a:rPr>
               <a:t>Dapr</a:t>
             </a:r>
             <a:r>
-              <a:rPr lang="en-US" sz="1200" b="0" i="0" kern="1200" dirty="0">
-                <a:solidFill>
-                  <a:schemeClr val="tx1"/>
-                </a:solidFill>
+              <a:rPr lang="en-US" b="0" i="0" dirty="0">
                 <a:effectLst/>
-                <a:latin typeface="+mn-lt"/>
-                <a:ea typeface="+mn-ea"/>
-                <a:cs typeface="+mn-cs"/>
+                <a:latin typeface="Space Grotesk" pitchFamily="2" charset="0"/>
+                <a:cs typeface="Space Grotesk" pitchFamily="2" charset="0"/>
               </a:rPr>
-              <a:t>, </a:t>
-            </a:r>
-            <a:r>
-              <a:rPr lang="en-US" sz="1200" b="0" i="0" kern="1200" dirty="0" err="1">
-                <a:solidFill>
-                  <a:schemeClr val="tx1"/>
-                </a:solidFill>
+              <a:t> Agents are equipped with flexible patterns like tool calling and reasoning loops, allowing them to autonomously tackle complex and evolving tasks.</a:t>
+            </a:r>
+          </a:p>
+          <a:p>
+            <a:pPr algn="l">
+              <a:buFont typeface="Arial" panose="020B0604020202020204" pitchFamily="34" charset="0"/>
+              <a:buChar char="•"/>
+            </a:pPr>
+            <a:r>
+              <a:rPr lang="en-US" b="0" i="0" dirty="0">
                 <a:effectLst/>
-                <a:latin typeface="+mn-lt"/>
-                <a:ea typeface="+mn-ea"/>
-                <a:cs typeface="+mn-cs"/>
+                <a:latin typeface="Space Grotesk" pitchFamily="2" charset="0"/>
+                <a:cs typeface="Space Grotesk" pitchFamily="2" charset="0"/>
+              </a:rPr>
+              <a:t>Seamless Integration: </a:t>
+            </a:r>
+            <a:r>
+              <a:rPr lang="en-US" b="0" i="0" dirty="0" err="1">
+                <a:effectLst/>
+                <a:latin typeface="Space Grotesk" pitchFamily="2" charset="0"/>
+                <a:cs typeface="Space Grotesk" pitchFamily="2" charset="0"/>
               </a:rPr>
               <a:t>Dapr</a:t>
             </a:r>
             <a:r>
-              <a:rPr lang="en-US" sz="1200" b="0" i="0" kern="1200" dirty="0">
-                <a:solidFill>
-                  <a:schemeClr val="tx1"/>
-                </a:solidFill>
+              <a:rPr lang="en-US" b="0" i="0" dirty="0">
                 <a:effectLst/>
-                <a:latin typeface="+mn-lt"/>
-                <a:ea typeface="+mn-ea"/>
-                <a:cs typeface="+mn-cs"/>
+                <a:latin typeface="Space Grotesk" pitchFamily="2" charset="0"/>
+                <a:cs typeface="Space Grotesk" pitchFamily="2" charset="0"/>
               </a:rPr>
-              <a:t> Agents empowers developers to focus on the intelligence and behavior of LLM-powered agents while leveraging a proven framework for scalability and reliability.</a:t>
-            </a:r>
-          </a:p>
-          <a:p>
-            <a:endParaRPr lang="en-US" sz="1200" b="0" i="0" kern="1200" dirty="0">
-              <a:solidFill>
-                <a:schemeClr val="tx1"/>
-              </a:solidFill>
-              <a:effectLst/>
-              <a:latin typeface="+mn-lt"/>
-              <a:ea typeface="+mn-ea"/>
-              <a:cs typeface="+mn-cs"/>
-            </a:endParaRPr>
-          </a:p>
-          <a:p>
-            <a:r>
-              <a:rPr lang="en-US" sz="1200" b="0" i="0" kern="1200" dirty="0">
-                <a:solidFill>
-                  <a:schemeClr val="tx1"/>
-                </a:solidFill>
-                <a:effectLst/>
-                <a:latin typeface="+mn-lt"/>
-                <a:ea typeface="+mn-ea"/>
-                <a:cs typeface="+mn-cs"/>
-              </a:rPr>
-              <a:t>Rather than reinventing microservices, </a:t>
-            </a:r>
-            <a:r>
-              <a:rPr lang="en-US" sz="1200" b="0" i="0" kern="1200" dirty="0" err="1">
-                <a:solidFill>
-                  <a:schemeClr val="tx1"/>
-                </a:solidFill>
-                <a:effectLst/>
-                <a:latin typeface="+mn-lt"/>
-                <a:ea typeface="+mn-ea"/>
-                <a:cs typeface="+mn-cs"/>
-              </a:rPr>
-              <a:t>Dapr</a:t>
-            </a:r>
-            <a:r>
-              <a:rPr lang="en-US" sz="1200" b="0" i="0" kern="1200" dirty="0">
-                <a:solidFill>
-                  <a:schemeClr val="tx1"/>
-                </a:solidFill>
-                <a:effectLst/>
-                <a:latin typeface="+mn-lt"/>
-                <a:ea typeface="+mn-ea"/>
-                <a:cs typeface="+mn-cs"/>
-              </a:rPr>
-              <a:t> Agents enables developers to design, test, and deploy agents that seamlessly integrate as collaborative services within larger systems. Whether experimenting with a single agent or orchestrating workflows involving multiple agents, </a:t>
-            </a:r>
-            <a:r>
-              <a:rPr lang="en-US" sz="1200" b="0" i="0" kern="1200" dirty="0" err="1">
-                <a:solidFill>
-                  <a:schemeClr val="tx1"/>
-                </a:solidFill>
-                <a:effectLst/>
-                <a:latin typeface="+mn-lt"/>
-                <a:ea typeface="+mn-ea"/>
-                <a:cs typeface="+mn-cs"/>
-              </a:rPr>
-              <a:t>Dapr</a:t>
-            </a:r>
-            <a:r>
-              <a:rPr lang="en-US" sz="1200" b="0" i="0" kern="1200" dirty="0">
-                <a:solidFill>
-                  <a:schemeClr val="tx1"/>
-                </a:solidFill>
-                <a:effectLst/>
-                <a:latin typeface="+mn-lt"/>
-                <a:ea typeface="+mn-ea"/>
-                <a:cs typeface="+mn-cs"/>
-              </a:rPr>
-              <a:t> Agents simplifies the exploration and implementation of scalable agentic workflows.</a:t>
+              <a:t> Agents’ framework allows agents to act as modular, reusable building blocks that integrate seamlessly into workflows, whether they operate independently or collaboratively.</a:t>
             </a:r>
           </a:p>
           <a:p>
@@ -11571,7 +8992,7 @@
     </p:spTree>
     <p:extLst>
       <p:ext uri="{BB962C8B-B14F-4D97-AF65-F5344CB8AC3E}">
-        <p14:creationId xmlns:p14="http://schemas.microsoft.com/office/powerpoint/2010/main" val="72517754"/>
+        <p14:creationId xmlns:p14="http://schemas.microsoft.com/office/powerpoint/2010/main" val="1537174093"/>
       </p:ext>
     </p:extLst>
   </p:cSld>
@@ -11625,114 +9046,92 @@
           <a:bodyPr/>
           <a:lstStyle/>
           <a:p>
-            <a:pPr algn="l">
-              <a:buNone/>
-            </a:pPr>
-            <a:r>
-              <a:rPr lang="en-US" b="0" i="0" dirty="0" err="1">
+            <a:r>
+              <a:rPr lang="en-US" sz="1200" b="0" i="0" kern="1200" dirty="0" err="1">
+                <a:solidFill>
+                  <a:schemeClr val="tx1"/>
+                </a:solidFill>
                 <a:effectLst/>
-                <a:latin typeface="Space Grotesk" pitchFamily="2" charset="0"/>
-                <a:cs typeface="Space Grotesk" pitchFamily="2" charset="0"/>
+                <a:latin typeface="+mn-lt"/>
+                <a:ea typeface="+mn-ea"/>
+                <a:cs typeface="+mn-cs"/>
               </a:rPr>
               <a:t>Dapr</a:t>
             </a:r>
             <a:r>
-              <a:rPr lang="en-US" b="0" i="0" dirty="0">
+              <a:rPr lang="en-US" sz="1200" b="0" i="0" kern="1200" dirty="0">
+                <a:solidFill>
+                  <a:schemeClr val="tx1"/>
+                </a:solidFill>
                 <a:effectLst/>
-                <a:latin typeface="Space Grotesk" pitchFamily="2" charset="0"/>
-                <a:cs typeface="Space Grotesk" pitchFamily="2" charset="0"/>
+                <a:latin typeface="+mn-lt"/>
+                <a:ea typeface="+mn-ea"/>
+                <a:cs typeface="+mn-cs"/>
               </a:rPr>
-              <a:t> Agents is designed to place agents, powered by LLMs, at the core of task execution and workflow orchestration. This principle emphasizes:</a:t>
-            </a:r>
-          </a:p>
-          <a:p>
-            <a:pPr algn="l">
-              <a:buFont typeface="Arial" panose="020B0604020202020204" pitchFamily="34" charset="0"/>
-              <a:buChar char="•"/>
-            </a:pPr>
-            <a:r>
-              <a:rPr lang="en-US" b="0" i="0" dirty="0">
+              <a:t> Agents ensures a clean separation between agents and the underlying infrastructure, emphasizing simplicity, scalability, and adaptability:</a:t>
+            </a:r>
+          </a:p>
+          <a:p>
+            <a:endParaRPr lang="en-US" sz="1200" b="0" i="0" kern="1200" dirty="0">
+              <a:solidFill>
+                <a:schemeClr val="tx1"/>
+              </a:solidFill>
+              <a:effectLst/>
+              <a:latin typeface="+mn-lt"/>
+              <a:ea typeface="+mn-ea"/>
+              <a:cs typeface="+mn-cs"/>
+            </a:endParaRPr>
+          </a:p>
+          <a:p>
+            <a:r>
+              <a:rPr lang="en-US" sz="1200" b="0" i="0" kern="1200" dirty="0">
+                <a:solidFill>
+                  <a:schemeClr val="tx1"/>
+                </a:solidFill>
                 <a:effectLst/>
-                <a:latin typeface="Space Grotesk" pitchFamily="2" charset="0"/>
-                <a:cs typeface="Space Grotesk" pitchFamily="2" charset="0"/>
+                <a:latin typeface="+mn-lt"/>
+                <a:ea typeface="+mn-ea"/>
+                <a:cs typeface="+mn-cs"/>
               </a:rPr>
-              <a:t>LLM-Powered Agents: </a:t>
-            </a:r>
-            <a:r>
-              <a:rPr lang="en-US" b="0" i="0" dirty="0" err="1">
+              <a:t>Agent Simplicity: Agents focus purely on reasoning and task execution, while Pub/Sub messaging, routing, and validation are managed externally by modular infrastructure components.</a:t>
+            </a:r>
+          </a:p>
+          <a:p>
+            <a:r>
+              <a:rPr lang="en-US" sz="1200" b="0" i="0" kern="1200" dirty="0">
+                <a:solidFill>
+                  <a:schemeClr val="tx1"/>
+                </a:solidFill>
                 <a:effectLst/>
-                <a:latin typeface="Space Grotesk" pitchFamily="2" charset="0"/>
-                <a:cs typeface="Space Grotesk" pitchFamily="2" charset="0"/>
+                <a:latin typeface="+mn-lt"/>
+                <a:ea typeface="+mn-ea"/>
+                <a:cs typeface="+mn-cs"/>
+              </a:rPr>
+              <a:t>Scalable and Adaptable Systems: By offloading non-agent-specific responsibilities, </a:t>
+            </a:r>
+            <a:r>
+              <a:rPr lang="en-US" sz="1200" b="0" i="0" kern="1200" dirty="0" err="1">
+                <a:solidFill>
+                  <a:schemeClr val="tx1"/>
+                </a:solidFill>
+                <a:effectLst/>
+                <a:latin typeface="+mn-lt"/>
+                <a:ea typeface="+mn-ea"/>
+                <a:cs typeface="+mn-cs"/>
               </a:rPr>
               <a:t>Dapr</a:t>
             </a:r>
             <a:r>
-              <a:rPr lang="en-US" b="0" i="0" dirty="0">
+              <a:rPr lang="en-US" sz="1200" b="0" i="0" kern="1200" dirty="0">
+                <a:solidFill>
+                  <a:schemeClr val="tx1"/>
+                </a:solidFill>
                 <a:effectLst/>
-                <a:latin typeface="Space Grotesk" pitchFamily="2" charset="0"/>
-                <a:cs typeface="Space Grotesk" pitchFamily="2" charset="0"/>
+                <a:latin typeface="+mn-lt"/>
+                <a:ea typeface="+mn-ea"/>
+                <a:cs typeface="+mn-cs"/>
               </a:rPr>
-              <a:t> Agents enables the creation of agents that leverage LLMs for reasoning, dynamic decision-making, and natural language interactions.</a:t>
-            </a:r>
-          </a:p>
-          <a:p>
-            <a:pPr algn="l">
-              <a:buFont typeface="Arial" panose="020B0604020202020204" pitchFamily="34" charset="0"/>
-              <a:buChar char="•"/>
-            </a:pPr>
-            <a:r>
-              <a:rPr lang="en-US" b="0" i="0" dirty="0">
-                <a:effectLst/>
-                <a:latin typeface="Space Grotesk" pitchFamily="2" charset="0"/>
-                <a:cs typeface="Space Grotesk" pitchFamily="2" charset="0"/>
-              </a:rPr>
-              <a:t>Adaptive Task Handling: Agents in </a:t>
-            </a:r>
-            <a:r>
-              <a:rPr lang="en-US" b="0" i="0" dirty="0" err="1">
-                <a:effectLst/>
-                <a:latin typeface="Space Grotesk" pitchFamily="2" charset="0"/>
-                <a:cs typeface="Space Grotesk" pitchFamily="2" charset="0"/>
-              </a:rPr>
-              <a:t>Dapr</a:t>
-            </a:r>
-            <a:r>
-              <a:rPr lang="en-US" b="0" i="0" dirty="0">
-                <a:effectLst/>
-                <a:latin typeface="Space Grotesk" pitchFamily="2" charset="0"/>
-                <a:cs typeface="Space Grotesk" pitchFamily="2" charset="0"/>
-              </a:rPr>
-              <a:t> Agents are equipped with flexible patterns like tool calling and reasoning loops, allowing them to autonomously tackle complex and evolving tasks.</a:t>
-            </a:r>
-          </a:p>
-          <a:p>
-            <a:pPr algn="l">
-              <a:buFont typeface="Arial" panose="020B0604020202020204" pitchFamily="34" charset="0"/>
-              <a:buChar char="•"/>
-            </a:pPr>
-            <a:r>
-              <a:rPr lang="en-US" b="0" i="0" dirty="0">
-                <a:effectLst/>
-                <a:latin typeface="Space Grotesk" pitchFamily="2" charset="0"/>
-                <a:cs typeface="Space Grotesk" pitchFamily="2" charset="0"/>
-              </a:rPr>
-              <a:t>Seamless Integration: </a:t>
-            </a:r>
-            <a:r>
-              <a:rPr lang="en-US" b="0" i="0" dirty="0" err="1">
-                <a:effectLst/>
-                <a:latin typeface="Space Grotesk" pitchFamily="2" charset="0"/>
-                <a:cs typeface="Space Grotesk" pitchFamily="2" charset="0"/>
-              </a:rPr>
-              <a:t>Dapr</a:t>
-            </a:r>
-            <a:r>
-              <a:rPr lang="en-US" b="0" i="0" dirty="0">
-                <a:effectLst/>
-                <a:latin typeface="Space Grotesk" pitchFamily="2" charset="0"/>
-                <a:cs typeface="Space Grotesk" pitchFamily="2" charset="0"/>
-              </a:rPr>
-              <a:t> Agents’ framework allows agents to act as modular, reusable building blocks that integrate seamlessly into workflows, whether they operate independently or collaboratively.</a:t>
+              <a:t> Agents allows agents to scale independently and adapt seamlessly to new use cases or integrations.</a:t>
             </a:r>
           </a:p>
           <a:p>
@@ -11766,7 +9165,7 @@
     </p:spTree>
     <p:extLst>
       <p:ext uri="{BB962C8B-B14F-4D97-AF65-F5344CB8AC3E}">
-        <p14:creationId xmlns:p14="http://schemas.microsoft.com/office/powerpoint/2010/main" val="1537174093"/>
+        <p14:creationId xmlns:p14="http://schemas.microsoft.com/office/powerpoint/2010/main" val="1568492242"/>
       </p:ext>
     </p:extLst>
   </p:cSld>
@@ -11842,7 +9241,45 @@
                 <a:ea typeface="+mn-ea"/>
                 <a:cs typeface="+mn-cs"/>
               </a:rPr>
-              <a:t> Agents ensures a clean separation between agents and the underlying infrastructure, emphasizing simplicity, scalability, and adaptability:</a:t>
+              <a:t> Agents utilizes </a:t>
+            </a:r>
+            <a:r>
+              <a:rPr lang="en-US" sz="1200" b="0" i="0" u="none" strike="noStrike" kern="1200" dirty="0" err="1">
+                <a:solidFill>
+                  <a:schemeClr val="tx1"/>
+                </a:solidFill>
+                <a:effectLst/>
+                <a:latin typeface="+mn-lt"/>
+                <a:ea typeface="+mn-ea"/>
+                <a:cs typeface="+mn-cs"/>
+                <a:hlinkClick r:id="rId3"/>
+              </a:rPr>
+              <a:t>Dapr's</a:t>
+            </a:r>
+            <a:r>
+              <a:rPr lang="en-US" sz="1200" b="0" i="0" u="none" strike="noStrike" kern="1200" dirty="0">
+                <a:solidFill>
+                  <a:schemeClr val="tx1"/>
+                </a:solidFill>
+                <a:effectLst/>
+                <a:latin typeface="+mn-lt"/>
+                <a:ea typeface="+mn-ea"/>
+                <a:cs typeface="+mn-cs"/>
+                <a:hlinkClick r:id="rId3"/>
+              </a:rPr>
+              <a:t> pluggable component framework</a:t>
+            </a:r>
+            <a:r>
+              <a:rPr lang="en-US" sz="1200" b="0" i="0" kern="1200" dirty="0">
+                <a:solidFill>
+                  <a:schemeClr val="tx1"/>
+                </a:solidFill>
+                <a:effectLst/>
+                <a:latin typeface="+mn-lt"/>
+                <a:ea typeface="+mn-ea"/>
+                <a:cs typeface="+mn-cs"/>
+              </a:rPr>
+              <a:t> and building blocks to simplify development and enhance flexibility:</a:t>
             </a:r>
           </a:p>
           <a:p>
@@ -11867,21 +9304,7 @@
                 <a:ea typeface="+mn-ea"/>
                 <a:cs typeface="+mn-cs"/>
               </a:rPr>
-              <a:t>Agent Simplicity: Agents focus purely on reasoning and task execution, while Pub/Sub messaging, routing, and validation are managed externally by modular infrastructure components.</a:t>
-            </a:r>
-          </a:p>
-          <a:p>
-            <a:r>
-              <a:rPr lang="en-US" sz="1200" b="0" i="0" kern="1200" dirty="0">
-                <a:solidFill>
-                  <a:schemeClr val="tx1"/>
-                </a:solidFill>
-                <a:effectLst/>
-                <a:latin typeface="+mn-lt"/>
-                <a:ea typeface="+mn-ea"/>
-                <a:cs typeface="+mn-cs"/>
-              </a:rPr>
-              <a:t>Scalable and Adaptable Systems: By offloading non-agent-specific responsibilities, </a:t>
+              <a:t>Building Blocks for Core Functionality: </a:t>
             </a:r>
             <a:r>
               <a:rPr lang="en-US" sz="1200" b="0" i="0" kern="1200" dirty="0" err="1">
@@ -11905,7 +9328,97 @@
                 <a:ea typeface="+mn-ea"/>
                 <a:cs typeface="+mn-cs"/>
               </a:rPr>
-              <a:t> Agents allows agents to scale independently and adapt seamlessly to new use cases or integrations.</a:t>
+              <a:t> provides API building blocks, such as Pub/Sub messaging, state management, service invocation, and more, to address common microservice challenges and promote best practices.</a:t>
+            </a:r>
+          </a:p>
+          <a:p>
+            <a:r>
+              <a:rPr lang="en-US" sz="1200" b="0" i="0" kern="1200" dirty="0">
+                <a:solidFill>
+                  <a:schemeClr val="tx1"/>
+                </a:solidFill>
+                <a:effectLst/>
+                <a:latin typeface="+mn-lt"/>
+                <a:ea typeface="+mn-ea"/>
+                <a:cs typeface="+mn-cs"/>
+              </a:rPr>
+              <a:t>Interchangeable Components: Each building block operates on swappable components (e.g., Redis, Kafka, Azure </a:t>
+            </a:r>
+            <a:r>
+              <a:rPr lang="en-US" sz="1200" b="0" i="0" kern="1200" dirty="0" err="1">
+                <a:solidFill>
+                  <a:schemeClr val="tx1"/>
+                </a:solidFill>
+                <a:effectLst/>
+                <a:latin typeface="+mn-lt"/>
+                <a:ea typeface="+mn-ea"/>
+                <a:cs typeface="+mn-cs"/>
+              </a:rPr>
+              <a:t>CosmosDB</a:t>
+            </a:r>
+            <a:r>
+              <a:rPr lang="en-US" sz="1200" b="0" i="0" kern="1200" dirty="0">
+                <a:solidFill>
+                  <a:schemeClr val="tx1"/>
+                </a:solidFill>
+                <a:effectLst/>
+                <a:latin typeface="+mn-lt"/>
+                <a:ea typeface="+mn-ea"/>
+                <a:cs typeface="+mn-cs"/>
+              </a:rPr>
+              <a:t>), allowing you to replace implementations without changing application code.</a:t>
+            </a:r>
+          </a:p>
+          <a:p>
+            <a:r>
+              <a:rPr lang="en-US" sz="1200" b="0" i="0" kern="1200" dirty="0">
+                <a:solidFill>
+                  <a:schemeClr val="tx1"/>
+                </a:solidFill>
+                <a:effectLst/>
+                <a:latin typeface="+mn-lt"/>
+                <a:ea typeface="+mn-ea"/>
+                <a:cs typeface="+mn-cs"/>
+              </a:rPr>
+              <a:t>Seamless Transitions: Develop locally with default configurations and deploy effortlessly to cloud environments by simply updating component definitions.</a:t>
+            </a:r>
+          </a:p>
+          <a:p>
+            <a:r>
+              <a:rPr lang="en-US" sz="1200" b="0" i="0" kern="1200" dirty="0">
+                <a:solidFill>
+                  <a:schemeClr val="tx1"/>
+                </a:solidFill>
+                <a:effectLst/>
+                <a:latin typeface="+mn-lt"/>
+                <a:ea typeface="+mn-ea"/>
+                <a:cs typeface="+mn-cs"/>
+              </a:rPr>
+              <a:t>Scalable Foundations: Build resilient and adaptable architectures using </a:t>
+            </a:r>
+            <a:r>
+              <a:rPr lang="en-US" sz="1200" b="0" i="0" kern="1200" dirty="0" err="1">
+                <a:solidFill>
+                  <a:schemeClr val="tx1"/>
+                </a:solidFill>
+                <a:effectLst/>
+                <a:latin typeface="+mn-lt"/>
+                <a:ea typeface="+mn-ea"/>
+                <a:cs typeface="+mn-cs"/>
+              </a:rPr>
+              <a:t>Dapr’s</a:t>
+            </a:r>
+            <a:r>
+              <a:rPr lang="en-US" sz="1200" b="0" i="0" kern="1200" dirty="0">
+                <a:solidFill>
+                  <a:schemeClr val="tx1"/>
+                </a:solidFill>
+                <a:effectLst/>
+                <a:latin typeface="+mn-lt"/>
+                <a:ea typeface="+mn-ea"/>
+                <a:cs typeface="+mn-cs"/>
+              </a:rPr>
+              <a:t> modular, production-ready building blocks.</a:t>
             </a:r>
           </a:p>
           <a:p>
@@ -11939,7 +9452,7 @@
     </p:spTree>
     <p:extLst>
       <p:ext uri="{BB962C8B-B14F-4D97-AF65-F5344CB8AC3E}">
-        <p14:creationId xmlns:p14="http://schemas.microsoft.com/office/powerpoint/2010/main" val="1568492242"/>
+        <p14:creationId xmlns:p14="http://schemas.microsoft.com/office/powerpoint/2010/main" val="2440371087"/>
       </p:ext>
     </p:extLst>
   </p:cSld>
@@ -12015,7 +9528,7 @@
                 <a:ea typeface="+mn-ea"/>
                 <a:cs typeface="+mn-cs"/>
               </a:rPr>
-              <a:t> Agents utilizes </a:t>
+              <a:t> Agents leverages </a:t>
             </a:r>
             <a:r>
               <a:rPr lang="en-US" sz="1200" b="0" i="0" u="none" strike="noStrike" kern="1200" dirty="0" err="1">
@@ -12028,7 +9541,7 @@
                 <a:cs typeface="+mn-cs"/>
                 <a:hlinkClick r:id="rId3"/>
               </a:rPr>
-              <a:t>Dapr's</a:t>
+              <a:t>Dapr’s</a:t>
             </a:r>
             <a:r>
               <a:rPr lang="en-US" sz="1200" b="0" i="0" u="none" strike="noStrike" kern="1200" dirty="0">
@@ -12041,7 +9554,7 @@
                 <a:cs typeface="+mn-cs"/>
                 <a:hlinkClick r:id="rId3"/>
               </a:rPr>
-              <a:t> pluggable component framework</a:t>
+              <a:t> Virtual Actor model</a:t>
             </a:r>
             <a:r>
               <a:rPr lang="en-US" sz="1200" b="0" i="0" kern="1200" dirty="0">
@@ -12053,32 +9566,7 @@
                 <a:ea typeface="+mn-ea"/>
                 <a:cs typeface="+mn-cs"/>
               </a:rPr>
-              <a:t> and building blocks to simplify development and enhance flexibility:</a:t>
-            </a:r>
-          </a:p>
-          <a:p>
-            <a:endParaRPr lang="en-US" sz="1200" b="0" i="0" kern="1200" dirty="0">
-              <a:solidFill>
-                <a:schemeClr val="tx1"/>
-              </a:solidFill>
-              <a:effectLst/>
-              <a:latin typeface="+mn-lt"/>
-              <a:ea typeface="+mn-ea"/>
-              <a:cs typeface="+mn-cs"/>
-            </a:endParaRPr>
-          </a:p>
-          <a:p>
-            <a:r>
-              <a:rPr lang="en-US" sz="1200" b="0" i="0" kern="1200" dirty="0">
-                <a:solidFill>
-                  <a:schemeClr val="tx1"/>
-                </a:solidFill>
-                <a:effectLst/>
-                <a:latin typeface="+mn-lt"/>
-                <a:ea typeface="+mn-ea"/>
-                <a:cs typeface="+mn-cs"/>
-              </a:rPr>
-              <a:t>Building Blocks for Core Functionality: </a:t>
+              <a:t> to enable agents to function efficiently and flexibly within distributed environments. Each agent in </a:t>
             </a:r>
             <a:r>
               <a:rPr lang="en-US" sz="1200" b="0" i="0" kern="1200" dirty="0" err="1">
@@ -12102,8 +9590,19 @@
                 <a:ea typeface="+mn-ea"/>
                 <a:cs typeface="+mn-cs"/>
               </a:rPr>
-              <a:t> provides API building blocks, such as Pub/Sub messaging, state management, service invocation, and more, to address common microservice challenges and promote best practices.</a:t>
-            </a:r>
+              <a:t> Agents is instantiated as an instance of a class, wrapped and managed by a virtual actor. This design offers:</a:t>
+            </a:r>
+          </a:p>
+          <a:p>
+            <a:endParaRPr lang="en-US" sz="1200" b="0" i="0" kern="1200" dirty="0">
+              <a:solidFill>
+                <a:schemeClr val="tx1"/>
+              </a:solidFill>
+              <a:effectLst/>
+              <a:latin typeface="+mn-lt"/>
+              <a:ea typeface="+mn-ea"/>
+              <a:cs typeface="+mn-cs"/>
+            </a:endParaRPr>
           </a:p>
           <a:p>
             <a:r>
@@ -12116,20 +9615,10 @@
                 <a:ea typeface="+mn-ea"/>
                 <a:cs typeface="+mn-cs"/>
               </a:rPr>
-              <a:t>Interchangeable Components: Each building block operates on swappable components (e.g., Redis, Kafka, Azure </a:t>
-            </a:r>
-            <a:r>
-              <a:rPr lang="en-US" sz="1200" b="0" i="0" kern="1200" dirty="0" err="1">
-                <a:solidFill>
-                  <a:schemeClr val="tx1"/>
-                </a:solidFill>
-                <a:effectLst/>
-                <a:latin typeface="+mn-lt"/>
-                <a:ea typeface="+mn-ea"/>
-                <a:cs typeface="+mn-cs"/>
-              </a:rPr>
-              <a:t>CosmosDB</a:t>
-            </a:r>
+              <a:t>Stateful Agents: Virtual actors allow agents to store and recall information across tasks, maintaining context and continuity for workflows.</a:t>
+            </a:r>
+          </a:p>
+          <a:p>
             <a:r>
               <a:rPr lang="en-US" sz="1200" b="0" i="0" kern="1200" dirty="0">
                 <a:solidFill>
@@ -12140,7 +9629,7 @@
                 <a:ea typeface="+mn-ea"/>
                 <a:cs typeface="+mn-cs"/>
               </a:rPr>
-              <a:t>), allowing you to replace implementations without changing application code.</a:t>
+              <a:t>Dynamic Lifecycle Management: Virtual actors are automatically instantiated when invoked and deactivated when idle. This eliminates the need for explicit creation or cleanup, ensuring resource efficiency and simplicity.</a:t>
             </a:r>
           </a:p>
           <a:p>
@@ -12154,7 +9643,7 @@
                 <a:ea typeface="+mn-ea"/>
                 <a:cs typeface="+mn-cs"/>
               </a:rPr>
-              <a:t>Seamless Transitions: Develop locally with default configurations and deploy effortlessly to cloud environments by simply updating component definitions.</a:t>
+              <a:t>Location Transparency: Agents can be accessed and operate seamlessly, regardless of where they are located in the system. The underlying runtime handles their mobility, enabling fault-tolerance and dynamic load balancing.</a:t>
             </a:r>
           </a:p>
           <a:p>
@@ -12168,20 +9657,21 @@
                 <a:ea typeface="+mn-ea"/>
                 <a:cs typeface="+mn-cs"/>
               </a:rPr>
-              <a:t>Scalable Foundations: Build resilient and adaptable architectures using </a:t>
-            </a:r>
-            <a:r>
-              <a:rPr lang="en-US" sz="1200" b="0" i="0" kern="1200" dirty="0" err="1">
-                <a:solidFill>
-                  <a:schemeClr val="tx1"/>
-                </a:solidFill>
-                <a:effectLst/>
-                <a:latin typeface="+mn-lt"/>
-                <a:ea typeface="+mn-ea"/>
-                <a:cs typeface="+mn-cs"/>
-              </a:rPr>
-              <a:t>Dapr’s</a:t>
-            </a:r>
+              <a:t>Scalable Execution: Agents process one task at a time, avoiding concurrency issues, and scale dynamically across nodes to meet workload demands.</a:t>
+            </a:r>
+          </a:p>
+          <a:p>
+            <a:endParaRPr lang="en-US" sz="1200" b="0" i="0" kern="1200" dirty="0">
+              <a:solidFill>
+                <a:schemeClr val="tx1"/>
+              </a:solidFill>
+              <a:effectLst/>
+              <a:latin typeface="+mn-lt"/>
+              <a:ea typeface="+mn-ea"/>
+              <a:cs typeface="+mn-cs"/>
+            </a:endParaRPr>
+          </a:p>
+          <a:p>
             <a:r>
               <a:rPr lang="en-US" sz="1200" b="0" i="0" kern="1200" dirty="0">
                 <a:solidFill>
@@ -12192,7 +9682,7 @@
                 <a:ea typeface="+mn-ea"/>
                 <a:cs typeface="+mn-cs"/>
               </a:rPr>
-              <a:t> modular, production-ready building blocks.</a:t>
+              <a:t>This model ensures agents remain focused on their core logic, while the infrastructure abstracts complexities like state management, fault recovery, and resource optimization.</a:t>
             </a:r>
           </a:p>
           <a:p>
@@ -12226,7 +9716,7 @@
     </p:spTree>
     <p:extLst>
       <p:ext uri="{BB962C8B-B14F-4D97-AF65-F5344CB8AC3E}">
-        <p14:creationId xmlns:p14="http://schemas.microsoft.com/office/powerpoint/2010/main" val="2440371087"/>
+        <p14:creationId xmlns:p14="http://schemas.microsoft.com/office/powerpoint/2010/main" val="1860213951"/>
       </p:ext>
     </p:extLst>
   </p:cSld>
@@ -12302,34 +9792,21 @@
                 <a:ea typeface="+mn-ea"/>
                 <a:cs typeface="+mn-cs"/>
               </a:rPr>
-              <a:t> Agents leverages </a:t>
-            </a:r>
-            <a:r>
-              <a:rPr lang="en-US" sz="1200" b="0" i="0" u="none" strike="noStrike" kern="1200" dirty="0" err="1">
-                <a:solidFill>
-                  <a:schemeClr val="tx1"/>
-                </a:solidFill>
-                <a:effectLst/>
-                <a:latin typeface="+mn-lt"/>
-                <a:ea typeface="+mn-ea"/>
-                <a:cs typeface="+mn-cs"/>
-                <a:hlinkClick r:id="rId3"/>
-              </a:rPr>
-              <a:t>Dapr’s</a:t>
-            </a:r>
-            <a:r>
-              <a:rPr lang="en-US" sz="1200" b="0" i="0" u="none" strike="noStrike" kern="1200" dirty="0">
-                <a:solidFill>
-                  <a:schemeClr val="tx1"/>
-                </a:solidFill>
-                <a:effectLst/>
-                <a:latin typeface="+mn-lt"/>
-                <a:ea typeface="+mn-ea"/>
-                <a:cs typeface="+mn-cs"/>
-                <a:hlinkClick r:id="rId3"/>
-              </a:rPr>
-              <a:t> Virtual Actor model</a:t>
-            </a:r>
+              <a:t> Agents emphasizes the use of Pub/Sub messaging for event-driven communication between agents. This principle ensures:</a:t>
+            </a:r>
+          </a:p>
+          <a:p>
+            <a:endParaRPr lang="en-US" sz="1200" b="0" i="0" kern="1200" dirty="0">
+              <a:solidFill>
+                <a:schemeClr val="tx1"/>
+              </a:solidFill>
+              <a:effectLst/>
+              <a:latin typeface="+mn-lt"/>
+              <a:ea typeface="+mn-ea"/>
+              <a:cs typeface="+mn-cs"/>
+            </a:endParaRPr>
+          </a:p>
+          <a:p>
             <a:r>
               <a:rPr lang="en-US" sz="1200" b="0" i="0" kern="1200" dirty="0">
                 <a:solidFill>
@@ -12340,20 +9817,10 @@
                 <a:ea typeface="+mn-ea"/>
                 <a:cs typeface="+mn-cs"/>
               </a:rPr>
-              <a:t> to enable agents to function efficiently and flexibly within distributed environments. Each agent in </a:t>
-            </a:r>
-            <a:r>
-              <a:rPr lang="en-US" sz="1200" b="0" i="0" kern="1200" dirty="0" err="1">
-                <a:solidFill>
-                  <a:schemeClr val="tx1"/>
-                </a:solidFill>
-                <a:effectLst/>
-                <a:latin typeface="+mn-lt"/>
-                <a:ea typeface="+mn-ea"/>
-                <a:cs typeface="+mn-cs"/>
-              </a:rPr>
-              <a:t>Dapr</a:t>
-            </a:r>
+              <a:t>Decoupled Architecture: Asynchronous communication for scalability and modularity.</a:t>
+            </a:r>
+          </a:p>
+          <a:p>
             <a:r>
               <a:rPr lang="en-US" sz="1200" b="0" i="0" kern="1200" dirty="0">
                 <a:solidFill>
@@ -12364,19 +9831,8 @@
                 <a:ea typeface="+mn-ea"/>
                 <a:cs typeface="+mn-cs"/>
               </a:rPr>
-              <a:t> Agents is instantiated as an instance of a class, wrapped and managed by a virtual actor. This design offers:</a:t>
-            </a:r>
-          </a:p>
-          <a:p>
-            <a:endParaRPr lang="en-US" sz="1200" b="0" i="0" kern="1200" dirty="0">
-              <a:solidFill>
-                <a:schemeClr val="tx1"/>
-              </a:solidFill>
-              <a:effectLst/>
-              <a:latin typeface="+mn-lt"/>
-              <a:ea typeface="+mn-ea"/>
-              <a:cs typeface="+mn-cs"/>
-            </a:endParaRPr>
+              <a:t>Real-Time Adaptability: Agents react dynamically to events for faster, more flexible task execution.</a:t>
+            </a:r>
           </a:p>
           <a:p>
             <a:r>
@@ -12389,74 +9845,7 @@
                 <a:ea typeface="+mn-ea"/>
                 <a:cs typeface="+mn-cs"/>
               </a:rPr>
-              <a:t>Stateful Agents: Virtual actors allow agents to store and recall information across tasks, maintaining context and continuity for workflows.</a:t>
-            </a:r>
-          </a:p>
-          <a:p>
-            <a:r>
-              <a:rPr lang="en-US" sz="1200" b="0" i="0" kern="1200" dirty="0">
-                <a:solidFill>
-                  <a:schemeClr val="tx1"/>
-                </a:solidFill>
-                <a:effectLst/>
-                <a:latin typeface="+mn-lt"/>
-                <a:ea typeface="+mn-ea"/>
-                <a:cs typeface="+mn-cs"/>
-              </a:rPr>
-              <a:t>Dynamic Lifecycle Management: Virtual actors are automatically instantiated when invoked and deactivated when idle. This eliminates the need for explicit creation or cleanup, ensuring resource efficiency and simplicity.</a:t>
-            </a:r>
-          </a:p>
-          <a:p>
-            <a:r>
-              <a:rPr lang="en-US" sz="1200" b="0" i="0" kern="1200" dirty="0">
-                <a:solidFill>
-                  <a:schemeClr val="tx1"/>
-                </a:solidFill>
-                <a:effectLst/>
-                <a:latin typeface="+mn-lt"/>
-                <a:ea typeface="+mn-ea"/>
-                <a:cs typeface="+mn-cs"/>
-              </a:rPr>
-              <a:t>Location Transparency: Agents can be accessed and operate seamlessly, regardless of where they are located in the system. The underlying runtime handles their mobility, enabling fault-tolerance and dynamic load balancing.</a:t>
-            </a:r>
-          </a:p>
-          <a:p>
-            <a:r>
-              <a:rPr lang="en-US" sz="1200" b="0" i="0" kern="1200" dirty="0">
-                <a:solidFill>
-                  <a:schemeClr val="tx1"/>
-                </a:solidFill>
-                <a:effectLst/>
-                <a:latin typeface="+mn-lt"/>
-                <a:ea typeface="+mn-ea"/>
-                <a:cs typeface="+mn-cs"/>
-              </a:rPr>
-              <a:t>Scalable Execution: Agents process one task at a time, avoiding concurrency issues, and scale dynamically across nodes to meet workload demands.</a:t>
-            </a:r>
-          </a:p>
-          <a:p>
-            <a:endParaRPr lang="en-US" sz="1200" b="0" i="0" kern="1200" dirty="0">
-              <a:solidFill>
-                <a:schemeClr val="tx1"/>
-              </a:solidFill>
-              <a:effectLst/>
-              <a:latin typeface="+mn-lt"/>
-              <a:ea typeface="+mn-ea"/>
-              <a:cs typeface="+mn-cs"/>
-            </a:endParaRPr>
-          </a:p>
-          <a:p>
-            <a:r>
-              <a:rPr lang="en-US" sz="1200" b="0" i="0" kern="1200" dirty="0">
-                <a:solidFill>
-                  <a:schemeClr val="tx1"/>
-                </a:solidFill>
-                <a:effectLst/>
-                <a:latin typeface="+mn-lt"/>
-                <a:ea typeface="+mn-ea"/>
-                <a:cs typeface="+mn-cs"/>
-              </a:rPr>
-              <a:t>This model ensures agents remain focused on their core logic, while the infrastructure abstracts complexities like state management, fault recovery, and resource optimization.</a:t>
+              <a:t>Seamless Collaboration: Agents share updates, distribute tasks, and respond to events in a highly coordinated way.</a:t>
             </a:r>
           </a:p>
           <a:p>
@@ -12490,7 +9879,7 @@
     </p:spTree>
     <p:extLst>
       <p:ext uri="{BB962C8B-B14F-4D97-AF65-F5344CB8AC3E}">
-        <p14:creationId xmlns:p14="http://schemas.microsoft.com/office/powerpoint/2010/main" val="1860213951"/>
+        <p14:creationId xmlns:p14="http://schemas.microsoft.com/office/powerpoint/2010/main" val="2129206966"/>
       </p:ext>
     </p:extLst>
   </p:cSld>
@@ -12540,7 +9929,7 @@
           <a:p>
             <a:fld id="{FA30F2D4-E4D7-49CD-A8A3-DCDF5ECBF2B6}" type="datetimeFigureOut">
               <a:rPr lang="en-AU" smtClean="0"/>
-              <a:t>30/08/2025</a:t>
+              <a:t>1/09/2025</a:t>
             </a:fld>
             <a:endParaRPr lang="en-AU"/>
           </a:p>
@@ -12861,7 +10250,7 @@
           <a:p>
             <a:fld id="{FA30F2D4-E4D7-49CD-A8A3-DCDF5ECBF2B6}" type="datetimeFigureOut">
               <a:rPr lang="en-AU" smtClean="0"/>
-              <a:t>30/08/2025</a:t>
+              <a:t>1/09/2025</a:t>
             </a:fld>
             <a:endParaRPr lang="en-AU"/>
           </a:p>
@@ -12974,7 +10363,7 @@
           <a:p>
             <a:fld id="{FA30F2D4-E4D7-49CD-A8A3-DCDF5ECBF2B6}" type="datetimeFigureOut">
               <a:rPr lang="en-AU" smtClean="0"/>
-              <a:t>30/08/2025</a:t>
+              <a:t>1/09/2025</a:t>
             </a:fld>
             <a:endParaRPr lang="en-AU"/>
           </a:p>
@@ -13262,7 +10651,7 @@
           <a:p>
             <a:fld id="{FA30F2D4-E4D7-49CD-A8A3-DCDF5ECBF2B6}" type="datetimeFigureOut">
               <a:rPr lang="en-AU" smtClean="0"/>
-              <a:t>30/08/2025</a:t>
+              <a:t>1/09/2025</a:t>
             </a:fld>
             <a:endParaRPr lang="en-AU"/>
           </a:p>
@@ -13554,7 +10943,7 @@
           <a:p>
             <a:fld id="{FA30F2D4-E4D7-49CD-A8A3-DCDF5ECBF2B6}" type="datetimeFigureOut">
               <a:rPr lang="en-AU" smtClean="0"/>
-              <a:t>30/08/2025</a:t>
+              <a:t>1/09/2025</a:t>
             </a:fld>
             <a:endParaRPr lang="en-AU"/>
           </a:p>
@@ -13888,7 +11277,7 @@
           <a:p>
             <a:fld id="{FA30F2D4-E4D7-49CD-A8A3-DCDF5ECBF2B6}" type="datetimeFigureOut">
               <a:rPr lang="en-AU" smtClean="0"/>
-              <a:t>30/08/2025</a:t>
+              <a:t>1/09/2025</a:t>
             </a:fld>
             <a:endParaRPr lang="en-AU"/>
           </a:p>
@@ -14284,7 +11673,7 @@
           <a:p>
             <a:fld id="{FA30F2D4-E4D7-49CD-A8A3-DCDF5ECBF2B6}" type="datetimeFigureOut">
               <a:rPr lang="en-AU" smtClean="0"/>
-              <a:t>30/08/2025</a:t>
+              <a:t>1/09/2025</a:t>
             </a:fld>
             <a:endParaRPr lang="en-AU"/>
           </a:p>
@@ -14671,7 +12060,7 @@
           <a:p>
             <a:fld id="{FA30F2D4-E4D7-49CD-A8A3-DCDF5ECBF2B6}" type="datetimeFigureOut">
               <a:rPr lang="en-AU" smtClean="0"/>
-              <a:t>30/08/2025</a:t>
+              <a:t>1/09/2025</a:t>
             </a:fld>
             <a:endParaRPr lang="en-AU"/>
           </a:p>
@@ -14976,7 +12365,7 @@
           <a:p>
             <a:fld id="{FA30F2D4-E4D7-49CD-A8A3-DCDF5ECBF2B6}" type="datetimeFigureOut">
               <a:rPr lang="en-AU" smtClean="0"/>
-              <a:t>30/08/2025</a:t>
+              <a:t>1/09/2025</a:t>
             </a:fld>
             <a:endParaRPr lang="en-AU"/>
           </a:p>
@@ -15221,7 +12610,7 @@
           <a:p>
             <a:fld id="{FA30F2D4-E4D7-49CD-A8A3-DCDF5ECBF2B6}" type="datetimeFigureOut">
               <a:rPr lang="en-AU" smtClean="0"/>
-              <a:t>30/08/2025</a:t>
+              <a:t>1/09/2025</a:t>
             </a:fld>
             <a:endParaRPr lang="en-AU"/>
           </a:p>
@@ -15457,7 +12846,7 @@
           <a:p>
             <a:fld id="{FA30F2D4-E4D7-49CD-A8A3-DCDF5ECBF2B6}" type="datetimeFigureOut">
               <a:rPr lang="en-AU" smtClean="0"/>
-              <a:t>30/08/2025</a:t>
+              <a:t>1/09/2025</a:t>
             </a:fld>
             <a:endParaRPr lang="en-AU"/>
           </a:p>
@@ -15741,7 +13130,7 @@
           <a:p>
             <a:fld id="{FA30F2D4-E4D7-49CD-A8A3-DCDF5ECBF2B6}" type="datetimeFigureOut">
               <a:rPr lang="en-AU" smtClean="0"/>
-              <a:t>30/08/2025</a:t>
+              <a:t>1/09/2025</a:t>
             </a:fld>
             <a:endParaRPr lang="en-AU"/>
           </a:p>
@@ -16062,7 +13451,7 @@
           <a:p>
             <a:fld id="{FA30F2D4-E4D7-49CD-A8A3-DCDF5ECBF2B6}" type="datetimeFigureOut">
               <a:rPr lang="en-AU" smtClean="0"/>
-              <a:t>30/08/2025</a:t>
+              <a:t>1/09/2025</a:t>
             </a:fld>
             <a:endParaRPr lang="en-AU"/>
           </a:p>
@@ -16321,7 +13710,7 @@
           <a:p>
             <a:fld id="{FA30F2D4-E4D7-49CD-A8A3-DCDF5ECBF2B6}" type="datetimeFigureOut">
               <a:rPr lang="en-AU" smtClean="0"/>
-              <a:t>30/08/2025</a:t>
+              <a:t>1/09/2025</a:t>
             </a:fld>
             <a:endParaRPr lang="en-AU"/>
           </a:p>
@@ -16535,7 +13924,7 @@
           <a:p>
             <a:fld id="{FA30F2D4-E4D7-49CD-A8A3-DCDF5ECBF2B6}" type="datetimeFigureOut">
               <a:rPr lang="en-AU" smtClean="0"/>
-              <a:t>30/08/2025</a:t>
+              <a:t>1/09/2025</a:t>
             </a:fld>
             <a:endParaRPr lang="en-AU"/>
           </a:p>
@@ -16733,7 +14122,7 @@
           <a:p>
             <a:fld id="{FA30F2D4-E4D7-49CD-A8A3-DCDF5ECBF2B6}" type="datetimeFigureOut">
               <a:rPr lang="en-AU" smtClean="0"/>
-              <a:t>30/08/2025</a:t>
+              <a:t>1/09/2025</a:t>
             </a:fld>
             <a:endParaRPr lang="en-AU"/>
           </a:p>
@@ -16970,7 +14359,7 @@
           <a:p>
             <a:fld id="{FA30F2D4-E4D7-49CD-A8A3-DCDF5ECBF2B6}" type="datetimeFigureOut">
               <a:rPr lang="en-AU" smtClean="0"/>
-              <a:t>30/08/2025</a:t>
+              <a:t>1/09/2025</a:t>
             </a:fld>
             <a:endParaRPr lang="en-AU"/>
           </a:p>
@@ -17185,7 +14574,7 @@
           <a:p>
             <a:fld id="{FA30F2D4-E4D7-49CD-A8A3-DCDF5ECBF2B6}" type="datetimeFigureOut">
               <a:rPr lang="en-AU" smtClean="0"/>
-              <a:t>30/08/2025</a:t>
+              <a:t>1/09/2025</a:t>
             </a:fld>
             <a:endParaRPr lang="en-AU"/>
           </a:p>
@@ -17401,7 +14790,7 @@
           <a:p>
             <a:fld id="{FA30F2D4-E4D7-49CD-A8A3-DCDF5ECBF2B6}" type="datetimeFigureOut">
               <a:rPr lang="en-AU" smtClean="0"/>
-              <a:t>30/08/2025</a:t>
+              <a:t>1/09/2025</a:t>
             </a:fld>
             <a:endParaRPr lang="en-AU"/>
           </a:p>
@@ -17616,7 +15005,7 @@
           <a:p>
             <a:fld id="{FA30F2D4-E4D7-49CD-A8A3-DCDF5ECBF2B6}" type="datetimeFigureOut">
               <a:rPr lang="en-AU" smtClean="0"/>
-              <a:t>30/08/2025</a:t>
+              <a:t>1/09/2025</a:t>
             </a:fld>
             <a:endParaRPr lang="en-AU"/>
           </a:p>
@@ -17923,7 +15312,7 @@
           <a:p>
             <a:fld id="{FA30F2D4-E4D7-49CD-A8A3-DCDF5ECBF2B6}" type="datetimeFigureOut">
               <a:rPr lang="en-AU" smtClean="0"/>
-              <a:t>30/08/2025</a:t>
+              <a:t>1/09/2025</a:t>
             </a:fld>
             <a:endParaRPr lang="en-AU"/>
           </a:p>
@@ -18283,7 +15672,7 @@
           <a:p>
             <a:fld id="{FA30F2D4-E4D7-49CD-A8A3-DCDF5ECBF2B6}" type="datetimeFigureOut">
               <a:rPr lang="en-AU" smtClean="0"/>
-              <a:t>30/08/2025</a:t>
+              <a:t>1/09/2025</a:t>
             </a:fld>
             <a:endParaRPr lang="en-AU"/>
           </a:p>
@@ -18642,7 +16031,7 @@
           <a:p>
             <a:fld id="{FA30F2D4-E4D7-49CD-A8A3-DCDF5ECBF2B6}" type="datetimeFigureOut">
               <a:rPr lang="en-AU" smtClean="0"/>
-              <a:t>30/08/2025</a:t>
+              <a:t>1/09/2025</a:t>
             </a:fld>
             <a:endParaRPr lang="en-AU"/>
           </a:p>
@@ -18876,7 +16265,7 @@
           <a:p>
             <a:fld id="{FA30F2D4-E4D7-49CD-A8A3-DCDF5ECBF2B6}" type="datetimeFigureOut">
               <a:rPr lang="en-AU" smtClean="0"/>
-              <a:t>30/08/2025</a:t>
+              <a:t>1/09/2025</a:t>
             </a:fld>
             <a:endParaRPr lang="en-AU"/>
           </a:p>
@@ -19235,7 +16624,7 @@
           <a:p>
             <a:fld id="{FA30F2D4-E4D7-49CD-A8A3-DCDF5ECBF2B6}" type="datetimeFigureOut">
               <a:rPr lang="en-AU" smtClean="0"/>
-              <a:t>30/08/2025</a:t>
+              <a:t>1/09/2025</a:t>
             </a:fld>
             <a:endParaRPr lang="en-AU"/>
           </a:p>
@@ -19565,7 +16954,7 @@
           <a:p>
             <a:fld id="{FA30F2D4-E4D7-49CD-A8A3-DCDF5ECBF2B6}" type="datetimeFigureOut">
               <a:rPr lang="en-AU" smtClean="0"/>
-              <a:t>30/08/2025</a:t>
+              <a:t>1/09/2025</a:t>
             </a:fld>
             <a:endParaRPr lang="en-AU"/>
           </a:p>
@@ -19876,7 +17265,7 @@
           <a:p>
             <a:fld id="{FA30F2D4-E4D7-49CD-A8A3-DCDF5ECBF2B6}" type="datetimeFigureOut">
               <a:rPr lang="en-AU" smtClean="0"/>
-              <a:t>30/08/2025</a:t>
+              <a:t>1/09/2025</a:t>
             </a:fld>
             <a:endParaRPr lang="en-AU"/>
           </a:p>
@@ -20223,7 +17612,7 @@
           <a:p>
             <a:fld id="{FA30F2D4-E4D7-49CD-A8A3-DCDF5ECBF2B6}" type="datetimeFigureOut">
               <a:rPr lang="en-AU" smtClean="0"/>
-              <a:t>30/08/2025</a:t>
+              <a:t>1/09/2025</a:t>
             </a:fld>
             <a:endParaRPr lang="en-AU"/>
           </a:p>
@@ -20533,7 +17922,7 @@
           <a:p>
             <a:fld id="{FA30F2D4-E4D7-49CD-A8A3-DCDF5ECBF2B6}" type="datetimeFigureOut">
               <a:rPr lang="en-AU" smtClean="0"/>
-              <a:t>30/08/2025</a:t>
+              <a:t>1/09/2025</a:t>
             </a:fld>
             <a:endParaRPr lang="en-AU"/>
           </a:p>
@@ -20869,7 +18258,7 @@
           <a:p>
             <a:fld id="{FA30F2D4-E4D7-49CD-A8A3-DCDF5ECBF2B6}" type="datetimeFigureOut">
               <a:rPr lang="en-AU" smtClean="0"/>
-              <a:t>30/08/2025</a:t>
+              <a:t>1/09/2025</a:t>
             </a:fld>
             <a:endParaRPr lang="en-AU"/>
           </a:p>
@@ -21184,7 +18573,7 @@
           <a:p>
             <a:fld id="{FA30F2D4-E4D7-49CD-A8A3-DCDF5ECBF2B6}" type="datetimeFigureOut">
               <a:rPr lang="en-AU" smtClean="0"/>
-              <a:t>30/08/2025</a:t>
+              <a:t>1/09/2025</a:t>
             </a:fld>
             <a:endParaRPr lang="en-AU"/>
           </a:p>
@@ -21531,7 +18920,7 @@
           <a:p>
             <a:fld id="{FA30F2D4-E4D7-49CD-A8A3-DCDF5ECBF2B6}" type="datetimeFigureOut">
               <a:rPr lang="en-AU" smtClean="0"/>
-              <a:t>30/08/2025</a:t>
+              <a:t>1/09/2025</a:t>
             </a:fld>
             <a:endParaRPr lang="en-AU"/>
           </a:p>
@@ -21864,7 +19253,7 @@
           <a:p>
             <a:fld id="{FA30F2D4-E4D7-49CD-A8A3-DCDF5ECBF2B6}" type="datetimeFigureOut">
               <a:rPr lang="en-AU" smtClean="0"/>
-              <a:t>30/08/2025</a:t>
+              <a:t>1/09/2025</a:t>
             </a:fld>
             <a:endParaRPr lang="en-AU"/>
           </a:p>
@@ -22213,7 +19602,7 @@
           <a:p>
             <a:fld id="{FA30F2D4-E4D7-49CD-A8A3-DCDF5ECBF2B6}" type="datetimeFigureOut">
               <a:rPr lang="en-AU" smtClean="0"/>
-              <a:t>30/08/2025</a:t>
+              <a:t>1/09/2025</a:t>
             </a:fld>
             <a:endParaRPr lang="en-AU"/>
           </a:p>
@@ -22558,7 +19947,7 @@
           <a:p>
             <a:fld id="{FA30F2D4-E4D7-49CD-A8A3-DCDF5ECBF2B6}" type="datetimeFigureOut">
               <a:rPr lang="en-AU" smtClean="0"/>
-              <a:t>30/08/2025</a:t>
+              <a:t>1/09/2025</a:t>
             </a:fld>
             <a:endParaRPr lang="en-AU"/>
           </a:p>
@@ -22900,7 +20289,7 @@
           <a:p>
             <a:fld id="{FA30F2D4-E4D7-49CD-A8A3-DCDF5ECBF2B6}" type="datetimeFigureOut">
               <a:rPr lang="en-AU" smtClean="0"/>
-              <a:t>30/08/2025</a:t>
+              <a:t>1/09/2025</a:t>
             </a:fld>
             <a:endParaRPr lang="en-AU"/>
           </a:p>
@@ -23201,7 +20590,7 @@
           <a:p>
             <a:fld id="{FA30F2D4-E4D7-49CD-A8A3-DCDF5ECBF2B6}" type="datetimeFigureOut">
               <a:rPr lang="en-AU" smtClean="0"/>
-              <a:t>30/08/2025</a:t>
+              <a:t>1/09/2025</a:t>
             </a:fld>
             <a:endParaRPr lang="en-AU"/>
           </a:p>
@@ -23463,7 +20852,7 @@
           <a:p>
             <a:fld id="{FA30F2D4-E4D7-49CD-A8A3-DCDF5ECBF2B6}" type="datetimeFigureOut">
               <a:rPr lang="en-AU" smtClean="0"/>
-              <a:t>30/08/2025</a:t>
+              <a:t>1/09/2025</a:t>
             </a:fld>
             <a:endParaRPr lang="en-AU"/>
           </a:p>
@@ -23771,7 +21160,7 @@
           <a:p>
             <a:fld id="{FA30F2D4-E4D7-49CD-A8A3-DCDF5ECBF2B6}" type="datetimeFigureOut">
               <a:rPr lang="en-AU" smtClean="0"/>
-              <a:t>30/08/2025</a:t>
+              <a:t>1/09/2025</a:t>
             </a:fld>
             <a:endParaRPr lang="en-AU"/>
           </a:p>
@@ -24095,7 +21484,7 @@
           <a:p>
             <a:fld id="{FA30F2D4-E4D7-49CD-A8A3-DCDF5ECBF2B6}" type="datetimeFigureOut">
               <a:rPr lang="en-AU" smtClean="0"/>
-              <a:t>30/08/2025</a:t>
+              <a:t>1/09/2025</a:t>
             </a:fld>
             <a:endParaRPr lang="en-AU"/>
           </a:p>
@@ -24496,7 +21885,7 @@
           <a:p>
             <a:fld id="{FA30F2D4-E4D7-49CD-A8A3-DCDF5ECBF2B6}" type="datetimeFigureOut">
               <a:rPr lang="en-AU" smtClean="0"/>
-              <a:t>30/08/2025</a:t>
+              <a:t>1/09/2025</a:t>
             </a:fld>
             <a:endParaRPr lang="en-AU"/>
           </a:p>
@@ -24820,7 +22209,7 @@
           <a:p>
             <a:fld id="{FA30F2D4-E4D7-49CD-A8A3-DCDF5ECBF2B6}" type="datetimeFigureOut">
               <a:rPr lang="en-AU" smtClean="0"/>
-              <a:t>30/08/2025</a:t>
+              <a:t>1/09/2025</a:t>
             </a:fld>
             <a:endParaRPr lang="en-AU"/>
           </a:p>
@@ -25057,7 +22446,7 @@
           <a:p>
             <a:fld id="{FA30F2D4-E4D7-49CD-A8A3-DCDF5ECBF2B6}" type="datetimeFigureOut">
               <a:rPr lang="en-AU" smtClean="0"/>
-              <a:t>30/08/2025</a:t>
+              <a:t>1/09/2025</a:t>
             </a:fld>
             <a:endParaRPr lang="en-AU"/>
           </a:p>
@@ -25349,7 +22738,7 @@
           <a:p>
             <a:fld id="{FA30F2D4-E4D7-49CD-A8A3-DCDF5ECBF2B6}" type="datetimeFigureOut">
               <a:rPr lang="en-AU" smtClean="0"/>
-              <a:t>30/08/2025</a:t>
+              <a:t>1/09/2025</a:t>
             </a:fld>
             <a:endParaRPr lang="en-AU"/>
           </a:p>
@@ -25641,7 +23030,7 @@
           <a:p>
             <a:fld id="{FA30F2D4-E4D7-49CD-A8A3-DCDF5ECBF2B6}" type="datetimeFigureOut">
               <a:rPr lang="en-AU" smtClean="0"/>
-              <a:t>30/08/2025</a:t>
+              <a:t>1/09/2025</a:t>
             </a:fld>
             <a:endParaRPr lang="en-AU"/>
           </a:p>
@@ -25841,7 +23230,7 @@
           <a:p>
             <a:fld id="{FA30F2D4-E4D7-49CD-A8A3-DCDF5ECBF2B6}" type="datetimeFigureOut">
               <a:rPr lang="en-AU" smtClean="0"/>
-              <a:t>30/08/2025</a:t>
+              <a:t>1/09/2025</a:t>
             </a:fld>
             <a:endParaRPr lang="en-AU"/>
           </a:p>
@@ -26087,7 +23476,7 @@
           <a:p>
             <a:fld id="{FA30F2D4-E4D7-49CD-A8A3-DCDF5ECBF2B6}" type="datetimeFigureOut">
               <a:rPr lang="en-AU" smtClean="0"/>
-              <a:t>30/08/2025</a:t>
+              <a:t>1/09/2025</a:t>
             </a:fld>
             <a:endParaRPr lang="en-AU"/>
           </a:p>
@@ -26397,7 +23786,7 @@
           <a:p>
             <a:fld id="{FA30F2D4-E4D7-49CD-A8A3-DCDF5ECBF2B6}" type="datetimeFigureOut">
               <a:rPr lang="en-AU" smtClean="0"/>
-              <a:t>30/08/2025</a:t>
+              <a:t>1/09/2025</a:t>
             </a:fld>
             <a:endParaRPr lang="en-AU"/>
           </a:p>
@@ -26669,7 +24058,7 @@
           <a:p>
             <a:fld id="{FA30F2D4-E4D7-49CD-A8A3-DCDF5ECBF2B6}" type="datetimeFigureOut">
               <a:rPr lang="en-AU" smtClean="0"/>
-              <a:t>30/08/2025</a:t>
+              <a:t>1/09/2025</a:t>
             </a:fld>
             <a:endParaRPr lang="en-AU"/>
           </a:p>
@@ -26975,7 +24364,7 @@
           <a:p>
             <a:fld id="{FA30F2D4-E4D7-49CD-A8A3-DCDF5ECBF2B6}" type="datetimeFigureOut">
               <a:rPr lang="en-AU" smtClean="0"/>
-              <a:t>30/08/2025</a:t>
+              <a:t>1/09/2025</a:t>
             </a:fld>
             <a:endParaRPr lang="en-AU"/>
           </a:p>
@@ -27242,7 +24631,7 @@
           <a:p>
             <a:fld id="{FA30F2D4-E4D7-49CD-A8A3-DCDF5ECBF2B6}" type="datetimeFigureOut">
               <a:rPr lang="en-AU" smtClean="0"/>
-              <a:t>30/08/2025</a:t>
+              <a:t>1/09/2025</a:t>
             </a:fld>
             <a:endParaRPr lang="en-AU"/>
           </a:p>
@@ -27557,7 +24946,7 @@
           <a:p>
             <a:fld id="{FA30F2D4-E4D7-49CD-A8A3-DCDF5ECBF2B6}" type="datetimeFigureOut">
               <a:rPr lang="en-AU" smtClean="0"/>
-              <a:t>30/08/2025</a:t>
+              <a:t>1/09/2025</a:t>
             </a:fld>
             <a:endParaRPr lang="en-AU"/>
           </a:p>
@@ -27865,7 +25254,7 @@
           <a:p>
             <a:fld id="{FA30F2D4-E4D7-49CD-A8A3-DCDF5ECBF2B6}" type="datetimeFigureOut">
               <a:rPr lang="en-AU" smtClean="0"/>
-              <a:t>30/08/2025</a:t>
+              <a:t>1/09/2025</a:t>
             </a:fld>
             <a:endParaRPr lang="en-AU"/>
           </a:p>
@@ -28071,7 +25460,7 @@
           <a:p>
             <a:fld id="{FA30F2D4-E4D7-49CD-A8A3-DCDF5ECBF2B6}" type="datetimeFigureOut">
               <a:rPr lang="en-AU" smtClean="0"/>
-              <a:t>30/08/2025</a:t>
+              <a:t>1/09/2025</a:t>
             </a:fld>
             <a:endParaRPr lang="en-AU"/>
           </a:p>
@@ -28390,7 +25779,7 @@
           <a:p>
             <a:fld id="{FA30F2D4-E4D7-49CD-A8A3-DCDF5ECBF2B6}" type="datetimeFigureOut">
               <a:rPr lang="en-AU" smtClean="0"/>
-              <a:t>30/08/2025</a:t>
+              <a:t>1/09/2025</a:t>
             </a:fld>
             <a:endParaRPr lang="en-AU"/>
           </a:p>
@@ -28698,7 +26087,7 @@
           <a:p>
             <a:fld id="{FA30F2D4-E4D7-49CD-A8A3-DCDF5ECBF2B6}" type="datetimeFigureOut">
               <a:rPr lang="en-AU" smtClean="0"/>
-              <a:t>30/08/2025</a:t>
+              <a:t>1/09/2025</a:t>
             </a:fld>
             <a:endParaRPr lang="en-AU"/>
           </a:p>
@@ -28981,7 +26370,7 @@
           <a:p>
             <a:fld id="{FA30F2D4-E4D7-49CD-A8A3-DCDF5ECBF2B6}" type="datetimeFigureOut">
               <a:rPr lang="en-AU" smtClean="0"/>
-              <a:t>30/08/2025</a:t>
+              <a:t>1/09/2025</a:t>
             </a:fld>
             <a:endParaRPr lang="en-AU"/>
           </a:p>
@@ -29223,7 +26612,7 @@
           <a:p>
             <a:fld id="{FA30F2D4-E4D7-49CD-A8A3-DCDF5ECBF2B6}" type="datetimeFigureOut">
               <a:rPr lang="en-AU" smtClean="0"/>
-              <a:t>30/08/2025</a:t>
+              <a:t>1/09/2025</a:t>
             </a:fld>
             <a:endParaRPr lang="en-AU"/>
           </a:p>
@@ -29462,7 +26851,7 @@
           <a:p>
             <a:fld id="{FA30F2D4-E4D7-49CD-A8A3-DCDF5ECBF2B6}" type="datetimeFigureOut">
               <a:rPr lang="en-AU" smtClean="0"/>
-              <a:t>30/08/2025</a:t>
+              <a:t>1/09/2025</a:t>
             </a:fld>
             <a:endParaRPr lang="en-AU"/>
           </a:p>
@@ -29715,7 +27104,7 @@
           <a:p>
             <a:fld id="{FA30F2D4-E4D7-49CD-A8A3-DCDF5ECBF2B6}" type="datetimeFigureOut">
               <a:rPr lang="en-AU" smtClean="0"/>
-              <a:t>30/08/2025</a:t>
+              <a:t>1/09/2025</a:t>
             </a:fld>
             <a:endParaRPr lang="en-AU"/>
           </a:p>
@@ -29987,7 +27376,7 @@
           <a:p>
             <a:fld id="{FA30F2D4-E4D7-49CD-A8A3-DCDF5ECBF2B6}" type="datetimeFigureOut">
               <a:rPr lang="en-AU" smtClean="0"/>
-              <a:t>30/08/2025</a:t>
+              <a:t>1/09/2025</a:t>
             </a:fld>
             <a:endParaRPr lang="en-AU"/>
           </a:p>
@@ -30411,7 +27800,7 @@
           <a:p>
             <a:fld id="{FA30F2D4-E4D7-49CD-A8A3-DCDF5ECBF2B6}" type="datetimeFigureOut">
               <a:rPr lang="en-AU" smtClean="0"/>
-              <a:t>30/08/2025</a:t>
+              <a:t>1/09/2025</a:t>
             </a:fld>
             <a:endParaRPr lang="en-AU"/>
           </a:p>
@@ -30731,7 +28120,7 @@
           <a:p>
             <a:fld id="{FA30F2D4-E4D7-49CD-A8A3-DCDF5ECBF2B6}" type="datetimeFigureOut">
               <a:rPr lang="en-AU" smtClean="0"/>
-              <a:t>30/08/2025</a:t>
+              <a:t>1/09/2025</a:t>
             </a:fld>
             <a:endParaRPr lang="en-AU"/>
           </a:p>
@@ -31352,7 +28741,7 @@
         </p:blipFill>
         <p:spPr bwMode="auto">
           <a:xfrm>
-            <a:off x="2006930" y="942820"/>
+            <a:off x="3609820" y="942820"/>
             <a:ext cx="4972360" cy="4972360"/>
           </a:xfrm>
           <a:prstGeom prst="rect">
@@ -31474,224 +28863,6 @@
         <p:cNvPr id="1" name="">
           <a:extLst>
             <a:ext uri="{FF2B5EF4-FFF2-40B4-BE49-F238E27FC236}">
-              <a16:creationId xmlns:a16="http://schemas.microsoft.com/office/drawing/2014/main" id="{66AD700C-AA48-6FFE-98C0-238F2726DDBD}"/>
-            </a:ext>
-          </a:extLst>
-        </p:cNvPr>
-        <p:cNvGrpSpPr/>
-        <p:nvPr/>
-      </p:nvGrpSpPr>
-      <p:grpSpPr>
-        <a:xfrm>
-          <a:off x="0" y="0"/>
-          <a:ext cx="0" cy="0"/>
-          <a:chOff x="0" y="0"/>
-          <a:chExt cx="0" cy="0"/>
-        </a:xfrm>
-      </p:grpSpPr>
-      <p:sp>
-        <p:nvSpPr>
-          <p:cNvPr id="3" name="Title 2">
-            <a:extLst>
-              <a:ext uri="{FF2B5EF4-FFF2-40B4-BE49-F238E27FC236}">
-                <a16:creationId xmlns:a16="http://schemas.microsoft.com/office/drawing/2014/main" id="{6F9E8EC7-2AA6-C8A5-9641-2626589AEFD6}"/>
-              </a:ext>
-            </a:extLst>
-          </p:cNvPr>
-          <p:cNvSpPr>
-            <a:spLocks noGrp="1"/>
-          </p:cNvSpPr>
-          <p:nvPr>
-            <p:ph type="title"/>
-          </p:nvPr>
-        </p:nvSpPr>
-        <p:spPr/>
-        <p:txBody>
-          <a:bodyPr/>
-          <a:lstStyle/>
-          <a:p>
-            <a:r>
-              <a:rPr lang="en-AU" dirty="0"/>
-              <a:t>Message-Driven Communication</a:t>
-            </a:r>
-          </a:p>
-        </p:txBody>
-      </p:sp>
-      <p:sp>
-        <p:nvSpPr>
-          <p:cNvPr id="4" name="Rectangle 3">
-            <a:extLst>
-              <a:ext uri="{FF2B5EF4-FFF2-40B4-BE49-F238E27FC236}">
-                <a16:creationId xmlns:a16="http://schemas.microsoft.com/office/drawing/2014/main" id="{245A6447-F14C-595B-2811-928FC633AE9F}"/>
-              </a:ext>
-            </a:extLst>
-          </p:cNvPr>
-          <p:cNvSpPr/>
-          <p:nvPr/>
-        </p:nvSpPr>
-        <p:spPr>
-          <a:xfrm>
-            <a:off x="8953995" y="3764478"/>
-            <a:ext cx="3238005" cy="3093522"/>
-          </a:xfrm>
-          <a:prstGeom prst="rect">
-            <a:avLst/>
-          </a:prstGeom>
-        </p:spPr>
-        <p:style>
-          <a:lnRef idx="2">
-            <a:schemeClr val="accent1">
-              <a:shade val="15000"/>
-            </a:schemeClr>
-          </a:lnRef>
-          <a:fillRef idx="1">
-            <a:schemeClr val="accent1"/>
-          </a:fillRef>
-          <a:effectRef idx="0">
-            <a:schemeClr val="accent1"/>
-          </a:effectRef>
-          <a:fontRef idx="minor">
-            <a:schemeClr val="lt1"/>
-          </a:fontRef>
-        </p:style>
-        <p:txBody>
-          <a:bodyPr rtlCol="0" anchor="ctr"/>
-          <a:lstStyle/>
-          <a:p>
-            <a:pPr algn="ctr"/>
-            <a:endParaRPr lang="en-AU"/>
-          </a:p>
-        </p:txBody>
-      </p:sp>
-      <p:pic>
-        <p:nvPicPr>
-          <p:cNvPr id="5" name="Picture 2" descr="Home - Dapr Agents">
-            <a:extLst>
-              <a:ext uri="{FF2B5EF4-FFF2-40B4-BE49-F238E27FC236}">
-                <a16:creationId xmlns:a16="http://schemas.microsoft.com/office/drawing/2014/main" id="{12B50645-DF9D-61C4-CFED-FF83A471EC66}"/>
-              </a:ext>
-            </a:extLst>
-          </p:cNvPr>
-          <p:cNvPicPr>
-            <a:picLocks noChangeAspect="1" noChangeArrowheads="1"/>
-          </p:cNvPicPr>
-          <p:nvPr/>
-        </p:nvPicPr>
-        <p:blipFill>
-          <a:blip r:embed="rId3">
-            <a:extLst>
-              <a:ext uri="{28A0092B-C50C-407E-A947-70E740481C1C}">
-                <a14:useLocalDpi xmlns:a14="http://schemas.microsoft.com/office/drawing/2010/main" val="0"/>
-              </a:ext>
-            </a:extLst>
-          </a:blip>
-          <a:srcRect/>
-          <a:stretch>
-            <a:fillRect/>
-          </a:stretch>
-        </p:blipFill>
-        <p:spPr bwMode="auto">
-          <a:xfrm>
-            <a:off x="8834684" y="127063"/>
-            <a:ext cx="3476625" cy="3476625"/>
-          </a:xfrm>
-          <a:prstGeom prst="rect">
-            <a:avLst/>
-          </a:prstGeom>
-          <a:noFill/>
-          <a:extLst>
-            <a:ext uri="{909E8E84-426E-40DD-AFC4-6F175D3DCCD1}">
-              <a14:hiddenFill xmlns:a14="http://schemas.microsoft.com/office/drawing/2010/main">
-                <a:solidFill>
-                  <a:srgbClr val="FFFFFF"/>
-                </a:solidFill>
-              </a14:hiddenFill>
-            </a:ext>
-          </a:extLst>
-        </p:spPr>
-      </p:pic>
-      <p:pic>
-        <p:nvPicPr>
-          <p:cNvPr id="5122" name="Picture 2">
-            <a:extLst>
-              <a:ext uri="{FF2B5EF4-FFF2-40B4-BE49-F238E27FC236}">
-                <a16:creationId xmlns:a16="http://schemas.microsoft.com/office/drawing/2014/main" id="{7F86D64D-6E37-30CA-DD7A-C7535E237BF8}"/>
-              </a:ext>
-            </a:extLst>
-          </p:cNvPr>
-          <p:cNvPicPr>
-            <a:picLocks noGrp="1" noChangeAspect="1" noChangeArrowheads="1"/>
-          </p:cNvPicPr>
-          <p:nvPr>
-            <p:ph sz="quarter" idx="13"/>
-          </p:nvPr>
-        </p:nvPicPr>
-        <p:blipFill>
-          <a:blip r:embed="rId4">
-            <a:extLst>
-              <a:ext uri="{28A0092B-C50C-407E-A947-70E740481C1C}">
-                <a14:useLocalDpi xmlns:a14="http://schemas.microsoft.com/office/drawing/2010/main" val="0"/>
-              </a:ext>
-            </a:extLst>
-          </a:blip>
-          <a:srcRect/>
-          <a:stretch>
-            <a:fillRect/>
-          </a:stretch>
-        </p:blipFill>
-        <p:spPr bwMode="auto">
-          <a:xfrm>
-            <a:off x="1088136" y="2267376"/>
-            <a:ext cx="7416187" cy="4303493"/>
-          </a:xfrm>
-          <a:prstGeom prst="rect">
-            <a:avLst/>
-          </a:prstGeom>
-          <a:noFill/>
-          <a:extLst>
-            <a:ext uri="{909E8E84-426E-40DD-AFC4-6F175D3DCCD1}">
-              <a14:hiddenFill xmlns:a14="http://schemas.microsoft.com/office/drawing/2010/main">
-                <a:solidFill>
-                  <a:srgbClr val="FFFFFF"/>
-                </a:solidFill>
-              </a14:hiddenFill>
-            </a:ext>
-          </a:extLst>
-        </p:spPr>
-      </p:pic>
-    </p:spTree>
-    <p:extLst>
-      <p:ext uri="{BB962C8B-B14F-4D97-AF65-F5344CB8AC3E}">
-        <p14:creationId xmlns:p14="http://schemas.microsoft.com/office/powerpoint/2010/main" val="2655592685"/>
-      </p:ext>
-    </p:extLst>
-  </p:cSld>
-  <p:clrMapOvr>
-    <a:masterClrMapping/>
-  </p:clrMapOvr>
-  <mc:AlternateContent xmlns:mc="http://schemas.openxmlformats.org/markup-compatibility/2006">
-    <mc:Choice xmlns:p14="http://schemas.microsoft.com/office/powerpoint/2010/main" Requires="p14">
-      <p:transition spd="med" p14:dur="700">
-        <p:fade/>
-      </p:transition>
-    </mc:Choice>
-    <mc:Fallback>
-      <p:transition spd="med">
-        <p:fade/>
-      </p:transition>
-    </mc:Fallback>
-  </mc:AlternateContent>
-</p:sld>
-</file>
-
-<file path=ppt/slides/slide11.xml><?xml version="1.0" encoding="utf-8"?>
-<p:sld xmlns:a="http://schemas.openxmlformats.org/drawingml/2006/main" xmlns:r="http://schemas.openxmlformats.org/officeDocument/2006/relationships" xmlns:p="http://schemas.openxmlformats.org/presentationml/2006/main">
-  <p:cSld>
-    <p:spTree>
-      <p:nvGrpSpPr>
-        <p:cNvPr id="1" name="">
-          <a:extLst>
-            <a:ext uri="{FF2B5EF4-FFF2-40B4-BE49-F238E27FC236}">
               <a16:creationId xmlns:a16="http://schemas.microsoft.com/office/drawing/2014/main" id="{63020C2A-2B5F-522C-14C1-D8BC27BC5E00}"/>
             </a:ext>
           </a:extLst>
@@ -31887,13 +29058,13 @@
   <p:clrMapOvr>
     <a:masterClrMapping/>
   </p:clrMapOvr>
-  <mc:AlternateContent xmlns:mc="http://schemas.openxmlformats.org/markup-compatibility/2006">
-    <mc:Choice xmlns:p14="http://schemas.microsoft.com/office/powerpoint/2010/main" Requires="p14">
+  <mc:AlternateContent xmlns:mc="http://schemas.openxmlformats.org/markup-compatibility/2006" xmlns:p14="http://schemas.microsoft.com/office/powerpoint/2010/main">
+    <mc:Choice Requires="p14">
       <p:transition spd="med" p14:dur="700">
         <p:fade/>
       </p:transition>
     </mc:Choice>
-    <mc:Fallback>
+    <mc:Fallback xmlns="">
       <p:transition spd="med">
         <p:fade/>
       </p:transition>
@@ -31902,7 +29073,7 @@
 </p:sld>
 </file>
 
-<file path=ppt/slides/slide12.xml><?xml version="1.0" encoding="utf-8"?>
+<file path=ppt/slides/slide11.xml><?xml version="1.0" encoding="utf-8"?>
 <p:sld xmlns:a="http://schemas.openxmlformats.org/drawingml/2006/main" xmlns:r="http://schemas.openxmlformats.org/officeDocument/2006/relationships" xmlns:p="http://schemas.openxmlformats.org/presentationml/2006/main">
   <p:cSld>
     <p:spTree>
@@ -32128,13 +29299,13 @@
   <p:clrMapOvr>
     <a:masterClrMapping/>
   </p:clrMapOvr>
-  <mc:AlternateContent xmlns:mc="http://schemas.openxmlformats.org/markup-compatibility/2006">
-    <mc:Choice xmlns:p14="http://schemas.microsoft.com/office/powerpoint/2010/main" Requires="p14">
+  <mc:AlternateContent xmlns:mc="http://schemas.openxmlformats.org/markup-compatibility/2006" xmlns:p14="http://schemas.microsoft.com/office/powerpoint/2010/main">
+    <mc:Choice Requires="p14">
       <p:transition spd="med" p14:dur="700">
         <p:fade/>
       </p:transition>
     </mc:Choice>
-    <mc:Fallback>
+    <mc:Fallback xmlns="">
       <p:transition spd="med">
         <p:fade/>
       </p:transition>
@@ -32281,85 +29452,12 @@
           </a:extLst>
         </p:spPr>
       </p:pic>
-    </p:spTree>
-    <p:extLst>
-      <p:ext uri="{BB962C8B-B14F-4D97-AF65-F5344CB8AC3E}">
-        <p14:creationId xmlns:p14="http://schemas.microsoft.com/office/powerpoint/2010/main" val="3314576451"/>
-      </p:ext>
-    </p:extLst>
-  </p:cSld>
-  <p:clrMapOvr>
-    <a:masterClrMapping/>
-  </p:clrMapOvr>
-  <mc:AlternateContent xmlns:mc="http://schemas.openxmlformats.org/markup-compatibility/2006">
-    <mc:Choice xmlns:p14="http://schemas.microsoft.com/office/powerpoint/2010/main" Requires="p14">
-      <p:transition spd="med" p14:dur="700">
-        <p:fade/>
-      </p:transition>
-    </mc:Choice>
-    <mc:Fallback>
-      <p:transition spd="med">
-        <p:fade/>
-      </p:transition>
-    </mc:Fallback>
-  </mc:AlternateContent>
-</p:sld>
-</file>
-
-<file path=ppt/slides/slide3.xml><?xml version="1.0" encoding="utf-8"?>
-<p:sld xmlns:a="http://schemas.openxmlformats.org/drawingml/2006/main" xmlns:r="http://schemas.openxmlformats.org/officeDocument/2006/relationships" xmlns:p="http://schemas.openxmlformats.org/presentationml/2006/main">
-  <p:cSld>
-    <p:spTree>
-      <p:nvGrpSpPr>
-        <p:cNvPr id="1" name=""/>
-        <p:cNvGrpSpPr/>
-        <p:nvPr/>
-      </p:nvGrpSpPr>
-      <p:grpSpPr>
-        <a:xfrm>
-          <a:off x="0" y="0"/>
-          <a:ext cx="0" cy="0"/>
-          <a:chOff x="0" y="0"/>
-          <a:chExt cx="0" cy="0"/>
-        </a:xfrm>
-      </p:grpSpPr>
-      <p:graphicFrame>
-        <p:nvGraphicFramePr>
-          <p:cNvPr id="6" name="Content Placeholder 5">
-            <a:extLst>
-              <a:ext uri="{FF2B5EF4-FFF2-40B4-BE49-F238E27FC236}">
-                <a16:creationId xmlns:a16="http://schemas.microsoft.com/office/drawing/2014/main" id="{F5D48E62-6718-8296-52E7-84B1423D9484}"/>
-              </a:ext>
-            </a:extLst>
-          </p:cNvPr>
-          <p:cNvGraphicFramePr>
-            <a:graphicFrameLocks noGrp="1"/>
-          </p:cNvGraphicFramePr>
-          <p:nvPr>
-            <p:ph sz="quarter" idx="13"/>
-            <p:extLst>
-              <p:ext uri="{D42A27DB-BD31-4B8C-83A1-F6EECF244321}">
-                <p14:modId xmlns:p14="http://schemas.microsoft.com/office/powerpoint/2010/main" val="1385853787"/>
-              </p:ext>
-            </p:extLst>
-          </p:nvPr>
-        </p:nvGraphicFramePr>
-        <p:xfrm>
-          <a:off x="1017278" y="1059340"/>
-          <a:ext cx="7064837" cy="4739319"/>
-        </p:xfrm>
-        <a:graphic>
-          <a:graphicData uri="http://schemas.openxmlformats.org/drawingml/2006/diagram">
-            <dgm:relIds xmlns:dgm="http://schemas.openxmlformats.org/drawingml/2006/diagram" xmlns:r="http://schemas.openxmlformats.org/officeDocument/2006/relationships" r:dm="rId3" r:lo="rId4" r:qs="rId5" r:cs="rId6"/>
-          </a:graphicData>
-        </a:graphic>
-      </p:graphicFrame>
-      <p:sp>
-        <p:nvSpPr>
-          <p:cNvPr id="7" name="Rectangle 6">
-            <a:extLst>
-              <a:ext uri="{FF2B5EF4-FFF2-40B4-BE49-F238E27FC236}">
-                <a16:creationId xmlns:a16="http://schemas.microsoft.com/office/drawing/2014/main" id="{E625B4EB-D317-4D86-0757-150AF34F1E6E}"/>
+      <p:sp>
+        <p:nvSpPr>
+          <p:cNvPr id="2" name="Rectangle 1">
+            <a:extLst>
+              <a:ext uri="{FF2B5EF4-FFF2-40B4-BE49-F238E27FC236}">
+                <a16:creationId xmlns:a16="http://schemas.microsoft.com/office/drawing/2014/main" id="{0866E45A-4C78-786C-B75B-A8EF0CA92BF6}"/>
               </a:ext>
             </a:extLst>
           </p:cNvPr>
@@ -32368,12 +29466,18 @@
         </p:nvSpPr>
         <p:spPr>
           <a:xfrm>
-            <a:off x="8953995" y="3764478"/>
-            <a:ext cx="3238005" cy="3093522"/>
+            <a:off x="406401" y="1644707"/>
+            <a:ext cx="1680189" cy="1091922"/>
           </a:xfrm>
           <a:prstGeom prst="rect">
             <a:avLst/>
           </a:prstGeom>
+          <a:noFill/>
+          <a:ln w="63500">
+            <a:solidFill>
+              <a:srgbClr val="FF0000"/>
+            </a:solidFill>
+          </a:ln>
         </p:spPr>
         <p:style>
           <a:lnRef idx="2">
@@ -32400,79 +29504,118 @@
           </a:p>
         </p:txBody>
       </p:sp>
-      <p:pic>
-        <p:nvPicPr>
-          <p:cNvPr id="3074" name="Picture 2" descr="Home - Dapr Agents">
-            <a:extLst>
-              <a:ext uri="{FF2B5EF4-FFF2-40B4-BE49-F238E27FC236}">
-                <a16:creationId xmlns:a16="http://schemas.microsoft.com/office/drawing/2014/main" id="{266FBD04-A5A7-3230-33CD-232A3210593A}"/>
-              </a:ext>
-            </a:extLst>
-          </p:cNvPr>
-          <p:cNvPicPr>
-            <a:picLocks noChangeAspect="1" noChangeArrowheads="1"/>
-          </p:cNvPicPr>
-          <p:nvPr/>
-        </p:nvPicPr>
-        <p:blipFill>
-          <a:blip r:embed="rId8">
-            <a:extLst>
-              <a:ext uri="{28A0092B-C50C-407E-A947-70E740481C1C}">
-                <a14:useLocalDpi xmlns:a14="http://schemas.microsoft.com/office/drawing/2010/main" val="0"/>
-              </a:ext>
-            </a:extLst>
-          </a:blip>
-          <a:srcRect/>
-          <a:stretch>
-            <a:fillRect/>
-          </a:stretch>
-        </p:blipFill>
-        <p:spPr bwMode="auto">
-          <a:xfrm>
-            <a:off x="8834684" y="121598"/>
-            <a:ext cx="3476625" cy="3476625"/>
-          </a:xfrm>
-          <a:prstGeom prst="rect">
-            <a:avLst/>
-          </a:prstGeom>
-          <a:noFill/>
-          <a:extLst>
-            <a:ext uri="{909E8E84-426E-40DD-AFC4-6F175D3DCCD1}">
-              <a14:hiddenFill xmlns:a14="http://schemas.microsoft.com/office/drawing/2010/main">
-                <a:solidFill>
-                  <a:srgbClr val="FFFFFF"/>
-                </a:solidFill>
-              </a14:hiddenFill>
-            </a:ext>
-          </a:extLst>
-        </p:spPr>
-      </p:pic>
     </p:spTree>
     <p:extLst>
       <p:ext uri="{BB962C8B-B14F-4D97-AF65-F5344CB8AC3E}">
-        <p14:creationId xmlns:p14="http://schemas.microsoft.com/office/powerpoint/2010/main" val="2092205297"/>
+        <p14:creationId xmlns:p14="http://schemas.microsoft.com/office/powerpoint/2010/main" val="3314576451"/>
       </p:ext>
     </p:extLst>
   </p:cSld>
   <p:clrMapOvr>
     <a:masterClrMapping/>
   </p:clrMapOvr>
-  <mc:AlternateContent xmlns:mc="http://schemas.openxmlformats.org/markup-compatibility/2006">
-    <mc:Choice xmlns:p14="http://schemas.microsoft.com/office/powerpoint/2010/main" Requires="p14">
+  <mc:AlternateContent xmlns:mc="http://schemas.openxmlformats.org/markup-compatibility/2006" xmlns:p14="http://schemas.microsoft.com/office/powerpoint/2010/main">
+    <mc:Choice Requires="p14">
       <p:transition spd="med" p14:dur="700">
         <p:fade/>
       </p:transition>
     </mc:Choice>
-    <mc:Fallback>
+    <mc:Fallback xmlns="">
       <p:transition spd="med">
         <p:fade/>
       </p:transition>
     </mc:Fallback>
   </mc:AlternateContent>
+  <p:timing>
+    <p:tnLst>
+      <p:par>
+        <p:cTn id="1" dur="indefinite" restart="never" nodeType="tmRoot">
+          <p:childTnLst>
+            <p:seq concurrent="1" nextAc="seek">
+              <p:cTn id="2" dur="indefinite" nodeType="mainSeq">
+                <p:childTnLst>
+                  <p:par>
+                    <p:cTn id="3" fill="hold">
+                      <p:stCondLst>
+                        <p:cond delay="indefinite"/>
+                      </p:stCondLst>
+                      <p:childTnLst>
+                        <p:par>
+                          <p:cTn id="4" fill="hold">
+                            <p:stCondLst>
+                              <p:cond delay="0"/>
+                            </p:stCondLst>
+                            <p:childTnLst>
+                              <p:par>
+                                <p:cTn id="5" presetID="10" presetClass="entr" presetSubtype="0" fill="hold" grpId="0" nodeType="clickEffect">
+                                  <p:stCondLst>
+                                    <p:cond delay="0"/>
+                                  </p:stCondLst>
+                                  <p:childTnLst>
+                                    <p:set>
+                                      <p:cBhvr>
+                                        <p:cTn id="6" dur="1" fill="hold">
+                                          <p:stCondLst>
+                                            <p:cond delay="0"/>
+                                          </p:stCondLst>
+                                        </p:cTn>
+                                        <p:tgtEl>
+                                          <p:spTgt spid="2"/>
+                                        </p:tgtEl>
+                                        <p:attrNameLst>
+                                          <p:attrName>style.visibility</p:attrName>
+                                        </p:attrNameLst>
+                                      </p:cBhvr>
+                                      <p:to>
+                                        <p:strVal val="visible"/>
+                                      </p:to>
+                                    </p:set>
+                                    <p:animEffect transition="in" filter="fade">
+                                      <p:cBhvr>
+                                        <p:cTn id="7" dur="500"/>
+                                        <p:tgtEl>
+                                          <p:spTgt spid="2"/>
+                                        </p:tgtEl>
+                                      </p:cBhvr>
+                                    </p:animEffect>
+                                  </p:childTnLst>
+                                </p:cTn>
+                              </p:par>
+                            </p:childTnLst>
+                          </p:cTn>
+                        </p:par>
+                      </p:childTnLst>
+                    </p:cTn>
+                  </p:par>
+                </p:childTnLst>
+              </p:cTn>
+              <p:prevCondLst>
+                <p:cond evt="onPrev" delay="0">
+                  <p:tgtEl>
+                    <p:sldTgt/>
+                  </p:tgtEl>
+                </p:cond>
+              </p:prevCondLst>
+              <p:nextCondLst>
+                <p:cond evt="onNext" delay="0">
+                  <p:tgtEl>
+                    <p:sldTgt/>
+                  </p:tgtEl>
+                </p:cond>
+              </p:nextCondLst>
+            </p:seq>
+          </p:childTnLst>
+        </p:cTn>
+      </p:par>
+    </p:tnLst>
+    <p:bldLst>
+      <p:bldP spid="2" grpId="0" animBg="1"/>
+    </p:bldLst>
+  </p:timing>
 </p:sld>
 </file>
 
-<file path=ppt/slides/slide4.xml><?xml version="1.0" encoding="utf-8"?>
+<file path=ppt/slides/slide3.xml><?xml version="1.0" encoding="utf-8"?>
 <p:sld xmlns:a="http://schemas.openxmlformats.org/drawingml/2006/main" xmlns:r="http://schemas.openxmlformats.org/officeDocument/2006/relationships" xmlns:p="http://schemas.openxmlformats.org/presentationml/2006/main">
   <p:cSld>
     <p:spTree>
@@ -32660,13 +29803,13 @@
   <p:clrMapOvr>
     <a:masterClrMapping/>
   </p:clrMapOvr>
-  <mc:AlternateContent xmlns:mc="http://schemas.openxmlformats.org/markup-compatibility/2006">
-    <mc:Choice xmlns:p14="http://schemas.microsoft.com/office/powerpoint/2010/main" Requires="p14">
+  <mc:AlternateContent xmlns:mc="http://schemas.openxmlformats.org/markup-compatibility/2006" xmlns:p14="http://schemas.microsoft.com/office/powerpoint/2010/main">
+    <mc:Choice Requires="p14">
       <p:transition spd="med" p14:dur="700">
         <p:fade/>
       </p:transition>
     </mc:Choice>
-    <mc:Fallback>
+    <mc:Fallback xmlns="">
       <p:transition spd="med">
         <p:fade/>
       </p:transition>
@@ -32675,7 +29818,7 @@
 </p:sld>
 </file>
 
-<file path=ppt/slides/slide5.xml><?xml version="1.0" encoding="utf-8"?>
+<file path=ppt/slides/slide4.xml><?xml version="1.0" encoding="utf-8"?>
 <p:sld xmlns:a="http://schemas.openxmlformats.org/drawingml/2006/main" xmlns:r="http://schemas.openxmlformats.org/officeDocument/2006/relationships" xmlns:p="http://schemas.openxmlformats.org/presentationml/2006/main">
   <p:cSld>
     <p:spTree>
@@ -32883,13 +30026,13 @@
   <p:clrMapOvr>
     <a:masterClrMapping/>
   </p:clrMapOvr>
-  <mc:AlternateContent xmlns:mc="http://schemas.openxmlformats.org/markup-compatibility/2006">
-    <mc:Choice xmlns:p14="http://schemas.microsoft.com/office/powerpoint/2010/main" Requires="p14">
+  <mc:AlternateContent xmlns:mc="http://schemas.openxmlformats.org/markup-compatibility/2006" xmlns:p14="http://schemas.microsoft.com/office/powerpoint/2010/main">
+    <mc:Choice Requires="p14">
       <p:transition spd="med" p14:dur="700">
         <p:fade/>
       </p:transition>
     </mc:Choice>
-    <mc:Fallback>
+    <mc:Fallback xmlns="">
       <p:transition spd="med">
         <p:fade/>
       </p:transition>
@@ -32898,7 +30041,7 @@
 </p:sld>
 </file>
 
-<file path=ppt/slides/slide6.xml><?xml version="1.0" encoding="utf-8"?>
+<file path=ppt/slides/slide5.xml><?xml version="1.0" encoding="utf-8"?>
 <p:sld xmlns:a="http://schemas.openxmlformats.org/drawingml/2006/main" xmlns:r="http://schemas.openxmlformats.org/officeDocument/2006/relationships" xmlns:p="http://schemas.openxmlformats.org/presentationml/2006/main">
   <p:cSld>
     <p:spTree>
@@ -36341,13 +33484,13 @@
   <p:clrMapOvr>
     <a:masterClrMapping/>
   </p:clrMapOvr>
-  <mc:AlternateContent xmlns:mc="http://schemas.openxmlformats.org/markup-compatibility/2006">
-    <mc:Choice xmlns:p14="http://schemas.microsoft.com/office/powerpoint/2010/main" Requires="p14">
+  <mc:AlternateContent xmlns:mc="http://schemas.openxmlformats.org/markup-compatibility/2006" xmlns:p14="http://schemas.microsoft.com/office/powerpoint/2010/main">
+    <mc:Choice Requires="p14">
       <p:transition spd="med" p14:dur="700">
         <p:fade/>
       </p:transition>
     </mc:Choice>
-    <mc:Fallback>
+    <mc:Fallback xmlns="">
       <p:transition spd="med">
         <p:fade/>
       </p:transition>
@@ -36356,7 +33499,7 @@
 </p:sld>
 </file>
 
-<file path=ppt/slides/slide7.xml><?xml version="1.0" encoding="utf-8"?>
+<file path=ppt/slides/slide6.xml><?xml version="1.0" encoding="utf-8"?>
 <p:sld xmlns:a="http://schemas.openxmlformats.org/drawingml/2006/main" xmlns:r="http://schemas.openxmlformats.org/officeDocument/2006/relationships" xmlns:p="http://schemas.openxmlformats.org/presentationml/2006/main">
   <p:cSld>
     <p:spTree>
@@ -36560,13 +33703,13 @@
   <p:clrMapOvr>
     <a:masterClrMapping/>
   </p:clrMapOvr>
-  <mc:AlternateContent xmlns:mc="http://schemas.openxmlformats.org/markup-compatibility/2006">
-    <mc:Choice xmlns:p14="http://schemas.microsoft.com/office/powerpoint/2010/main" Requires="p14">
+  <mc:AlternateContent xmlns:mc="http://schemas.openxmlformats.org/markup-compatibility/2006" xmlns:p14="http://schemas.microsoft.com/office/powerpoint/2010/main">
+    <mc:Choice Requires="p14">
       <p:transition spd="med" p14:dur="700">
         <p:fade/>
       </p:transition>
     </mc:Choice>
-    <mc:Fallback>
+    <mc:Fallback xmlns="">
       <p:transition spd="med">
         <p:fade/>
       </p:transition>
@@ -36575,7 +33718,7 @@
 </p:sld>
 </file>
 
-<file path=ppt/slides/slide8.xml><?xml version="1.0" encoding="utf-8"?>
+<file path=ppt/slides/slide7.xml><?xml version="1.0" encoding="utf-8"?>
 <p:sld xmlns:a="http://schemas.openxmlformats.org/drawingml/2006/main" xmlns:r="http://schemas.openxmlformats.org/officeDocument/2006/relationships" xmlns:p="http://schemas.openxmlformats.org/presentationml/2006/main">
   <p:cSld>
     <p:spTree>
@@ -36785,13 +33928,13 @@
   <p:clrMapOvr>
     <a:masterClrMapping/>
   </p:clrMapOvr>
-  <mc:AlternateContent xmlns:mc="http://schemas.openxmlformats.org/markup-compatibility/2006">
-    <mc:Choice xmlns:p14="http://schemas.microsoft.com/office/powerpoint/2010/main" Requires="p14">
+  <mc:AlternateContent xmlns:mc="http://schemas.openxmlformats.org/markup-compatibility/2006" xmlns:p14="http://schemas.microsoft.com/office/powerpoint/2010/main">
+    <mc:Choice Requires="p14">
       <p:transition spd="med" p14:dur="700">
         <p:fade/>
       </p:transition>
     </mc:Choice>
-    <mc:Fallback>
+    <mc:Fallback xmlns="">
       <p:transition spd="med">
         <p:fade/>
       </p:transition>
@@ -36800,7 +33943,7 @@
 </p:sld>
 </file>
 
-<file path=ppt/slides/slide9.xml><?xml version="1.0" encoding="utf-8"?>
+<file path=ppt/slides/slide8.xml><?xml version="1.0" encoding="utf-8"?>
 <p:sld xmlns:a="http://schemas.openxmlformats.org/drawingml/2006/main" xmlns:r="http://schemas.openxmlformats.org/officeDocument/2006/relationships" xmlns:p="http://schemas.openxmlformats.org/presentationml/2006/main">
   <p:cSld>
     <p:spTree>
@@ -36992,13 +34135,231 @@
   <p:clrMapOvr>
     <a:masterClrMapping/>
   </p:clrMapOvr>
-  <mc:AlternateContent xmlns:mc="http://schemas.openxmlformats.org/markup-compatibility/2006">
-    <mc:Choice xmlns:p14="http://schemas.microsoft.com/office/powerpoint/2010/main" Requires="p14">
+  <mc:AlternateContent xmlns:mc="http://schemas.openxmlformats.org/markup-compatibility/2006" xmlns:p14="http://schemas.microsoft.com/office/powerpoint/2010/main">
+    <mc:Choice Requires="p14">
       <p:transition spd="med" p14:dur="700">
         <p:fade/>
       </p:transition>
     </mc:Choice>
-    <mc:Fallback>
+    <mc:Fallback xmlns="">
+      <p:transition spd="med">
+        <p:fade/>
+      </p:transition>
+    </mc:Fallback>
+  </mc:AlternateContent>
+</p:sld>
+</file>
+
+<file path=ppt/slides/slide9.xml><?xml version="1.0" encoding="utf-8"?>
+<p:sld xmlns:a="http://schemas.openxmlformats.org/drawingml/2006/main" xmlns:r="http://schemas.openxmlformats.org/officeDocument/2006/relationships" xmlns:p="http://schemas.openxmlformats.org/presentationml/2006/main">
+  <p:cSld>
+    <p:spTree>
+      <p:nvGrpSpPr>
+        <p:cNvPr id="1" name="">
+          <a:extLst>
+            <a:ext uri="{FF2B5EF4-FFF2-40B4-BE49-F238E27FC236}">
+              <a16:creationId xmlns:a16="http://schemas.microsoft.com/office/drawing/2014/main" id="{66AD700C-AA48-6FFE-98C0-238F2726DDBD}"/>
+            </a:ext>
+          </a:extLst>
+        </p:cNvPr>
+        <p:cNvGrpSpPr/>
+        <p:nvPr/>
+      </p:nvGrpSpPr>
+      <p:grpSpPr>
+        <a:xfrm>
+          <a:off x="0" y="0"/>
+          <a:ext cx="0" cy="0"/>
+          <a:chOff x="0" y="0"/>
+          <a:chExt cx="0" cy="0"/>
+        </a:xfrm>
+      </p:grpSpPr>
+      <p:sp>
+        <p:nvSpPr>
+          <p:cNvPr id="3" name="Title 2">
+            <a:extLst>
+              <a:ext uri="{FF2B5EF4-FFF2-40B4-BE49-F238E27FC236}">
+                <a16:creationId xmlns:a16="http://schemas.microsoft.com/office/drawing/2014/main" id="{6F9E8EC7-2AA6-C8A5-9641-2626589AEFD6}"/>
+              </a:ext>
+            </a:extLst>
+          </p:cNvPr>
+          <p:cNvSpPr>
+            <a:spLocks noGrp="1"/>
+          </p:cNvSpPr>
+          <p:nvPr>
+            <p:ph type="title"/>
+          </p:nvPr>
+        </p:nvSpPr>
+        <p:spPr/>
+        <p:txBody>
+          <a:bodyPr/>
+          <a:lstStyle/>
+          <a:p>
+            <a:r>
+              <a:rPr lang="en-AU" dirty="0"/>
+              <a:t>Message-Driven Communication</a:t>
+            </a:r>
+          </a:p>
+        </p:txBody>
+      </p:sp>
+      <p:sp>
+        <p:nvSpPr>
+          <p:cNvPr id="4" name="Rectangle 3">
+            <a:extLst>
+              <a:ext uri="{FF2B5EF4-FFF2-40B4-BE49-F238E27FC236}">
+                <a16:creationId xmlns:a16="http://schemas.microsoft.com/office/drawing/2014/main" id="{245A6447-F14C-595B-2811-928FC633AE9F}"/>
+              </a:ext>
+            </a:extLst>
+          </p:cNvPr>
+          <p:cNvSpPr/>
+          <p:nvPr/>
+        </p:nvSpPr>
+        <p:spPr>
+          <a:xfrm>
+            <a:off x="8953995" y="3764478"/>
+            <a:ext cx="3238005" cy="3093522"/>
+          </a:xfrm>
+          <a:prstGeom prst="rect">
+            <a:avLst/>
+          </a:prstGeom>
+        </p:spPr>
+        <p:style>
+          <a:lnRef idx="2">
+            <a:schemeClr val="accent1">
+              <a:shade val="15000"/>
+            </a:schemeClr>
+          </a:lnRef>
+          <a:fillRef idx="1">
+            <a:schemeClr val="accent1"/>
+          </a:fillRef>
+          <a:effectRef idx="0">
+            <a:schemeClr val="accent1"/>
+          </a:effectRef>
+          <a:fontRef idx="minor">
+            <a:schemeClr val="lt1"/>
+          </a:fontRef>
+        </p:style>
+        <p:txBody>
+          <a:bodyPr rtlCol="0" anchor="ctr"/>
+          <a:lstStyle/>
+          <a:p>
+            <a:pPr algn="ctr"/>
+            <a:endParaRPr lang="en-AU"/>
+          </a:p>
+        </p:txBody>
+      </p:sp>
+      <p:pic>
+        <p:nvPicPr>
+          <p:cNvPr id="5" name="Picture 2" descr="Home - Dapr Agents">
+            <a:extLst>
+              <a:ext uri="{FF2B5EF4-FFF2-40B4-BE49-F238E27FC236}">
+                <a16:creationId xmlns:a16="http://schemas.microsoft.com/office/drawing/2014/main" id="{12B50645-DF9D-61C4-CFED-FF83A471EC66}"/>
+              </a:ext>
+            </a:extLst>
+          </p:cNvPr>
+          <p:cNvPicPr>
+            <a:picLocks noChangeAspect="1" noChangeArrowheads="1"/>
+          </p:cNvPicPr>
+          <p:nvPr/>
+        </p:nvPicPr>
+        <p:blipFill>
+          <a:blip r:embed="rId3">
+            <a:extLst>
+              <a:ext uri="{28A0092B-C50C-407E-A947-70E740481C1C}">
+                <a14:useLocalDpi xmlns:a14="http://schemas.microsoft.com/office/drawing/2010/main" val="0"/>
+              </a:ext>
+            </a:extLst>
+          </a:blip>
+          <a:srcRect/>
+          <a:stretch>
+            <a:fillRect/>
+          </a:stretch>
+        </p:blipFill>
+        <p:spPr bwMode="auto">
+          <a:xfrm>
+            <a:off x="8834684" y="127063"/>
+            <a:ext cx="3476625" cy="3476625"/>
+          </a:xfrm>
+          <a:prstGeom prst="rect">
+            <a:avLst/>
+          </a:prstGeom>
+          <a:noFill/>
+          <a:extLst>
+            <a:ext uri="{909E8E84-426E-40DD-AFC4-6F175D3DCCD1}">
+              <a14:hiddenFill xmlns:a14="http://schemas.microsoft.com/office/drawing/2010/main">
+                <a:solidFill>
+                  <a:srgbClr val="FFFFFF"/>
+                </a:solidFill>
+              </a14:hiddenFill>
+            </a:ext>
+          </a:extLst>
+        </p:spPr>
+      </p:pic>
+      <p:pic>
+        <p:nvPicPr>
+          <p:cNvPr id="5122" name="Picture 2">
+            <a:extLst>
+              <a:ext uri="{FF2B5EF4-FFF2-40B4-BE49-F238E27FC236}">
+                <a16:creationId xmlns:a16="http://schemas.microsoft.com/office/drawing/2014/main" id="{7F86D64D-6E37-30CA-DD7A-C7535E237BF8}"/>
+              </a:ext>
+            </a:extLst>
+          </p:cNvPr>
+          <p:cNvPicPr>
+            <a:picLocks noGrp="1" noChangeAspect="1" noChangeArrowheads="1"/>
+          </p:cNvPicPr>
+          <p:nvPr>
+            <p:ph sz="quarter" idx="13"/>
+          </p:nvPr>
+        </p:nvPicPr>
+        <p:blipFill>
+          <a:blip r:embed="rId4">
+            <a:extLst>
+              <a:ext uri="{28A0092B-C50C-407E-A947-70E740481C1C}">
+                <a14:useLocalDpi xmlns:a14="http://schemas.microsoft.com/office/drawing/2010/main" val="0"/>
+              </a:ext>
+            </a:extLst>
+          </a:blip>
+          <a:srcRect/>
+          <a:stretch>
+            <a:fillRect/>
+          </a:stretch>
+        </p:blipFill>
+        <p:spPr bwMode="auto">
+          <a:xfrm>
+            <a:off x="1088136" y="2267376"/>
+            <a:ext cx="7416187" cy="4303493"/>
+          </a:xfrm>
+          <a:prstGeom prst="rect">
+            <a:avLst/>
+          </a:prstGeom>
+          <a:noFill/>
+          <a:extLst>
+            <a:ext uri="{909E8E84-426E-40DD-AFC4-6F175D3DCCD1}">
+              <a14:hiddenFill xmlns:a14="http://schemas.microsoft.com/office/drawing/2010/main">
+                <a:solidFill>
+                  <a:srgbClr val="FFFFFF"/>
+                </a:solidFill>
+              </a14:hiddenFill>
+            </a:ext>
+          </a:extLst>
+        </p:spPr>
+      </p:pic>
+    </p:spTree>
+    <p:extLst>
+      <p:ext uri="{BB962C8B-B14F-4D97-AF65-F5344CB8AC3E}">
+        <p14:creationId xmlns:p14="http://schemas.microsoft.com/office/powerpoint/2010/main" val="2655592685"/>
+      </p:ext>
+    </p:extLst>
+  </p:cSld>
+  <p:clrMapOvr>
+    <a:masterClrMapping/>
+  </p:clrMapOvr>
+  <mc:AlternateContent xmlns:mc="http://schemas.openxmlformats.org/markup-compatibility/2006" xmlns:p14="http://schemas.microsoft.com/office/powerpoint/2010/main">
+    <mc:Choice Requires="p14">
+      <p:transition spd="med" p14:dur="700">
+        <p:fade/>
+      </p:transition>
+    </mc:Choice>
+    <mc:Fallback xmlns="">
       <p:transition spd="med">
         <p:fade/>
       </p:transition>
